--- a/Disposal and Garbage Collection.pptx
+++ b/Disposal and Garbage Collection.pptx
@@ -14,21 +14,35 @@
     <p:sldId id="259" r:id="rId9"/>
     <p:sldId id="260" r:id="rId10"/>
     <p:sldId id="261" r:id="rId11"/>
+    <p:sldId id="262" r:id="rId12"/>
+    <p:sldId id="263" r:id="rId13"/>
+    <p:sldId id="264" r:id="rId14"/>
+    <p:sldId id="265" r:id="rId15"/>
+    <p:sldId id="266" r:id="rId16"/>
+    <p:sldId id="267" r:id="rId17"/>
+    <p:sldId id="268" r:id="rId18"/>
+    <p:sldId id="269" r:id="rId19"/>
+    <p:sldId id="270" r:id="rId20"/>
+    <p:sldId id="271" r:id="rId21"/>
+    <p:sldId id="272" r:id="rId22"/>
+    <p:sldId id="273" r:id="rId23"/>
+    <p:sldId id="274" r:id="rId24"/>
+    <p:sldId id="275" r:id="rId25"/>
   </p:sldIdLst>
   <p:sldSz cy="5143500" cx="9144000"/>
   <p:notesSz cx="6858000" cy="9144000"/>
   <p:embeddedFontLst>
     <p:embeddedFont>
       <p:font typeface="Roboto Slab"/>
-      <p:regular r:id="rId12"/>
-      <p:bold r:id="rId13"/>
+      <p:regular r:id="rId26"/>
+      <p:bold r:id="rId27"/>
     </p:embeddedFont>
     <p:embeddedFont>
       <p:font typeface="Roboto"/>
-      <p:regular r:id="rId14"/>
-      <p:bold r:id="rId15"/>
-      <p:italic r:id="rId16"/>
-      <p:boldItalic r:id="rId17"/>
+      <p:regular r:id="rId28"/>
+      <p:bold r:id="rId29"/>
+      <p:italic r:id="rId30"/>
+      <p:boldItalic r:id="rId31"/>
     </p:embeddedFont>
   </p:embeddedFontLst>
   <p:defaultTextStyle>
@@ -804,12 +818,12 @@
 </p:notes>
 </file>
 
-<file path=ppt/notesSlides/notesSlide2.xml><?xml version="1.0" encoding="utf-8"?>
+<file path=ppt/notesSlides/notesSlide10.xml><?xml version="1.0" encoding="utf-8"?>
 <p:notes xmlns:a="http://schemas.openxmlformats.org/drawingml/2006/main" xmlns:r="http://schemas.openxmlformats.org/officeDocument/2006/relationships" xmlns:mc="http://schemas.openxmlformats.org/markup-compatibility/2006" xmlns:mv="urn:schemas-microsoft-com:mac:vml" xmlns:p="http://schemas.openxmlformats.org/presentationml/2006/main" xmlns:c="http://schemas.openxmlformats.org/drawingml/2006/chart" xmlns:dgm="http://schemas.openxmlformats.org/drawingml/2006/diagram" xmlns:o="urn:schemas-microsoft-com:office:office" xmlns:v="urn:schemas-microsoft-com:vml" xmlns:pvml="urn:schemas-microsoft-com:office:powerpoint" xmlns:com="http://schemas.openxmlformats.org/drawingml/2006/compatibility" xmlns:p14="http://schemas.microsoft.com/office/powerpoint/2010/main" xmlns:p15="http://schemas.microsoft.com/office/powerpoint/2012/main" xmlns:ahyp="http://schemas.microsoft.com/office/drawing/2018/hyperlinkcolor" showMasterPhAnim="0" showMasterSp="0">
   <p:cSld>
     <p:spTree>
       <p:nvGrpSpPr>
-        <p:cNvPr id="66" name="Shape 66"/>
+        <p:cNvPr id="146" name="Shape 146"/>
         <p:cNvGrpSpPr/>
         <p:nvPr/>
       </p:nvGrpSpPr>
@@ -823,7 +837,7 @@
       </p:grpSpPr>
       <p:sp>
         <p:nvSpPr>
-          <p:cNvPr id="67" name="Google Shape;67;g2bde6133cfa_0_56:notes"/>
+          <p:cNvPr id="147" name="Google Shape;147;g2cdc1da36dc_0_12:notes"/>
           <p:cNvSpPr/>
           <p:nvPr>
             <p:ph idx="2" type="sldImg"/>
@@ -858,7 +872,7 @@
       </p:sp>
       <p:sp>
         <p:nvSpPr>
-          <p:cNvPr id="68" name="Google Shape;68;g2bde6133cfa_0_56:notes"/>
+          <p:cNvPr id="148" name="Google Shape;148;g2cdc1da36dc_0_12:notes"/>
           <p:cNvSpPr txBox="1"/>
           <p:nvPr>
             <p:ph idx="1" type="body"/>
@@ -903,12 +917,12 @@
 </p:notes>
 </file>
 
-<file path=ppt/notesSlides/notesSlide3.xml><?xml version="1.0" encoding="utf-8"?>
+<file path=ppt/notesSlides/notesSlide11.xml><?xml version="1.0" encoding="utf-8"?>
 <p:notes xmlns:a="http://schemas.openxmlformats.org/drawingml/2006/main" xmlns:r="http://schemas.openxmlformats.org/officeDocument/2006/relationships" xmlns:mc="http://schemas.openxmlformats.org/markup-compatibility/2006" xmlns:mv="urn:schemas-microsoft-com:mac:vml" xmlns:p="http://schemas.openxmlformats.org/presentationml/2006/main" xmlns:c="http://schemas.openxmlformats.org/drawingml/2006/chart" xmlns:dgm="http://schemas.openxmlformats.org/drawingml/2006/diagram" xmlns:o="urn:schemas-microsoft-com:office:office" xmlns:v="urn:schemas-microsoft-com:vml" xmlns:pvml="urn:schemas-microsoft-com:office:powerpoint" xmlns:com="http://schemas.openxmlformats.org/drawingml/2006/compatibility" xmlns:p14="http://schemas.microsoft.com/office/powerpoint/2010/main" xmlns:p15="http://schemas.microsoft.com/office/powerpoint/2012/main" xmlns:ahyp="http://schemas.microsoft.com/office/drawing/2018/hyperlinkcolor" showMasterPhAnim="0" showMasterSp="0">
   <p:cSld>
     <p:spTree>
       <p:nvGrpSpPr>
-        <p:cNvPr id="73" name="Shape 73"/>
+        <p:cNvPr id="152" name="Shape 152"/>
         <p:cNvGrpSpPr/>
         <p:nvPr/>
       </p:nvGrpSpPr>
@@ -922,7 +936,7 @@
       </p:grpSpPr>
       <p:sp>
         <p:nvSpPr>
-          <p:cNvPr id="74" name="Google Shape;74;g2bde6133cfa_0_62:notes"/>
+          <p:cNvPr id="153" name="Google Shape;153;g2cdc1da36dc_0_24:notes"/>
           <p:cNvSpPr/>
           <p:nvPr>
             <p:ph idx="2" type="sldImg"/>
@@ -957,7 +971,7 @@
       </p:sp>
       <p:sp>
         <p:nvSpPr>
-          <p:cNvPr id="75" name="Google Shape;75;g2bde6133cfa_0_62:notes"/>
+          <p:cNvPr id="154" name="Google Shape;154;g2cdc1da36dc_0_24:notes"/>
           <p:cNvSpPr txBox="1"/>
           <p:nvPr>
             <p:ph idx="1" type="body"/>
@@ -1002,12 +1016,12 @@
 </p:notes>
 </file>
 
-<file path=ppt/notesSlides/notesSlide4.xml><?xml version="1.0" encoding="utf-8"?>
+<file path=ppt/notesSlides/notesSlide12.xml><?xml version="1.0" encoding="utf-8"?>
 <p:notes xmlns:a="http://schemas.openxmlformats.org/drawingml/2006/main" xmlns:r="http://schemas.openxmlformats.org/officeDocument/2006/relationships" xmlns:mc="http://schemas.openxmlformats.org/markup-compatibility/2006" xmlns:mv="urn:schemas-microsoft-com:mac:vml" xmlns:p="http://schemas.openxmlformats.org/presentationml/2006/main" xmlns:c="http://schemas.openxmlformats.org/drawingml/2006/chart" xmlns:dgm="http://schemas.openxmlformats.org/drawingml/2006/diagram" xmlns:o="urn:schemas-microsoft-com:office:office" xmlns:v="urn:schemas-microsoft-com:vml" xmlns:pvml="urn:schemas-microsoft-com:office:powerpoint" xmlns:com="http://schemas.openxmlformats.org/drawingml/2006/compatibility" xmlns:p14="http://schemas.microsoft.com/office/powerpoint/2010/main" xmlns:p15="http://schemas.microsoft.com/office/powerpoint/2012/main" xmlns:ahyp="http://schemas.microsoft.com/office/drawing/2018/hyperlinkcolor" showMasterPhAnim="0" showMasterSp="0">
   <p:cSld>
     <p:spTree>
       <p:nvGrpSpPr>
-        <p:cNvPr id="79" name="Shape 79"/>
+        <p:cNvPr id="158" name="Shape 158"/>
         <p:cNvGrpSpPr/>
         <p:nvPr/>
       </p:nvGrpSpPr>
@@ -1021,7 +1035,7 @@
       </p:grpSpPr>
       <p:sp>
         <p:nvSpPr>
-          <p:cNvPr id="80" name="Google Shape;80;g2bee3e2d384_0_0:notes"/>
+          <p:cNvPr id="159" name="Google Shape;159;g2cdc1da36dc_0_29:notes"/>
           <p:cNvSpPr/>
           <p:nvPr>
             <p:ph idx="2" type="sldImg"/>
@@ -1056,7 +1070,7 @@
       </p:sp>
       <p:sp>
         <p:nvSpPr>
-          <p:cNvPr id="81" name="Google Shape;81;g2bee3e2d384_0_0:notes"/>
+          <p:cNvPr id="160" name="Google Shape;160;g2cdc1da36dc_0_29:notes"/>
           <p:cNvSpPr txBox="1"/>
           <p:nvPr>
             <p:ph idx="1" type="body"/>
@@ -1101,12 +1115,12 @@
 </p:notes>
 </file>
 
-<file path=ppt/notesSlides/notesSlide5.xml><?xml version="1.0" encoding="utf-8"?>
+<file path=ppt/notesSlides/notesSlide13.xml><?xml version="1.0" encoding="utf-8"?>
 <p:notes xmlns:a="http://schemas.openxmlformats.org/drawingml/2006/main" xmlns:r="http://schemas.openxmlformats.org/officeDocument/2006/relationships" xmlns:mc="http://schemas.openxmlformats.org/markup-compatibility/2006" xmlns:mv="urn:schemas-microsoft-com:mac:vml" xmlns:p="http://schemas.openxmlformats.org/presentationml/2006/main" xmlns:c="http://schemas.openxmlformats.org/drawingml/2006/chart" xmlns:dgm="http://schemas.openxmlformats.org/drawingml/2006/diagram" xmlns:o="urn:schemas-microsoft-com:office:office" xmlns:v="urn:schemas-microsoft-com:vml" xmlns:pvml="urn:schemas-microsoft-com:office:powerpoint" xmlns:com="http://schemas.openxmlformats.org/drawingml/2006/compatibility" xmlns:p14="http://schemas.microsoft.com/office/powerpoint/2010/main" xmlns:p15="http://schemas.microsoft.com/office/powerpoint/2012/main" xmlns:ahyp="http://schemas.microsoft.com/office/drawing/2018/hyperlinkcolor" showMasterPhAnim="0" showMasterSp="0">
   <p:cSld>
     <p:spTree>
       <p:nvGrpSpPr>
-        <p:cNvPr id="85" name="Shape 85"/>
+        <p:cNvPr id="164" name="Shape 164"/>
         <p:cNvGrpSpPr/>
         <p:nvPr/>
       </p:nvGrpSpPr>
@@ -1120,7 +1134,7 @@
       </p:grpSpPr>
       <p:sp>
         <p:nvSpPr>
-          <p:cNvPr id="86" name="Google Shape;86;g2bee3e2d384_0_5:notes"/>
+          <p:cNvPr id="165" name="Google Shape;165;g2cdc1da36dc_0_34:notes"/>
           <p:cNvSpPr/>
           <p:nvPr>
             <p:ph idx="2" type="sldImg"/>
@@ -1155,7 +1169,7 @@
       </p:sp>
       <p:sp>
         <p:nvSpPr>
-          <p:cNvPr id="87" name="Google Shape;87;g2bee3e2d384_0_5:notes"/>
+          <p:cNvPr id="166" name="Google Shape;166;g2cdc1da36dc_0_34:notes"/>
           <p:cNvSpPr txBox="1"/>
           <p:nvPr>
             <p:ph idx="1" type="body"/>
@@ -1200,12 +1214,12 @@
 </p:notes>
 </file>
 
-<file path=ppt/notesSlides/notesSlide6.xml><?xml version="1.0" encoding="utf-8"?>
+<file path=ppt/notesSlides/notesSlide14.xml><?xml version="1.0" encoding="utf-8"?>
 <p:notes xmlns:a="http://schemas.openxmlformats.org/drawingml/2006/main" xmlns:r="http://schemas.openxmlformats.org/officeDocument/2006/relationships" xmlns:mc="http://schemas.openxmlformats.org/markup-compatibility/2006" xmlns:mv="urn:schemas-microsoft-com:mac:vml" xmlns:p="http://schemas.openxmlformats.org/presentationml/2006/main" xmlns:c="http://schemas.openxmlformats.org/drawingml/2006/chart" xmlns:dgm="http://schemas.openxmlformats.org/drawingml/2006/diagram" xmlns:o="urn:schemas-microsoft-com:office:office" xmlns:v="urn:schemas-microsoft-com:vml" xmlns:pvml="urn:schemas-microsoft-com:office:powerpoint" xmlns:com="http://schemas.openxmlformats.org/drawingml/2006/compatibility" xmlns:p14="http://schemas.microsoft.com/office/powerpoint/2010/main" xmlns:p15="http://schemas.microsoft.com/office/powerpoint/2012/main" xmlns:ahyp="http://schemas.microsoft.com/office/drawing/2018/hyperlinkcolor" showMasterPhAnim="0" showMasterSp="0">
   <p:cSld>
     <p:spTree>
       <p:nvGrpSpPr>
-        <p:cNvPr id="91" name="Shape 91"/>
+        <p:cNvPr id="170" name="Shape 170"/>
         <p:cNvGrpSpPr/>
         <p:nvPr/>
       </p:nvGrpSpPr>
@@ -1219,7 +1233,7 @@
       </p:grpSpPr>
       <p:sp>
         <p:nvSpPr>
-          <p:cNvPr id="92" name="Google Shape;92;g2bee3e2d384_0_10:notes"/>
+          <p:cNvPr id="171" name="Google Shape;171;g2cdc1da36dc_0_39:notes"/>
           <p:cNvSpPr/>
           <p:nvPr>
             <p:ph idx="2" type="sldImg"/>
@@ -1254,7 +1268,1393 @@
       </p:sp>
       <p:sp>
         <p:nvSpPr>
-          <p:cNvPr id="93" name="Google Shape;93;g2bee3e2d384_0_10:notes"/>
+          <p:cNvPr id="172" name="Google Shape;172;g2cdc1da36dc_0_39:notes"/>
+          <p:cNvSpPr txBox="1"/>
+          <p:nvPr>
+            <p:ph idx="1" type="body"/>
+          </p:nvPr>
+        </p:nvSpPr>
+        <p:spPr>
+          <a:xfrm>
+            <a:off x="685800" y="4343400"/>
+            <a:ext cx="5486400" cy="4114800"/>
+          </a:xfrm>
+          <a:prstGeom prst="rect">
+            <a:avLst/>
+          </a:prstGeom>
+        </p:spPr>
+        <p:txBody>
+          <a:bodyPr anchorCtr="0" anchor="t" bIns="91425" lIns="91425" spcFirstLastPara="1" rIns="91425" wrap="square" tIns="91425">
+            <a:noAutofit/>
+          </a:bodyPr>
+          <a:lstStyle/>
+          <a:p>
+            <a:pPr indent="0" lvl="0" marL="0" rtl="0" algn="l">
+              <a:spcBef>
+                <a:spcPts val="0"/>
+              </a:spcBef>
+              <a:spcAft>
+                <a:spcPts val="0"/>
+              </a:spcAft>
+              <a:buNone/>
+            </a:pPr>
+            <a:r>
+              <a:t/>
+            </a:r>
+            <a:endParaRPr/>
+          </a:p>
+        </p:txBody>
+      </p:sp>
+    </p:spTree>
+  </p:cSld>
+  <p:clrMapOvr>
+    <a:masterClrMapping/>
+  </p:clrMapOvr>
+</p:notes>
+</file>
+
+<file path=ppt/notesSlides/notesSlide15.xml><?xml version="1.0" encoding="utf-8"?>
+<p:notes xmlns:a="http://schemas.openxmlformats.org/drawingml/2006/main" xmlns:r="http://schemas.openxmlformats.org/officeDocument/2006/relationships" xmlns:mc="http://schemas.openxmlformats.org/markup-compatibility/2006" xmlns:mv="urn:schemas-microsoft-com:mac:vml" xmlns:p="http://schemas.openxmlformats.org/presentationml/2006/main" xmlns:c="http://schemas.openxmlformats.org/drawingml/2006/chart" xmlns:dgm="http://schemas.openxmlformats.org/drawingml/2006/diagram" xmlns:o="urn:schemas-microsoft-com:office:office" xmlns:v="urn:schemas-microsoft-com:vml" xmlns:pvml="urn:schemas-microsoft-com:office:powerpoint" xmlns:com="http://schemas.openxmlformats.org/drawingml/2006/compatibility" xmlns:p14="http://schemas.microsoft.com/office/powerpoint/2010/main" xmlns:p15="http://schemas.microsoft.com/office/powerpoint/2012/main" xmlns:ahyp="http://schemas.microsoft.com/office/drawing/2018/hyperlinkcolor" showMasterPhAnim="0" showMasterSp="0">
+  <p:cSld>
+    <p:spTree>
+      <p:nvGrpSpPr>
+        <p:cNvPr id="176" name="Shape 176"/>
+        <p:cNvGrpSpPr/>
+        <p:nvPr/>
+      </p:nvGrpSpPr>
+      <p:grpSpPr>
+        <a:xfrm>
+          <a:off x="0" y="0"/>
+          <a:ext cx="0" cy="0"/>
+          <a:chOff x="0" y="0"/>
+          <a:chExt cx="0" cy="0"/>
+        </a:xfrm>
+      </p:grpSpPr>
+      <p:sp>
+        <p:nvSpPr>
+          <p:cNvPr id="177" name="Google Shape;177;g2cdc1da36dc_0_48:notes"/>
+          <p:cNvSpPr/>
+          <p:nvPr>
+            <p:ph idx="2" type="sldImg"/>
+          </p:nvPr>
+        </p:nvSpPr>
+        <p:spPr>
+          <a:xfrm>
+            <a:off x="381300" y="685800"/>
+            <a:ext cx="6096000" cy="3429000"/>
+          </a:xfrm>
+          <a:custGeom>
+            <a:rect b="b" l="l" r="r" t="t"/>
+            <a:pathLst>
+              <a:path extrusionOk="0" h="120000" w="120000">
+                <a:moveTo>
+                  <a:pt x="0" y="0"/>
+                </a:moveTo>
+                <a:lnTo>
+                  <a:pt x="120000" y="0"/>
+                </a:lnTo>
+                <a:lnTo>
+                  <a:pt x="120000" y="120000"/>
+                </a:lnTo>
+                <a:lnTo>
+                  <a:pt x="0" y="120000"/>
+                </a:lnTo>
+                <a:close/>
+              </a:path>
+            </a:pathLst>
+          </a:custGeom>
+        </p:spPr>
+      </p:sp>
+      <p:sp>
+        <p:nvSpPr>
+          <p:cNvPr id="178" name="Google Shape;178;g2cdc1da36dc_0_48:notes"/>
+          <p:cNvSpPr txBox="1"/>
+          <p:nvPr>
+            <p:ph idx="1" type="body"/>
+          </p:nvPr>
+        </p:nvSpPr>
+        <p:spPr>
+          <a:xfrm>
+            <a:off x="685800" y="4343400"/>
+            <a:ext cx="5486400" cy="4114800"/>
+          </a:xfrm>
+          <a:prstGeom prst="rect">
+            <a:avLst/>
+          </a:prstGeom>
+        </p:spPr>
+        <p:txBody>
+          <a:bodyPr anchorCtr="0" anchor="t" bIns="91425" lIns="91425" spcFirstLastPara="1" rIns="91425" wrap="square" tIns="91425">
+            <a:noAutofit/>
+          </a:bodyPr>
+          <a:lstStyle/>
+          <a:p>
+            <a:pPr indent="0" lvl="0" marL="0" rtl="0" algn="l">
+              <a:spcBef>
+                <a:spcPts val="0"/>
+              </a:spcBef>
+              <a:spcAft>
+                <a:spcPts val="0"/>
+              </a:spcAft>
+              <a:buNone/>
+            </a:pPr>
+            <a:r>
+              <a:t/>
+            </a:r>
+            <a:endParaRPr/>
+          </a:p>
+        </p:txBody>
+      </p:sp>
+    </p:spTree>
+  </p:cSld>
+  <p:clrMapOvr>
+    <a:masterClrMapping/>
+  </p:clrMapOvr>
+</p:notes>
+</file>
+
+<file path=ppt/notesSlides/notesSlide16.xml><?xml version="1.0" encoding="utf-8"?>
+<p:notes xmlns:a="http://schemas.openxmlformats.org/drawingml/2006/main" xmlns:r="http://schemas.openxmlformats.org/officeDocument/2006/relationships" xmlns:mc="http://schemas.openxmlformats.org/markup-compatibility/2006" xmlns:mv="urn:schemas-microsoft-com:mac:vml" xmlns:p="http://schemas.openxmlformats.org/presentationml/2006/main" xmlns:c="http://schemas.openxmlformats.org/drawingml/2006/chart" xmlns:dgm="http://schemas.openxmlformats.org/drawingml/2006/diagram" xmlns:o="urn:schemas-microsoft-com:office:office" xmlns:v="urn:schemas-microsoft-com:vml" xmlns:pvml="urn:schemas-microsoft-com:office:powerpoint" xmlns:com="http://schemas.openxmlformats.org/drawingml/2006/compatibility" xmlns:p14="http://schemas.microsoft.com/office/powerpoint/2010/main" xmlns:p15="http://schemas.microsoft.com/office/powerpoint/2012/main" xmlns:ahyp="http://schemas.microsoft.com/office/drawing/2018/hyperlinkcolor" showMasterPhAnim="0" showMasterSp="0">
+  <p:cSld>
+    <p:spTree>
+      <p:nvGrpSpPr>
+        <p:cNvPr id="182" name="Shape 182"/>
+        <p:cNvGrpSpPr/>
+        <p:nvPr/>
+      </p:nvGrpSpPr>
+      <p:grpSpPr>
+        <a:xfrm>
+          <a:off x="0" y="0"/>
+          <a:ext cx="0" cy="0"/>
+          <a:chOff x="0" y="0"/>
+          <a:chExt cx="0" cy="0"/>
+        </a:xfrm>
+      </p:grpSpPr>
+      <p:sp>
+        <p:nvSpPr>
+          <p:cNvPr id="183" name="Google Shape;183;g2bee3e2d384_0_0:notes"/>
+          <p:cNvSpPr/>
+          <p:nvPr>
+            <p:ph idx="2" type="sldImg"/>
+          </p:nvPr>
+        </p:nvSpPr>
+        <p:spPr>
+          <a:xfrm>
+            <a:off x="381300" y="685800"/>
+            <a:ext cx="6096000" cy="3429000"/>
+          </a:xfrm>
+          <a:custGeom>
+            <a:rect b="b" l="l" r="r" t="t"/>
+            <a:pathLst>
+              <a:path extrusionOk="0" h="120000" w="120000">
+                <a:moveTo>
+                  <a:pt x="0" y="0"/>
+                </a:moveTo>
+                <a:lnTo>
+                  <a:pt x="120000" y="0"/>
+                </a:lnTo>
+                <a:lnTo>
+                  <a:pt x="120000" y="120000"/>
+                </a:lnTo>
+                <a:lnTo>
+                  <a:pt x="0" y="120000"/>
+                </a:lnTo>
+                <a:close/>
+              </a:path>
+            </a:pathLst>
+          </a:custGeom>
+        </p:spPr>
+      </p:sp>
+      <p:sp>
+        <p:nvSpPr>
+          <p:cNvPr id="184" name="Google Shape;184;g2bee3e2d384_0_0:notes"/>
+          <p:cNvSpPr txBox="1"/>
+          <p:nvPr>
+            <p:ph idx="1" type="body"/>
+          </p:nvPr>
+        </p:nvSpPr>
+        <p:spPr>
+          <a:xfrm>
+            <a:off x="685800" y="4343400"/>
+            <a:ext cx="5486400" cy="4114800"/>
+          </a:xfrm>
+          <a:prstGeom prst="rect">
+            <a:avLst/>
+          </a:prstGeom>
+        </p:spPr>
+        <p:txBody>
+          <a:bodyPr anchorCtr="0" anchor="t" bIns="91425" lIns="91425" spcFirstLastPara="1" rIns="91425" wrap="square" tIns="91425">
+            <a:noAutofit/>
+          </a:bodyPr>
+          <a:lstStyle/>
+          <a:p>
+            <a:pPr indent="0" lvl="0" marL="0" rtl="0" algn="l">
+              <a:spcBef>
+                <a:spcPts val="0"/>
+              </a:spcBef>
+              <a:spcAft>
+                <a:spcPts val="0"/>
+              </a:spcAft>
+              <a:buNone/>
+            </a:pPr>
+            <a:r>
+              <a:t/>
+            </a:r>
+            <a:endParaRPr/>
+          </a:p>
+        </p:txBody>
+      </p:sp>
+    </p:spTree>
+  </p:cSld>
+  <p:clrMapOvr>
+    <a:masterClrMapping/>
+  </p:clrMapOvr>
+</p:notes>
+</file>
+
+<file path=ppt/notesSlides/notesSlide17.xml><?xml version="1.0" encoding="utf-8"?>
+<p:notes xmlns:a="http://schemas.openxmlformats.org/drawingml/2006/main" xmlns:r="http://schemas.openxmlformats.org/officeDocument/2006/relationships" xmlns:mc="http://schemas.openxmlformats.org/markup-compatibility/2006" xmlns:mv="urn:schemas-microsoft-com:mac:vml" xmlns:p="http://schemas.openxmlformats.org/presentationml/2006/main" xmlns:c="http://schemas.openxmlformats.org/drawingml/2006/chart" xmlns:dgm="http://schemas.openxmlformats.org/drawingml/2006/diagram" xmlns:o="urn:schemas-microsoft-com:office:office" xmlns:v="urn:schemas-microsoft-com:vml" xmlns:pvml="urn:schemas-microsoft-com:office:powerpoint" xmlns:com="http://schemas.openxmlformats.org/drawingml/2006/compatibility" xmlns:p14="http://schemas.microsoft.com/office/powerpoint/2010/main" xmlns:p15="http://schemas.microsoft.com/office/powerpoint/2012/main" xmlns:ahyp="http://schemas.microsoft.com/office/drawing/2018/hyperlinkcolor" showMasterPhAnim="0" showMasterSp="0">
+  <p:cSld>
+    <p:spTree>
+      <p:nvGrpSpPr>
+        <p:cNvPr id="188" name="Shape 188"/>
+        <p:cNvGrpSpPr/>
+        <p:nvPr/>
+      </p:nvGrpSpPr>
+      <p:grpSpPr>
+        <a:xfrm>
+          <a:off x="0" y="0"/>
+          <a:ext cx="0" cy="0"/>
+          <a:chOff x="0" y="0"/>
+          <a:chExt cx="0" cy="0"/>
+        </a:xfrm>
+      </p:grpSpPr>
+      <p:sp>
+        <p:nvSpPr>
+          <p:cNvPr id="189" name="Google Shape;189;g2bee3e2d384_0_5:notes"/>
+          <p:cNvSpPr/>
+          <p:nvPr>
+            <p:ph idx="2" type="sldImg"/>
+          </p:nvPr>
+        </p:nvSpPr>
+        <p:spPr>
+          <a:xfrm>
+            <a:off x="381300" y="685800"/>
+            <a:ext cx="6096000" cy="3429000"/>
+          </a:xfrm>
+          <a:custGeom>
+            <a:rect b="b" l="l" r="r" t="t"/>
+            <a:pathLst>
+              <a:path extrusionOk="0" h="120000" w="120000">
+                <a:moveTo>
+                  <a:pt x="0" y="0"/>
+                </a:moveTo>
+                <a:lnTo>
+                  <a:pt x="120000" y="0"/>
+                </a:lnTo>
+                <a:lnTo>
+                  <a:pt x="120000" y="120000"/>
+                </a:lnTo>
+                <a:lnTo>
+                  <a:pt x="0" y="120000"/>
+                </a:lnTo>
+                <a:close/>
+              </a:path>
+            </a:pathLst>
+          </a:custGeom>
+        </p:spPr>
+      </p:sp>
+      <p:sp>
+        <p:nvSpPr>
+          <p:cNvPr id="190" name="Google Shape;190;g2bee3e2d384_0_5:notes"/>
+          <p:cNvSpPr txBox="1"/>
+          <p:nvPr>
+            <p:ph idx="1" type="body"/>
+          </p:nvPr>
+        </p:nvSpPr>
+        <p:spPr>
+          <a:xfrm>
+            <a:off x="685800" y="4343400"/>
+            <a:ext cx="5486400" cy="4114800"/>
+          </a:xfrm>
+          <a:prstGeom prst="rect">
+            <a:avLst/>
+          </a:prstGeom>
+        </p:spPr>
+        <p:txBody>
+          <a:bodyPr anchorCtr="0" anchor="t" bIns="91425" lIns="91425" spcFirstLastPara="1" rIns="91425" wrap="square" tIns="91425">
+            <a:noAutofit/>
+          </a:bodyPr>
+          <a:lstStyle/>
+          <a:p>
+            <a:pPr indent="0" lvl="0" marL="0" rtl="0" algn="l">
+              <a:spcBef>
+                <a:spcPts val="0"/>
+              </a:spcBef>
+              <a:spcAft>
+                <a:spcPts val="0"/>
+              </a:spcAft>
+              <a:buNone/>
+            </a:pPr>
+            <a:r>
+              <a:t/>
+            </a:r>
+            <a:endParaRPr/>
+          </a:p>
+        </p:txBody>
+      </p:sp>
+    </p:spTree>
+  </p:cSld>
+  <p:clrMapOvr>
+    <a:masterClrMapping/>
+  </p:clrMapOvr>
+</p:notes>
+</file>
+
+<file path=ppt/notesSlides/notesSlide18.xml><?xml version="1.0" encoding="utf-8"?>
+<p:notes xmlns:a="http://schemas.openxmlformats.org/drawingml/2006/main" xmlns:r="http://schemas.openxmlformats.org/officeDocument/2006/relationships" xmlns:mc="http://schemas.openxmlformats.org/markup-compatibility/2006" xmlns:mv="urn:schemas-microsoft-com:mac:vml" xmlns:p="http://schemas.openxmlformats.org/presentationml/2006/main" xmlns:c="http://schemas.openxmlformats.org/drawingml/2006/chart" xmlns:dgm="http://schemas.openxmlformats.org/drawingml/2006/diagram" xmlns:o="urn:schemas-microsoft-com:office:office" xmlns:v="urn:schemas-microsoft-com:vml" xmlns:pvml="urn:schemas-microsoft-com:office:powerpoint" xmlns:com="http://schemas.openxmlformats.org/drawingml/2006/compatibility" xmlns:p14="http://schemas.microsoft.com/office/powerpoint/2010/main" xmlns:p15="http://schemas.microsoft.com/office/powerpoint/2012/main" xmlns:ahyp="http://schemas.microsoft.com/office/drawing/2018/hyperlinkcolor" showMasterPhAnim="0" showMasterSp="0">
+  <p:cSld>
+    <p:spTree>
+      <p:nvGrpSpPr>
+        <p:cNvPr id="194" name="Shape 194"/>
+        <p:cNvGrpSpPr/>
+        <p:nvPr/>
+      </p:nvGrpSpPr>
+      <p:grpSpPr>
+        <a:xfrm>
+          <a:off x="0" y="0"/>
+          <a:ext cx="0" cy="0"/>
+          <a:chOff x="0" y="0"/>
+          <a:chExt cx="0" cy="0"/>
+        </a:xfrm>
+      </p:grpSpPr>
+      <p:sp>
+        <p:nvSpPr>
+          <p:cNvPr id="195" name="Google Shape;195;g2bee3e2d384_0_10:notes"/>
+          <p:cNvSpPr/>
+          <p:nvPr>
+            <p:ph idx="2" type="sldImg"/>
+          </p:nvPr>
+        </p:nvSpPr>
+        <p:spPr>
+          <a:xfrm>
+            <a:off x="381300" y="685800"/>
+            <a:ext cx="6096000" cy="3429000"/>
+          </a:xfrm>
+          <a:custGeom>
+            <a:rect b="b" l="l" r="r" t="t"/>
+            <a:pathLst>
+              <a:path extrusionOk="0" h="120000" w="120000">
+                <a:moveTo>
+                  <a:pt x="0" y="0"/>
+                </a:moveTo>
+                <a:lnTo>
+                  <a:pt x="120000" y="0"/>
+                </a:lnTo>
+                <a:lnTo>
+                  <a:pt x="120000" y="120000"/>
+                </a:lnTo>
+                <a:lnTo>
+                  <a:pt x="0" y="120000"/>
+                </a:lnTo>
+                <a:close/>
+              </a:path>
+            </a:pathLst>
+          </a:custGeom>
+        </p:spPr>
+      </p:sp>
+      <p:sp>
+        <p:nvSpPr>
+          <p:cNvPr id="196" name="Google Shape;196;g2bee3e2d384_0_10:notes"/>
+          <p:cNvSpPr txBox="1"/>
+          <p:nvPr>
+            <p:ph idx="1" type="body"/>
+          </p:nvPr>
+        </p:nvSpPr>
+        <p:spPr>
+          <a:xfrm>
+            <a:off x="685800" y="4343400"/>
+            <a:ext cx="5486400" cy="4114800"/>
+          </a:xfrm>
+          <a:prstGeom prst="rect">
+            <a:avLst/>
+          </a:prstGeom>
+        </p:spPr>
+        <p:txBody>
+          <a:bodyPr anchorCtr="0" anchor="t" bIns="91425" lIns="91425" spcFirstLastPara="1" rIns="91425" wrap="square" tIns="91425">
+            <a:noAutofit/>
+          </a:bodyPr>
+          <a:lstStyle/>
+          <a:p>
+            <a:pPr indent="0" lvl="0" marL="0" rtl="0" algn="l">
+              <a:spcBef>
+                <a:spcPts val="0"/>
+              </a:spcBef>
+              <a:spcAft>
+                <a:spcPts val="0"/>
+              </a:spcAft>
+              <a:buNone/>
+            </a:pPr>
+            <a:r>
+              <a:t/>
+            </a:r>
+            <a:endParaRPr/>
+          </a:p>
+        </p:txBody>
+      </p:sp>
+    </p:spTree>
+  </p:cSld>
+  <p:clrMapOvr>
+    <a:masterClrMapping/>
+  </p:clrMapOvr>
+</p:notes>
+</file>
+
+<file path=ppt/notesSlides/notesSlide19.xml><?xml version="1.0" encoding="utf-8"?>
+<p:notes xmlns:a="http://schemas.openxmlformats.org/drawingml/2006/main" xmlns:r="http://schemas.openxmlformats.org/officeDocument/2006/relationships" xmlns:mc="http://schemas.openxmlformats.org/markup-compatibility/2006" xmlns:mv="urn:schemas-microsoft-com:mac:vml" xmlns:p="http://schemas.openxmlformats.org/presentationml/2006/main" xmlns:c="http://schemas.openxmlformats.org/drawingml/2006/chart" xmlns:dgm="http://schemas.openxmlformats.org/drawingml/2006/diagram" xmlns:o="urn:schemas-microsoft-com:office:office" xmlns:v="urn:schemas-microsoft-com:vml" xmlns:pvml="urn:schemas-microsoft-com:office:powerpoint" xmlns:com="http://schemas.openxmlformats.org/drawingml/2006/compatibility" xmlns:p14="http://schemas.microsoft.com/office/powerpoint/2010/main" xmlns:p15="http://schemas.microsoft.com/office/powerpoint/2012/main" xmlns:ahyp="http://schemas.microsoft.com/office/drawing/2018/hyperlinkcolor" showMasterPhAnim="0" showMasterSp="0">
+  <p:cSld>
+    <p:spTree>
+      <p:nvGrpSpPr>
+        <p:cNvPr id="199" name="Shape 199"/>
+        <p:cNvGrpSpPr/>
+        <p:nvPr/>
+      </p:nvGrpSpPr>
+      <p:grpSpPr>
+        <a:xfrm>
+          <a:off x="0" y="0"/>
+          <a:ext cx="0" cy="0"/>
+          <a:chOff x="0" y="0"/>
+          <a:chExt cx="0" cy="0"/>
+        </a:xfrm>
+      </p:grpSpPr>
+      <p:sp>
+        <p:nvSpPr>
+          <p:cNvPr id="200" name="Google Shape;200;g2c4984726c7_0_0:notes"/>
+          <p:cNvSpPr/>
+          <p:nvPr>
+            <p:ph idx="2" type="sldImg"/>
+          </p:nvPr>
+        </p:nvSpPr>
+        <p:spPr>
+          <a:xfrm>
+            <a:off x="381300" y="685800"/>
+            <a:ext cx="6096000" cy="3429000"/>
+          </a:xfrm>
+          <a:custGeom>
+            <a:rect b="b" l="l" r="r" t="t"/>
+            <a:pathLst>
+              <a:path extrusionOk="0" h="120000" w="120000">
+                <a:moveTo>
+                  <a:pt x="0" y="0"/>
+                </a:moveTo>
+                <a:lnTo>
+                  <a:pt x="120000" y="0"/>
+                </a:lnTo>
+                <a:lnTo>
+                  <a:pt x="120000" y="120000"/>
+                </a:lnTo>
+                <a:lnTo>
+                  <a:pt x="0" y="120000"/>
+                </a:lnTo>
+                <a:close/>
+              </a:path>
+            </a:pathLst>
+          </a:custGeom>
+        </p:spPr>
+      </p:sp>
+      <p:sp>
+        <p:nvSpPr>
+          <p:cNvPr id="201" name="Google Shape;201;g2c4984726c7_0_0:notes"/>
+          <p:cNvSpPr txBox="1"/>
+          <p:nvPr>
+            <p:ph idx="1" type="body"/>
+          </p:nvPr>
+        </p:nvSpPr>
+        <p:spPr>
+          <a:xfrm>
+            <a:off x="685800" y="4343400"/>
+            <a:ext cx="5486400" cy="4114800"/>
+          </a:xfrm>
+          <a:prstGeom prst="rect">
+            <a:avLst/>
+          </a:prstGeom>
+        </p:spPr>
+        <p:txBody>
+          <a:bodyPr anchorCtr="0" anchor="t" bIns="91425" lIns="91425" spcFirstLastPara="1" rIns="91425" wrap="square" tIns="91425">
+            <a:noAutofit/>
+          </a:bodyPr>
+          <a:lstStyle/>
+          <a:p>
+            <a:pPr indent="0" lvl="0" marL="0" rtl="0" algn="l">
+              <a:spcBef>
+                <a:spcPts val="0"/>
+              </a:spcBef>
+              <a:spcAft>
+                <a:spcPts val="0"/>
+              </a:spcAft>
+              <a:buNone/>
+            </a:pPr>
+            <a:r>
+              <a:t/>
+            </a:r>
+            <a:endParaRPr/>
+          </a:p>
+        </p:txBody>
+      </p:sp>
+    </p:spTree>
+  </p:cSld>
+  <p:clrMapOvr>
+    <a:masterClrMapping/>
+  </p:clrMapOvr>
+</p:notes>
+</file>
+
+<file path=ppt/notesSlides/notesSlide2.xml><?xml version="1.0" encoding="utf-8"?>
+<p:notes xmlns:a="http://schemas.openxmlformats.org/drawingml/2006/main" xmlns:r="http://schemas.openxmlformats.org/officeDocument/2006/relationships" xmlns:mc="http://schemas.openxmlformats.org/markup-compatibility/2006" xmlns:mv="urn:schemas-microsoft-com:mac:vml" xmlns:p="http://schemas.openxmlformats.org/presentationml/2006/main" xmlns:c="http://schemas.openxmlformats.org/drawingml/2006/chart" xmlns:dgm="http://schemas.openxmlformats.org/drawingml/2006/diagram" xmlns:o="urn:schemas-microsoft-com:office:office" xmlns:v="urn:schemas-microsoft-com:vml" xmlns:pvml="urn:schemas-microsoft-com:office:powerpoint" xmlns:com="http://schemas.openxmlformats.org/drawingml/2006/compatibility" xmlns:p14="http://schemas.microsoft.com/office/powerpoint/2010/main" xmlns:p15="http://schemas.microsoft.com/office/powerpoint/2012/main" xmlns:ahyp="http://schemas.microsoft.com/office/drawing/2018/hyperlinkcolor" showMasterPhAnim="0" showMasterSp="0">
+  <p:cSld>
+    <p:spTree>
+      <p:nvGrpSpPr>
+        <p:cNvPr id="66" name="Shape 66"/>
+        <p:cNvGrpSpPr/>
+        <p:nvPr/>
+      </p:nvGrpSpPr>
+      <p:grpSpPr>
+        <a:xfrm>
+          <a:off x="0" y="0"/>
+          <a:ext cx="0" cy="0"/>
+          <a:chOff x="0" y="0"/>
+          <a:chExt cx="0" cy="0"/>
+        </a:xfrm>
+      </p:grpSpPr>
+      <p:sp>
+        <p:nvSpPr>
+          <p:cNvPr id="67" name="Google Shape;67;g2bde6133cfa_0_56:notes"/>
+          <p:cNvSpPr/>
+          <p:nvPr>
+            <p:ph idx="2" type="sldImg"/>
+          </p:nvPr>
+        </p:nvSpPr>
+        <p:spPr>
+          <a:xfrm>
+            <a:off x="381300" y="685800"/>
+            <a:ext cx="6096000" cy="3429000"/>
+          </a:xfrm>
+          <a:custGeom>
+            <a:rect b="b" l="l" r="r" t="t"/>
+            <a:pathLst>
+              <a:path extrusionOk="0" h="120000" w="120000">
+                <a:moveTo>
+                  <a:pt x="0" y="0"/>
+                </a:moveTo>
+                <a:lnTo>
+                  <a:pt x="120000" y="0"/>
+                </a:lnTo>
+                <a:lnTo>
+                  <a:pt x="120000" y="120000"/>
+                </a:lnTo>
+                <a:lnTo>
+                  <a:pt x="0" y="120000"/>
+                </a:lnTo>
+                <a:close/>
+              </a:path>
+            </a:pathLst>
+          </a:custGeom>
+        </p:spPr>
+      </p:sp>
+      <p:sp>
+        <p:nvSpPr>
+          <p:cNvPr id="68" name="Google Shape;68;g2bde6133cfa_0_56:notes"/>
+          <p:cNvSpPr txBox="1"/>
+          <p:nvPr>
+            <p:ph idx="1" type="body"/>
+          </p:nvPr>
+        </p:nvSpPr>
+        <p:spPr>
+          <a:xfrm>
+            <a:off x="685800" y="4343400"/>
+            <a:ext cx="5486400" cy="4114800"/>
+          </a:xfrm>
+          <a:prstGeom prst="rect">
+            <a:avLst/>
+          </a:prstGeom>
+        </p:spPr>
+        <p:txBody>
+          <a:bodyPr anchorCtr="0" anchor="t" bIns="91425" lIns="91425" spcFirstLastPara="1" rIns="91425" wrap="square" tIns="91425">
+            <a:noAutofit/>
+          </a:bodyPr>
+          <a:lstStyle/>
+          <a:p>
+            <a:pPr indent="0" lvl="0" marL="0" rtl="0" algn="l">
+              <a:spcBef>
+                <a:spcPts val="0"/>
+              </a:spcBef>
+              <a:spcAft>
+                <a:spcPts val="0"/>
+              </a:spcAft>
+              <a:buNone/>
+            </a:pPr>
+            <a:r>
+              <a:t/>
+            </a:r>
+            <a:endParaRPr/>
+          </a:p>
+        </p:txBody>
+      </p:sp>
+    </p:spTree>
+  </p:cSld>
+  <p:clrMapOvr>
+    <a:masterClrMapping/>
+  </p:clrMapOvr>
+</p:notes>
+</file>
+
+<file path=ppt/notesSlides/notesSlide20.xml><?xml version="1.0" encoding="utf-8"?>
+<p:notes xmlns:a="http://schemas.openxmlformats.org/drawingml/2006/main" xmlns:r="http://schemas.openxmlformats.org/officeDocument/2006/relationships" xmlns:mc="http://schemas.openxmlformats.org/markup-compatibility/2006" xmlns:mv="urn:schemas-microsoft-com:mac:vml" xmlns:p="http://schemas.openxmlformats.org/presentationml/2006/main" xmlns:c="http://schemas.openxmlformats.org/drawingml/2006/chart" xmlns:dgm="http://schemas.openxmlformats.org/drawingml/2006/diagram" xmlns:o="urn:schemas-microsoft-com:office:office" xmlns:v="urn:schemas-microsoft-com:vml" xmlns:pvml="urn:schemas-microsoft-com:office:powerpoint" xmlns:com="http://schemas.openxmlformats.org/drawingml/2006/compatibility" xmlns:p14="http://schemas.microsoft.com/office/powerpoint/2010/main" xmlns:p15="http://schemas.microsoft.com/office/powerpoint/2012/main" xmlns:ahyp="http://schemas.microsoft.com/office/drawing/2018/hyperlinkcolor" showMasterPhAnim="0" showMasterSp="0">
+  <p:cSld>
+    <p:spTree>
+      <p:nvGrpSpPr>
+        <p:cNvPr id="208" name="Shape 208"/>
+        <p:cNvGrpSpPr/>
+        <p:nvPr/>
+      </p:nvGrpSpPr>
+      <p:grpSpPr>
+        <a:xfrm>
+          <a:off x="0" y="0"/>
+          <a:ext cx="0" cy="0"/>
+          <a:chOff x="0" y="0"/>
+          <a:chExt cx="0" cy="0"/>
+        </a:xfrm>
+      </p:grpSpPr>
+      <p:sp>
+        <p:nvSpPr>
+          <p:cNvPr id="209" name="Google Shape;209;g2cdc1da36dc_0_17:notes"/>
+          <p:cNvSpPr/>
+          <p:nvPr>
+            <p:ph idx="2" type="sldImg"/>
+          </p:nvPr>
+        </p:nvSpPr>
+        <p:spPr>
+          <a:xfrm>
+            <a:off x="381300" y="685800"/>
+            <a:ext cx="6096000" cy="3429000"/>
+          </a:xfrm>
+          <a:custGeom>
+            <a:rect b="b" l="l" r="r" t="t"/>
+            <a:pathLst>
+              <a:path extrusionOk="0" h="120000" w="120000">
+                <a:moveTo>
+                  <a:pt x="0" y="0"/>
+                </a:moveTo>
+                <a:lnTo>
+                  <a:pt x="120000" y="0"/>
+                </a:lnTo>
+                <a:lnTo>
+                  <a:pt x="120000" y="120000"/>
+                </a:lnTo>
+                <a:lnTo>
+                  <a:pt x="0" y="120000"/>
+                </a:lnTo>
+                <a:close/>
+              </a:path>
+            </a:pathLst>
+          </a:custGeom>
+        </p:spPr>
+      </p:sp>
+      <p:sp>
+        <p:nvSpPr>
+          <p:cNvPr id="210" name="Google Shape;210;g2cdc1da36dc_0_17:notes"/>
+          <p:cNvSpPr txBox="1"/>
+          <p:nvPr>
+            <p:ph idx="1" type="body"/>
+          </p:nvPr>
+        </p:nvSpPr>
+        <p:spPr>
+          <a:xfrm>
+            <a:off x="685800" y="4343400"/>
+            <a:ext cx="5486400" cy="4114800"/>
+          </a:xfrm>
+          <a:prstGeom prst="rect">
+            <a:avLst/>
+          </a:prstGeom>
+        </p:spPr>
+        <p:txBody>
+          <a:bodyPr anchorCtr="0" anchor="t" bIns="91425" lIns="91425" spcFirstLastPara="1" rIns="91425" wrap="square" tIns="91425">
+            <a:noAutofit/>
+          </a:bodyPr>
+          <a:lstStyle/>
+          <a:p>
+            <a:pPr indent="0" lvl="0" marL="0" rtl="0" algn="l">
+              <a:spcBef>
+                <a:spcPts val="0"/>
+              </a:spcBef>
+              <a:spcAft>
+                <a:spcPts val="0"/>
+              </a:spcAft>
+              <a:buNone/>
+            </a:pPr>
+            <a:r>
+              <a:t/>
+            </a:r>
+            <a:endParaRPr/>
+          </a:p>
+        </p:txBody>
+      </p:sp>
+    </p:spTree>
+  </p:cSld>
+  <p:clrMapOvr>
+    <a:masterClrMapping/>
+  </p:clrMapOvr>
+</p:notes>
+</file>
+
+<file path=ppt/notesSlides/notesSlide3.xml><?xml version="1.0" encoding="utf-8"?>
+<p:notes xmlns:a="http://schemas.openxmlformats.org/drawingml/2006/main" xmlns:r="http://schemas.openxmlformats.org/officeDocument/2006/relationships" xmlns:mc="http://schemas.openxmlformats.org/markup-compatibility/2006" xmlns:mv="urn:schemas-microsoft-com:mac:vml" xmlns:p="http://schemas.openxmlformats.org/presentationml/2006/main" xmlns:c="http://schemas.openxmlformats.org/drawingml/2006/chart" xmlns:dgm="http://schemas.openxmlformats.org/drawingml/2006/diagram" xmlns:o="urn:schemas-microsoft-com:office:office" xmlns:v="urn:schemas-microsoft-com:vml" xmlns:pvml="urn:schemas-microsoft-com:office:powerpoint" xmlns:com="http://schemas.openxmlformats.org/drawingml/2006/compatibility" xmlns:p14="http://schemas.microsoft.com/office/powerpoint/2010/main" xmlns:p15="http://schemas.microsoft.com/office/powerpoint/2012/main" xmlns:ahyp="http://schemas.microsoft.com/office/drawing/2018/hyperlinkcolor" showMasterPhAnim="0" showMasterSp="0">
+  <p:cSld>
+    <p:spTree>
+      <p:nvGrpSpPr>
+        <p:cNvPr id="72" name="Shape 72"/>
+        <p:cNvGrpSpPr/>
+        <p:nvPr/>
+      </p:nvGrpSpPr>
+      <p:grpSpPr>
+        <a:xfrm>
+          <a:off x="0" y="0"/>
+          <a:ext cx="0" cy="0"/>
+          <a:chOff x="0" y="0"/>
+          <a:chExt cx="0" cy="0"/>
+        </a:xfrm>
+      </p:grpSpPr>
+      <p:sp>
+        <p:nvSpPr>
+          <p:cNvPr id="73" name="Google Shape;73;g2cdc1da36dc_0_0:notes"/>
+          <p:cNvSpPr/>
+          <p:nvPr>
+            <p:ph idx="2" type="sldImg"/>
+          </p:nvPr>
+        </p:nvSpPr>
+        <p:spPr>
+          <a:xfrm>
+            <a:off x="381300" y="685800"/>
+            <a:ext cx="6096000" cy="3429000"/>
+          </a:xfrm>
+          <a:custGeom>
+            <a:rect b="b" l="l" r="r" t="t"/>
+            <a:pathLst>
+              <a:path extrusionOk="0" h="120000" w="120000">
+                <a:moveTo>
+                  <a:pt x="0" y="0"/>
+                </a:moveTo>
+                <a:lnTo>
+                  <a:pt x="120000" y="0"/>
+                </a:lnTo>
+                <a:lnTo>
+                  <a:pt x="120000" y="120000"/>
+                </a:lnTo>
+                <a:lnTo>
+                  <a:pt x="0" y="120000"/>
+                </a:lnTo>
+                <a:close/>
+              </a:path>
+            </a:pathLst>
+          </a:custGeom>
+        </p:spPr>
+      </p:sp>
+      <p:sp>
+        <p:nvSpPr>
+          <p:cNvPr id="74" name="Google Shape;74;g2cdc1da36dc_0_0:notes"/>
+          <p:cNvSpPr txBox="1"/>
+          <p:nvPr>
+            <p:ph idx="1" type="body"/>
+          </p:nvPr>
+        </p:nvSpPr>
+        <p:spPr>
+          <a:xfrm>
+            <a:off x="685800" y="4343400"/>
+            <a:ext cx="5486400" cy="4114800"/>
+          </a:xfrm>
+          <a:prstGeom prst="rect">
+            <a:avLst/>
+          </a:prstGeom>
+        </p:spPr>
+        <p:txBody>
+          <a:bodyPr anchorCtr="0" anchor="t" bIns="91425" lIns="91425" spcFirstLastPara="1" rIns="91425" wrap="square" tIns="91425">
+            <a:noAutofit/>
+          </a:bodyPr>
+          <a:lstStyle/>
+          <a:p>
+            <a:pPr indent="0" lvl="0" marL="0" rtl="0" algn="l">
+              <a:spcBef>
+                <a:spcPts val="0"/>
+              </a:spcBef>
+              <a:spcAft>
+                <a:spcPts val="0"/>
+              </a:spcAft>
+              <a:buNone/>
+            </a:pPr>
+            <a:r>
+              <a:t/>
+            </a:r>
+            <a:endParaRPr/>
+          </a:p>
+        </p:txBody>
+      </p:sp>
+    </p:spTree>
+  </p:cSld>
+  <p:clrMapOvr>
+    <a:masterClrMapping/>
+  </p:clrMapOvr>
+</p:notes>
+</file>
+
+<file path=ppt/notesSlides/notesSlide4.xml><?xml version="1.0" encoding="utf-8"?>
+<p:notes xmlns:a="http://schemas.openxmlformats.org/drawingml/2006/main" xmlns:r="http://schemas.openxmlformats.org/officeDocument/2006/relationships" xmlns:mc="http://schemas.openxmlformats.org/markup-compatibility/2006" xmlns:mv="urn:schemas-microsoft-com:mac:vml" xmlns:p="http://schemas.openxmlformats.org/presentationml/2006/main" xmlns:c="http://schemas.openxmlformats.org/drawingml/2006/chart" xmlns:dgm="http://schemas.openxmlformats.org/drawingml/2006/diagram" xmlns:o="urn:schemas-microsoft-com:office:office" xmlns:v="urn:schemas-microsoft-com:vml" xmlns:pvml="urn:schemas-microsoft-com:office:powerpoint" xmlns:com="http://schemas.openxmlformats.org/drawingml/2006/compatibility" xmlns:p14="http://schemas.microsoft.com/office/powerpoint/2010/main" xmlns:p15="http://schemas.microsoft.com/office/powerpoint/2012/main" xmlns:ahyp="http://schemas.microsoft.com/office/drawing/2018/hyperlinkcolor" showMasterPhAnim="0" showMasterSp="0">
+  <p:cSld>
+    <p:spTree>
+      <p:nvGrpSpPr>
+        <p:cNvPr id="78" name="Shape 78"/>
+        <p:cNvGrpSpPr/>
+        <p:nvPr/>
+      </p:nvGrpSpPr>
+      <p:grpSpPr>
+        <a:xfrm>
+          <a:off x="0" y="0"/>
+          <a:ext cx="0" cy="0"/>
+          <a:chOff x="0" y="0"/>
+          <a:chExt cx="0" cy="0"/>
+        </a:xfrm>
+      </p:grpSpPr>
+      <p:sp>
+        <p:nvSpPr>
+          <p:cNvPr id="79" name="Google Shape;79;g2cd3c015a1b_0_12:notes"/>
+          <p:cNvSpPr/>
+          <p:nvPr>
+            <p:ph idx="2" type="sldImg"/>
+          </p:nvPr>
+        </p:nvSpPr>
+        <p:spPr>
+          <a:xfrm>
+            <a:off x="381300" y="685800"/>
+            <a:ext cx="6096000" cy="3429000"/>
+          </a:xfrm>
+          <a:custGeom>
+            <a:rect b="b" l="l" r="r" t="t"/>
+            <a:pathLst>
+              <a:path extrusionOk="0" h="120000" w="120000">
+                <a:moveTo>
+                  <a:pt x="0" y="0"/>
+                </a:moveTo>
+                <a:lnTo>
+                  <a:pt x="120000" y="0"/>
+                </a:lnTo>
+                <a:lnTo>
+                  <a:pt x="120000" y="120000"/>
+                </a:lnTo>
+                <a:lnTo>
+                  <a:pt x="0" y="120000"/>
+                </a:lnTo>
+                <a:close/>
+              </a:path>
+            </a:pathLst>
+          </a:custGeom>
+        </p:spPr>
+      </p:sp>
+      <p:sp>
+        <p:nvSpPr>
+          <p:cNvPr id="80" name="Google Shape;80;g2cd3c015a1b_0_12:notes"/>
+          <p:cNvSpPr txBox="1"/>
+          <p:nvPr>
+            <p:ph idx="1" type="body"/>
+          </p:nvPr>
+        </p:nvSpPr>
+        <p:spPr>
+          <a:xfrm>
+            <a:off x="685800" y="4343400"/>
+            <a:ext cx="5486400" cy="4114800"/>
+          </a:xfrm>
+          <a:prstGeom prst="rect">
+            <a:avLst/>
+          </a:prstGeom>
+        </p:spPr>
+        <p:txBody>
+          <a:bodyPr anchorCtr="0" anchor="t" bIns="91425" lIns="91425" spcFirstLastPara="1" rIns="91425" wrap="square" tIns="91425">
+            <a:noAutofit/>
+          </a:bodyPr>
+          <a:lstStyle/>
+          <a:p>
+            <a:pPr indent="0" lvl="0" marL="0" rtl="0" algn="l">
+              <a:spcBef>
+                <a:spcPts val="0"/>
+              </a:spcBef>
+              <a:spcAft>
+                <a:spcPts val="0"/>
+              </a:spcAft>
+              <a:buNone/>
+            </a:pPr>
+            <a:r>
+              <a:t/>
+            </a:r>
+            <a:endParaRPr/>
+          </a:p>
+        </p:txBody>
+      </p:sp>
+    </p:spTree>
+  </p:cSld>
+  <p:clrMapOvr>
+    <a:masterClrMapping/>
+  </p:clrMapOvr>
+</p:notes>
+</file>
+
+<file path=ppt/notesSlides/notesSlide5.xml><?xml version="1.0" encoding="utf-8"?>
+<p:notes xmlns:a="http://schemas.openxmlformats.org/drawingml/2006/main" xmlns:r="http://schemas.openxmlformats.org/officeDocument/2006/relationships" xmlns:mc="http://schemas.openxmlformats.org/markup-compatibility/2006" xmlns:mv="urn:schemas-microsoft-com:mac:vml" xmlns:p="http://schemas.openxmlformats.org/presentationml/2006/main" xmlns:c="http://schemas.openxmlformats.org/drawingml/2006/chart" xmlns:dgm="http://schemas.openxmlformats.org/drawingml/2006/diagram" xmlns:o="urn:schemas-microsoft-com:office:office" xmlns:v="urn:schemas-microsoft-com:vml" xmlns:pvml="urn:schemas-microsoft-com:office:powerpoint" xmlns:com="http://schemas.openxmlformats.org/drawingml/2006/compatibility" xmlns:p14="http://schemas.microsoft.com/office/powerpoint/2010/main" xmlns:p15="http://schemas.microsoft.com/office/powerpoint/2012/main" xmlns:ahyp="http://schemas.microsoft.com/office/drawing/2018/hyperlinkcolor" showMasterPhAnim="0" showMasterSp="0">
+  <p:cSld>
+    <p:spTree>
+      <p:nvGrpSpPr>
+        <p:cNvPr id="84" name="Shape 84"/>
+        <p:cNvGrpSpPr/>
+        <p:nvPr/>
+      </p:nvGrpSpPr>
+      <p:grpSpPr>
+        <a:xfrm>
+          <a:off x="0" y="0"/>
+          <a:ext cx="0" cy="0"/>
+          <a:chOff x="0" y="0"/>
+          <a:chExt cx="0" cy="0"/>
+        </a:xfrm>
+      </p:grpSpPr>
+      <p:sp>
+        <p:nvSpPr>
+          <p:cNvPr id="85" name="Google Shape;85;g2cd77e367e8_0_40:notes"/>
+          <p:cNvSpPr/>
+          <p:nvPr>
+            <p:ph idx="2" type="sldImg"/>
+          </p:nvPr>
+        </p:nvSpPr>
+        <p:spPr>
+          <a:xfrm>
+            <a:off x="381300" y="685800"/>
+            <a:ext cx="6096000" cy="3429000"/>
+          </a:xfrm>
+          <a:custGeom>
+            <a:rect b="b" l="l" r="r" t="t"/>
+            <a:pathLst>
+              <a:path extrusionOk="0" h="120000" w="120000">
+                <a:moveTo>
+                  <a:pt x="0" y="0"/>
+                </a:moveTo>
+                <a:lnTo>
+                  <a:pt x="120000" y="0"/>
+                </a:lnTo>
+                <a:lnTo>
+                  <a:pt x="120000" y="120000"/>
+                </a:lnTo>
+                <a:lnTo>
+                  <a:pt x="0" y="120000"/>
+                </a:lnTo>
+                <a:close/>
+              </a:path>
+            </a:pathLst>
+          </a:custGeom>
+        </p:spPr>
+      </p:sp>
+      <p:sp>
+        <p:nvSpPr>
+          <p:cNvPr id="86" name="Google Shape;86;g2cd77e367e8_0_40:notes"/>
+          <p:cNvSpPr txBox="1"/>
+          <p:nvPr>
+            <p:ph idx="1" type="body"/>
+          </p:nvPr>
+        </p:nvSpPr>
+        <p:spPr>
+          <a:xfrm>
+            <a:off x="685800" y="4343400"/>
+            <a:ext cx="5486400" cy="4114800"/>
+          </a:xfrm>
+          <a:prstGeom prst="rect">
+            <a:avLst/>
+          </a:prstGeom>
+        </p:spPr>
+        <p:txBody>
+          <a:bodyPr anchorCtr="0" anchor="t" bIns="91425" lIns="91425" spcFirstLastPara="1" rIns="91425" wrap="square" tIns="91425">
+            <a:noAutofit/>
+          </a:bodyPr>
+          <a:lstStyle/>
+          <a:p>
+            <a:pPr indent="0" lvl="0" marL="0" rtl="0" algn="l">
+              <a:spcBef>
+                <a:spcPts val="0"/>
+              </a:spcBef>
+              <a:spcAft>
+                <a:spcPts val="0"/>
+              </a:spcAft>
+              <a:buNone/>
+            </a:pPr>
+            <a:r>
+              <a:t/>
+            </a:r>
+            <a:endParaRPr/>
+          </a:p>
+        </p:txBody>
+      </p:sp>
+    </p:spTree>
+  </p:cSld>
+  <p:clrMapOvr>
+    <a:masterClrMapping/>
+  </p:clrMapOvr>
+</p:notes>
+</file>
+
+<file path=ppt/notesSlides/notesSlide6.xml><?xml version="1.0" encoding="utf-8"?>
+<p:notes xmlns:a="http://schemas.openxmlformats.org/drawingml/2006/main" xmlns:r="http://schemas.openxmlformats.org/officeDocument/2006/relationships" xmlns:mc="http://schemas.openxmlformats.org/markup-compatibility/2006" xmlns:mv="urn:schemas-microsoft-com:mac:vml" xmlns:p="http://schemas.openxmlformats.org/presentationml/2006/main" xmlns:c="http://schemas.openxmlformats.org/drawingml/2006/chart" xmlns:dgm="http://schemas.openxmlformats.org/drawingml/2006/diagram" xmlns:o="urn:schemas-microsoft-com:office:office" xmlns:v="urn:schemas-microsoft-com:vml" xmlns:pvml="urn:schemas-microsoft-com:office:powerpoint" xmlns:com="http://schemas.openxmlformats.org/drawingml/2006/compatibility" xmlns:p14="http://schemas.microsoft.com/office/powerpoint/2010/main" xmlns:p15="http://schemas.microsoft.com/office/powerpoint/2012/main" xmlns:ahyp="http://schemas.microsoft.com/office/drawing/2018/hyperlinkcolor" showMasterPhAnim="0" showMasterSp="0">
+  <p:cSld>
+    <p:spTree>
+      <p:nvGrpSpPr>
+        <p:cNvPr id="106" name="Shape 106"/>
+        <p:cNvGrpSpPr/>
+        <p:nvPr/>
+      </p:nvGrpSpPr>
+      <p:grpSpPr>
+        <a:xfrm>
+          <a:off x="0" y="0"/>
+          <a:ext cx="0" cy="0"/>
+          <a:chOff x="0" y="0"/>
+          <a:chExt cx="0" cy="0"/>
+        </a:xfrm>
+      </p:grpSpPr>
+      <p:sp>
+        <p:nvSpPr>
+          <p:cNvPr id="107" name="Google Shape;107;g2cd77e367e8_0_19:notes"/>
+          <p:cNvSpPr/>
+          <p:nvPr>
+            <p:ph idx="2" type="sldImg"/>
+          </p:nvPr>
+        </p:nvSpPr>
+        <p:spPr>
+          <a:xfrm>
+            <a:off x="381300" y="685800"/>
+            <a:ext cx="6096000" cy="3429000"/>
+          </a:xfrm>
+          <a:custGeom>
+            <a:rect b="b" l="l" r="r" t="t"/>
+            <a:pathLst>
+              <a:path extrusionOk="0" h="120000" w="120000">
+                <a:moveTo>
+                  <a:pt x="0" y="0"/>
+                </a:moveTo>
+                <a:lnTo>
+                  <a:pt x="120000" y="0"/>
+                </a:lnTo>
+                <a:lnTo>
+                  <a:pt x="120000" y="120000"/>
+                </a:lnTo>
+                <a:lnTo>
+                  <a:pt x="0" y="120000"/>
+                </a:lnTo>
+                <a:close/>
+              </a:path>
+            </a:pathLst>
+          </a:custGeom>
+        </p:spPr>
+      </p:sp>
+      <p:sp>
+        <p:nvSpPr>
+          <p:cNvPr id="108" name="Google Shape;108;g2cd77e367e8_0_19:notes"/>
+          <p:cNvSpPr txBox="1"/>
+          <p:nvPr>
+            <p:ph idx="1" type="body"/>
+          </p:nvPr>
+        </p:nvSpPr>
+        <p:spPr>
+          <a:xfrm>
+            <a:off x="685800" y="4343400"/>
+            <a:ext cx="5486400" cy="4114800"/>
+          </a:xfrm>
+          <a:prstGeom prst="rect">
+            <a:avLst/>
+          </a:prstGeom>
+        </p:spPr>
+        <p:txBody>
+          <a:bodyPr anchorCtr="0" anchor="t" bIns="91425" lIns="91425" spcFirstLastPara="1" rIns="91425" wrap="square" tIns="91425">
+            <a:noAutofit/>
+          </a:bodyPr>
+          <a:lstStyle/>
+          <a:p>
+            <a:pPr indent="0" lvl="0" marL="0" rtl="0" algn="l">
+              <a:spcBef>
+                <a:spcPts val="0"/>
+              </a:spcBef>
+              <a:spcAft>
+                <a:spcPts val="0"/>
+              </a:spcAft>
+              <a:buNone/>
+            </a:pPr>
+            <a:r>
+              <a:t/>
+            </a:r>
+            <a:endParaRPr/>
+          </a:p>
+        </p:txBody>
+      </p:sp>
+    </p:spTree>
+  </p:cSld>
+  <p:clrMapOvr>
+    <a:masterClrMapping/>
+  </p:clrMapOvr>
+</p:notes>
+</file>
+
+<file path=ppt/notesSlides/notesSlide7.xml><?xml version="1.0" encoding="utf-8"?>
+<p:notes xmlns:a="http://schemas.openxmlformats.org/drawingml/2006/main" xmlns:r="http://schemas.openxmlformats.org/officeDocument/2006/relationships" xmlns:mc="http://schemas.openxmlformats.org/markup-compatibility/2006" xmlns:mv="urn:schemas-microsoft-com:mac:vml" xmlns:p="http://schemas.openxmlformats.org/presentationml/2006/main" xmlns:c="http://schemas.openxmlformats.org/drawingml/2006/chart" xmlns:dgm="http://schemas.openxmlformats.org/drawingml/2006/diagram" xmlns:o="urn:schemas-microsoft-com:office:office" xmlns:v="urn:schemas-microsoft-com:vml" xmlns:pvml="urn:schemas-microsoft-com:office:powerpoint" xmlns:com="http://schemas.openxmlformats.org/drawingml/2006/compatibility" xmlns:p14="http://schemas.microsoft.com/office/powerpoint/2010/main" xmlns:p15="http://schemas.microsoft.com/office/powerpoint/2012/main" xmlns:ahyp="http://schemas.microsoft.com/office/drawing/2018/hyperlinkcolor" showMasterPhAnim="0" showMasterSp="0">
+  <p:cSld>
+    <p:spTree>
+      <p:nvGrpSpPr>
+        <p:cNvPr id="128" name="Shape 128"/>
+        <p:cNvGrpSpPr/>
+        <p:nvPr/>
+      </p:nvGrpSpPr>
+      <p:grpSpPr>
+        <a:xfrm>
+          <a:off x="0" y="0"/>
+          <a:ext cx="0" cy="0"/>
+          <a:chOff x="0" y="0"/>
+          <a:chExt cx="0" cy="0"/>
+        </a:xfrm>
+      </p:grpSpPr>
+      <p:sp>
+        <p:nvSpPr>
+          <p:cNvPr id="129" name="Google Shape;129;g2cd3c015a1b_0_6:notes"/>
+          <p:cNvSpPr/>
+          <p:nvPr>
+            <p:ph idx="2" type="sldImg"/>
+          </p:nvPr>
+        </p:nvSpPr>
+        <p:spPr>
+          <a:xfrm>
+            <a:off x="381300" y="685800"/>
+            <a:ext cx="6096000" cy="3429000"/>
+          </a:xfrm>
+          <a:custGeom>
+            <a:rect b="b" l="l" r="r" t="t"/>
+            <a:pathLst>
+              <a:path extrusionOk="0" h="120000" w="120000">
+                <a:moveTo>
+                  <a:pt x="0" y="0"/>
+                </a:moveTo>
+                <a:lnTo>
+                  <a:pt x="120000" y="0"/>
+                </a:lnTo>
+                <a:lnTo>
+                  <a:pt x="120000" y="120000"/>
+                </a:lnTo>
+                <a:lnTo>
+                  <a:pt x="0" y="120000"/>
+                </a:lnTo>
+                <a:close/>
+              </a:path>
+            </a:pathLst>
+          </a:custGeom>
+        </p:spPr>
+      </p:sp>
+      <p:sp>
+        <p:nvSpPr>
+          <p:cNvPr id="130" name="Google Shape;130;g2cd3c015a1b_0_6:notes"/>
+          <p:cNvSpPr txBox="1"/>
+          <p:nvPr>
+            <p:ph idx="1" type="body"/>
+          </p:nvPr>
+        </p:nvSpPr>
+        <p:spPr>
+          <a:xfrm>
+            <a:off x="685800" y="4343400"/>
+            <a:ext cx="5486400" cy="4114800"/>
+          </a:xfrm>
+          <a:prstGeom prst="rect">
+            <a:avLst/>
+          </a:prstGeom>
+        </p:spPr>
+        <p:txBody>
+          <a:bodyPr anchorCtr="0" anchor="t" bIns="91425" lIns="91425" spcFirstLastPara="1" rIns="91425" wrap="square" tIns="91425">
+            <a:noAutofit/>
+          </a:bodyPr>
+          <a:lstStyle/>
+          <a:p>
+            <a:pPr indent="0" lvl="0" marL="0" rtl="0" algn="l">
+              <a:spcBef>
+                <a:spcPts val="0"/>
+              </a:spcBef>
+              <a:spcAft>
+                <a:spcPts val="0"/>
+              </a:spcAft>
+              <a:buNone/>
+            </a:pPr>
+            <a:r>
+              <a:t/>
+            </a:r>
+            <a:endParaRPr/>
+          </a:p>
+        </p:txBody>
+      </p:sp>
+    </p:spTree>
+  </p:cSld>
+  <p:clrMapOvr>
+    <a:masterClrMapping/>
+  </p:clrMapOvr>
+</p:notes>
+</file>
+
+<file path=ppt/notesSlides/notesSlide8.xml><?xml version="1.0" encoding="utf-8"?>
+<p:notes xmlns:a="http://schemas.openxmlformats.org/drawingml/2006/main" xmlns:r="http://schemas.openxmlformats.org/officeDocument/2006/relationships" xmlns:mc="http://schemas.openxmlformats.org/markup-compatibility/2006" xmlns:mv="urn:schemas-microsoft-com:mac:vml" xmlns:p="http://schemas.openxmlformats.org/presentationml/2006/main" xmlns:c="http://schemas.openxmlformats.org/drawingml/2006/chart" xmlns:dgm="http://schemas.openxmlformats.org/drawingml/2006/diagram" xmlns:o="urn:schemas-microsoft-com:office:office" xmlns:v="urn:schemas-microsoft-com:vml" xmlns:pvml="urn:schemas-microsoft-com:office:powerpoint" xmlns:com="http://schemas.openxmlformats.org/drawingml/2006/compatibility" xmlns:p14="http://schemas.microsoft.com/office/powerpoint/2010/main" xmlns:p15="http://schemas.microsoft.com/office/powerpoint/2012/main" xmlns:ahyp="http://schemas.microsoft.com/office/drawing/2018/hyperlinkcolor" showMasterPhAnim="0" showMasterSp="0">
+  <p:cSld>
+    <p:spTree>
+      <p:nvGrpSpPr>
+        <p:cNvPr id="134" name="Shape 134"/>
+        <p:cNvGrpSpPr/>
+        <p:nvPr/>
+      </p:nvGrpSpPr>
+      <p:grpSpPr>
+        <a:xfrm>
+          <a:off x="0" y="0"/>
+          <a:ext cx="0" cy="0"/>
+          <a:chOff x="0" y="0"/>
+          <a:chExt cx="0" cy="0"/>
+        </a:xfrm>
+      </p:grpSpPr>
+      <p:sp>
+        <p:nvSpPr>
+          <p:cNvPr id="135" name="Google Shape;135;g2bde6133cfa_0_62:notes"/>
+          <p:cNvSpPr/>
+          <p:nvPr>
+            <p:ph idx="2" type="sldImg"/>
+          </p:nvPr>
+        </p:nvSpPr>
+        <p:spPr>
+          <a:xfrm>
+            <a:off x="381300" y="685800"/>
+            <a:ext cx="6096000" cy="3429000"/>
+          </a:xfrm>
+          <a:custGeom>
+            <a:rect b="b" l="l" r="r" t="t"/>
+            <a:pathLst>
+              <a:path extrusionOk="0" h="120000" w="120000">
+                <a:moveTo>
+                  <a:pt x="0" y="0"/>
+                </a:moveTo>
+                <a:lnTo>
+                  <a:pt x="120000" y="0"/>
+                </a:lnTo>
+                <a:lnTo>
+                  <a:pt x="120000" y="120000"/>
+                </a:lnTo>
+                <a:lnTo>
+                  <a:pt x="0" y="120000"/>
+                </a:lnTo>
+                <a:close/>
+              </a:path>
+            </a:pathLst>
+          </a:custGeom>
+        </p:spPr>
+      </p:sp>
+      <p:sp>
+        <p:nvSpPr>
+          <p:cNvPr id="136" name="Google Shape;136;g2bde6133cfa_0_62:notes"/>
+          <p:cNvSpPr txBox="1"/>
+          <p:nvPr>
+            <p:ph idx="1" type="body"/>
+          </p:nvPr>
+        </p:nvSpPr>
+        <p:spPr>
+          <a:xfrm>
+            <a:off x="685800" y="4343400"/>
+            <a:ext cx="5486400" cy="4114800"/>
+          </a:xfrm>
+          <a:prstGeom prst="rect">
+            <a:avLst/>
+          </a:prstGeom>
+        </p:spPr>
+        <p:txBody>
+          <a:bodyPr anchorCtr="0" anchor="t" bIns="91425" lIns="91425" spcFirstLastPara="1" rIns="91425" wrap="square" tIns="91425">
+            <a:noAutofit/>
+          </a:bodyPr>
+          <a:lstStyle/>
+          <a:p>
+            <a:pPr indent="0" lvl="0" marL="0" rtl="0" algn="l">
+              <a:spcBef>
+                <a:spcPts val="0"/>
+              </a:spcBef>
+              <a:spcAft>
+                <a:spcPts val="0"/>
+              </a:spcAft>
+              <a:buNone/>
+            </a:pPr>
+            <a:r>
+              <a:t/>
+            </a:r>
+            <a:endParaRPr/>
+          </a:p>
+        </p:txBody>
+      </p:sp>
+    </p:spTree>
+  </p:cSld>
+  <p:clrMapOvr>
+    <a:masterClrMapping/>
+  </p:clrMapOvr>
+</p:notes>
+</file>
+
+<file path=ppt/notesSlides/notesSlide9.xml><?xml version="1.0" encoding="utf-8"?>
+<p:notes xmlns:a="http://schemas.openxmlformats.org/drawingml/2006/main" xmlns:r="http://schemas.openxmlformats.org/officeDocument/2006/relationships" xmlns:mc="http://schemas.openxmlformats.org/markup-compatibility/2006" xmlns:mv="urn:schemas-microsoft-com:mac:vml" xmlns:p="http://schemas.openxmlformats.org/presentationml/2006/main" xmlns:c="http://schemas.openxmlformats.org/drawingml/2006/chart" xmlns:dgm="http://schemas.openxmlformats.org/drawingml/2006/diagram" xmlns:o="urn:schemas-microsoft-com:office:office" xmlns:v="urn:schemas-microsoft-com:vml" xmlns:pvml="urn:schemas-microsoft-com:office:powerpoint" xmlns:com="http://schemas.openxmlformats.org/drawingml/2006/compatibility" xmlns:p14="http://schemas.microsoft.com/office/powerpoint/2010/main" xmlns:p15="http://schemas.microsoft.com/office/powerpoint/2012/main" xmlns:ahyp="http://schemas.microsoft.com/office/drawing/2018/hyperlinkcolor" showMasterPhAnim="0" showMasterSp="0">
+  <p:cSld>
+    <p:spTree>
+      <p:nvGrpSpPr>
+        <p:cNvPr id="140" name="Shape 140"/>
+        <p:cNvGrpSpPr/>
+        <p:nvPr/>
+      </p:nvGrpSpPr>
+      <p:grpSpPr>
+        <a:xfrm>
+          <a:off x="0" y="0"/>
+          <a:ext cx="0" cy="0"/>
+          <a:chOff x="0" y="0"/>
+          <a:chExt cx="0" cy="0"/>
+        </a:xfrm>
+      </p:grpSpPr>
+      <p:sp>
+        <p:nvSpPr>
+          <p:cNvPr id="141" name="Google Shape;141;g2cdc1da36dc_0_7:notes"/>
+          <p:cNvSpPr/>
+          <p:nvPr>
+            <p:ph idx="2" type="sldImg"/>
+          </p:nvPr>
+        </p:nvSpPr>
+        <p:spPr>
+          <a:xfrm>
+            <a:off x="381300" y="685800"/>
+            <a:ext cx="6096000" cy="3429000"/>
+          </a:xfrm>
+          <a:custGeom>
+            <a:rect b="b" l="l" r="r" t="t"/>
+            <a:pathLst>
+              <a:path extrusionOk="0" h="120000" w="120000">
+                <a:moveTo>
+                  <a:pt x="0" y="0"/>
+                </a:moveTo>
+                <a:lnTo>
+                  <a:pt x="120000" y="0"/>
+                </a:lnTo>
+                <a:lnTo>
+                  <a:pt x="120000" y="120000"/>
+                </a:lnTo>
+                <a:lnTo>
+                  <a:pt x="0" y="120000"/>
+                </a:lnTo>
+                <a:close/>
+              </a:path>
+            </a:pathLst>
+          </a:custGeom>
+        </p:spPr>
+      </p:sp>
+      <p:sp>
+        <p:nvSpPr>
+          <p:cNvPr id="142" name="Google Shape;142;g2cdc1da36dc_0_7:notes"/>
           <p:cNvSpPr txBox="1"/>
           <p:nvPr>
             <p:ph idx="1" type="body"/>
@@ -6642,7 +8042,7 @@
             </a:pPr>
             <a:r>
               <a:rPr lang="en"/>
-              <a:t>Disposal and Garbage Collection</a:t>
+              <a:t>Garbage Collection and Disposal</a:t>
             </a:r>
             <a:endParaRPr/>
           </a:p>
@@ -6744,6 +8144,1494 @@
           </a:p>
         </p:txBody>
       </p:sp>
+    </p:spTree>
+  </p:cSld>
+  <p:clrMapOvr>
+    <a:masterClrMapping/>
+  </p:clrMapOvr>
+</p:sld>
+</file>
+
+<file path=ppt/slides/slide10.xml><?xml version="1.0" encoding="utf-8"?>
+<p:sld xmlns:a="http://schemas.openxmlformats.org/drawingml/2006/main" xmlns:r="http://schemas.openxmlformats.org/officeDocument/2006/relationships" xmlns:mc="http://schemas.openxmlformats.org/markup-compatibility/2006" xmlns:mv="urn:schemas-microsoft-com:mac:vml" xmlns:p="http://schemas.openxmlformats.org/presentationml/2006/main" xmlns:c="http://schemas.openxmlformats.org/drawingml/2006/chart" xmlns:dgm="http://schemas.openxmlformats.org/drawingml/2006/diagram" xmlns:o="urn:schemas-microsoft-com:office:office" xmlns:v="urn:schemas-microsoft-com:vml" xmlns:pvml="urn:schemas-microsoft-com:office:powerpoint" xmlns:com="http://schemas.openxmlformats.org/drawingml/2006/compatibility" xmlns:p14="http://schemas.microsoft.com/office/powerpoint/2010/main" xmlns:p15="http://schemas.microsoft.com/office/powerpoint/2012/main" xmlns:ahyp="http://schemas.microsoft.com/office/drawing/2018/hyperlinkcolor">
+  <p:cSld>
+    <p:spTree>
+      <p:nvGrpSpPr>
+        <p:cNvPr id="149" name="Shape 149"/>
+        <p:cNvGrpSpPr/>
+        <p:nvPr/>
+      </p:nvGrpSpPr>
+      <p:grpSpPr>
+        <a:xfrm>
+          <a:off x="0" y="0"/>
+          <a:ext cx="0" cy="0"/>
+          <a:chOff x="0" y="0"/>
+          <a:chExt cx="0" cy="0"/>
+        </a:xfrm>
+      </p:grpSpPr>
+      <p:sp>
+        <p:nvSpPr>
+          <p:cNvPr id="150" name="Google Shape;150;p22"/>
+          <p:cNvSpPr txBox="1"/>
+          <p:nvPr>
+            <p:ph type="title"/>
+          </p:nvPr>
+        </p:nvSpPr>
+        <p:spPr>
+          <a:xfrm>
+            <a:off x="387900" y="458025"/>
+            <a:ext cx="8368200" cy="686100"/>
+          </a:xfrm>
+          <a:prstGeom prst="rect">
+            <a:avLst/>
+          </a:prstGeom>
+        </p:spPr>
+        <p:txBody>
+          <a:bodyPr anchorCtr="0" anchor="b" bIns="91425" lIns="91425" spcFirstLastPara="1" rIns="91425" wrap="square" tIns="91425">
+            <a:normAutofit/>
+          </a:bodyPr>
+          <a:lstStyle/>
+          <a:p>
+            <a:pPr indent="0" lvl="0" marL="0" rtl="0" algn="l">
+              <a:spcBef>
+                <a:spcPts val="0"/>
+              </a:spcBef>
+              <a:spcAft>
+                <a:spcPts val="0"/>
+              </a:spcAft>
+              <a:buNone/>
+            </a:pPr>
+            <a:r>
+              <a:rPr lang="en"/>
+              <a:t>Conditions for a garbage collection</a:t>
+            </a:r>
+            <a:endParaRPr/>
+          </a:p>
+        </p:txBody>
+      </p:sp>
+      <p:sp>
+        <p:nvSpPr>
+          <p:cNvPr id="151" name="Google Shape;151;p22"/>
+          <p:cNvSpPr txBox="1"/>
+          <p:nvPr>
+            <p:ph idx="1" type="body"/>
+          </p:nvPr>
+        </p:nvSpPr>
+        <p:spPr>
+          <a:xfrm>
+            <a:off x="387900" y="1489824"/>
+            <a:ext cx="8368200" cy="3078900"/>
+          </a:xfrm>
+          <a:prstGeom prst="rect">
+            <a:avLst/>
+          </a:prstGeom>
+        </p:spPr>
+        <p:txBody>
+          <a:bodyPr anchorCtr="0" anchor="t" bIns="91425" lIns="91425" spcFirstLastPara="1" rIns="91425" wrap="square" tIns="91425">
+            <a:normAutofit/>
+          </a:bodyPr>
+          <a:lstStyle/>
+          <a:p>
+            <a:pPr indent="0" lvl="0" marL="0" rtl="0" algn="l">
+              <a:spcBef>
+                <a:spcPts val="0"/>
+              </a:spcBef>
+              <a:spcAft>
+                <a:spcPts val="0"/>
+              </a:spcAft>
+              <a:buNone/>
+            </a:pPr>
+            <a:r>
+              <a:rPr lang="en"/>
+              <a:t>Garbage collection occurs when one of the following conditions is true:</a:t>
+            </a:r>
+            <a:endParaRPr/>
+          </a:p>
+          <a:p>
+            <a:pPr indent="-342900" lvl="0" marL="457200" rtl="0" algn="l">
+              <a:spcBef>
+                <a:spcPts val="1200"/>
+              </a:spcBef>
+              <a:spcAft>
+                <a:spcPts val="0"/>
+              </a:spcAft>
+              <a:buSzPts val="1800"/>
+              <a:buAutoNum type="arabicPeriod"/>
+            </a:pPr>
+            <a:r>
+              <a:rPr lang="en"/>
+              <a:t>The system has low physical memory. The memory size can be detected by either the operating system or the host.</a:t>
+            </a:r>
+            <a:endParaRPr/>
+          </a:p>
+          <a:p>
+            <a:pPr indent="-342900" lvl="0" marL="457200" rtl="0" algn="l">
+              <a:spcBef>
+                <a:spcPts val="0"/>
+              </a:spcBef>
+              <a:spcAft>
+                <a:spcPts val="0"/>
+              </a:spcAft>
+              <a:buSzPts val="1800"/>
+              <a:buAutoNum type="arabicPeriod"/>
+            </a:pPr>
+            <a:r>
+              <a:rPr lang="en"/>
+              <a:t>The memory that’s used by allocated objects on the managed heap surpasses an acceptable threshold. This threshold is continuously adjusted as the process runs.</a:t>
+            </a:r>
+            <a:endParaRPr/>
+          </a:p>
+          <a:p>
+            <a:pPr indent="-342900" lvl="0" marL="457200" rtl="0" algn="l">
+              <a:spcBef>
+                <a:spcPts val="0"/>
+              </a:spcBef>
+              <a:spcAft>
+                <a:spcPts val="0"/>
+              </a:spcAft>
+              <a:buSzPts val="1800"/>
+              <a:buAutoNum type="arabicPeriod"/>
+            </a:pPr>
+            <a:r>
+              <a:rPr lang="en"/>
+              <a:t>The GC.Collect method is called. In almost all cases, calling this method is </a:t>
+            </a:r>
+            <a:r>
+              <a:rPr lang="en"/>
+              <a:t>unnecessary because the GC runs continuously.</a:t>
+            </a:r>
+            <a:endParaRPr/>
+          </a:p>
+        </p:txBody>
+      </p:sp>
+    </p:spTree>
+  </p:cSld>
+  <p:clrMapOvr>
+    <a:masterClrMapping/>
+  </p:clrMapOvr>
+</p:sld>
+</file>
+
+<file path=ppt/slides/slide11.xml><?xml version="1.0" encoding="utf-8"?>
+<p:sld xmlns:a="http://schemas.openxmlformats.org/drawingml/2006/main" xmlns:r="http://schemas.openxmlformats.org/officeDocument/2006/relationships" xmlns:mc="http://schemas.openxmlformats.org/markup-compatibility/2006" xmlns:mv="urn:schemas-microsoft-com:mac:vml" xmlns:p="http://schemas.openxmlformats.org/presentationml/2006/main" xmlns:c="http://schemas.openxmlformats.org/drawingml/2006/chart" xmlns:dgm="http://schemas.openxmlformats.org/drawingml/2006/diagram" xmlns:o="urn:schemas-microsoft-com:office:office" xmlns:v="urn:schemas-microsoft-com:vml" xmlns:pvml="urn:schemas-microsoft-com:office:powerpoint" xmlns:com="http://schemas.openxmlformats.org/drawingml/2006/compatibility" xmlns:p14="http://schemas.microsoft.com/office/powerpoint/2010/main" xmlns:p15="http://schemas.microsoft.com/office/powerpoint/2012/main" xmlns:ahyp="http://schemas.microsoft.com/office/drawing/2018/hyperlinkcolor">
+  <p:cSld>
+    <p:spTree>
+      <p:nvGrpSpPr>
+        <p:cNvPr id="155" name="Shape 155"/>
+        <p:cNvGrpSpPr/>
+        <p:nvPr/>
+      </p:nvGrpSpPr>
+      <p:grpSpPr>
+        <a:xfrm>
+          <a:off x="0" y="0"/>
+          <a:ext cx="0" cy="0"/>
+          <a:chOff x="0" y="0"/>
+          <a:chExt cx="0" cy="0"/>
+        </a:xfrm>
+      </p:grpSpPr>
+      <p:sp>
+        <p:nvSpPr>
+          <p:cNvPr id="156" name="Google Shape;156;p23"/>
+          <p:cNvSpPr txBox="1"/>
+          <p:nvPr>
+            <p:ph type="title"/>
+          </p:nvPr>
+        </p:nvSpPr>
+        <p:spPr>
+          <a:xfrm>
+            <a:off x="387900" y="458025"/>
+            <a:ext cx="8368200" cy="686100"/>
+          </a:xfrm>
+          <a:prstGeom prst="rect">
+            <a:avLst/>
+          </a:prstGeom>
+        </p:spPr>
+        <p:txBody>
+          <a:bodyPr anchorCtr="0" anchor="b" bIns="91425" lIns="91425" spcFirstLastPara="1" rIns="91425" wrap="square" tIns="91425">
+            <a:normAutofit/>
+          </a:bodyPr>
+          <a:lstStyle/>
+          <a:p>
+            <a:pPr indent="0" lvl="0" marL="0" rtl="0" algn="l">
+              <a:spcBef>
+                <a:spcPts val="0"/>
+              </a:spcBef>
+              <a:spcAft>
+                <a:spcPts val="0"/>
+              </a:spcAft>
+              <a:buNone/>
+            </a:pPr>
+            <a:r>
+              <a:rPr lang="en"/>
+              <a:t>Algorithm</a:t>
+            </a:r>
+            <a:endParaRPr/>
+          </a:p>
+        </p:txBody>
+      </p:sp>
+      <p:sp>
+        <p:nvSpPr>
+          <p:cNvPr id="157" name="Google Shape;157;p23"/>
+          <p:cNvSpPr txBox="1"/>
+          <p:nvPr>
+            <p:ph idx="1" type="body"/>
+          </p:nvPr>
+        </p:nvSpPr>
+        <p:spPr>
+          <a:xfrm>
+            <a:off x="387900" y="1489824"/>
+            <a:ext cx="8368200" cy="3078900"/>
+          </a:xfrm>
+          <a:prstGeom prst="rect">
+            <a:avLst/>
+          </a:prstGeom>
+        </p:spPr>
+        <p:txBody>
+          <a:bodyPr anchorCtr="0" anchor="t" bIns="91425" lIns="91425" spcFirstLastPara="1" rIns="91425" wrap="square" tIns="91425">
+            <a:normAutofit/>
+          </a:bodyPr>
+          <a:lstStyle/>
+          <a:p>
+            <a:pPr indent="0" lvl="0" marL="0" rtl="0" algn="l">
+              <a:spcBef>
+                <a:spcPts val="0"/>
+              </a:spcBef>
+              <a:spcAft>
+                <a:spcPts val="0"/>
+              </a:spcAft>
+              <a:buNone/>
+            </a:pPr>
+            <a:r>
+              <a:rPr lang="en"/>
+              <a:t>The GC algorithm is based on several considerations:</a:t>
+            </a:r>
+            <a:endParaRPr/>
+          </a:p>
+          <a:p>
+            <a:pPr indent="-342900" lvl="0" marL="457200" rtl="0" algn="l">
+              <a:spcBef>
+                <a:spcPts val="1200"/>
+              </a:spcBef>
+              <a:spcAft>
+                <a:spcPts val="0"/>
+              </a:spcAft>
+              <a:buSzPts val="1800"/>
+              <a:buChar char="●"/>
+            </a:pPr>
+            <a:r>
+              <a:rPr lang="en"/>
+              <a:t>It’s faster to compact the memory for a portion of the managed heap than for the entire managed heap.</a:t>
+            </a:r>
+            <a:endParaRPr/>
+          </a:p>
+          <a:p>
+            <a:pPr indent="-342900" lvl="0" marL="457200" rtl="0" algn="l">
+              <a:spcBef>
+                <a:spcPts val="0"/>
+              </a:spcBef>
+              <a:spcAft>
+                <a:spcPts val="0"/>
+              </a:spcAft>
+              <a:buSzPts val="1800"/>
+              <a:buChar char="●"/>
+            </a:pPr>
+            <a:r>
+              <a:rPr lang="en"/>
+              <a:t>Newer objects have shorter lifetimes, and older objects have longer lifetimes.</a:t>
+            </a:r>
+            <a:endParaRPr/>
+          </a:p>
+          <a:p>
+            <a:pPr indent="-342900" lvl="0" marL="457200" rtl="0" algn="l">
+              <a:spcBef>
+                <a:spcPts val="0"/>
+              </a:spcBef>
+              <a:spcAft>
+                <a:spcPts val="0"/>
+              </a:spcAft>
+              <a:buSzPts val="1800"/>
+              <a:buChar char="●"/>
+            </a:pPr>
+            <a:r>
+              <a:rPr lang="en"/>
+              <a:t>Newer objects tend to be related to each other and accessed by the application around the same time.</a:t>
+            </a:r>
+            <a:endParaRPr/>
+          </a:p>
+          <a:p>
+            <a:pPr indent="0" lvl="0" marL="0" rtl="0" algn="l">
+              <a:spcBef>
+                <a:spcPts val="1200"/>
+              </a:spcBef>
+              <a:spcAft>
+                <a:spcPts val="1200"/>
+              </a:spcAft>
+              <a:buNone/>
+            </a:pPr>
+            <a:r>
+              <a:rPr lang="en"/>
+              <a:t>With these guidelines, the GC decides how/where to manage memory.</a:t>
+            </a:r>
+            <a:endParaRPr/>
+          </a:p>
+        </p:txBody>
+      </p:sp>
+    </p:spTree>
+  </p:cSld>
+  <p:clrMapOvr>
+    <a:masterClrMapping/>
+  </p:clrMapOvr>
+</p:sld>
+</file>
+
+<file path=ppt/slides/slide12.xml><?xml version="1.0" encoding="utf-8"?>
+<p:sld xmlns:a="http://schemas.openxmlformats.org/drawingml/2006/main" xmlns:r="http://schemas.openxmlformats.org/officeDocument/2006/relationships" xmlns:mc="http://schemas.openxmlformats.org/markup-compatibility/2006" xmlns:mv="urn:schemas-microsoft-com:mac:vml" xmlns:p="http://schemas.openxmlformats.org/presentationml/2006/main" xmlns:c="http://schemas.openxmlformats.org/drawingml/2006/chart" xmlns:dgm="http://schemas.openxmlformats.org/drawingml/2006/diagram" xmlns:o="urn:schemas-microsoft-com:office:office" xmlns:v="urn:schemas-microsoft-com:vml" xmlns:pvml="urn:schemas-microsoft-com:office:powerpoint" xmlns:com="http://schemas.openxmlformats.org/drawingml/2006/compatibility" xmlns:p14="http://schemas.microsoft.com/office/powerpoint/2010/main" xmlns:p15="http://schemas.microsoft.com/office/powerpoint/2012/main" xmlns:ahyp="http://schemas.microsoft.com/office/drawing/2018/hyperlinkcolor">
+  <p:cSld>
+    <p:spTree>
+      <p:nvGrpSpPr>
+        <p:cNvPr id="161" name="Shape 161"/>
+        <p:cNvGrpSpPr/>
+        <p:nvPr/>
+      </p:nvGrpSpPr>
+      <p:grpSpPr>
+        <a:xfrm>
+          <a:off x="0" y="0"/>
+          <a:ext cx="0" cy="0"/>
+          <a:chOff x="0" y="0"/>
+          <a:chExt cx="0" cy="0"/>
+        </a:xfrm>
+      </p:grpSpPr>
+      <p:sp>
+        <p:nvSpPr>
+          <p:cNvPr id="162" name="Google Shape;162;p24"/>
+          <p:cNvSpPr txBox="1"/>
+          <p:nvPr>
+            <p:ph type="title"/>
+          </p:nvPr>
+        </p:nvSpPr>
+        <p:spPr>
+          <a:xfrm>
+            <a:off x="387900" y="458025"/>
+            <a:ext cx="8368200" cy="686100"/>
+          </a:xfrm>
+          <a:prstGeom prst="rect">
+            <a:avLst/>
+          </a:prstGeom>
+        </p:spPr>
+        <p:txBody>
+          <a:bodyPr anchorCtr="0" anchor="b" bIns="91425" lIns="91425" spcFirstLastPara="1" rIns="91425" wrap="square" tIns="91425">
+            <a:normAutofit/>
+          </a:bodyPr>
+          <a:lstStyle/>
+          <a:p>
+            <a:pPr indent="0" lvl="0" marL="0" rtl="0" algn="l">
+              <a:spcBef>
+                <a:spcPts val="0"/>
+              </a:spcBef>
+              <a:spcAft>
+                <a:spcPts val="0"/>
+              </a:spcAft>
+              <a:buNone/>
+            </a:pPr>
+            <a:r>
+              <a:rPr lang="en"/>
+              <a:t>Generations</a:t>
+            </a:r>
+            <a:endParaRPr/>
+          </a:p>
+        </p:txBody>
+      </p:sp>
+      <p:sp>
+        <p:nvSpPr>
+          <p:cNvPr id="163" name="Google Shape;163;p24"/>
+          <p:cNvSpPr txBox="1"/>
+          <p:nvPr>
+            <p:ph idx="1" type="body"/>
+          </p:nvPr>
+        </p:nvSpPr>
+        <p:spPr>
+          <a:xfrm>
+            <a:off x="387900" y="1489825"/>
+            <a:ext cx="8368200" cy="3356400"/>
+          </a:xfrm>
+          <a:prstGeom prst="rect">
+            <a:avLst/>
+          </a:prstGeom>
+        </p:spPr>
+        <p:txBody>
+          <a:bodyPr anchorCtr="0" anchor="t" bIns="91425" lIns="91425" spcFirstLastPara="1" rIns="91425" wrap="square" tIns="91425">
+            <a:normAutofit lnSpcReduction="20000"/>
+          </a:bodyPr>
+          <a:lstStyle/>
+          <a:p>
+            <a:pPr indent="0" lvl="0" marL="0" rtl="0" algn="l">
+              <a:spcBef>
+                <a:spcPts val="0"/>
+              </a:spcBef>
+              <a:spcAft>
+                <a:spcPts val="0"/>
+              </a:spcAft>
+              <a:buNone/>
+            </a:pPr>
+            <a:r>
+              <a:rPr lang="en"/>
+              <a:t>To help the GC, the managed heap is divided into three generations:</a:t>
+            </a:r>
+            <a:endParaRPr/>
+          </a:p>
+          <a:p>
+            <a:pPr indent="-342900" lvl="0" marL="457200" rtl="0" algn="l">
+              <a:spcBef>
+                <a:spcPts val="1200"/>
+              </a:spcBef>
+              <a:spcAft>
+                <a:spcPts val="0"/>
+              </a:spcAft>
+              <a:buSzPts val="1800"/>
+              <a:buChar char="●"/>
+            </a:pPr>
+            <a:r>
+              <a:rPr lang="en"/>
+              <a:t>Generation 0 - The youngest, and contains short-lived objects.</a:t>
+            </a:r>
+            <a:endParaRPr/>
+          </a:p>
+          <a:p>
+            <a:pPr indent="-317500" lvl="1" marL="914400" rtl="0" algn="l">
+              <a:spcBef>
+                <a:spcPts val="0"/>
+              </a:spcBef>
+              <a:spcAft>
+                <a:spcPts val="0"/>
+              </a:spcAft>
+              <a:buSzPts val="1400"/>
+              <a:buChar char="○"/>
+            </a:pPr>
+            <a:r>
+              <a:rPr lang="en"/>
+              <a:t>Temporary variables, GC occurs most frequently here</a:t>
+            </a:r>
+            <a:endParaRPr/>
+          </a:p>
+          <a:p>
+            <a:pPr indent="-342900" lvl="0" marL="457200" rtl="0" algn="l">
+              <a:spcBef>
+                <a:spcPts val="0"/>
+              </a:spcBef>
+              <a:spcAft>
+                <a:spcPts val="0"/>
+              </a:spcAft>
+              <a:buSzPts val="1800"/>
+              <a:buChar char="●"/>
+            </a:pPr>
+            <a:r>
+              <a:rPr lang="en"/>
+              <a:t>Generation 1 - Contains short-lived objects and serves as a buffer between short-lived and long-lived objects.</a:t>
+            </a:r>
+            <a:endParaRPr/>
+          </a:p>
+          <a:p>
+            <a:pPr indent="-342900" lvl="0" marL="457200" rtl="0" algn="l">
+              <a:spcBef>
+                <a:spcPts val="0"/>
+              </a:spcBef>
+              <a:spcAft>
+                <a:spcPts val="0"/>
+              </a:spcAft>
+              <a:buSzPts val="1800"/>
+              <a:buChar char="●"/>
+            </a:pPr>
+            <a:r>
+              <a:rPr lang="en"/>
+              <a:t>Generation 2 - Contains long-lived objects</a:t>
+            </a:r>
+            <a:endParaRPr/>
+          </a:p>
+          <a:p>
+            <a:pPr indent="-317500" lvl="1" marL="914400" rtl="0" algn="l">
+              <a:spcBef>
+                <a:spcPts val="0"/>
+              </a:spcBef>
+              <a:spcAft>
+                <a:spcPts val="0"/>
+              </a:spcAft>
+              <a:buSzPts val="1400"/>
+              <a:buChar char="○"/>
+            </a:pPr>
+            <a:r>
+              <a:rPr lang="en"/>
+              <a:t>An object that </a:t>
+            </a:r>
+            <a:r>
+              <a:rPr lang="en"/>
+              <a:t>contains</a:t>
+            </a:r>
+            <a:r>
+              <a:rPr lang="en"/>
+              <a:t> static data that’s live for the duration of the process</a:t>
+            </a:r>
+            <a:endParaRPr/>
+          </a:p>
+          <a:p>
+            <a:pPr indent="0" lvl="0" marL="0" rtl="0" algn="l">
+              <a:spcBef>
+                <a:spcPts val="1200"/>
+              </a:spcBef>
+              <a:spcAft>
+                <a:spcPts val="0"/>
+              </a:spcAft>
+              <a:buNone/>
+            </a:pPr>
+            <a:r>
+              <a:rPr lang="en"/>
+              <a:t>Collecting a generation means collecting objects in all younger generations too.</a:t>
+            </a:r>
+            <a:endParaRPr/>
+          </a:p>
+          <a:p>
+            <a:pPr indent="-342900" lvl="0" marL="457200" rtl="0" algn="l">
+              <a:spcBef>
+                <a:spcPts val="1200"/>
+              </a:spcBef>
+              <a:spcAft>
+                <a:spcPts val="0"/>
+              </a:spcAft>
+              <a:buSzPts val="1800"/>
+              <a:buChar char="-"/>
+            </a:pPr>
+            <a:r>
+              <a:rPr lang="en"/>
+              <a:t>Full garbage collection</a:t>
+            </a:r>
+            <a:endParaRPr/>
+          </a:p>
+          <a:p>
+            <a:pPr indent="0" lvl="0" marL="0" rtl="0" algn="l">
+              <a:spcBef>
+                <a:spcPts val="1200"/>
+              </a:spcBef>
+              <a:spcAft>
+                <a:spcPts val="1200"/>
+              </a:spcAft>
+              <a:buNone/>
+            </a:pPr>
+            <a:r>
+              <a:rPr lang="en"/>
+              <a:t>After a collection, the memory is compacted and surviving objects get promoted.</a:t>
+            </a:r>
+            <a:endParaRPr/>
+          </a:p>
+        </p:txBody>
+      </p:sp>
+    </p:spTree>
+  </p:cSld>
+  <p:clrMapOvr>
+    <a:masterClrMapping/>
+  </p:clrMapOvr>
+</p:sld>
+</file>
+
+<file path=ppt/slides/slide13.xml><?xml version="1.0" encoding="utf-8"?>
+<p:sld xmlns:a="http://schemas.openxmlformats.org/drawingml/2006/main" xmlns:r="http://schemas.openxmlformats.org/officeDocument/2006/relationships" xmlns:mc="http://schemas.openxmlformats.org/markup-compatibility/2006" xmlns:mv="urn:schemas-microsoft-com:mac:vml" xmlns:p="http://schemas.openxmlformats.org/presentationml/2006/main" xmlns:c="http://schemas.openxmlformats.org/drawingml/2006/chart" xmlns:dgm="http://schemas.openxmlformats.org/drawingml/2006/diagram" xmlns:o="urn:schemas-microsoft-com:office:office" xmlns:v="urn:schemas-microsoft-com:vml" xmlns:pvml="urn:schemas-microsoft-com:office:powerpoint" xmlns:com="http://schemas.openxmlformats.org/drawingml/2006/compatibility" xmlns:p14="http://schemas.microsoft.com/office/powerpoint/2010/main" xmlns:p15="http://schemas.microsoft.com/office/powerpoint/2012/main" xmlns:ahyp="http://schemas.microsoft.com/office/drawing/2018/hyperlinkcolor">
+  <p:cSld>
+    <p:spTree>
+      <p:nvGrpSpPr>
+        <p:cNvPr id="167" name="Shape 167"/>
+        <p:cNvGrpSpPr/>
+        <p:nvPr/>
+      </p:nvGrpSpPr>
+      <p:grpSpPr>
+        <a:xfrm>
+          <a:off x="0" y="0"/>
+          <a:ext cx="0" cy="0"/>
+          <a:chOff x="0" y="0"/>
+          <a:chExt cx="0" cy="0"/>
+        </a:xfrm>
+      </p:grpSpPr>
+      <p:sp>
+        <p:nvSpPr>
+          <p:cNvPr id="168" name="Google Shape;168;p25"/>
+          <p:cNvSpPr txBox="1"/>
+          <p:nvPr>
+            <p:ph type="title"/>
+          </p:nvPr>
+        </p:nvSpPr>
+        <p:spPr>
+          <a:xfrm>
+            <a:off x="387900" y="458025"/>
+            <a:ext cx="8368200" cy="686100"/>
+          </a:xfrm>
+          <a:prstGeom prst="rect">
+            <a:avLst/>
+          </a:prstGeom>
+        </p:spPr>
+        <p:txBody>
+          <a:bodyPr anchorCtr="0" anchor="b" bIns="91425" lIns="91425" spcFirstLastPara="1" rIns="91425" wrap="square" tIns="91425">
+            <a:normAutofit/>
+          </a:bodyPr>
+          <a:lstStyle/>
+          <a:p>
+            <a:pPr indent="0" lvl="0" marL="0" rtl="0" algn="l">
+              <a:spcBef>
+                <a:spcPts val="0"/>
+              </a:spcBef>
+              <a:spcAft>
+                <a:spcPts val="0"/>
+              </a:spcAft>
+              <a:buNone/>
+            </a:pPr>
+            <a:r>
+              <a:rPr lang="en"/>
+              <a:t>The Process</a:t>
+            </a:r>
+            <a:endParaRPr/>
+          </a:p>
+        </p:txBody>
+      </p:sp>
+      <p:sp>
+        <p:nvSpPr>
+          <p:cNvPr id="169" name="Google Shape;169;p25"/>
+          <p:cNvSpPr txBox="1"/>
+          <p:nvPr>
+            <p:ph idx="1" type="body"/>
+          </p:nvPr>
+        </p:nvSpPr>
+        <p:spPr>
+          <a:xfrm>
+            <a:off x="387900" y="1489824"/>
+            <a:ext cx="8368200" cy="3078900"/>
+          </a:xfrm>
+          <a:prstGeom prst="rect">
+            <a:avLst/>
+          </a:prstGeom>
+        </p:spPr>
+        <p:txBody>
+          <a:bodyPr anchorCtr="0" anchor="t" bIns="91425" lIns="91425" spcFirstLastPara="1" rIns="91425" wrap="square" tIns="91425">
+            <a:normAutofit/>
+          </a:bodyPr>
+          <a:lstStyle/>
+          <a:p>
+            <a:pPr indent="0" lvl="0" marL="0" rtl="0" algn="l">
+              <a:spcBef>
+                <a:spcPts val="0"/>
+              </a:spcBef>
+              <a:spcAft>
+                <a:spcPts val="0"/>
+              </a:spcAft>
+              <a:buNone/>
+            </a:pPr>
+            <a:r>
+              <a:rPr lang="en"/>
+              <a:t>A garbage collection has the following phases:</a:t>
+            </a:r>
+            <a:endParaRPr/>
+          </a:p>
+          <a:p>
+            <a:pPr indent="-342900" lvl="0" marL="457200" rtl="0" algn="l">
+              <a:spcBef>
+                <a:spcPts val="1200"/>
+              </a:spcBef>
+              <a:spcAft>
+                <a:spcPts val="0"/>
+              </a:spcAft>
+              <a:buSzPts val="1800"/>
+              <a:buChar char="●"/>
+            </a:pPr>
+            <a:r>
+              <a:rPr lang="en"/>
+              <a:t>A marking phase that finds and creates a list of all live objects</a:t>
+            </a:r>
+            <a:endParaRPr/>
+          </a:p>
+          <a:p>
+            <a:pPr indent="-317500" lvl="1" marL="914400" rtl="0" algn="l">
+              <a:spcBef>
+                <a:spcPts val="0"/>
+              </a:spcBef>
+              <a:spcAft>
+                <a:spcPts val="0"/>
+              </a:spcAft>
+              <a:buSzPts val="1400"/>
+              <a:buChar char="○"/>
+            </a:pPr>
+            <a:r>
+              <a:rPr lang="en"/>
+              <a:t>Stack roots - provided by the JIT compiler and stack walker</a:t>
+            </a:r>
+            <a:endParaRPr/>
+          </a:p>
+          <a:p>
+            <a:pPr indent="-317500" lvl="1" marL="914400" rtl="0" algn="l">
+              <a:spcBef>
+                <a:spcPts val="0"/>
+              </a:spcBef>
+              <a:spcAft>
+                <a:spcPts val="0"/>
+              </a:spcAft>
+              <a:buSzPts val="1400"/>
+              <a:buChar char="○"/>
+            </a:pPr>
+            <a:r>
+              <a:rPr lang="en"/>
+              <a:t>Garbage collection handles - point to managed objects</a:t>
+            </a:r>
+            <a:endParaRPr/>
+          </a:p>
+          <a:p>
+            <a:pPr indent="-317500" lvl="1" marL="914400" rtl="0" algn="l">
+              <a:spcBef>
+                <a:spcPts val="0"/>
+              </a:spcBef>
+              <a:spcAft>
+                <a:spcPts val="0"/>
+              </a:spcAft>
+              <a:buSzPts val="1400"/>
+              <a:buChar char="○"/>
+            </a:pPr>
+            <a:r>
+              <a:rPr lang="en"/>
+              <a:t>Static data - each application domain keeps track of its static objects</a:t>
+            </a:r>
+            <a:endParaRPr/>
+          </a:p>
+          <a:p>
+            <a:pPr indent="-342900" lvl="0" marL="457200" rtl="0" algn="l">
+              <a:spcBef>
+                <a:spcPts val="0"/>
+              </a:spcBef>
+              <a:spcAft>
+                <a:spcPts val="0"/>
+              </a:spcAft>
+              <a:buSzPts val="1800"/>
+              <a:buChar char="●"/>
+            </a:pPr>
+            <a:r>
+              <a:rPr lang="en"/>
+              <a:t>A relocating phase that updates the references to the objects that will be compacted (survivors).</a:t>
+            </a:r>
+            <a:endParaRPr/>
+          </a:p>
+          <a:p>
+            <a:pPr indent="-342900" lvl="0" marL="457200" rtl="0" algn="l">
+              <a:spcBef>
+                <a:spcPts val="0"/>
+              </a:spcBef>
+              <a:spcAft>
+                <a:spcPts val="0"/>
+              </a:spcAft>
+              <a:buSzPts val="1800"/>
+              <a:buChar char="●"/>
+            </a:pPr>
+            <a:r>
+              <a:rPr lang="en"/>
+              <a:t>A compacting phase that reclaims the space occupied by the dead objects and compacts the surviving objects.</a:t>
+            </a:r>
+            <a:endParaRPr/>
+          </a:p>
+        </p:txBody>
+      </p:sp>
+    </p:spTree>
+  </p:cSld>
+  <p:clrMapOvr>
+    <a:masterClrMapping/>
+  </p:clrMapOvr>
+</p:sld>
+</file>
+
+<file path=ppt/slides/slide14.xml><?xml version="1.0" encoding="utf-8"?>
+<p:sld xmlns:a="http://schemas.openxmlformats.org/drawingml/2006/main" xmlns:r="http://schemas.openxmlformats.org/officeDocument/2006/relationships" xmlns:mc="http://schemas.openxmlformats.org/markup-compatibility/2006" xmlns:mv="urn:schemas-microsoft-com:mac:vml" xmlns:p="http://schemas.openxmlformats.org/presentationml/2006/main" xmlns:c="http://schemas.openxmlformats.org/drawingml/2006/chart" xmlns:dgm="http://schemas.openxmlformats.org/drawingml/2006/diagram" xmlns:o="urn:schemas-microsoft-com:office:office" xmlns:v="urn:schemas-microsoft-com:vml" xmlns:pvml="urn:schemas-microsoft-com:office:powerpoint" xmlns:com="http://schemas.openxmlformats.org/drawingml/2006/compatibility" xmlns:p14="http://schemas.microsoft.com/office/powerpoint/2010/main" xmlns:p15="http://schemas.microsoft.com/office/powerpoint/2012/main" xmlns:ahyp="http://schemas.microsoft.com/office/drawing/2018/hyperlinkcolor">
+  <p:cSld>
+    <p:spTree>
+      <p:nvGrpSpPr>
+        <p:cNvPr id="173" name="Shape 173"/>
+        <p:cNvGrpSpPr/>
+        <p:nvPr/>
+      </p:nvGrpSpPr>
+      <p:grpSpPr>
+        <a:xfrm>
+          <a:off x="0" y="0"/>
+          <a:ext cx="0" cy="0"/>
+          <a:chOff x="0" y="0"/>
+          <a:chExt cx="0" cy="0"/>
+        </a:xfrm>
+      </p:grpSpPr>
+      <p:sp>
+        <p:nvSpPr>
+          <p:cNvPr id="174" name="Google Shape;174;p26"/>
+          <p:cNvSpPr txBox="1"/>
+          <p:nvPr>
+            <p:ph type="title"/>
+          </p:nvPr>
+        </p:nvSpPr>
+        <p:spPr>
+          <a:xfrm>
+            <a:off x="387900" y="458025"/>
+            <a:ext cx="8368200" cy="686100"/>
+          </a:xfrm>
+          <a:prstGeom prst="rect">
+            <a:avLst/>
+          </a:prstGeom>
+        </p:spPr>
+        <p:txBody>
+          <a:bodyPr anchorCtr="0" anchor="b" bIns="91425" lIns="91425" spcFirstLastPara="1" rIns="91425" wrap="square" tIns="91425">
+            <a:normAutofit/>
+          </a:bodyPr>
+          <a:lstStyle/>
+          <a:p>
+            <a:pPr indent="0" lvl="0" marL="0" rtl="0" algn="l">
+              <a:spcBef>
+                <a:spcPts val="0"/>
+              </a:spcBef>
+              <a:spcAft>
+                <a:spcPts val="0"/>
+              </a:spcAft>
+              <a:buNone/>
+            </a:pPr>
+            <a:r>
+              <a:rPr lang="en"/>
+              <a:t>Unmanaged Resources and Dispose</a:t>
+            </a:r>
+            <a:endParaRPr/>
+          </a:p>
+        </p:txBody>
+      </p:sp>
+      <p:sp>
+        <p:nvSpPr>
+          <p:cNvPr id="175" name="Google Shape;175;p26"/>
+          <p:cNvSpPr txBox="1"/>
+          <p:nvPr>
+            <p:ph idx="1" type="body"/>
+          </p:nvPr>
+        </p:nvSpPr>
+        <p:spPr>
+          <a:xfrm>
+            <a:off x="387900" y="1489824"/>
+            <a:ext cx="8368200" cy="3078900"/>
+          </a:xfrm>
+          <a:prstGeom prst="rect">
+            <a:avLst/>
+          </a:prstGeom>
+        </p:spPr>
+        <p:txBody>
+          <a:bodyPr anchorCtr="0" anchor="t" bIns="91425" lIns="91425" spcFirstLastPara="1" rIns="91425" wrap="square" tIns="91425">
+            <a:normAutofit/>
+          </a:bodyPr>
+          <a:lstStyle/>
+          <a:p>
+            <a:pPr indent="0" lvl="0" marL="0" rtl="0" algn="l">
+              <a:spcBef>
+                <a:spcPts val="0"/>
+              </a:spcBef>
+              <a:spcAft>
+                <a:spcPts val="0"/>
+              </a:spcAft>
+              <a:buNone/>
+            </a:pPr>
+            <a:r>
+              <a:rPr lang="en" u="sng">
+                <a:solidFill>
+                  <a:schemeClr val="hlink"/>
+                </a:solidFill>
+                <a:hlinkClick r:id="rId3"/>
+              </a:rPr>
+              <a:t>https://learn.microsoft.com/en-us/dotnet/standard/garbage-collection/unmanaged</a:t>
+            </a:r>
+            <a:r>
+              <a:rPr lang="en"/>
+              <a:t> </a:t>
+            </a:r>
+            <a:endParaRPr/>
+          </a:p>
+          <a:p>
+            <a:pPr indent="0" lvl="0" marL="0" rtl="0" algn="l">
+              <a:spcBef>
+                <a:spcPts val="1200"/>
+              </a:spcBef>
+              <a:spcAft>
+                <a:spcPts val="1200"/>
+              </a:spcAft>
+              <a:buNone/>
+            </a:pPr>
+            <a:r>
+              <a:rPr lang="en" u="sng">
+                <a:solidFill>
+                  <a:schemeClr val="hlink"/>
+                </a:solidFill>
+                <a:hlinkClick r:id="rId4"/>
+              </a:rPr>
+              <a:t>https://learn.microsoft.com/en-us/dotnet/standard/garbage-collection/implementing-dispose</a:t>
+            </a:r>
+            <a:r>
+              <a:rPr lang="en"/>
+              <a:t> </a:t>
+            </a:r>
+            <a:endParaRPr/>
+          </a:p>
+        </p:txBody>
+      </p:sp>
+    </p:spTree>
+  </p:cSld>
+  <p:clrMapOvr>
+    <a:masterClrMapping/>
+  </p:clrMapOvr>
+</p:sld>
+</file>
+
+<file path=ppt/slides/slide15.xml><?xml version="1.0" encoding="utf-8"?>
+<p:sld xmlns:a="http://schemas.openxmlformats.org/drawingml/2006/main" xmlns:r="http://schemas.openxmlformats.org/officeDocument/2006/relationships" xmlns:mc="http://schemas.openxmlformats.org/markup-compatibility/2006" xmlns:mv="urn:schemas-microsoft-com:mac:vml" xmlns:p="http://schemas.openxmlformats.org/presentationml/2006/main" xmlns:c="http://schemas.openxmlformats.org/drawingml/2006/chart" xmlns:dgm="http://schemas.openxmlformats.org/drawingml/2006/diagram" xmlns:o="urn:schemas-microsoft-com:office:office" xmlns:v="urn:schemas-microsoft-com:vml" xmlns:pvml="urn:schemas-microsoft-com:office:powerpoint" xmlns:com="http://schemas.openxmlformats.org/drawingml/2006/compatibility" xmlns:p14="http://schemas.microsoft.com/office/powerpoint/2010/main" xmlns:p15="http://schemas.microsoft.com/office/powerpoint/2012/main" xmlns:ahyp="http://schemas.microsoft.com/office/drawing/2018/hyperlinkcolor">
+  <p:cSld>
+    <p:spTree>
+      <p:nvGrpSpPr>
+        <p:cNvPr id="179" name="Shape 179"/>
+        <p:cNvGrpSpPr/>
+        <p:nvPr/>
+      </p:nvGrpSpPr>
+      <p:grpSpPr>
+        <a:xfrm>
+          <a:off x="0" y="0"/>
+          <a:ext cx="0" cy="0"/>
+          <a:chOff x="0" y="0"/>
+          <a:chExt cx="0" cy="0"/>
+        </a:xfrm>
+      </p:grpSpPr>
+      <p:sp>
+        <p:nvSpPr>
+          <p:cNvPr id="180" name="Google Shape;180;p27"/>
+          <p:cNvSpPr txBox="1"/>
+          <p:nvPr>
+            <p:ph type="title"/>
+          </p:nvPr>
+        </p:nvSpPr>
+        <p:spPr>
+          <a:xfrm>
+            <a:off x="387900" y="458025"/>
+            <a:ext cx="8368200" cy="686100"/>
+          </a:xfrm>
+          <a:prstGeom prst="rect">
+            <a:avLst/>
+          </a:prstGeom>
+        </p:spPr>
+        <p:txBody>
+          <a:bodyPr anchorCtr="0" anchor="b" bIns="91425" lIns="91425" spcFirstLastPara="1" rIns="91425" wrap="square" tIns="91425">
+            <a:normAutofit/>
+          </a:bodyPr>
+          <a:lstStyle/>
+          <a:p>
+            <a:pPr indent="0" lvl="0" marL="0" rtl="0" algn="l">
+              <a:spcBef>
+                <a:spcPts val="0"/>
+              </a:spcBef>
+              <a:spcAft>
+                <a:spcPts val="0"/>
+              </a:spcAft>
+              <a:buNone/>
+            </a:pPr>
+            <a:r>
+              <a:rPr lang="en"/>
+              <a:t>IDisposable</a:t>
+            </a:r>
+            <a:endParaRPr/>
+          </a:p>
+        </p:txBody>
+      </p:sp>
+      <p:sp>
+        <p:nvSpPr>
+          <p:cNvPr id="181" name="Google Shape;181;p27"/>
+          <p:cNvSpPr txBox="1"/>
+          <p:nvPr>
+            <p:ph idx="1" type="body"/>
+          </p:nvPr>
+        </p:nvSpPr>
+        <p:spPr>
+          <a:xfrm>
+            <a:off x="387900" y="1489824"/>
+            <a:ext cx="8368200" cy="3078900"/>
+          </a:xfrm>
+          <a:prstGeom prst="rect">
+            <a:avLst/>
+          </a:prstGeom>
+        </p:spPr>
+        <p:txBody>
+          <a:bodyPr anchorCtr="0" anchor="t" bIns="91425" lIns="91425" spcFirstLastPara="1" rIns="91425" wrap="square" tIns="91425">
+            <a:normAutofit/>
+          </a:bodyPr>
+          <a:lstStyle/>
+          <a:p>
+            <a:pPr indent="0" lvl="0" marL="0" rtl="0" algn="l">
+              <a:spcBef>
+                <a:spcPts val="0"/>
+              </a:spcBef>
+              <a:spcAft>
+                <a:spcPts val="1200"/>
+              </a:spcAft>
+              <a:buNone/>
+            </a:pPr>
+            <a:r>
+              <a:rPr lang="en" u="sng">
+                <a:solidFill>
+                  <a:schemeClr val="hlink"/>
+                </a:solidFill>
+                <a:hlinkClick r:id="rId3"/>
+              </a:rPr>
+              <a:t>https://learn.microsoft.com/en-us/dotnet/standard/garbage-collection/using-objects</a:t>
+            </a:r>
+            <a:r>
+              <a:rPr lang="en"/>
+              <a:t> </a:t>
+            </a:r>
+            <a:endParaRPr/>
+          </a:p>
+        </p:txBody>
+      </p:sp>
+    </p:spTree>
+  </p:cSld>
+  <p:clrMapOvr>
+    <a:masterClrMapping/>
+  </p:clrMapOvr>
+</p:sld>
+</file>
+
+<file path=ppt/slides/slide16.xml><?xml version="1.0" encoding="utf-8"?>
+<p:sld xmlns:a="http://schemas.openxmlformats.org/drawingml/2006/main" xmlns:r="http://schemas.openxmlformats.org/officeDocument/2006/relationships" xmlns:mc="http://schemas.openxmlformats.org/markup-compatibility/2006" xmlns:mv="urn:schemas-microsoft-com:mac:vml" xmlns:p="http://schemas.openxmlformats.org/presentationml/2006/main" xmlns:c="http://schemas.openxmlformats.org/drawingml/2006/chart" xmlns:dgm="http://schemas.openxmlformats.org/drawingml/2006/diagram" xmlns:o="urn:schemas-microsoft-com:office:office" xmlns:v="urn:schemas-microsoft-com:vml" xmlns:pvml="urn:schemas-microsoft-com:office:powerpoint" xmlns:com="http://schemas.openxmlformats.org/drawingml/2006/compatibility" xmlns:p14="http://schemas.microsoft.com/office/powerpoint/2010/main" xmlns:p15="http://schemas.microsoft.com/office/powerpoint/2012/main" xmlns:ahyp="http://schemas.microsoft.com/office/drawing/2018/hyperlinkcolor">
+  <p:cSld>
+    <p:spTree>
+      <p:nvGrpSpPr>
+        <p:cNvPr id="185" name="Shape 185"/>
+        <p:cNvGrpSpPr/>
+        <p:nvPr/>
+      </p:nvGrpSpPr>
+      <p:grpSpPr>
+        <a:xfrm>
+          <a:off x="0" y="0"/>
+          <a:ext cx="0" cy="0"/>
+          <a:chOff x="0" y="0"/>
+          <a:chExt cx="0" cy="0"/>
+        </a:xfrm>
+      </p:grpSpPr>
+      <p:sp>
+        <p:nvSpPr>
+          <p:cNvPr id="186" name="Google Shape;186;p28"/>
+          <p:cNvSpPr txBox="1"/>
+          <p:nvPr>
+            <p:ph type="title"/>
+          </p:nvPr>
+        </p:nvSpPr>
+        <p:spPr>
+          <a:xfrm>
+            <a:off x="387900" y="458025"/>
+            <a:ext cx="8368200" cy="686100"/>
+          </a:xfrm>
+          <a:prstGeom prst="rect">
+            <a:avLst/>
+          </a:prstGeom>
+        </p:spPr>
+        <p:txBody>
+          <a:bodyPr anchorCtr="0" anchor="b" bIns="91425" lIns="91425" spcFirstLastPara="1" rIns="91425" wrap="square" tIns="91425">
+            <a:normAutofit/>
+          </a:bodyPr>
+          <a:lstStyle/>
+          <a:p>
+            <a:pPr indent="0" lvl="0" marL="0" rtl="0" algn="l">
+              <a:spcBef>
+                <a:spcPts val="0"/>
+              </a:spcBef>
+              <a:spcAft>
+                <a:spcPts val="0"/>
+              </a:spcAft>
+              <a:buNone/>
+            </a:pPr>
+            <a:r>
+              <a:rPr lang="en"/>
+              <a:t>Code Snippet</a:t>
+            </a:r>
+            <a:endParaRPr/>
+          </a:p>
+        </p:txBody>
+      </p:sp>
+      <p:sp>
+        <p:nvSpPr>
+          <p:cNvPr id="187" name="Google Shape;187;p28"/>
+          <p:cNvSpPr txBox="1"/>
+          <p:nvPr>
+            <p:ph idx="1" type="body"/>
+          </p:nvPr>
+        </p:nvSpPr>
+        <p:spPr>
+          <a:xfrm>
+            <a:off x="387900" y="1489824"/>
+            <a:ext cx="8368200" cy="3078900"/>
+          </a:xfrm>
+          <a:prstGeom prst="rect">
+            <a:avLst/>
+          </a:prstGeom>
+        </p:spPr>
+        <p:txBody>
+          <a:bodyPr anchorCtr="0" anchor="t" bIns="91425" lIns="91425" spcFirstLastPara="1" rIns="91425" wrap="square" tIns="91425">
+            <a:normAutofit/>
+          </a:bodyPr>
+          <a:lstStyle/>
+          <a:p>
+            <a:pPr indent="0" lvl="0" marL="0" rtl="0" algn="l">
+              <a:spcBef>
+                <a:spcPts val="0"/>
+              </a:spcBef>
+              <a:spcAft>
+                <a:spcPts val="1200"/>
+              </a:spcAft>
+              <a:buNone/>
+            </a:pPr>
+            <a:r>
+              <a:t/>
+            </a:r>
+            <a:endParaRPr/>
+          </a:p>
+        </p:txBody>
+      </p:sp>
+    </p:spTree>
+  </p:cSld>
+  <p:clrMapOvr>
+    <a:masterClrMapping/>
+  </p:clrMapOvr>
+</p:sld>
+</file>
+
+<file path=ppt/slides/slide17.xml><?xml version="1.0" encoding="utf-8"?>
+<p:sld xmlns:a="http://schemas.openxmlformats.org/drawingml/2006/main" xmlns:r="http://schemas.openxmlformats.org/officeDocument/2006/relationships" xmlns:mc="http://schemas.openxmlformats.org/markup-compatibility/2006" xmlns:mv="urn:schemas-microsoft-com:mac:vml" xmlns:p="http://schemas.openxmlformats.org/presentationml/2006/main" xmlns:c="http://schemas.openxmlformats.org/drawingml/2006/chart" xmlns:dgm="http://schemas.openxmlformats.org/drawingml/2006/diagram" xmlns:o="urn:schemas-microsoft-com:office:office" xmlns:v="urn:schemas-microsoft-com:vml" xmlns:pvml="urn:schemas-microsoft-com:office:powerpoint" xmlns:com="http://schemas.openxmlformats.org/drawingml/2006/compatibility" xmlns:p14="http://schemas.microsoft.com/office/powerpoint/2010/main" xmlns:p15="http://schemas.microsoft.com/office/powerpoint/2012/main" xmlns:ahyp="http://schemas.microsoft.com/office/drawing/2018/hyperlinkcolor">
+  <p:cSld>
+    <p:spTree>
+      <p:nvGrpSpPr>
+        <p:cNvPr id="191" name="Shape 191"/>
+        <p:cNvGrpSpPr/>
+        <p:nvPr/>
+      </p:nvGrpSpPr>
+      <p:grpSpPr>
+        <a:xfrm>
+          <a:off x="0" y="0"/>
+          <a:ext cx="0" cy="0"/>
+          <a:chOff x="0" y="0"/>
+          <a:chExt cx="0" cy="0"/>
+        </a:xfrm>
+      </p:grpSpPr>
+      <p:sp>
+        <p:nvSpPr>
+          <p:cNvPr id="192" name="Google Shape;192;p29"/>
+          <p:cNvSpPr txBox="1"/>
+          <p:nvPr>
+            <p:ph type="title"/>
+          </p:nvPr>
+        </p:nvSpPr>
+        <p:spPr>
+          <a:xfrm>
+            <a:off x="387900" y="1152450"/>
+            <a:ext cx="8368200" cy="1538400"/>
+          </a:xfrm>
+          <a:prstGeom prst="rect">
+            <a:avLst/>
+          </a:prstGeom>
+        </p:spPr>
+        <p:txBody>
+          <a:bodyPr anchorCtr="0" anchor="ctr" bIns="91425" lIns="91425" spcFirstLastPara="1" rIns="91425" wrap="square" tIns="91425">
+            <a:noAutofit/>
+          </a:bodyPr>
+          <a:lstStyle/>
+          <a:p>
+            <a:pPr indent="0" lvl="0" marL="0" rtl="0" algn="ctr">
+              <a:spcBef>
+                <a:spcPts val="0"/>
+              </a:spcBef>
+              <a:spcAft>
+                <a:spcPts val="0"/>
+              </a:spcAft>
+              <a:buNone/>
+            </a:pPr>
+            <a:r>
+              <a:rPr lang="en" sz="7200"/>
+              <a:t>What does it mean?</a:t>
+            </a:r>
+            <a:endParaRPr sz="7200"/>
+          </a:p>
+        </p:txBody>
+      </p:sp>
+      <p:sp>
+        <p:nvSpPr>
+          <p:cNvPr id="193" name="Google Shape;193;p29"/>
+          <p:cNvSpPr txBox="1"/>
+          <p:nvPr>
+            <p:ph idx="1" type="body"/>
+          </p:nvPr>
+        </p:nvSpPr>
+        <p:spPr>
+          <a:xfrm>
+            <a:off x="387900" y="2919450"/>
+            <a:ext cx="8368200" cy="1071600"/>
+          </a:xfrm>
+          <a:prstGeom prst="rect">
+            <a:avLst/>
+          </a:prstGeom>
+        </p:spPr>
+        <p:txBody>
+          <a:bodyPr anchorCtr="0" anchor="t" bIns="91425" lIns="91425" spcFirstLastPara="1" rIns="91425" wrap="square" tIns="91425">
+            <a:normAutofit/>
+          </a:bodyPr>
+          <a:lstStyle/>
+          <a:p>
+            <a:pPr indent="0" lvl="0" marL="0" rtl="0" algn="ctr">
+              <a:spcBef>
+                <a:spcPts val="0"/>
+              </a:spcBef>
+              <a:spcAft>
+                <a:spcPts val="1200"/>
+              </a:spcAft>
+              <a:buNone/>
+            </a:pPr>
+            <a:r>
+              <a:t/>
+            </a:r>
+            <a:endParaRPr/>
+          </a:p>
+        </p:txBody>
+      </p:sp>
+    </p:spTree>
+  </p:cSld>
+  <p:clrMapOvr>
+    <a:masterClrMapping/>
+  </p:clrMapOvr>
+</p:sld>
+</file>
+
+<file path=ppt/slides/slide18.xml><?xml version="1.0" encoding="utf-8"?>
+<p:sld xmlns:a="http://schemas.openxmlformats.org/drawingml/2006/main" xmlns:r="http://schemas.openxmlformats.org/officeDocument/2006/relationships" xmlns:mc="http://schemas.openxmlformats.org/markup-compatibility/2006" xmlns:mv="urn:schemas-microsoft-com:mac:vml" xmlns:p="http://schemas.openxmlformats.org/presentationml/2006/main" xmlns:c="http://schemas.openxmlformats.org/drawingml/2006/chart" xmlns:dgm="http://schemas.openxmlformats.org/drawingml/2006/diagram" xmlns:o="urn:schemas-microsoft-com:office:office" xmlns:v="urn:schemas-microsoft-com:vml" xmlns:pvml="urn:schemas-microsoft-com:office:powerpoint" xmlns:com="http://schemas.openxmlformats.org/drawingml/2006/compatibility" xmlns:p14="http://schemas.microsoft.com/office/powerpoint/2010/main" xmlns:p15="http://schemas.microsoft.com/office/powerpoint/2012/main" xmlns:ahyp="http://schemas.microsoft.com/office/drawing/2018/hyperlinkcolor">
+  <p:cSld>
+    <p:spTree>
+      <p:nvGrpSpPr>
+        <p:cNvPr id="197" name="Shape 197"/>
+        <p:cNvGrpSpPr/>
+        <p:nvPr/>
+      </p:nvGrpSpPr>
+      <p:grpSpPr>
+        <a:xfrm>
+          <a:off x="0" y="0"/>
+          <a:ext cx="0" cy="0"/>
+          <a:chOff x="0" y="0"/>
+          <a:chExt cx="0" cy="0"/>
+        </a:xfrm>
+      </p:grpSpPr>
+      <p:sp>
+        <p:nvSpPr>
+          <p:cNvPr id="198" name="Google Shape;198;p30"/>
+          <p:cNvSpPr txBox="1"/>
+          <p:nvPr>
+            <p:ph type="title"/>
+          </p:nvPr>
+        </p:nvSpPr>
+        <p:spPr>
+          <a:xfrm>
+            <a:off x="490250" y="526350"/>
+            <a:ext cx="5618700" cy="4090800"/>
+          </a:xfrm>
+          <a:prstGeom prst="rect">
+            <a:avLst/>
+          </a:prstGeom>
+        </p:spPr>
+        <p:txBody>
+          <a:bodyPr anchorCtr="0" anchor="ctr" bIns="91425" lIns="91425" spcFirstLastPara="1" rIns="91425" wrap="square" tIns="91425">
+            <a:normAutofit/>
+          </a:bodyPr>
+          <a:lstStyle/>
+          <a:p>
+            <a:pPr indent="0" lvl="0" marL="0" rtl="0" algn="l">
+              <a:spcBef>
+                <a:spcPts val="0"/>
+              </a:spcBef>
+              <a:spcAft>
+                <a:spcPts val="0"/>
+              </a:spcAft>
+              <a:buNone/>
+            </a:pPr>
+            <a:r>
+              <a:rPr lang="en"/>
+              <a:t>Why do we need this functionality?</a:t>
+            </a:r>
+            <a:endParaRPr/>
+          </a:p>
+        </p:txBody>
+      </p:sp>
+    </p:spTree>
+  </p:cSld>
+  <p:clrMapOvr>
+    <a:masterClrMapping/>
+  </p:clrMapOvr>
+</p:sld>
+</file>
+
+<file path=ppt/slides/slide19.xml><?xml version="1.0" encoding="utf-8"?>
+<p:sld xmlns:a="http://schemas.openxmlformats.org/drawingml/2006/main" xmlns:r="http://schemas.openxmlformats.org/officeDocument/2006/relationships" xmlns:mc="http://schemas.openxmlformats.org/markup-compatibility/2006" xmlns:mv="urn:schemas-microsoft-com:mac:vml" xmlns:p="http://schemas.openxmlformats.org/presentationml/2006/main" xmlns:c="http://schemas.openxmlformats.org/drawingml/2006/chart" xmlns:dgm="http://schemas.openxmlformats.org/drawingml/2006/diagram" xmlns:o="urn:schemas-microsoft-com:office:office" xmlns:v="urn:schemas-microsoft-com:vml" xmlns:pvml="urn:schemas-microsoft-com:office:powerpoint" xmlns:com="http://schemas.openxmlformats.org/drawingml/2006/compatibility" xmlns:p14="http://schemas.microsoft.com/office/powerpoint/2010/main" xmlns:p15="http://schemas.microsoft.com/office/powerpoint/2012/main" xmlns:ahyp="http://schemas.microsoft.com/office/drawing/2018/hyperlinkcolor">
+  <p:cSld>
+    <p:spTree>
+      <p:nvGrpSpPr>
+        <p:cNvPr id="202" name="Shape 202"/>
+        <p:cNvGrpSpPr/>
+        <p:nvPr/>
+      </p:nvGrpSpPr>
+      <p:grpSpPr>
+        <a:xfrm>
+          <a:off x="0" y="0"/>
+          <a:ext cx="0" cy="0"/>
+          <a:chOff x="0" y="0"/>
+          <a:chExt cx="0" cy="0"/>
+        </a:xfrm>
+      </p:grpSpPr>
+      <p:sp>
+        <p:nvSpPr>
+          <p:cNvPr id="203" name="Google Shape;203;p31"/>
+          <p:cNvSpPr txBox="1"/>
+          <p:nvPr>
+            <p:ph type="title"/>
+          </p:nvPr>
+        </p:nvSpPr>
+        <p:spPr>
+          <a:xfrm>
+            <a:off x="490250" y="526350"/>
+            <a:ext cx="5618700" cy="4090800"/>
+          </a:xfrm>
+          <a:prstGeom prst="rect">
+            <a:avLst/>
+          </a:prstGeom>
+        </p:spPr>
+        <p:txBody>
+          <a:bodyPr anchorCtr="0" anchor="ctr" bIns="91425" lIns="91425" spcFirstLastPara="1" rIns="91425" wrap="square" tIns="91425">
+            <a:normAutofit/>
+          </a:bodyPr>
+          <a:lstStyle/>
+          <a:p>
+            <a:pPr indent="0" lvl="0" marL="0" rtl="0" algn="l">
+              <a:spcBef>
+                <a:spcPts val="0"/>
+              </a:spcBef>
+              <a:spcAft>
+                <a:spcPts val="0"/>
+              </a:spcAft>
+              <a:buNone/>
+            </a:pPr>
+            <a:r>
+              <a:t/>
+            </a:r>
+            <a:endParaRPr/>
+          </a:p>
+        </p:txBody>
+      </p:sp>
+      <p:pic>
+        <p:nvPicPr>
+          <p:cNvPr id="204" name="Google Shape;204;p31"/>
+          <p:cNvPicPr preferRelativeResize="0"/>
+          <p:nvPr/>
+        </p:nvPicPr>
+        <p:blipFill>
+          <a:blip r:embed="rId3">
+            <a:alphaModFix/>
+          </a:blip>
+          <a:stretch>
+            <a:fillRect/>
+          </a:stretch>
+        </p:blipFill>
+        <p:spPr>
+          <a:xfrm>
+            <a:off x="0" y="175046"/>
+            <a:ext cx="9144001" cy="1281109"/>
+          </a:xfrm>
+          <a:prstGeom prst="rect">
+            <a:avLst/>
+          </a:prstGeom>
+          <a:noFill/>
+          <a:ln>
+            <a:noFill/>
+          </a:ln>
+        </p:spPr>
+      </p:pic>
+      <p:pic>
+        <p:nvPicPr>
+          <p:cNvPr id="205" name="Google Shape;205;p31"/>
+          <p:cNvPicPr preferRelativeResize="0"/>
+          <p:nvPr/>
+        </p:nvPicPr>
+        <p:blipFill>
+          <a:blip r:embed="rId4">
+            <a:alphaModFix/>
+          </a:blip>
+          <a:stretch>
+            <a:fillRect/>
+          </a:stretch>
+        </p:blipFill>
+        <p:spPr>
+          <a:xfrm>
+            <a:off x="0" y="1499759"/>
+            <a:ext cx="9144001" cy="846933"/>
+          </a:xfrm>
+          <a:prstGeom prst="rect">
+            <a:avLst/>
+          </a:prstGeom>
+          <a:noFill/>
+          <a:ln>
+            <a:noFill/>
+          </a:ln>
+        </p:spPr>
+      </p:pic>
+      <p:pic>
+        <p:nvPicPr>
+          <p:cNvPr id="206" name="Google Shape;206;p31"/>
+          <p:cNvPicPr preferRelativeResize="0"/>
+          <p:nvPr/>
+        </p:nvPicPr>
+        <p:blipFill>
+          <a:blip r:embed="rId5">
+            <a:alphaModFix/>
+          </a:blip>
+          <a:stretch>
+            <a:fillRect/>
+          </a:stretch>
+        </p:blipFill>
+        <p:spPr>
+          <a:xfrm>
+            <a:off x="-12" y="2390288"/>
+            <a:ext cx="6143625" cy="1514475"/>
+          </a:xfrm>
+          <a:prstGeom prst="rect">
+            <a:avLst/>
+          </a:prstGeom>
+          <a:noFill/>
+          <a:ln>
+            <a:noFill/>
+          </a:ln>
+        </p:spPr>
+      </p:pic>
+      <p:pic>
+        <p:nvPicPr>
+          <p:cNvPr id="207" name="Google Shape;207;p31"/>
+          <p:cNvPicPr preferRelativeResize="0"/>
+          <p:nvPr/>
+        </p:nvPicPr>
+        <p:blipFill>
+          <a:blip r:embed="rId6">
+            <a:alphaModFix/>
+          </a:blip>
+          <a:stretch>
+            <a:fillRect/>
+          </a:stretch>
+        </p:blipFill>
+        <p:spPr>
+          <a:xfrm>
+            <a:off x="3163200" y="3352800"/>
+            <a:ext cx="6038850" cy="1790700"/>
+          </a:xfrm>
+          <a:prstGeom prst="rect">
+            <a:avLst/>
+          </a:prstGeom>
+          <a:noFill/>
+          <a:ln>
+            <a:noFill/>
+          </a:ln>
+        </p:spPr>
+      </p:pic>
     </p:spTree>
   </p:cSld>
   <p:clrMapOvr>
@@ -6779,8 +9667,8 @@
         </p:nvSpPr>
         <p:spPr>
           <a:xfrm>
-            <a:off x="4939500" y="724200"/>
-            <a:ext cx="3837000" cy="3695100"/>
+            <a:off x="4946850" y="398875"/>
+            <a:ext cx="3837000" cy="4051800"/>
           </a:xfrm>
           <a:prstGeom prst="rect">
             <a:avLst/>
@@ -6788,7 +9676,7 @@
         </p:spPr>
         <p:txBody>
           <a:bodyPr anchorCtr="0" anchor="ctr" bIns="91425" lIns="91425" spcFirstLastPara="1" rIns="91425" wrap="square" tIns="91425">
-            <a:normAutofit lnSpcReduction="10000"/>
+            <a:normAutofit/>
           </a:bodyPr>
           <a:lstStyle/>
           <a:p>
@@ -6802,8 +9690,19 @@
               <a:buNone/>
             </a:pPr>
             <a:r>
+              <a:rPr lang="en">
+                <a:solidFill>
+                  <a:srgbClr val="8BC34A"/>
+                </a:solidFill>
+              </a:rPr>
+              <a:t>Garbage Collector:</a:t>
+            </a:r>
+            <a:br>
               <a:rPr lang="en"/>
-              <a:t>To understand the concept of disposal, we’d need to dive into garbage collection first.</a:t>
+            </a:br>
+            <a:r>
+              <a:rPr lang="en"/>
+              <a:t>Manages the allocation and release of memory</a:t>
             </a:r>
             <a:endParaRPr/>
           </a:p>
@@ -6818,8 +9717,23 @@
               <a:buNone/>
             </a:pPr>
             <a:r>
+              <a:rPr lang="en">
+                <a:solidFill>
+                  <a:srgbClr val="8BC34A"/>
+                </a:solidFill>
+              </a:rPr>
+              <a:t>Garbage Collection:</a:t>
+            </a:r>
+            <a:br>
+              <a:rPr lang="en">
+                <a:solidFill>
+                  <a:srgbClr val="8BC34A"/>
+                </a:solidFill>
+              </a:rPr>
+            </a:br>
+            <a:r>
               <a:rPr lang="en"/>
-              <a:t>It’s the process or mechanism within managed programming languages such as C# that automatically reclaims memory occupied by objects that are no longer used or reachable by the program.</a:t>
+              <a:t>The process of carrying out the Garbage Collector’s functionality to free and reallocate memory. This is done automatically in C#</a:t>
             </a:r>
             <a:endParaRPr/>
           </a:p>
@@ -6834,7 +9748,19 @@
               <a:buNone/>
             </a:pPr>
             <a:r>
-              <a:t/>
+              <a:rPr lang="en">
+                <a:solidFill>
+                  <a:srgbClr val="8BC34A"/>
+                </a:solidFill>
+              </a:rPr>
+              <a:t>Disposal:</a:t>
+            </a:r>
+            <a:br>
+              <a:rPr lang="en"/>
+            </a:br>
+            <a:r>
+              <a:rPr lang="en"/>
+              <a:t>The process of explicitly discarding data to free memory</a:t>
             </a:r>
             <a:endParaRPr/>
           </a:p>
@@ -6874,24 +9800,89 @@
             </a:pPr>
             <a:r>
               <a:rPr lang="en"/>
-              <a:t>What is Garbage Collection?</a:t>
+              <a:t>Basic Definitions</a:t>
             </a:r>
             <a:endParaRPr/>
           </a:p>
         </p:txBody>
       </p:sp>
-      <p:sp>
-        <p:nvSpPr>
-          <p:cNvPr id="72" name="Google Shape;72;p14"/>
+    </p:spTree>
+  </p:cSld>
+  <p:clrMapOvr>
+    <a:masterClrMapping/>
+  </p:clrMapOvr>
+</p:sld>
+</file>
+
+<file path=ppt/slides/slide20.xml><?xml version="1.0" encoding="utf-8"?>
+<p:sld xmlns:a="http://schemas.openxmlformats.org/drawingml/2006/main" xmlns:r="http://schemas.openxmlformats.org/officeDocument/2006/relationships" xmlns:mc="http://schemas.openxmlformats.org/markup-compatibility/2006" xmlns:mv="urn:schemas-microsoft-com:mac:vml" xmlns:p="http://schemas.openxmlformats.org/presentationml/2006/main" xmlns:c="http://schemas.openxmlformats.org/drawingml/2006/chart" xmlns:dgm="http://schemas.openxmlformats.org/drawingml/2006/diagram" xmlns:o="urn:schemas-microsoft-com:office:office" xmlns:v="urn:schemas-microsoft-com:vml" xmlns:pvml="urn:schemas-microsoft-com:office:powerpoint" xmlns:com="http://schemas.openxmlformats.org/drawingml/2006/compatibility" xmlns:p14="http://schemas.microsoft.com/office/powerpoint/2010/main" xmlns:p15="http://schemas.microsoft.com/office/powerpoint/2012/main" xmlns:ahyp="http://schemas.microsoft.com/office/drawing/2018/hyperlinkcolor">
+  <p:cSld>
+    <p:spTree>
+      <p:nvGrpSpPr>
+        <p:cNvPr id="211" name="Shape 211"/>
+        <p:cNvGrpSpPr/>
+        <p:nvPr/>
+      </p:nvGrpSpPr>
+      <p:grpSpPr>
+        <a:xfrm>
+          <a:off x="0" y="0"/>
+          <a:ext cx="0" cy="0"/>
+          <a:chOff x="0" y="0"/>
+          <a:chExt cx="0" cy="0"/>
+        </a:xfrm>
+      </p:grpSpPr>
+      <p:sp>
+        <p:nvSpPr>
+          <p:cNvPr id="212" name="Google Shape;212;p32"/>
           <p:cNvSpPr txBox="1"/>
           <p:nvPr>
-            <p:ph idx="1" type="subTitle"/>
+            <p:ph type="title"/>
           </p:nvPr>
         </p:nvSpPr>
         <p:spPr>
           <a:xfrm>
-            <a:off x="265500" y="2769001"/>
-            <a:ext cx="4045200" cy="1345500"/>
+            <a:off x="387900" y="458025"/>
+            <a:ext cx="8368200" cy="686100"/>
+          </a:xfrm>
+          <a:prstGeom prst="rect">
+            <a:avLst/>
+          </a:prstGeom>
+        </p:spPr>
+        <p:txBody>
+          <a:bodyPr anchorCtr="0" anchor="b" bIns="91425" lIns="91425" spcFirstLastPara="1" rIns="91425" wrap="square" tIns="91425">
+            <a:normAutofit/>
+          </a:bodyPr>
+          <a:lstStyle/>
+          <a:p>
+            <a:pPr indent="0" lvl="0" marL="0" rtl="0" algn="l">
+              <a:spcBef>
+                <a:spcPts val="0"/>
+              </a:spcBef>
+              <a:spcAft>
+                <a:spcPts val="0"/>
+              </a:spcAft>
+              <a:buNone/>
+            </a:pPr>
+            <a:r>
+              <a:rPr lang="en"/>
+              <a:t>References</a:t>
+            </a:r>
+            <a:endParaRPr/>
+          </a:p>
+        </p:txBody>
+      </p:sp>
+      <p:sp>
+        <p:nvSpPr>
+          <p:cNvPr id="213" name="Google Shape;213;p32"/>
+          <p:cNvSpPr txBox="1"/>
+          <p:nvPr>
+            <p:ph idx="1" type="body"/>
+          </p:nvPr>
+        </p:nvSpPr>
+        <p:spPr>
+          <a:xfrm>
+            <a:off x="387900" y="1489824"/>
+            <a:ext cx="8368200" cy="3078900"/>
           </a:xfrm>
           <a:prstGeom prst="rect">
             <a:avLst/>
@@ -6903,17 +9894,80 @@
           </a:bodyPr>
           <a:lstStyle/>
           <a:p>
-            <a:pPr indent="0" lvl="0" marL="0" rtl="0" algn="ctr">
-              <a:spcBef>
-                <a:spcPts val="0"/>
-              </a:spcBef>
-              <a:spcAft>
-                <a:spcPts val="0"/>
-              </a:spcAft>
-              <a:buNone/>
-            </a:pPr>
-            <a:r>
-              <a:t/>
+            <a:pPr indent="-342900" lvl="0" marL="457200" rtl="0" algn="l">
+              <a:spcBef>
+                <a:spcPts val="0"/>
+              </a:spcBef>
+              <a:spcAft>
+                <a:spcPts val="0"/>
+              </a:spcAft>
+              <a:buSzPts val="1800"/>
+              <a:buChar char="●"/>
+            </a:pPr>
+            <a:r>
+              <a:rPr lang="en" u="sng">
+                <a:solidFill>
+                  <a:schemeClr val="hlink"/>
+                </a:solidFill>
+                <a:hlinkClick r:id="rId3"/>
+              </a:rPr>
+              <a:t>https://learn.microsoft.com/en-us/dotnet/standard/garbage-collection/fundamentals</a:t>
+            </a:r>
+            <a:r>
+              <a:rPr lang="en"/>
+              <a:t> </a:t>
+            </a:r>
+            <a:endParaRPr/>
+          </a:p>
+          <a:p>
+            <a:pPr indent="-342900" lvl="0" marL="457200" rtl="0" algn="l">
+              <a:spcBef>
+                <a:spcPts val="0"/>
+              </a:spcBef>
+              <a:spcAft>
+                <a:spcPts val="0"/>
+              </a:spcAft>
+              <a:buSzPts val="1800"/>
+              <a:buChar char="●"/>
+            </a:pPr>
+            <a:r>
+              <a:rPr lang="en" u="sng">
+                <a:solidFill>
+                  <a:schemeClr val="hlink"/>
+                </a:solidFill>
+                <a:hlinkClick r:id="rId4"/>
+              </a:rPr>
+              <a:t>https://learn.microsoft.com/en-us/dotnet/standard/garbage-collection/unmanaged</a:t>
+            </a:r>
+            <a:r>
+              <a:rPr lang="en"/>
+              <a:t> </a:t>
+            </a:r>
+            <a:endParaRPr/>
+          </a:p>
+          <a:p>
+            <a:pPr indent="-342900" lvl="0" marL="457200" rtl="0" algn="l">
+              <a:spcBef>
+                <a:spcPts val="0"/>
+              </a:spcBef>
+              <a:spcAft>
+                <a:spcPts val="0"/>
+              </a:spcAft>
+              <a:buSzPts val="1800"/>
+              <a:buChar char="●"/>
+            </a:pPr>
+            <a:r>
+              <a:rPr lang="en" u="sng">
+                <a:solidFill>
+                  <a:schemeClr val="hlink"/>
+                </a:solidFill>
+                <a:hlinkClick r:id="rId5"/>
+              </a:rPr>
+              <a:t>https://www.slideshare.net/Kamal1997/gc-in-c</a:t>
+            </a:r>
+            <a:r>
+              <a:rPr lang="en"/>
+              <a:t> </a:t>
             </a:r>
             <a:endParaRPr/>
           </a:p>
@@ -6932,7 +9986,7 @@
   <p:cSld>
     <p:spTree>
       <p:nvGrpSpPr>
-        <p:cNvPr id="76" name="Shape 76"/>
+        <p:cNvPr id="75" name="Shape 75"/>
         <p:cNvGrpSpPr/>
         <p:nvPr/>
       </p:nvGrpSpPr>
@@ -6946,7 +10000,7 @@
       </p:grpSpPr>
       <p:sp>
         <p:nvSpPr>
-          <p:cNvPr id="77" name="Google Shape;77;p15"/>
+          <p:cNvPr id="76" name="Google Shape;76;p15"/>
           <p:cNvSpPr txBox="1"/>
           <p:nvPr>
             <p:ph type="title"/>
@@ -6978,7 +10032,7 @@
             </a:pPr>
             <a:r>
               <a:rPr lang="en"/>
-              <a:t>Garbage Collection</a:t>
+              <a:t>Refresher on Stack and Heap</a:t>
             </a:r>
             <a:endParaRPr/>
           </a:p>
@@ -6986,7 +10040,7 @@
       </p:sp>
       <p:sp>
         <p:nvSpPr>
-          <p:cNvPr id="78" name="Google Shape;78;p15"/>
+          <p:cNvPr id="77" name="Google Shape;77;p15"/>
           <p:cNvSpPr txBox="1"/>
           <p:nvPr>
             <p:ph idx="1" type="body"/>
@@ -7003,7 +10057,7 @@
         </p:spPr>
         <p:txBody>
           <a:bodyPr anchorCtr="0" anchor="t" bIns="91425" lIns="91425" spcFirstLastPara="1" rIns="91425" wrap="square" tIns="91425">
-            <a:normAutofit/>
+            <a:normAutofit lnSpcReduction="20000"/>
           </a:bodyPr>
           <a:lstStyle/>
           <a:p>
@@ -7018,23 +10072,73 @@
             </a:pPr>
             <a:r>
               <a:rPr lang="en"/>
-              <a:t>Garbage collection is overall a process that ensures efficient memory management and helps prevent memory leaks.</a:t>
+              <a:t>Stack</a:t>
             </a:r>
             <a:endParaRPr/>
           </a:p>
           <a:p>
+            <a:pPr indent="-342900" lvl="0" marL="457200" rtl="0" algn="l">
+              <a:spcBef>
+                <a:spcPts val="1200"/>
+              </a:spcBef>
+              <a:spcAft>
+                <a:spcPts val="0"/>
+              </a:spcAft>
+              <a:buSzPts val="1800"/>
+              <a:buChar char="●"/>
+            </a:pPr>
+            <a:r>
+              <a:rPr lang="en"/>
+              <a:t>The stack is a region of memory used for storing local variables and method call information. It operates in a last-in-first-out (LIFO) manner, making it efficient for managing these kinds of information.</a:t>
+            </a:r>
+            <a:endParaRPr/>
+          </a:p>
+          <a:p>
             <a:pPr indent="0" lvl="0" marL="0" rtl="0" algn="l">
               <a:spcBef>
                 <a:spcPts val="1200"/>
               </a:spcBef>
               <a:spcAft>
+                <a:spcPts val="0"/>
+              </a:spcAft>
+              <a:buNone/>
+            </a:pPr>
+            <a:r>
+              <a:rPr lang="en"/>
+              <a:t>Heap</a:t>
+            </a:r>
+            <a:endParaRPr/>
+          </a:p>
+          <a:p>
+            <a:pPr indent="-342900" lvl="0" marL="457200" rtl="0" algn="l">
+              <a:spcBef>
                 <a:spcPts val="1200"/>
-              </a:spcAft>
-              <a:buNone/>
+              </a:spcBef>
+              <a:spcAft>
+                <a:spcPts val="0"/>
+              </a:spcAft>
+              <a:buSzPts val="1800"/>
+              <a:buChar char="●"/>
             </a:pPr>
             <a:r>
               <a:rPr lang="en"/>
-              <a:t>In simple terms, if something taking up memory is no longer needed or used, the garbage collection system automatically frees up that space by disposing the unused item.</a:t>
+              <a:t>The heap is a region of memory </a:t>
+            </a:r>
+            <a:r>
+              <a:rPr lang="en"/>
+              <a:t>used</a:t>
+            </a:r>
+            <a:r>
+              <a:rPr lang="en"/>
+              <a:t> for dynamic memory allocation. It’s where new objects, arrays, lists, etc. are allocated. Unlike the Stack, the Heap allows for non-contiguous memory allocation and is managed by the .NET </a:t>
+            </a:r>
+            <a:r>
+              <a:rPr i="1" lang="en"/>
+              <a:t>garbage collector</a:t>
+            </a:r>
+            <a:r>
+              <a:rPr lang="en"/>
+              <a:t>.</a:t>
             </a:r>
             <a:endParaRPr/>
           </a:p>
@@ -7053,7 +10157,7 @@
   <p:cSld>
     <p:spTree>
       <p:nvGrpSpPr>
-        <p:cNvPr id="82" name="Shape 82"/>
+        <p:cNvPr id="81" name="Shape 81"/>
         <p:cNvGrpSpPr/>
         <p:nvPr/>
       </p:nvGrpSpPr>
@@ -7067,7 +10171,7 @@
       </p:grpSpPr>
       <p:sp>
         <p:nvSpPr>
-          <p:cNvPr id="83" name="Google Shape;83;p16"/>
+          <p:cNvPr id="82" name="Google Shape;82;p16"/>
           <p:cNvSpPr txBox="1"/>
           <p:nvPr>
             <p:ph type="title"/>
@@ -7099,7 +10203,7 @@
             </a:pPr>
             <a:r>
               <a:rPr lang="en"/>
-              <a:t>Code Snippet</a:t>
+              <a:t>An understanding of Memory</a:t>
             </a:r>
             <a:endParaRPr/>
           </a:p>
@@ -7107,7 +10211,7 @@
       </p:sp>
       <p:sp>
         <p:nvSpPr>
-          <p:cNvPr id="84" name="Google Shape;84;p16"/>
+          <p:cNvPr id="83" name="Google Shape;83;p16"/>
           <p:cNvSpPr txBox="1"/>
           <p:nvPr>
             <p:ph idx="1" type="body"/>
@@ -7131,6 +10235,89 @@
             <a:pPr indent="0" lvl="0" marL="0" rtl="0" algn="l">
               <a:spcBef>
                 <a:spcPts val="0"/>
+              </a:spcBef>
+              <a:spcAft>
+                <a:spcPts val="0"/>
+              </a:spcAft>
+              <a:buNone/>
+            </a:pPr>
+            <a:r>
+              <a:rPr lang="en"/>
+              <a:t>The .NET framework provides automatic memory management in C#</a:t>
+            </a:r>
+            <a:endParaRPr/>
+          </a:p>
+          <a:p>
+            <a:pPr indent="-342900" lvl="0" marL="457200" rtl="0" algn="l">
+              <a:spcBef>
+                <a:spcPts val="1200"/>
+              </a:spcBef>
+              <a:spcAft>
+                <a:spcPts val="0"/>
+              </a:spcAft>
+              <a:buSzPts val="1800"/>
+              <a:buChar char="●"/>
+            </a:pPr>
+            <a:r>
+              <a:rPr lang="en"/>
+              <a:t>Other examples: F#, J#, COBOL, Perl</a:t>
+            </a:r>
+            <a:endParaRPr/>
+          </a:p>
+          <a:p>
+            <a:pPr indent="0" lvl="0" marL="0" rtl="0" algn="l">
+              <a:spcBef>
+                <a:spcPts val="1200"/>
+              </a:spcBef>
+              <a:spcAft>
+                <a:spcPts val="0"/>
+              </a:spcAft>
+              <a:buNone/>
+            </a:pPr>
+            <a:r>
+              <a:rPr lang="en"/>
+              <a:t>Recall different memory types in C#:</a:t>
+            </a:r>
+            <a:endParaRPr/>
+          </a:p>
+          <a:p>
+            <a:pPr indent="-342900" lvl="0" marL="457200" rtl="0" algn="l">
+              <a:spcBef>
+                <a:spcPts val="1200"/>
+              </a:spcBef>
+              <a:spcAft>
+                <a:spcPts val="0"/>
+              </a:spcAft>
+              <a:buSzPts val="1800"/>
+              <a:buChar char="●"/>
+            </a:pPr>
+            <a:r>
+              <a:rPr lang="en"/>
+              <a:t>Value types get allocated on the Stack</a:t>
+            </a:r>
+            <a:endParaRPr/>
+          </a:p>
+          <a:p>
+            <a:pPr indent="-342900" lvl="0" marL="457200" rtl="0" algn="l">
+              <a:spcBef>
+                <a:spcPts val="0"/>
+              </a:spcBef>
+              <a:spcAft>
+                <a:spcPts val="0"/>
+              </a:spcAft>
+              <a:buSzPts val="1800"/>
+              <a:buChar char="●"/>
+            </a:pPr>
+            <a:r>
+              <a:rPr lang="en"/>
+              <a:t>Reference types get allocated on the Heap</a:t>
+            </a:r>
+            <a:endParaRPr/>
+          </a:p>
+          <a:p>
+            <a:pPr indent="0" lvl="0" marL="0" rtl="0" algn="l">
+              <a:spcBef>
+                <a:spcPts val="1200"/>
               </a:spcBef>
               <a:spcAft>
                 <a:spcPts val="1200"/>
@@ -7157,7 +10344,7 @@
   <p:cSld>
     <p:spTree>
       <p:nvGrpSpPr>
-        <p:cNvPr id="88" name="Shape 88"/>
+        <p:cNvPr id="87" name="Shape 87"/>
         <p:cNvGrpSpPr/>
         <p:nvPr/>
       </p:nvGrpSpPr>
@@ -7171,7 +10358,7 @@
       </p:grpSpPr>
       <p:sp>
         <p:nvSpPr>
-          <p:cNvPr id="89" name="Google Shape;89;p17"/>
+          <p:cNvPr id="88" name="Google Shape;88;p17"/>
           <p:cNvSpPr txBox="1"/>
           <p:nvPr>
             <p:ph type="title"/>
@@ -7179,12 +10366,174 @@
         </p:nvSpPr>
         <p:spPr>
           <a:xfrm>
-            <a:off x="387900" y="1152450"/>
-            <a:ext cx="8368200" cy="1538400"/>
+            <a:off x="387900" y="458025"/>
+            <a:ext cx="8368200" cy="686100"/>
           </a:xfrm>
           <a:prstGeom prst="rect">
             <a:avLst/>
           </a:prstGeom>
+        </p:spPr>
+        <p:txBody>
+          <a:bodyPr anchorCtr="0" anchor="b" bIns="91425" lIns="91425" spcFirstLastPara="1" rIns="91425" wrap="square" tIns="91425">
+            <a:normAutofit/>
+          </a:bodyPr>
+          <a:lstStyle/>
+          <a:p>
+            <a:pPr indent="0" lvl="0" marL="0" rtl="0" algn="l">
+              <a:spcBef>
+                <a:spcPts val="0"/>
+              </a:spcBef>
+              <a:spcAft>
+                <a:spcPts val="0"/>
+              </a:spcAft>
+              <a:buNone/>
+            </a:pPr>
+            <a:r>
+              <a:rPr lang="en"/>
+              <a:t>An understanding of Memory</a:t>
+            </a:r>
+            <a:endParaRPr/>
+          </a:p>
+        </p:txBody>
+      </p:sp>
+      <p:sp>
+        <p:nvSpPr>
+          <p:cNvPr id="89" name="Google Shape;89;p17"/>
+          <p:cNvSpPr txBox="1"/>
+          <p:nvPr>
+            <p:ph idx="1" type="body"/>
+          </p:nvPr>
+        </p:nvSpPr>
+        <p:spPr>
+          <a:xfrm>
+            <a:off x="387900" y="1489825"/>
+            <a:ext cx="3999900" cy="839400"/>
+          </a:xfrm>
+          <a:prstGeom prst="rect">
+            <a:avLst/>
+          </a:prstGeom>
+        </p:spPr>
+        <p:txBody>
+          <a:bodyPr anchorCtr="0" anchor="t" bIns="91425" lIns="91425" spcFirstLastPara="1" rIns="91425" wrap="square" tIns="91425">
+            <a:normAutofit/>
+          </a:bodyPr>
+          <a:lstStyle/>
+          <a:p>
+            <a:pPr indent="0" lvl="0" marL="0" rtl="0" algn="ctr">
+              <a:spcBef>
+                <a:spcPts val="0"/>
+              </a:spcBef>
+              <a:spcAft>
+                <a:spcPts val="0"/>
+              </a:spcAft>
+              <a:buNone/>
+            </a:pPr>
+            <a:r>
+              <a:rPr lang="en"/>
+              <a:t>Stack</a:t>
+            </a:r>
+            <a:endParaRPr/>
+          </a:p>
+          <a:p>
+            <a:pPr indent="0" lvl="0" marL="0" rtl="0" algn="ctr">
+              <a:spcBef>
+                <a:spcPts val="1200"/>
+              </a:spcBef>
+              <a:spcAft>
+                <a:spcPts val="1200"/>
+              </a:spcAft>
+              <a:buNone/>
+            </a:pPr>
+            <a:r>
+              <a:rPr lang="en"/>
+              <a:t>All references</a:t>
+            </a:r>
+            <a:endParaRPr/>
+          </a:p>
+        </p:txBody>
+      </p:sp>
+      <p:sp>
+        <p:nvSpPr>
+          <p:cNvPr id="90" name="Google Shape;90;p17"/>
+          <p:cNvSpPr txBox="1"/>
+          <p:nvPr>
+            <p:ph idx="2" type="body"/>
+          </p:nvPr>
+        </p:nvSpPr>
+        <p:spPr>
+          <a:xfrm>
+            <a:off x="4756200" y="1489825"/>
+            <a:ext cx="3999900" cy="839400"/>
+          </a:xfrm>
+          <a:prstGeom prst="rect">
+            <a:avLst/>
+          </a:prstGeom>
+        </p:spPr>
+        <p:txBody>
+          <a:bodyPr anchorCtr="0" anchor="t" bIns="91425" lIns="91425" spcFirstLastPara="1" rIns="91425" wrap="square" tIns="91425">
+            <a:normAutofit/>
+          </a:bodyPr>
+          <a:lstStyle/>
+          <a:p>
+            <a:pPr indent="0" lvl="0" marL="0" rtl="0" algn="ctr">
+              <a:spcBef>
+                <a:spcPts val="0"/>
+              </a:spcBef>
+              <a:spcAft>
+                <a:spcPts val="0"/>
+              </a:spcAft>
+              <a:buNone/>
+            </a:pPr>
+            <a:r>
+              <a:rPr lang="en"/>
+              <a:t>Heap</a:t>
+            </a:r>
+            <a:endParaRPr/>
+          </a:p>
+          <a:p>
+            <a:pPr indent="0" lvl="0" marL="0" rtl="0" algn="ctr">
+              <a:spcBef>
+                <a:spcPts val="1200"/>
+              </a:spcBef>
+              <a:spcAft>
+                <a:spcPts val="1200"/>
+              </a:spcAft>
+              <a:buNone/>
+            </a:pPr>
+            <a:r>
+              <a:rPr lang="en"/>
+              <a:t>All object that are created in memory</a:t>
+            </a:r>
+            <a:endParaRPr/>
+          </a:p>
+        </p:txBody>
+      </p:sp>
+      <p:sp>
+        <p:nvSpPr>
+          <p:cNvPr id="91" name="Google Shape;91;p17"/>
+          <p:cNvSpPr/>
+          <p:nvPr/>
+        </p:nvSpPr>
+        <p:spPr>
+          <a:xfrm>
+            <a:off x="1752300" y="2380700"/>
+            <a:ext cx="1271100" cy="279300"/>
+          </a:xfrm>
+          <a:prstGeom prst="rect">
+            <a:avLst/>
+          </a:prstGeom>
+          <a:solidFill>
+            <a:schemeClr val="lt2"/>
+          </a:solidFill>
+          <a:ln cap="flat" cmpd="sng" w="9525">
+            <a:solidFill>
+              <a:schemeClr val="dk2"/>
+            </a:solidFill>
+            <a:prstDash val="solid"/>
+            <a:round/>
+            <a:headEnd len="sm" w="sm" type="none"/>
+            <a:tailEnd len="sm" w="sm" type="none"/>
+          </a:ln>
         </p:spPr>
         <p:txBody>
           <a:bodyPr anchorCtr="0" anchor="ctr" bIns="91425" lIns="91425" spcFirstLastPara="1" rIns="91425" wrap="square" tIns="91425">
@@ -7202,33 +10551,53 @@
               <a:buNone/>
             </a:pPr>
             <a:r>
-              <a:rPr lang="en" sz="7200"/>
-              <a:t>What does it mean?</a:t>
-            </a:r>
-            <a:endParaRPr sz="7200"/>
+              <a:rPr lang="en">
+                <a:latin typeface="Roboto"/>
+                <a:ea typeface="Roboto"/>
+                <a:cs typeface="Roboto"/>
+                <a:sym typeface="Roboto"/>
+              </a:rPr>
+              <a:t>Ref 1</a:t>
+            </a:r>
+            <a:endParaRPr>
+              <a:latin typeface="Roboto"/>
+              <a:ea typeface="Roboto"/>
+              <a:cs typeface="Roboto"/>
+              <a:sym typeface="Roboto"/>
+            </a:endParaRPr>
           </a:p>
         </p:txBody>
       </p:sp>
       <p:sp>
         <p:nvSpPr>
-          <p:cNvPr id="90" name="Google Shape;90;p17"/>
-          <p:cNvSpPr txBox="1"/>
-          <p:nvPr>
-            <p:ph idx="1" type="body"/>
-          </p:nvPr>
-        </p:nvSpPr>
-        <p:spPr>
-          <a:xfrm>
-            <a:off x="387900" y="2919450"/>
-            <a:ext cx="8368200" cy="1071600"/>
+          <p:cNvPr id="92" name="Google Shape;92;p17"/>
+          <p:cNvSpPr/>
+          <p:nvPr/>
+        </p:nvSpPr>
+        <p:spPr>
+          <a:xfrm>
+            <a:off x="1752300" y="2841725"/>
+            <a:ext cx="1271100" cy="279300"/>
           </a:xfrm>
           <a:prstGeom prst="rect">
             <a:avLst/>
           </a:prstGeom>
+          <a:solidFill>
+            <a:schemeClr val="lt2"/>
+          </a:solidFill>
+          <a:ln cap="flat" cmpd="sng" w="9525">
+            <a:solidFill>
+              <a:schemeClr val="dk2"/>
+            </a:solidFill>
+            <a:prstDash val="solid"/>
+            <a:round/>
+            <a:headEnd len="sm" w="sm" type="none"/>
+            <a:tailEnd len="sm" w="sm" type="none"/>
+          </a:ln>
         </p:spPr>
         <p:txBody>
-          <a:bodyPr anchorCtr="0" anchor="t" bIns="91425" lIns="91425" spcFirstLastPara="1" rIns="91425" wrap="square" tIns="91425">
-            <a:normAutofit/>
+          <a:bodyPr anchorCtr="0" anchor="ctr" bIns="91425" lIns="91425" spcFirstLastPara="1" rIns="91425" wrap="square" tIns="91425">
+            <a:noAutofit/>
           </a:bodyPr>
           <a:lstStyle/>
           <a:p>
@@ -7237,17 +10606,653 @@
                 <a:spcPts val="0"/>
               </a:spcBef>
               <a:spcAft>
-                <a:spcPts val="1200"/>
-              </a:spcAft>
-              <a:buNone/>
-            </a:pPr>
-            <a:r>
-              <a:t/>
-            </a:r>
-            <a:endParaRPr/>
+                <a:spcPts val="0"/>
+              </a:spcAft>
+              <a:buNone/>
+            </a:pPr>
+            <a:r>
+              <a:rPr lang="en">
+                <a:latin typeface="Roboto"/>
+                <a:ea typeface="Roboto"/>
+                <a:cs typeface="Roboto"/>
+                <a:sym typeface="Roboto"/>
+              </a:rPr>
+              <a:t>Ref 2</a:t>
+            </a:r>
+            <a:endParaRPr>
+              <a:latin typeface="Roboto"/>
+              <a:ea typeface="Roboto"/>
+              <a:cs typeface="Roboto"/>
+              <a:sym typeface="Roboto"/>
+            </a:endParaRPr>
           </a:p>
         </p:txBody>
       </p:sp>
+      <p:sp>
+        <p:nvSpPr>
+          <p:cNvPr id="93" name="Google Shape;93;p17"/>
+          <p:cNvSpPr/>
+          <p:nvPr/>
+        </p:nvSpPr>
+        <p:spPr>
+          <a:xfrm>
+            <a:off x="1752300" y="3302750"/>
+            <a:ext cx="1271100" cy="279300"/>
+          </a:xfrm>
+          <a:prstGeom prst="rect">
+            <a:avLst/>
+          </a:prstGeom>
+          <a:solidFill>
+            <a:schemeClr val="lt2"/>
+          </a:solidFill>
+          <a:ln cap="flat" cmpd="sng" w="9525">
+            <a:solidFill>
+              <a:schemeClr val="dk2"/>
+            </a:solidFill>
+            <a:prstDash val="solid"/>
+            <a:round/>
+            <a:headEnd len="sm" w="sm" type="none"/>
+            <a:tailEnd len="sm" w="sm" type="none"/>
+          </a:ln>
+        </p:spPr>
+        <p:txBody>
+          <a:bodyPr anchorCtr="0" anchor="ctr" bIns="91425" lIns="91425" spcFirstLastPara="1" rIns="91425" wrap="square" tIns="91425">
+            <a:noAutofit/>
+          </a:bodyPr>
+          <a:lstStyle/>
+          <a:p>
+            <a:pPr indent="0" lvl="0" marL="0" rtl="0" algn="ctr">
+              <a:spcBef>
+                <a:spcPts val="0"/>
+              </a:spcBef>
+              <a:spcAft>
+                <a:spcPts val="0"/>
+              </a:spcAft>
+              <a:buNone/>
+            </a:pPr>
+            <a:r>
+              <a:rPr lang="en">
+                <a:latin typeface="Roboto"/>
+                <a:ea typeface="Roboto"/>
+                <a:cs typeface="Roboto"/>
+                <a:sym typeface="Roboto"/>
+              </a:rPr>
+              <a:t>Ref 3</a:t>
+            </a:r>
+            <a:endParaRPr>
+              <a:latin typeface="Roboto"/>
+              <a:ea typeface="Roboto"/>
+              <a:cs typeface="Roboto"/>
+              <a:sym typeface="Roboto"/>
+            </a:endParaRPr>
+          </a:p>
+        </p:txBody>
+      </p:sp>
+      <p:sp>
+        <p:nvSpPr>
+          <p:cNvPr id="94" name="Google Shape;94;p17"/>
+          <p:cNvSpPr/>
+          <p:nvPr/>
+        </p:nvSpPr>
+        <p:spPr>
+          <a:xfrm>
+            <a:off x="1752300" y="3763775"/>
+            <a:ext cx="1271100" cy="279300"/>
+          </a:xfrm>
+          <a:prstGeom prst="rect">
+            <a:avLst/>
+          </a:prstGeom>
+          <a:solidFill>
+            <a:schemeClr val="lt2"/>
+          </a:solidFill>
+          <a:ln cap="flat" cmpd="sng" w="9525">
+            <a:solidFill>
+              <a:schemeClr val="dk2"/>
+            </a:solidFill>
+            <a:prstDash val="solid"/>
+            <a:round/>
+            <a:headEnd len="sm" w="sm" type="none"/>
+            <a:tailEnd len="sm" w="sm" type="none"/>
+          </a:ln>
+        </p:spPr>
+        <p:txBody>
+          <a:bodyPr anchorCtr="0" anchor="ctr" bIns="91425" lIns="91425" spcFirstLastPara="1" rIns="91425" wrap="square" tIns="91425">
+            <a:noAutofit/>
+          </a:bodyPr>
+          <a:lstStyle/>
+          <a:p>
+            <a:pPr indent="0" lvl="0" marL="0" rtl="0" algn="ctr">
+              <a:spcBef>
+                <a:spcPts val="0"/>
+              </a:spcBef>
+              <a:spcAft>
+                <a:spcPts val="0"/>
+              </a:spcAft>
+              <a:buNone/>
+            </a:pPr>
+            <a:r>
+              <a:rPr lang="en">
+                <a:latin typeface="Roboto"/>
+                <a:ea typeface="Roboto"/>
+                <a:cs typeface="Roboto"/>
+                <a:sym typeface="Roboto"/>
+              </a:rPr>
+              <a:t>Ref 4</a:t>
+            </a:r>
+            <a:endParaRPr>
+              <a:latin typeface="Roboto"/>
+              <a:ea typeface="Roboto"/>
+              <a:cs typeface="Roboto"/>
+              <a:sym typeface="Roboto"/>
+            </a:endParaRPr>
+          </a:p>
+        </p:txBody>
+      </p:sp>
+      <p:sp>
+        <p:nvSpPr>
+          <p:cNvPr id="95" name="Google Shape;95;p17"/>
+          <p:cNvSpPr/>
+          <p:nvPr/>
+        </p:nvSpPr>
+        <p:spPr>
+          <a:xfrm>
+            <a:off x="1752300" y="4224800"/>
+            <a:ext cx="1271100" cy="279300"/>
+          </a:xfrm>
+          <a:prstGeom prst="rect">
+            <a:avLst/>
+          </a:prstGeom>
+          <a:solidFill>
+            <a:schemeClr val="lt2"/>
+          </a:solidFill>
+          <a:ln cap="flat" cmpd="sng" w="9525">
+            <a:solidFill>
+              <a:schemeClr val="dk2"/>
+            </a:solidFill>
+            <a:prstDash val="solid"/>
+            <a:round/>
+            <a:headEnd len="sm" w="sm" type="none"/>
+            <a:tailEnd len="sm" w="sm" type="none"/>
+          </a:ln>
+        </p:spPr>
+        <p:txBody>
+          <a:bodyPr anchorCtr="0" anchor="ctr" bIns="91425" lIns="91425" spcFirstLastPara="1" rIns="91425" wrap="square" tIns="91425">
+            <a:noAutofit/>
+          </a:bodyPr>
+          <a:lstStyle/>
+          <a:p>
+            <a:pPr indent="0" lvl="0" marL="0" rtl="0" algn="ctr">
+              <a:spcBef>
+                <a:spcPts val="0"/>
+              </a:spcBef>
+              <a:spcAft>
+                <a:spcPts val="0"/>
+              </a:spcAft>
+              <a:buNone/>
+            </a:pPr>
+            <a:r>
+              <a:rPr lang="en">
+                <a:latin typeface="Roboto"/>
+                <a:ea typeface="Roboto"/>
+                <a:cs typeface="Roboto"/>
+                <a:sym typeface="Roboto"/>
+              </a:rPr>
+              <a:t>Ref 5</a:t>
+            </a:r>
+            <a:endParaRPr>
+              <a:latin typeface="Roboto"/>
+              <a:ea typeface="Roboto"/>
+              <a:cs typeface="Roboto"/>
+              <a:sym typeface="Roboto"/>
+            </a:endParaRPr>
+          </a:p>
+        </p:txBody>
+      </p:sp>
+      <p:sp>
+        <p:nvSpPr>
+          <p:cNvPr id="96" name="Google Shape;96;p17"/>
+          <p:cNvSpPr/>
+          <p:nvPr/>
+        </p:nvSpPr>
+        <p:spPr>
+          <a:xfrm>
+            <a:off x="5926788" y="2329225"/>
+            <a:ext cx="522000" cy="461100"/>
+          </a:xfrm>
+          <a:prstGeom prst="rect">
+            <a:avLst/>
+          </a:prstGeom>
+          <a:solidFill>
+            <a:schemeClr val="lt2"/>
+          </a:solidFill>
+          <a:ln cap="flat" cmpd="sng" w="9525">
+            <a:solidFill>
+              <a:schemeClr val="dk2"/>
+            </a:solidFill>
+            <a:prstDash val="solid"/>
+            <a:round/>
+            <a:headEnd len="sm" w="sm" type="none"/>
+            <a:tailEnd len="sm" w="sm" type="none"/>
+          </a:ln>
+        </p:spPr>
+        <p:txBody>
+          <a:bodyPr anchorCtr="0" anchor="ctr" bIns="91425" lIns="91425" spcFirstLastPara="1" rIns="91425" wrap="square" tIns="91425">
+            <a:noAutofit/>
+          </a:bodyPr>
+          <a:lstStyle/>
+          <a:p>
+            <a:pPr indent="0" lvl="0" marL="0" rtl="0" algn="ctr">
+              <a:spcBef>
+                <a:spcPts val="0"/>
+              </a:spcBef>
+              <a:spcAft>
+                <a:spcPts val="0"/>
+              </a:spcAft>
+              <a:buNone/>
+            </a:pPr>
+            <a:r>
+              <a:rPr lang="en">
+                <a:latin typeface="Roboto"/>
+                <a:ea typeface="Roboto"/>
+                <a:cs typeface="Roboto"/>
+                <a:sym typeface="Roboto"/>
+              </a:rPr>
+              <a:t>Obj 1</a:t>
+            </a:r>
+            <a:endParaRPr>
+              <a:latin typeface="Roboto"/>
+              <a:ea typeface="Roboto"/>
+              <a:cs typeface="Roboto"/>
+              <a:sym typeface="Roboto"/>
+            </a:endParaRPr>
+          </a:p>
+        </p:txBody>
+      </p:sp>
+      <p:sp>
+        <p:nvSpPr>
+          <p:cNvPr id="97" name="Google Shape;97;p17"/>
+          <p:cNvSpPr/>
+          <p:nvPr/>
+        </p:nvSpPr>
+        <p:spPr>
+          <a:xfrm>
+            <a:off x="7065513" y="2731450"/>
+            <a:ext cx="522000" cy="461100"/>
+          </a:xfrm>
+          <a:prstGeom prst="rect">
+            <a:avLst/>
+          </a:prstGeom>
+          <a:solidFill>
+            <a:schemeClr val="lt2"/>
+          </a:solidFill>
+          <a:ln cap="flat" cmpd="sng" w="9525">
+            <a:solidFill>
+              <a:schemeClr val="dk2"/>
+            </a:solidFill>
+            <a:prstDash val="solid"/>
+            <a:round/>
+            <a:headEnd len="sm" w="sm" type="none"/>
+            <a:tailEnd len="sm" w="sm" type="none"/>
+          </a:ln>
+        </p:spPr>
+        <p:txBody>
+          <a:bodyPr anchorCtr="0" anchor="ctr" bIns="91425" lIns="91425" spcFirstLastPara="1" rIns="91425" wrap="square" tIns="91425">
+            <a:noAutofit/>
+          </a:bodyPr>
+          <a:lstStyle/>
+          <a:p>
+            <a:pPr indent="0" lvl="0" marL="0" rtl="0" algn="ctr">
+              <a:spcBef>
+                <a:spcPts val="0"/>
+              </a:spcBef>
+              <a:spcAft>
+                <a:spcPts val="0"/>
+              </a:spcAft>
+              <a:buNone/>
+            </a:pPr>
+            <a:r>
+              <a:rPr lang="en">
+                <a:latin typeface="Roboto"/>
+                <a:ea typeface="Roboto"/>
+                <a:cs typeface="Roboto"/>
+                <a:sym typeface="Roboto"/>
+              </a:rPr>
+              <a:t>Obj 2</a:t>
+            </a:r>
+            <a:endParaRPr>
+              <a:latin typeface="Roboto"/>
+              <a:ea typeface="Roboto"/>
+              <a:cs typeface="Roboto"/>
+              <a:sym typeface="Roboto"/>
+            </a:endParaRPr>
+          </a:p>
+        </p:txBody>
+      </p:sp>
+      <p:sp>
+        <p:nvSpPr>
+          <p:cNvPr id="98" name="Google Shape;98;p17"/>
+          <p:cNvSpPr/>
+          <p:nvPr/>
+        </p:nvSpPr>
+        <p:spPr>
+          <a:xfrm>
+            <a:off x="5864188" y="3192475"/>
+            <a:ext cx="522000" cy="461100"/>
+          </a:xfrm>
+          <a:prstGeom prst="rect">
+            <a:avLst/>
+          </a:prstGeom>
+          <a:solidFill>
+            <a:schemeClr val="lt2"/>
+          </a:solidFill>
+          <a:ln cap="flat" cmpd="sng" w="9525">
+            <a:solidFill>
+              <a:schemeClr val="dk2"/>
+            </a:solidFill>
+            <a:prstDash val="solid"/>
+            <a:round/>
+            <a:headEnd len="sm" w="sm" type="none"/>
+            <a:tailEnd len="sm" w="sm" type="none"/>
+          </a:ln>
+        </p:spPr>
+        <p:txBody>
+          <a:bodyPr anchorCtr="0" anchor="ctr" bIns="91425" lIns="91425" spcFirstLastPara="1" rIns="91425" wrap="square" tIns="91425">
+            <a:noAutofit/>
+          </a:bodyPr>
+          <a:lstStyle/>
+          <a:p>
+            <a:pPr indent="0" lvl="0" marL="0" rtl="0" algn="ctr">
+              <a:spcBef>
+                <a:spcPts val="0"/>
+              </a:spcBef>
+              <a:spcAft>
+                <a:spcPts val="0"/>
+              </a:spcAft>
+              <a:buNone/>
+            </a:pPr>
+            <a:r>
+              <a:rPr lang="en">
+                <a:latin typeface="Roboto"/>
+                <a:ea typeface="Roboto"/>
+                <a:cs typeface="Roboto"/>
+                <a:sym typeface="Roboto"/>
+              </a:rPr>
+              <a:t>Obj 3</a:t>
+            </a:r>
+            <a:endParaRPr>
+              <a:latin typeface="Roboto"/>
+              <a:ea typeface="Roboto"/>
+              <a:cs typeface="Roboto"/>
+              <a:sym typeface="Roboto"/>
+            </a:endParaRPr>
+          </a:p>
+        </p:txBody>
+      </p:sp>
+      <p:sp>
+        <p:nvSpPr>
+          <p:cNvPr id="99" name="Google Shape;99;p17"/>
+          <p:cNvSpPr/>
+          <p:nvPr/>
+        </p:nvSpPr>
+        <p:spPr>
+          <a:xfrm>
+            <a:off x="7126113" y="3602025"/>
+            <a:ext cx="522000" cy="461100"/>
+          </a:xfrm>
+          <a:prstGeom prst="rect">
+            <a:avLst/>
+          </a:prstGeom>
+          <a:solidFill>
+            <a:schemeClr val="lt2"/>
+          </a:solidFill>
+          <a:ln cap="flat" cmpd="sng" w="9525">
+            <a:solidFill>
+              <a:schemeClr val="dk2"/>
+            </a:solidFill>
+            <a:prstDash val="solid"/>
+            <a:round/>
+            <a:headEnd len="sm" w="sm" type="none"/>
+            <a:tailEnd len="sm" w="sm" type="none"/>
+          </a:ln>
+        </p:spPr>
+        <p:txBody>
+          <a:bodyPr anchorCtr="0" anchor="ctr" bIns="91425" lIns="91425" spcFirstLastPara="1" rIns="91425" wrap="square" tIns="91425">
+            <a:noAutofit/>
+          </a:bodyPr>
+          <a:lstStyle/>
+          <a:p>
+            <a:pPr indent="0" lvl="0" marL="0" rtl="0" algn="ctr">
+              <a:spcBef>
+                <a:spcPts val="0"/>
+              </a:spcBef>
+              <a:spcAft>
+                <a:spcPts val="0"/>
+              </a:spcAft>
+              <a:buNone/>
+            </a:pPr>
+            <a:r>
+              <a:rPr lang="en">
+                <a:latin typeface="Roboto"/>
+                <a:ea typeface="Roboto"/>
+                <a:cs typeface="Roboto"/>
+                <a:sym typeface="Roboto"/>
+              </a:rPr>
+              <a:t>Obj 4</a:t>
+            </a:r>
+            <a:endParaRPr>
+              <a:latin typeface="Roboto"/>
+              <a:ea typeface="Roboto"/>
+              <a:cs typeface="Roboto"/>
+              <a:sym typeface="Roboto"/>
+            </a:endParaRPr>
+          </a:p>
+        </p:txBody>
+      </p:sp>
+      <p:sp>
+        <p:nvSpPr>
+          <p:cNvPr id="100" name="Google Shape;100;p17"/>
+          <p:cNvSpPr/>
+          <p:nvPr/>
+        </p:nvSpPr>
+        <p:spPr>
+          <a:xfrm>
+            <a:off x="6308588" y="4023625"/>
+            <a:ext cx="522000" cy="461100"/>
+          </a:xfrm>
+          <a:prstGeom prst="rect">
+            <a:avLst/>
+          </a:prstGeom>
+          <a:solidFill>
+            <a:schemeClr val="lt2"/>
+          </a:solidFill>
+          <a:ln cap="flat" cmpd="sng" w="9525">
+            <a:solidFill>
+              <a:schemeClr val="dk2"/>
+            </a:solidFill>
+            <a:prstDash val="solid"/>
+            <a:round/>
+            <a:headEnd len="sm" w="sm" type="none"/>
+            <a:tailEnd len="sm" w="sm" type="none"/>
+          </a:ln>
+        </p:spPr>
+        <p:txBody>
+          <a:bodyPr anchorCtr="0" anchor="ctr" bIns="91425" lIns="91425" spcFirstLastPara="1" rIns="91425" wrap="square" tIns="91425">
+            <a:noAutofit/>
+          </a:bodyPr>
+          <a:lstStyle/>
+          <a:p>
+            <a:pPr indent="0" lvl="0" marL="0" rtl="0" algn="ctr">
+              <a:spcBef>
+                <a:spcPts val="0"/>
+              </a:spcBef>
+              <a:spcAft>
+                <a:spcPts val="0"/>
+              </a:spcAft>
+              <a:buNone/>
+            </a:pPr>
+            <a:r>
+              <a:rPr lang="en">
+                <a:latin typeface="Roboto"/>
+                <a:ea typeface="Roboto"/>
+                <a:cs typeface="Roboto"/>
+                <a:sym typeface="Roboto"/>
+              </a:rPr>
+              <a:t>Obj 5</a:t>
+            </a:r>
+            <a:endParaRPr>
+              <a:latin typeface="Roboto"/>
+              <a:ea typeface="Roboto"/>
+              <a:cs typeface="Roboto"/>
+              <a:sym typeface="Roboto"/>
+            </a:endParaRPr>
+          </a:p>
+        </p:txBody>
+      </p:sp>
+      <p:cxnSp>
+        <p:nvCxnSpPr>
+          <p:cNvPr id="101" name="Google Shape;101;p17"/>
+          <p:cNvCxnSpPr>
+            <a:stCxn id="91" idx="3"/>
+            <a:endCxn id="96" idx="1"/>
+          </p:cNvCxnSpPr>
+          <p:nvPr/>
+        </p:nvCxnSpPr>
+        <p:spPr>
+          <a:xfrm>
+            <a:off x="3023400" y="2520350"/>
+            <a:ext cx="2903400" cy="39300"/>
+          </a:xfrm>
+          <a:prstGeom prst="straightConnector1">
+            <a:avLst/>
+          </a:prstGeom>
+          <a:noFill/>
+          <a:ln cap="flat" cmpd="sng" w="28575">
+            <a:solidFill>
+              <a:schemeClr val="dk2"/>
+            </a:solidFill>
+            <a:prstDash val="solid"/>
+            <a:round/>
+            <a:headEnd len="med" w="med" type="none"/>
+            <a:tailEnd len="med" w="med" type="triangle"/>
+          </a:ln>
+        </p:spPr>
+      </p:cxnSp>
+      <p:cxnSp>
+        <p:nvCxnSpPr>
+          <p:cNvPr id="102" name="Google Shape;102;p17"/>
+          <p:cNvCxnSpPr>
+            <a:stCxn id="92" idx="3"/>
+            <a:endCxn id="97" idx="1"/>
+          </p:cNvCxnSpPr>
+          <p:nvPr/>
+        </p:nvCxnSpPr>
+        <p:spPr>
+          <a:xfrm flipH="1" rot="10800000">
+            <a:off x="3023400" y="2961875"/>
+            <a:ext cx="4042200" cy="19500"/>
+          </a:xfrm>
+          <a:prstGeom prst="straightConnector1">
+            <a:avLst/>
+          </a:prstGeom>
+          <a:noFill/>
+          <a:ln cap="flat" cmpd="sng" w="28575">
+            <a:solidFill>
+              <a:schemeClr val="dk2"/>
+            </a:solidFill>
+            <a:prstDash val="solid"/>
+            <a:round/>
+            <a:headEnd len="med" w="med" type="none"/>
+            <a:tailEnd len="med" w="med" type="triangle"/>
+          </a:ln>
+        </p:spPr>
+      </p:cxnSp>
+      <p:cxnSp>
+        <p:nvCxnSpPr>
+          <p:cNvPr id="103" name="Google Shape;103;p17"/>
+          <p:cNvCxnSpPr>
+            <a:stCxn id="93" idx="3"/>
+            <a:endCxn id="98" idx="1"/>
+          </p:cNvCxnSpPr>
+          <p:nvPr/>
+        </p:nvCxnSpPr>
+        <p:spPr>
+          <a:xfrm flipH="1" rot="10800000">
+            <a:off x="3023400" y="3422900"/>
+            <a:ext cx="2840700" cy="19500"/>
+          </a:xfrm>
+          <a:prstGeom prst="straightConnector1">
+            <a:avLst/>
+          </a:prstGeom>
+          <a:noFill/>
+          <a:ln cap="flat" cmpd="sng" w="28575">
+            <a:solidFill>
+              <a:schemeClr val="dk2"/>
+            </a:solidFill>
+            <a:prstDash val="solid"/>
+            <a:round/>
+            <a:headEnd len="med" w="med" type="none"/>
+            <a:tailEnd len="med" w="med" type="triangle"/>
+          </a:ln>
+        </p:spPr>
+      </p:cxnSp>
+      <p:cxnSp>
+        <p:nvCxnSpPr>
+          <p:cNvPr id="104" name="Google Shape;104;p17"/>
+          <p:cNvCxnSpPr>
+            <a:stCxn id="94" idx="3"/>
+            <a:endCxn id="99" idx="1"/>
+          </p:cNvCxnSpPr>
+          <p:nvPr/>
+        </p:nvCxnSpPr>
+        <p:spPr>
+          <a:xfrm flipH="1" rot="10800000">
+            <a:off x="3023400" y="3832625"/>
+            <a:ext cx="4102800" cy="70800"/>
+          </a:xfrm>
+          <a:prstGeom prst="straightConnector1">
+            <a:avLst/>
+          </a:prstGeom>
+          <a:noFill/>
+          <a:ln cap="flat" cmpd="sng" w="28575">
+            <a:solidFill>
+              <a:schemeClr val="dk2"/>
+            </a:solidFill>
+            <a:prstDash val="solid"/>
+            <a:round/>
+            <a:headEnd len="med" w="med" type="none"/>
+            <a:tailEnd len="med" w="med" type="triangle"/>
+          </a:ln>
+        </p:spPr>
+      </p:cxnSp>
+      <p:cxnSp>
+        <p:nvCxnSpPr>
+          <p:cNvPr id="105" name="Google Shape;105;p17"/>
+          <p:cNvCxnSpPr>
+            <a:stCxn id="95" idx="3"/>
+            <a:endCxn id="100" idx="1"/>
+          </p:cNvCxnSpPr>
+          <p:nvPr/>
+        </p:nvCxnSpPr>
+        <p:spPr>
+          <a:xfrm flipH="1" rot="10800000">
+            <a:off x="3023400" y="4254050"/>
+            <a:ext cx="3285300" cy="110400"/>
+          </a:xfrm>
+          <a:prstGeom prst="straightConnector1">
+            <a:avLst/>
+          </a:prstGeom>
+          <a:noFill/>
+          <a:ln cap="flat" cmpd="sng" w="28575">
+            <a:solidFill>
+              <a:schemeClr val="dk2"/>
+            </a:solidFill>
+            <a:prstDash val="solid"/>
+            <a:round/>
+            <a:headEnd len="med" w="med" type="none"/>
+            <a:tailEnd len="med" w="med" type="triangle"/>
+          </a:ln>
+        </p:spPr>
+      </p:cxnSp>
     </p:spTree>
   </p:cSld>
   <p:clrMapOvr>
@@ -7261,7 +11266,7 @@
   <p:cSld>
     <p:spTree>
       <p:nvGrpSpPr>
-        <p:cNvPr id="94" name="Shape 94"/>
+        <p:cNvPr id="109" name="Shape 109"/>
         <p:cNvGrpSpPr/>
         <p:nvPr/>
       </p:nvGrpSpPr>
@@ -7275,7 +11280,7 @@
       </p:grpSpPr>
       <p:sp>
         <p:nvSpPr>
-          <p:cNvPr id="95" name="Google Shape;95;p18"/>
+          <p:cNvPr id="110" name="Google Shape;110;p18"/>
           <p:cNvSpPr txBox="1"/>
           <p:nvPr>
             <p:ph type="title"/>
@@ -7283,8 +11288,1013 @@
         </p:nvSpPr>
         <p:spPr>
           <a:xfrm>
-            <a:off x="490250" y="526350"/>
-            <a:ext cx="5618700" cy="4090800"/>
+            <a:off x="387900" y="458025"/>
+            <a:ext cx="8368200" cy="686100"/>
+          </a:xfrm>
+          <a:prstGeom prst="rect">
+            <a:avLst/>
+          </a:prstGeom>
+        </p:spPr>
+        <p:txBody>
+          <a:bodyPr anchorCtr="0" anchor="b" bIns="91425" lIns="91425" spcFirstLastPara="1" rIns="91425" wrap="square" tIns="91425">
+            <a:normAutofit/>
+          </a:bodyPr>
+          <a:lstStyle/>
+          <a:p>
+            <a:pPr indent="0" lvl="0" marL="0" rtl="0" algn="l">
+              <a:spcBef>
+                <a:spcPts val="0"/>
+              </a:spcBef>
+              <a:spcAft>
+                <a:spcPts val="0"/>
+              </a:spcAft>
+              <a:buNone/>
+            </a:pPr>
+            <a:r>
+              <a:rPr lang="en"/>
+              <a:t>An understanding of Memory</a:t>
+            </a:r>
+            <a:endParaRPr/>
+          </a:p>
+        </p:txBody>
+      </p:sp>
+      <p:sp>
+        <p:nvSpPr>
+          <p:cNvPr id="111" name="Google Shape;111;p18"/>
+          <p:cNvSpPr txBox="1"/>
+          <p:nvPr>
+            <p:ph idx="1" type="body"/>
+          </p:nvPr>
+        </p:nvSpPr>
+        <p:spPr>
+          <a:xfrm>
+            <a:off x="387900" y="1489825"/>
+            <a:ext cx="3999900" cy="839400"/>
+          </a:xfrm>
+          <a:prstGeom prst="rect">
+            <a:avLst/>
+          </a:prstGeom>
+        </p:spPr>
+        <p:txBody>
+          <a:bodyPr anchorCtr="0" anchor="t" bIns="91425" lIns="91425" spcFirstLastPara="1" rIns="91425" wrap="square" tIns="91425">
+            <a:normAutofit/>
+          </a:bodyPr>
+          <a:lstStyle/>
+          <a:p>
+            <a:pPr indent="0" lvl="0" marL="0" rtl="0" algn="ctr">
+              <a:spcBef>
+                <a:spcPts val="0"/>
+              </a:spcBef>
+              <a:spcAft>
+                <a:spcPts val="0"/>
+              </a:spcAft>
+              <a:buNone/>
+            </a:pPr>
+            <a:r>
+              <a:rPr lang="en"/>
+              <a:t>Stack</a:t>
+            </a:r>
+            <a:endParaRPr/>
+          </a:p>
+          <a:p>
+            <a:pPr indent="0" lvl="0" marL="0" rtl="0" algn="ctr">
+              <a:spcBef>
+                <a:spcPts val="1200"/>
+              </a:spcBef>
+              <a:spcAft>
+                <a:spcPts val="1200"/>
+              </a:spcAft>
+              <a:buNone/>
+            </a:pPr>
+            <a:r>
+              <a:rPr lang="en"/>
+              <a:t>All references</a:t>
+            </a:r>
+            <a:endParaRPr/>
+          </a:p>
+        </p:txBody>
+      </p:sp>
+      <p:sp>
+        <p:nvSpPr>
+          <p:cNvPr id="112" name="Google Shape;112;p18"/>
+          <p:cNvSpPr txBox="1"/>
+          <p:nvPr>
+            <p:ph idx="2" type="body"/>
+          </p:nvPr>
+        </p:nvSpPr>
+        <p:spPr>
+          <a:xfrm>
+            <a:off x="4756200" y="1489825"/>
+            <a:ext cx="3999900" cy="839400"/>
+          </a:xfrm>
+          <a:prstGeom prst="rect">
+            <a:avLst/>
+          </a:prstGeom>
+        </p:spPr>
+        <p:txBody>
+          <a:bodyPr anchorCtr="0" anchor="t" bIns="91425" lIns="91425" spcFirstLastPara="1" rIns="91425" wrap="square" tIns="91425">
+            <a:normAutofit/>
+          </a:bodyPr>
+          <a:lstStyle/>
+          <a:p>
+            <a:pPr indent="0" lvl="0" marL="0" rtl="0" algn="ctr">
+              <a:spcBef>
+                <a:spcPts val="0"/>
+              </a:spcBef>
+              <a:spcAft>
+                <a:spcPts val="0"/>
+              </a:spcAft>
+              <a:buNone/>
+            </a:pPr>
+            <a:r>
+              <a:rPr lang="en"/>
+              <a:t>Heap</a:t>
+            </a:r>
+            <a:endParaRPr/>
+          </a:p>
+          <a:p>
+            <a:pPr indent="0" lvl="0" marL="0" rtl="0" algn="ctr">
+              <a:spcBef>
+                <a:spcPts val="1200"/>
+              </a:spcBef>
+              <a:spcAft>
+                <a:spcPts val="1200"/>
+              </a:spcAft>
+              <a:buNone/>
+            </a:pPr>
+            <a:r>
+              <a:rPr lang="en"/>
+              <a:t>All object that are created in memory</a:t>
+            </a:r>
+            <a:endParaRPr/>
+          </a:p>
+        </p:txBody>
+      </p:sp>
+      <p:sp>
+        <p:nvSpPr>
+          <p:cNvPr id="113" name="Google Shape;113;p18"/>
+          <p:cNvSpPr/>
+          <p:nvPr/>
+        </p:nvSpPr>
+        <p:spPr>
+          <a:xfrm>
+            <a:off x="1752300" y="2380700"/>
+            <a:ext cx="1271100" cy="279300"/>
+          </a:xfrm>
+          <a:prstGeom prst="rect">
+            <a:avLst/>
+          </a:prstGeom>
+          <a:solidFill>
+            <a:schemeClr val="lt2"/>
+          </a:solidFill>
+          <a:ln cap="flat" cmpd="sng" w="9525">
+            <a:solidFill>
+              <a:schemeClr val="dk2"/>
+            </a:solidFill>
+            <a:prstDash val="solid"/>
+            <a:round/>
+            <a:headEnd len="sm" w="sm" type="none"/>
+            <a:tailEnd len="sm" w="sm" type="none"/>
+          </a:ln>
+        </p:spPr>
+        <p:txBody>
+          <a:bodyPr anchorCtr="0" anchor="ctr" bIns="91425" lIns="91425" spcFirstLastPara="1" rIns="91425" wrap="square" tIns="91425">
+            <a:noAutofit/>
+          </a:bodyPr>
+          <a:lstStyle/>
+          <a:p>
+            <a:pPr indent="0" lvl="0" marL="0" rtl="0" algn="ctr">
+              <a:spcBef>
+                <a:spcPts val="0"/>
+              </a:spcBef>
+              <a:spcAft>
+                <a:spcPts val="0"/>
+              </a:spcAft>
+              <a:buNone/>
+            </a:pPr>
+            <a:r>
+              <a:rPr lang="en">
+                <a:latin typeface="Roboto"/>
+                <a:ea typeface="Roboto"/>
+                <a:cs typeface="Roboto"/>
+                <a:sym typeface="Roboto"/>
+              </a:rPr>
+              <a:t>Ref 1</a:t>
+            </a:r>
+            <a:endParaRPr>
+              <a:latin typeface="Roboto"/>
+              <a:ea typeface="Roboto"/>
+              <a:cs typeface="Roboto"/>
+              <a:sym typeface="Roboto"/>
+            </a:endParaRPr>
+          </a:p>
+        </p:txBody>
+      </p:sp>
+      <p:sp>
+        <p:nvSpPr>
+          <p:cNvPr id="114" name="Google Shape;114;p18"/>
+          <p:cNvSpPr/>
+          <p:nvPr/>
+        </p:nvSpPr>
+        <p:spPr>
+          <a:xfrm>
+            <a:off x="1752300" y="2841725"/>
+            <a:ext cx="1271100" cy="279300"/>
+          </a:xfrm>
+          <a:prstGeom prst="rect">
+            <a:avLst/>
+          </a:prstGeom>
+          <a:solidFill>
+            <a:schemeClr val="lt2"/>
+          </a:solidFill>
+          <a:ln cap="flat" cmpd="sng" w="9525">
+            <a:solidFill>
+              <a:schemeClr val="dk2"/>
+            </a:solidFill>
+            <a:prstDash val="solid"/>
+            <a:round/>
+            <a:headEnd len="sm" w="sm" type="none"/>
+            <a:tailEnd len="sm" w="sm" type="none"/>
+          </a:ln>
+        </p:spPr>
+        <p:txBody>
+          <a:bodyPr anchorCtr="0" anchor="ctr" bIns="91425" lIns="91425" spcFirstLastPara="1" rIns="91425" wrap="square" tIns="91425">
+            <a:noAutofit/>
+          </a:bodyPr>
+          <a:lstStyle/>
+          <a:p>
+            <a:pPr indent="0" lvl="0" marL="0" rtl="0" algn="ctr">
+              <a:spcBef>
+                <a:spcPts val="0"/>
+              </a:spcBef>
+              <a:spcAft>
+                <a:spcPts val="0"/>
+              </a:spcAft>
+              <a:buNone/>
+            </a:pPr>
+            <a:r>
+              <a:rPr lang="en">
+                <a:latin typeface="Roboto"/>
+                <a:ea typeface="Roboto"/>
+                <a:cs typeface="Roboto"/>
+                <a:sym typeface="Roboto"/>
+              </a:rPr>
+              <a:t>Ref 2</a:t>
+            </a:r>
+            <a:endParaRPr>
+              <a:latin typeface="Roboto"/>
+              <a:ea typeface="Roboto"/>
+              <a:cs typeface="Roboto"/>
+              <a:sym typeface="Roboto"/>
+            </a:endParaRPr>
+          </a:p>
+        </p:txBody>
+      </p:sp>
+      <p:sp>
+        <p:nvSpPr>
+          <p:cNvPr id="115" name="Google Shape;115;p18"/>
+          <p:cNvSpPr/>
+          <p:nvPr/>
+        </p:nvSpPr>
+        <p:spPr>
+          <a:xfrm>
+            <a:off x="1752300" y="3302750"/>
+            <a:ext cx="1271100" cy="279300"/>
+          </a:xfrm>
+          <a:prstGeom prst="rect">
+            <a:avLst/>
+          </a:prstGeom>
+          <a:solidFill>
+            <a:schemeClr val="lt2"/>
+          </a:solidFill>
+          <a:ln cap="flat" cmpd="sng" w="9525">
+            <a:solidFill>
+              <a:schemeClr val="dk2"/>
+            </a:solidFill>
+            <a:prstDash val="solid"/>
+            <a:round/>
+            <a:headEnd len="sm" w="sm" type="none"/>
+            <a:tailEnd len="sm" w="sm" type="none"/>
+          </a:ln>
+        </p:spPr>
+        <p:txBody>
+          <a:bodyPr anchorCtr="0" anchor="ctr" bIns="91425" lIns="91425" spcFirstLastPara="1" rIns="91425" wrap="square" tIns="91425">
+            <a:noAutofit/>
+          </a:bodyPr>
+          <a:lstStyle/>
+          <a:p>
+            <a:pPr indent="0" lvl="0" marL="0" rtl="0" algn="ctr">
+              <a:spcBef>
+                <a:spcPts val="0"/>
+              </a:spcBef>
+              <a:spcAft>
+                <a:spcPts val="0"/>
+              </a:spcAft>
+              <a:buNone/>
+            </a:pPr>
+            <a:r>
+              <a:rPr lang="en">
+                <a:latin typeface="Roboto"/>
+                <a:ea typeface="Roboto"/>
+                <a:cs typeface="Roboto"/>
+                <a:sym typeface="Roboto"/>
+              </a:rPr>
+              <a:t>Ref 3</a:t>
+            </a:r>
+            <a:endParaRPr>
+              <a:latin typeface="Roboto"/>
+              <a:ea typeface="Roboto"/>
+              <a:cs typeface="Roboto"/>
+              <a:sym typeface="Roboto"/>
+            </a:endParaRPr>
+          </a:p>
+        </p:txBody>
+      </p:sp>
+      <p:sp>
+        <p:nvSpPr>
+          <p:cNvPr id="116" name="Google Shape;116;p18"/>
+          <p:cNvSpPr/>
+          <p:nvPr/>
+        </p:nvSpPr>
+        <p:spPr>
+          <a:xfrm>
+            <a:off x="1752300" y="3763775"/>
+            <a:ext cx="1271100" cy="279300"/>
+          </a:xfrm>
+          <a:prstGeom prst="rect">
+            <a:avLst/>
+          </a:prstGeom>
+          <a:solidFill>
+            <a:schemeClr val="lt2"/>
+          </a:solidFill>
+          <a:ln cap="flat" cmpd="sng" w="9525">
+            <a:solidFill>
+              <a:schemeClr val="dk2"/>
+            </a:solidFill>
+            <a:prstDash val="solid"/>
+            <a:round/>
+            <a:headEnd len="sm" w="sm" type="none"/>
+            <a:tailEnd len="sm" w="sm" type="none"/>
+          </a:ln>
+        </p:spPr>
+        <p:txBody>
+          <a:bodyPr anchorCtr="0" anchor="ctr" bIns="91425" lIns="91425" spcFirstLastPara="1" rIns="91425" wrap="square" tIns="91425">
+            <a:noAutofit/>
+          </a:bodyPr>
+          <a:lstStyle/>
+          <a:p>
+            <a:pPr indent="0" lvl="0" marL="0" rtl="0" algn="ctr">
+              <a:spcBef>
+                <a:spcPts val="0"/>
+              </a:spcBef>
+              <a:spcAft>
+                <a:spcPts val="0"/>
+              </a:spcAft>
+              <a:buNone/>
+            </a:pPr>
+            <a:r>
+              <a:rPr lang="en">
+                <a:latin typeface="Roboto"/>
+                <a:ea typeface="Roboto"/>
+                <a:cs typeface="Roboto"/>
+                <a:sym typeface="Roboto"/>
+              </a:rPr>
+              <a:t>Ref 4</a:t>
+            </a:r>
+            <a:endParaRPr>
+              <a:latin typeface="Roboto"/>
+              <a:ea typeface="Roboto"/>
+              <a:cs typeface="Roboto"/>
+              <a:sym typeface="Roboto"/>
+            </a:endParaRPr>
+          </a:p>
+        </p:txBody>
+      </p:sp>
+      <p:sp>
+        <p:nvSpPr>
+          <p:cNvPr id="117" name="Google Shape;117;p18"/>
+          <p:cNvSpPr/>
+          <p:nvPr/>
+        </p:nvSpPr>
+        <p:spPr>
+          <a:xfrm>
+            <a:off x="1752300" y="4224800"/>
+            <a:ext cx="1271100" cy="279300"/>
+          </a:xfrm>
+          <a:prstGeom prst="rect">
+            <a:avLst/>
+          </a:prstGeom>
+          <a:solidFill>
+            <a:schemeClr val="lt2"/>
+          </a:solidFill>
+          <a:ln cap="flat" cmpd="sng" w="9525">
+            <a:solidFill>
+              <a:schemeClr val="dk2"/>
+            </a:solidFill>
+            <a:prstDash val="solid"/>
+            <a:round/>
+            <a:headEnd len="sm" w="sm" type="none"/>
+            <a:tailEnd len="sm" w="sm" type="none"/>
+          </a:ln>
+        </p:spPr>
+        <p:txBody>
+          <a:bodyPr anchorCtr="0" anchor="ctr" bIns="91425" lIns="91425" spcFirstLastPara="1" rIns="91425" wrap="square" tIns="91425">
+            <a:noAutofit/>
+          </a:bodyPr>
+          <a:lstStyle/>
+          <a:p>
+            <a:pPr indent="0" lvl="0" marL="0" rtl="0" algn="ctr">
+              <a:spcBef>
+                <a:spcPts val="0"/>
+              </a:spcBef>
+              <a:spcAft>
+                <a:spcPts val="0"/>
+              </a:spcAft>
+              <a:buNone/>
+            </a:pPr>
+            <a:r>
+              <a:rPr lang="en">
+                <a:latin typeface="Roboto"/>
+                <a:ea typeface="Roboto"/>
+                <a:cs typeface="Roboto"/>
+                <a:sym typeface="Roboto"/>
+              </a:rPr>
+              <a:t>Ref 5</a:t>
+            </a:r>
+            <a:endParaRPr>
+              <a:latin typeface="Roboto"/>
+              <a:ea typeface="Roboto"/>
+              <a:cs typeface="Roboto"/>
+              <a:sym typeface="Roboto"/>
+            </a:endParaRPr>
+          </a:p>
+        </p:txBody>
+      </p:sp>
+      <p:sp>
+        <p:nvSpPr>
+          <p:cNvPr id="118" name="Google Shape;118;p18"/>
+          <p:cNvSpPr/>
+          <p:nvPr/>
+        </p:nvSpPr>
+        <p:spPr>
+          <a:xfrm>
+            <a:off x="5926788" y="2329225"/>
+            <a:ext cx="522000" cy="461100"/>
+          </a:xfrm>
+          <a:prstGeom prst="rect">
+            <a:avLst/>
+          </a:prstGeom>
+          <a:solidFill>
+            <a:schemeClr val="lt2"/>
+          </a:solidFill>
+          <a:ln cap="flat" cmpd="sng" w="9525">
+            <a:solidFill>
+              <a:schemeClr val="dk2"/>
+            </a:solidFill>
+            <a:prstDash val="solid"/>
+            <a:round/>
+            <a:headEnd len="sm" w="sm" type="none"/>
+            <a:tailEnd len="sm" w="sm" type="none"/>
+          </a:ln>
+        </p:spPr>
+        <p:txBody>
+          <a:bodyPr anchorCtr="0" anchor="ctr" bIns="91425" lIns="91425" spcFirstLastPara="1" rIns="91425" wrap="square" tIns="91425">
+            <a:noAutofit/>
+          </a:bodyPr>
+          <a:lstStyle/>
+          <a:p>
+            <a:pPr indent="0" lvl="0" marL="0" rtl="0" algn="ctr">
+              <a:spcBef>
+                <a:spcPts val="0"/>
+              </a:spcBef>
+              <a:spcAft>
+                <a:spcPts val="0"/>
+              </a:spcAft>
+              <a:buNone/>
+            </a:pPr>
+            <a:r>
+              <a:rPr lang="en">
+                <a:latin typeface="Roboto"/>
+                <a:ea typeface="Roboto"/>
+                <a:cs typeface="Roboto"/>
+                <a:sym typeface="Roboto"/>
+              </a:rPr>
+              <a:t>Obj 1</a:t>
+            </a:r>
+            <a:endParaRPr>
+              <a:latin typeface="Roboto"/>
+              <a:ea typeface="Roboto"/>
+              <a:cs typeface="Roboto"/>
+              <a:sym typeface="Roboto"/>
+            </a:endParaRPr>
+          </a:p>
+        </p:txBody>
+      </p:sp>
+      <p:sp>
+        <p:nvSpPr>
+          <p:cNvPr id="119" name="Google Shape;119;p18"/>
+          <p:cNvSpPr/>
+          <p:nvPr/>
+        </p:nvSpPr>
+        <p:spPr>
+          <a:xfrm>
+            <a:off x="7065513" y="2731450"/>
+            <a:ext cx="522000" cy="461100"/>
+          </a:xfrm>
+          <a:prstGeom prst="rect">
+            <a:avLst/>
+          </a:prstGeom>
+          <a:solidFill>
+            <a:schemeClr val="lt2"/>
+          </a:solidFill>
+          <a:ln cap="flat" cmpd="sng" w="9525">
+            <a:solidFill>
+              <a:schemeClr val="dk2"/>
+            </a:solidFill>
+            <a:prstDash val="solid"/>
+            <a:round/>
+            <a:headEnd len="sm" w="sm" type="none"/>
+            <a:tailEnd len="sm" w="sm" type="none"/>
+          </a:ln>
+        </p:spPr>
+        <p:txBody>
+          <a:bodyPr anchorCtr="0" anchor="ctr" bIns="91425" lIns="91425" spcFirstLastPara="1" rIns="91425" wrap="square" tIns="91425">
+            <a:noAutofit/>
+          </a:bodyPr>
+          <a:lstStyle/>
+          <a:p>
+            <a:pPr indent="0" lvl="0" marL="0" rtl="0" algn="ctr">
+              <a:spcBef>
+                <a:spcPts val="0"/>
+              </a:spcBef>
+              <a:spcAft>
+                <a:spcPts val="0"/>
+              </a:spcAft>
+              <a:buNone/>
+            </a:pPr>
+            <a:r>
+              <a:rPr lang="en">
+                <a:latin typeface="Roboto"/>
+                <a:ea typeface="Roboto"/>
+                <a:cs typeface="Roboto"/>
+                <a:sym typeface="Roboto"/>
+              </a:rPr>
+              <a:t>Obj 2</a:t>
+            </a:r>
+            <a:endParaRPr>
+              <a:latin typeface="Roboto"/>
+              <a:ea typeface="Roboto"/>
+              <a:cs typeface="Roboto"/>
+              <a:sym typeface="Roboto"/>
+            </a:endParaRPr>
+          </a:p>
+        </p:txBody>
+      </p:sp>
+      <p:sp>
+        <p:nvSpPr>
+          <p:cNvPr id="120" name="Google Shape;120;p18"/>
+          <p:cNvSpPr/>
+          <p:nvPr/>
+        </p:nvSpPr>
+        <p:spPr>
+          <a:xfrm>
+            <a:off x="5864188" y="3192475"/>
+            <a:ext cx="522000" cy="461100"/>
+          </a:xfrm>
+          <a:prstGeom prst="rect">
+            <a:avLst/>
+          </a:prstGeom>
+          <a:solidFill>
+            <a:schemeClr val="lt2"/>
+          </a:solidFill>
+          <a:ln cap="flat" cmpd="sng" w="9525">
+            <a:solidFill>
+              <a:schemeClr val="dk2"/>
+            </a:solidFill>
+            <a:prstDash val="solid"/>
+            <a:round/>
+            <a:headEnd len="sm" w="sm" type="none"/>
+            <a:tailEnd len="sm" w="sm" type="none"/>
+          </a:ln>
+        </p:spPr>
+        <p:txBody>
+          <a:bodyPr anchorCtr="0" anchor="ctr" bIns="91425" lIns="91425" spcFirstLastPara="1" rIns="91425" wrap="square" tIns="91425">
+            <a:noAutofit/>
+          </a:bodyPr>
+          <a:lstStyle/>
+          <a:p>
+            <a:pPr indent="0" lvl="0" marL="0" rtl="0" algn="ctr">
+              <a:spcBef>
+                <a:spcPts val="0"/>
+              </a:spcBef>
+              <a:spcAft>
+                <a:spcPts val="0"/>
+              </a:spcAft>
+              <a:buNone/>
+            </a:pPr>
+            <a:r>
+              <a:rPr lang="en">
+                <a:latin typeface="Roboto"/>
+                <a:ea typeface="Roboto"/>
+                <a:cs typeface="Roboto"/>
+                <a:sym typeface="Roboto"/>
+              </a:rPr>
+              <a:t>Obj 3</a:t>
+            </a:r>
+            <a:endParaRPr>
+              <a:latin typeface="Roboto"/>
+              <a:ea typeface="Roboto"/>
+              <a:cs typeface="Roboto"/>
+              <a:sym typeface="Roboto"/>
+            </a:endParaRPr>
+          </a:p>
+        </p:txBody>
+      </p:sp>
+      <p:sp>
+        <p:nvSpPr>
+          <p:cNvPr id="121" name="Google Shape;121;p18"/>
+          <p:cNvSpPr/>
+          <p:nvPr/>
+        </p:nvSpPr>
+        <p:spPr>
+          <a:xfrm>
+            <a:off x="7126113" y="3602025"/>
+            <a:ext cx="522000" cy="461100"/>
+          </a:xfrm>
+          <a:prstGeom prst="rect">
+            <a:avLst/>
+          </a:prstGeom>
+          <a:solidFill>
+            <a:schemeClr val="lt2"/>
+          </a:solidFill>
+          <a:ln cap="flat" cmpd="sng" w="9525">
+            <a:solidFill>
+              <a:schemeClr val="dk2"/>
+            </a:solidFill>
+            <a:prstDash val="solid"/>
+            <a:round/>
+            <a:headEnd len="sm" w="sm" type="none"/>
+            <a:tailEnd len="sm" w="sm" type="none"/>
+          </a:ln>
+        </p:spPr>
+        <p:txBody>
+          <a:bodyPr anchorCtr="0" anchor="ctr" bIns="91425" lIns="91425" spcFirstLastPara="1" rIns="91425" wrap="square" tIns="91425">
+            <a:noAutofit/>
+          </a:bodyPr>
+          <a:lstStyle/>
+          <a:p>
+            <a:pPr indent="0" lvl="0" marL="0" rtl="0" algn="ctr">
+              <a:spcBef>
+                <a:spcPts val="0"/>
+              </a:spcBef>
+              <a:spcAft>
+                <a:spcPts val="0"/>
+              </a:spcAft>
+              <a:buNone/>
+            </a:pPr>
+            <a:r>
+              <a:rPr lang="en">
+                <a:latin typeface="Roboto"/>
+                <a:ea typeface="Roboto"/>
+                <a:cs typeface="Roboto"/>
+                <a:sym typeface="Roboto"/>
+              </a:rPr>
+              <a:t>Obj 4</a:t>
+            </a:r>
+            <a:endParaRPr>
+              <a:latin typeface="Roboto"/>
+              <a:ea typeface="Roboto"/>
+              <a:cs typeface="Roboto"/>
+              <a:sym typeface="Roboto"/>
+            </a:endParaRPr>
+          </a:p>
+        </p:txBody>
+      </p:sp>
+      <p:sp>
+        <p:nvSpPr>
+          <p:cNvPr id="122" name="Google Shape;122;p18"/>
+          <p:cNvSpPr/>
+          <p:nvPr/>
+        </p:nvSpPr>
+        <p:spPr>
+          <a:xfrm>
+            <a:off x="6308588" y="4023625"/>
+            <a:ext cx="522000" cy="461100"/>
+          </a:xfrm>
+          <a:prstGeom prst="rect">
+            <a:avLst/>
+          </a:prstGeom>
+          <a:solidFill>
+            <a:schemeClr val="lt2"/>
+          </a:solidFill>
+          <a:ln cap="flat" cmpd="sng" w="9525">
+            <a:solidFill>
+              <a:schemeClr val="dk2"/>
+            </a:solidFill>
+            <a:prstDash val="solid"/>
+            <a:round/>
+            <a:headEnd len="sm" w="sm" type="none"/>
+            <a:tailEnd len="sm" w="sm" type="none"/>
+          </a:ln>
+        </p:spPr>
+        <p:txBody>
+          <a:bodyPr anchorCtr="0" anchor="ctr" bIns="91425" lIns="91425" spcFirstLastPara="1" rIns="91425" wrap="square" tIns="91425">
+            <a:noAutofit/>
+          </a:bodyPr>
+          <a:lstStyle/>
+          <a:p>
+            <a:pPr indent="0" lvl="0" marL="0" rtl="0" algn="ctr">
+              <a:spcBef>
+                <a:spcPts val="0"/>
+              </a:spcBef>
+              <a:spcAft>
+                <a:spcPts val="0"/>
+              </a:spcAft>
+              <a:buNone/>
+            </a:pPr>
+            <a:r>
+              <a:rPr lang="en">
+                <a:latin typeface="Roboto"/>
+                <a:ea typeface="Roboto"/>
+                <a:cs typeface="Roboto"/>
+                <a:sym typeface="Roboto"/>
+              </a:rPr>
+              <a:t>Obj 5</a:t>
+            </a:r>
+            <a:endParaRPr>
+              <a:latin typeface="Roboto"/>
+              <a:ea typeface="Roboto"/>
+              <a:cs typeface="Roboto"/>
+              <a:sym typeface="Roboto"/>
+            </a:endParaRPr>
+          </a:p>
+        </p:txBody>
+      </p:sp>
+      <p:cxnSp>
+        <p:nvCxnSpPr>
+          <p:cNvPr id="123" name="Google Shape;123;p18"/>
+          <p:cNvCxnSpPr>
+            <a:stCxn id="113" idx="3"/>
+            <a:endCxn id="118" idx="1"/>
+          </p:cNvCxnSpPr>
+          <p:nvPr/>
+        </p:nvCxnSpPr>
+        <p:spPr>
+          <a:xfrm>
+            <a:off x="3023400" y="2520350"/>
+            <a:ext cx="2903400" cy="39300"/>
+          </a:xfrm>
+          <a:prstGeom prst="straightConnector1">
+            <a:avLst/>
+          </a:prstGeom>
+          <a:noFill/>
+          <a:ln cap="flat" cmpd="sng" w="28575">
+            <a:solidFill>
+              <a:schemeClr val="dk2"/>
+            </a:solidFill>
+            <a:prstDash val="solid"/>
+            <a:round/>
+            <a:headEnd len="med" w="med" type="none"/>
+            <a:tailEnd len="med" w="med" type="triangle"/>
+          </a:ln>
+        </p:spPr>
+      </p:cxnSp>
+      <p:cxnSp>
+        <p:nvCxnSpPr>
+          <p:cNvPr id="124" name="Google Shape;124;p18"/>
+          <p:cNvCxnSpPr>
+            <a:stCxn id="114" idx="3"/>
+            <a:endCxn id="119" idx="1"/>
+          </p:cNvCxnSpPr>
+          <p:nvPr/>
+        </p:nvCxnSpPr>
+        <p:spPr>
+          <a:xfrm flipH="1" rot="10800000">
+            <a:off x="3023400" y="2961875"/>
+            <a:ext cx="4042200" cy="19500"/>
+          </a:xfrm>
+          <a:prstGeom prst="straightConnector1">
+            <a:avLst/>
+          </a:prstGeom>
+          <a:noFill/>
+          <a:ln cap="flat" cmpd="sng" w="28575">
+            <a:solidFill>
+              <a:schemeClr val="dk2"/>
+            </a:solidFill>
+            <a:prstDash val="solid"/>
+            <a:round/>
+            <a:headEnd len="med" w="med" type="none"/>
+            <a:tailEnd len="med" w="med" type="triangle"/>
+          </a:ln>
+        </p:spPr>
+      </p:cxnSp>
+      <p:cxnSp>
+        <p:nvCxnSpPr>
+          <p:cNvPr id="125" name="Google Shape;125;p18"/>
+          <p:cNvCxnSpPr>
+            <a:stCxn id="115" idx="3"/>
+            <a:endCxn id="120" idx="1"/>
+          </p:cNvCxnSpPr>
+          <p:nvPr/>
+        </p:nvCxnSpPr>
+        <p:spPr>
+          <a:xfrm flipH="1" rot="10800000">
+            <a:off x="3023400" y="3422900"/>
+            <a:ext cx="2840700" cy="19500"/>
+          </a:xfrm>
+          <a:prstGeom prst="straightConnector1">
+            <a:avLst/>
+          </a:prstGeom>
+          <a:noFill/>
+          <a:ln cap="flat" cmpd="sng" w="28575">
+            <a:solidFill>
+              <a:schemeClr val="dk2"/>
+            </a:solidFill>
+            <a:prstDash val="solid"/>
+            <a:round/>
+            <a:headEnd len="med" w="med" type="none"/>
+            <a:tailEnd len="med" w="med" type="triangle"/>
+          </a:ln>
+        </p:spPr>
+      </p:cxnSp>
+      <p:cxnSp>
+        <p:nvCxnSpPr>
+          <p:cNvPr id="126" name="Google Shape;126;p18"/>
+          <p:cNvCxnSpPr>
+            <a:stCxn id="116" idx="3"/>
+            <a:endCxn id="121" idx="1"/>
+          </p:cNvCxnSpPr>
+          <p:nvPr/>
+        </p:nvCxnSpPr>
+        <p:spPr>
+          <a:xfrm flipH="1" rot="10800000">
+            <a:off x="3023400" y="3832625"/>
+            <a:ext cx="4102800" cy="70800"/>
+          </a:xfrm>
+          <a:prstGeom prst="straightConnector1">
+            <a:avLst/>
+          </a:prstGeom>
+          <a:noFill/>
+          <a:ln cap="flat" cmpd="sng" w="28575">
+            <a:solidFill>
+              <a:schemeClr val="dk2"/>
+            </a:solidFill>
+            <a:prstDash val="solid"/>
+            <a:round/>
+            <a:headEnd len="med" w="med" type="none"/>
+            <a:tailEnd len="med" w="med" type="triangle"/>
+          </a:ln>
+        </p:spPr>
+      </p:cxnSp>
+      <p:cxnSp>
+        <p:nvCxnSpPr>
+          <p:cNvPr id="127" name="Google Shape;127;p18"/>
+          <p:cNvCxnSpPr>
+            <a:stCxn id="117" idx="3"/>
+            <a:endCxn id="122" idx="1"/>
+          </p:cNvCxnSpPr>
+          <p:nvPr/>
+        </p:nvCxnSpPr>
+        <p:spPr>
+          <a:xfrm flipH="1" rot="10800000">
+            <a:off x="3023400" y="4254050"/>
+            <a:ext cx="3285300" cy="110400"/>
+          </a:xfrm>
+          <a:prstGeom prst="straightConnector1">
+            <a:avLst/>
+          </a:prstGeom>
+          <a:noFill/>
+          <a:ln cap="flat" cmpd="sng" w="28575">
+            <a:solidFill>
+              <a:schemeClr val="dk2"/>
+            </a:solidFill>
+            <a:prstDash val="solid"/>
+            <a:round/>
+            <a:headEnd len="med" w="med" type="none"/>
+            <a:tailEnd len="med" w="med" type="triangle"/>
+          </a:ln>
+        </p:spPr>
+      </p:cxnSp>
+    </p:spTree>
+  </p:cSld>
+  <p:clrMapOvr>
+    <a:masterClrMapping/>
+  </p:clrMapOvr>
+  <p:timing>
+    <p:tnLst>
+      <p:par>
+        <p:cTn dur="indefinite" nodeType="tmRoot" restart="never">
+          <p:childTnLst>
+            <p:seq concurrent="1" nextAc="seek">
+              <p:cTn dur="indefinite" id="2" nodeType="mainSeq">
+                <p:childTnLst>
+                  <p:par>
+                    <p:cTn fill="hold">
+                      <p:stCondLst>
+                        <p:cond delay="indefinite"/>
+                      </p:stCondLst>
+                      <p:childTnLst>
+                        <p:par>
+                          <p:cTn fill="hold">
+                            <p:stCondLst>
+                              <p:cond delay="0"/>
+                            </p:stCondLst>
+                            <p:childTnLst>
+                              <p:par>
+                                <p:cTn fill="hold" nodeType="clickEffect" presetClass="exit" presetID="10" presetSubtype="0">
+                                  <p:stCondLst>
+                                    <p:cond delay="0"/>
+                                  </p:stCondLst>
+                                  <p:childTnLst>
+                                    <p:animEffect filter="fade" transition="out">
+                                      <p:cBhvr>
+                                        <p:cTn dur="1000"/>
+                                        <p:tgtEl>
+                                          <p:spTgt spid="124"/>
+                                        </p:tgtEl>
+                                      </p:cBhvr>
+                                    </p:animEffect>
+                                    <p:set>
+                                      <p:cBhvr>
+                                        <p:cTn dur="1" fill="hold">
+                                          <p:stCondLst>
+                                            <p:cond delay="1000"/>
+                                          </p:stCondLst>
+                                        </p:cTn>
+                                        <p:tgtEl>
+                                          <p:spTgt spid="124"/>
+                                        </p:tgtEl>
+                                        <p:attrNameLst>
+                                          <p:attrName>style.visibility</p:attrName>
+                                        </p:attrNameLst>
+                                      </p:cBhvr>
+                                      <p:to>
+                                        <p:strVal val="hidden"/>
+                                      </p:to>
+                                    </p:set>
+                                  </p:childTnLst>
+                                </p:cTn>
+                              </p:par>
+                            </p:childTnLst>
+                          </p:cTn>
+                        </p:par>
+                      </p:childTnLst>
+                    </p:cTn>
+                  </p:par>
+                </p:childTnLst>
+              </p:cTn>
+              <p:prevCondLst>
+                <p:cond evt="onPrev">
+                  <p:tgtEl>
+                    <p:sldTgt/>
+                  </p:tgtEl>
+                </p:cond>
+              </p:prevCondLst>
+              <p:nextCondLst>
+                <p:cond evt="onNext">
+                  <p:tgtEl>
+                    <p:sldTgt/>
+                  </p:tgtEl>
+                </p:cond>
+              </p:nextCondLst>
+            </p:seq>
+          </p:childTnLst>
+        </p:cTn>
+      </p:par>
+    </p:tnLst>
+  </p:timing>
+</p:sld>
+</file>
+
+<file path=ppt/slides/slide7.xml><?xml version="1.0" encoding="utf-8"?>
+<p:sld xmlns:a="http://schemas.openxmlformats.org/drawingml/2006/main" xmlns:r="http://schemas.openxmlformats.org/officeDocument/2006/relationships" xmlns:mc="http://schemas.openxmlformats.org/markup-compatibility/2006" xmlns:mv="urn:schemas-microsoft-com:mac:vml" xmlns:p="http://schemas.openxmlformats.org/presentationml/2006/main" xmlns:c="http://schemas.openxmlformats.org/drawingml/2006/chart" xmlns:dgm="http://schemas.openxmlformats.org/drawingml/2006/diagram" xmlns:o="urn:schemas-microsoft-com:office:office" xmlns:v="urn:schemas-microsoft-com:vml" xmlns:pvml="urn:schemas-microsoft-com:office:powerpoint" xmlns:com="http://schemas.openxmlformats.org/drawingml/2006/compatibility" xmlns:p14="http://schemas.microsoft.com/office/powerpoint/2010/main" xmlns:p15="http://schemas.microsoft.com/office/powerpoint/2012/main" xmlns:ahyp="http://schemas.microsoft.com/office/drawing/2018/hyperlinkcolor">
+  <p:cSld>
+    <p:spTree>
+      <p:nvGrpSpPr>
+        <p:cNvPr id="131" name="Shape 131"/>
+        <p:cNvGrpSpPr/>
+        <p:nvPr/>
+      </p:nvGrpSpPr>
+      <p:grpSpPr>
+        <a:xfrm>
+          <a:off x="0" y="0"/>
+          <a:ext cx="0" cy="0"/>
+          <a:chOff x="0" y="0"/>
+          <a:chExt cx="0" cy="0"/>
+        </a:xfrm>
+      </p:grpSpPr>
+      <p:sp>
+        <p:nvSpPr>
+          <p:cNvPr id="132" name="Google Shape;132;p19"/>
+          <p:cNvSpPr txBox="1"/>
+          <p:nvPr>
+            <p:ph idx="2" type="body"/>
+          </p:nvPr>
+        </p:nvSpPr>
+        <p:spPr>
+          <a:xfrm>
+            <a:off x="4939500" y="724200"/>
+            <a:ext cx="3837000" cy="3695100"/>
           </a:xfrm>
           <a:prstGeom prst="rect">
             <a:avLst/>
@@ -7307,7 +12317,381 @@
             </a:pPr>
             <a:r>
               <a:rPr lang="en"/>
-              <a:t>Why do we need this functionality?</a:t>
+              <a:t>By definition, i</a:t>
+            </a:r>
+            <a:r>
+              <a:rPr lang="en"/>
+              <a:t>t is the process or mechanism within managed programming languages such as C# that automatically reclaims memory occupied by objects that are no longer used or reachable by the program.</a:t>
+            </a:r>
+            <a:endParaRPr/>
+          </a:p>
+          <a:p>
+            <a:pPr indent="0" lvl="0" marL="0" rtl="0" algn="l">
+              <a:spcBef>
+                <a:spcPts val="1200"/>
+              </a:spcBef>
+              <a:spcAft>
+                <a:spcPts val="1200"/>
+              </a:spcAft>
+              <a:buNone/>
+            </a:pPr>
+            <a:r>
+              <a:t/>
+            </a:r>
+            <a:endParaRPr/>
+          </a:p>
+        </p:txBody>
+      </p:sp>
+      <p:sp>
+        <p:nvSpPr>
+          <p:cNvPr id="133" name="Google Shape;133;p19"/>
+          <p:cNvSpPr txBox="1"/>
+          <p:nvPr>
+            <p:ph type="title"/>
+          </p:nvPr>
+        </p:nvSpPr>
+        <p:spPr>
+          <a:xfrm>
+            <a:off x="265500" y="1209075"/>
+            <a:ext cx="4045200" cy="1506300"/>
+          </a:xfrm>
+          <a:prstGeom prst="rect">
+            <a:avLst/>
+          </a:prstGeom>
+        </p:spPr>
+        <p:txBody>
+          <a:bodyPr anchorCtr="0" anchor="b" bIns="91425" lIns="91425" spcFirstLastPara="1" rIns="91425" wrap="square" tIns="91425">
+            <a:normAutofit/>
+          </a:bodyPr>
+          <a:lstStyle/>
+          <a:p>
+            <a:pPr indent="0" lvl="0" marL="0" rtl="0" algn="ctr">
+              <a:spcBef>
+                <a:spcPts val="0"/>
+              </a:spcBef>
+              <a:spcAft>
+                <a:spcPts val="0"/>
+              </a:spcAft>
+              <a:buNone/>
+            </a:pPr>
+            <a:r>
+              <a:rPr lang="en"/>
+              <a:t>What is Garbage Collection?</a:t>
+            </a:r>
+            <a:endParaRPr/>
+          </a:p>
+        </p:txBody>
+      </p:sp>
+    </p:spTree>
+  </p:cSld>
+  <p:clrMapOvr>
+    <a:masterClrMapping/>
+  </p:clrMapOvr>
+</p:sld>
+</file>
+
+<file path=ppt/slides/slide8.xml><?xml version="1.0" encoding="utf-8"?>
+<p:sld xmlns:a="http://schemas.openxmlformats.org/drawingml/2006/main" xmlns:r="http://schemas.openxmlformats.org/officeDocument/2006/relationships" xmlns:mc="http://schemas.openxmlformats.org/markup-compatibility/2006" xmlns:mv="urn:schemas-microsoft-com:mac:vml" xmlns:p="http://schemas.openxmlformats.org/presentationml/2006/main" xmlns:c="http://schemas.openxmlformats.org/drawingml/2006/chart" xmlns:dgm="http://schemas.openxmlformats.org/drawingml/2006/diagram" xmlns:o="urn:schemas-microsoft-com:office:office" xmlns:v="urn:schemas-microsoft-com:vml" xmlns:pvml="urn:schemas-microsoft-com:office:powerpoint" xmlns:com="http://schemas.openxmlformats.org/drawingml/2006/compatibility" xmlns:p14="http://schemas.microsoft.com/office/powerpoint/2010/main" xmlns:p15="http://schemas.microsoft.com/office/powerpoint/2012/main" xmlns:ahyp="http://schemas.microsoft.com/office/drawing/2018/hyperlinkcolor">
+  <p:cSld>
+    <p:spTree>
+      <p:nvGrpSpPr>
+        <p:cNvPr id="137" name="Shape 137"/>
+        <p:cNvGrpSpPr/>
+        <p:nvPr/>
+      </p:nvGrpSpPr>
+      <p:grpSpPr>
+        <a:xfrm>
+          <a:off x="0" y="0"/>
+          <a:ext cx="0" cy="0"/>
+          <a:chOff x="0" y="0"/>
+          <a:chExt cx="0" cy="0"/>
+        </a:xfrm>
+      </p:grpSpPr>
+      <p:sp>
+        <p:nvSpPr>
+          <p:cNvPr id="138" name="Google Shape;138;p20"/>
+          <p:cNvSpPr txBox="1"/>
+          <p:nvPr>
+            <p:ph type="title"/>
+          </p:nvPr>
+        </p:nvSpPr>
+        <p:spPr>
+          <a:xfrm>
+            <a:off x="387900" y="458025"/>
+            <a:ext cx="8368200" cy="686100"/>
+          </a:xfrm>
+          <a:prstGeom prst="rect">
+            <a:avLst/>
+          </a:prstGeom>
+        </p:spPr>
+        <p:txBody>
+          <a:bodyPr anchorCtr="0" anchor="b" bIns="91425" lIns="91425" spcFirstLastPara="1" rIns="91425" wrap="square" tIns="91425">
+            <a:normAutofit/>
+          </a:bodyPr>
+          <a:lstStyle/>
+          <a:p>
+            <a:pPr indent="0" lvl="0" marL="0" rtl="0" algn="l">
+              <a:spcBef>
+                <a:spcPts val="0"/>
+              </a:spcBef>
+              <a:spcAft>
+                <a:spcPts val="0"/>
+              </a:spcAft>
+              <a:buNone/>
+            </a:pPr>
+            <a:r>
+              <a:rPr lang="en"/>
+              <a:t>Garbage Collection</a:t>
+            </a:r>
+            <a:endParaRPr/>
+          </a:p>
+        </p:txBody>
+      </p:sp>
+      <p:sp>
+        <p:nvSpPr>
+          <p:cNvPr id="139" name="Google Shape;139;p20"/>
+          <p:cNvSpPr txBox="1"/>
+          <p:nvPr>
+            <p:ph idx="1" type="body"/>
+          </p:nvPr>
+        </p:nvSpPr>
+        <p:spPr>
+          <a:xfrm>
+            <a:off x="387900" y="1489824"/>
+            <a:ext cx="8368200" cy="3078900"/>
+          </a:xfrm>
+          <a:prstGeom prst="rect">
+            <a:avLst/>
+          </a:prstGeom>
+        </p:spPr>
+        <p:txBody>
+          <a:bodyPr anchorCtr="0" anchor="t" bIns="91425" lIns="91425" spcFirstLastPara="1" rIns="91425" wrap="square" tIns="91425">
+            <a:normAutofit/>
+          </a:bodyPr>
+          <a:lstStyle/>
+          <a:p>
+            <a:pPr indent="0" lvl="0" marL="0" rtl="0" algn="l">
+              <a:spcBef>
+                <a:spcPts val="0"/>
+              </a:spcBef>
+              <a:spcAft>
+                <a:spcPts val="0"/>
+              </a:spcAft>
+              <a:buNone/>
+            </a:pPr>
+            <a:r>
+              <a:rPr lang="en"/>
+              <a:t>In the common language runtime (CLR), the garbage collector (GC) serves as an automatic memory manager.</a:t>
+            </a:r>
+            <a:r>
+              <a:rPr lang="en"/>
+              <a:t> It ensures efficient memory management and helps prevent memory leaks.</a:t>
+            </a:r>
+            <a:endParaRPr/>
+          </a:p>
+          <a:p>
+            <a:pPr indent="0" lvl="0" marL="0" rtl="0" algn="l">
+              <a:spcBef>
+                <a:spcPts val="1200"/>
+              </a:spcBef>
+              <a:spcAft>
+                <a:spcPts val="0"/>
+              </a:spcAft>
+              <a:buNone/>
+            </a:pPr>
+            <a:r>
+              <a:rPr lang="en"/>
+              <a:t>In simple terms, if something taking up memory is no longer needed or used, the garbage collection system automatically frees up that space by disposing the unused item.</a:t>
+            </a:r>
+            <a:endParaRPr/>
+          </a:p>
+          <a:p>
+            <a:pPr indent="0" lvl="0" marL="0" rtl="0" algn="l">
+              <a:spcBef>
+                <a:spcPts val="1200"/>
+              </a:spcBef>
+              <a:spcAft>
+                <a:spcPts val="1200"/>
+              </a:spcAft>
+              <a:buNone/>
+            </a:pPr>
+            <a:r>
+              <a:rPr lang="en"/>
+              <a:t>In primitive programming languages such as C/C++, memory must be manually managed by the programmer (malloc(), free(), new, delete).</a:t>
+            </a:r>
+            <a:endParaRPr/>
+          </a:p>
+        </p:txBody>
+      </p:sp>
+    </p:spTree>
+  </p:cSld>
+  <p:clrMapOvr>
+    <a:masterClrMapping/>
+  </p:clrMapOvr>
+</p:sld>
+</file>
+
+<file path=ppt/slides/slide9.xml><?xml version="1.0" encoding="utf-8"?>
+<p:sld xmlns:a="http://schemas.openxmlformats.org/drawingml/2006/main" xmlns:r="http://schemas.openxmlformats.org/officeDocument/2006/relationships" xmlns:mc="http://schemas.openxmlformats.org/markup-compatibility/2006" xmlns:mv="urn:schemas-microsoft-com:mac:vml" xmlns:p="http://schemas.openxmlformats.org/presentationml/2006/main" xmlns:c="http://schemas.openxmlformats.org/drawingml/2006/chart" xmlns:dgm="http://schemas.openxmlformats.org/drawingml/2006/diagram" xmlns:o="urn:schemas-microsoft-com:office:office" xmlns:v="urn:schemas-microsoft-com:vml" xmlns:pvml="urn:schemas-microsoft-com:office:powerpoint" xmlns:com="http://schemas.openxmlformats.org/drawingml/2006/compatibility" xmlns:p14="http://schemas.microsoft.com/office/powerpoint/2010/main" xmlns:p15="http://schemas.microsoft.com/office/powerpoint/2012/main" xmlns:ahyp="http://schemas.microsoft.com/office/drawing/2018/hyperlinkcolor">
+  <p:cSld>
+    <p:spTree>
+      <p:nvGrpSpPr>
+        <p:cNvPr id="143" name="Shape 143"/>
+        <p:cNvGrpSpPr/>
+        <p:nvPr/>
+      </p:nvGrpSpPr>
+      <p:grpSpPr>
+        <a:xfrm>
+          <a:off x="0" y="0"/>
+          <a:ext cx="0" cy="0"/>
+          <a:chOff x="0" y="0"/>
+          <a:chExt cx="0" cy="0"/>
+        </a:xfrm>
+      </p:grpSpPr>
+      <p:sp>
+        <p:nvSpPr>
+          <p:cNvPr id="144" name="Google Shape;144;p21"/>
+          <p:cNvSpPr txBox="1"/>
+          <p:nvPr>
+            <p:ph type="title"/>
+          </p:nvPr>
+        </p:nvSpPr>
+        <p:spPr>
+          <a:xfrm>
+            <a:off x="387900" y="458025"/>
+            <a:ext cx="8368200" cy="686100"/>
+          </a:xfrm>
+          <a:prstGeom prst="rect">
+            <a:avLst/>
+          </a:prstGeom>
+        </p:spPr>
+        <p:txBody>
+          <a:bodyPr anchorCtr="0" anchor="b" bIns="91425" lIns="91425" spcFirstLastPara="1" rIns="91425" wrap="square" tIns="91425">
+            <a:normAutofit/>
+          </a:bodyPr>
+          <a:lstStyle/>
+          <a:p>
+            <a:pPr indent="0" lvl="0" marL="0" rtl="0" algn="l">
+              <a:spcBef>
+                <a:spcPts val="0"/>
+              </a:spcBef>
+              <a:spcAft>
+                <a:spcPts val="0"/>
+              </a:spcAft>
+              <a:buNone/>
+            </a:pPr>
+            <a:r>
+              <a:rPr lang="en"/>
+              <a:t>Benefits</a:t>
+            </a:r>
+            <a:endParaRPr/>
+          </a:p>
+        </p:txBody>
+      </p:sp>
+      <p:sp>
+        <p:nvSpPr>
+          <p:cNvPr id="145" name="Google Shape;145;p21"/>
+          <p:cNvSpPr txBox="1"/>
+          <p:nvPr>
+            <p:ph idx="1" type="body"/>
+          </p:nvPr>
+        </p:nvSpPr>
+        <p:spPr>
+          <a:xfrm>
+            <a:off x="387900" y="1489824"/>
+            <a:ext cx="8368200" cy="3078900"/>
+          </a:xfrm>
+          <a:prstGeom prst="rect">
+            <a:avLst/>
+          </a:prstGeom>
+        </p:spPr>
+        <p:txBody>
+          <a:bodyPr anchorCtr="0" anchor="t" bIns="91425" lIns="91425" spcFirstLastPara="1" rIns="91425" wrap="square" tIns="91425">
+            <a:normAutofit/>
+          </a:bodyPr>
+          <a:lstStyle/>
+          <a:p>
+            <a:pPr indent="-342900" lvl="0" marL="457200" rtl="0" algn="l">
+              <a:spcBef>
+                <a:spcPts val="0"/>
+              </a:spcBef>
+              <a:spcAft>
+                <a:spcPts val="0"/>
+              </a:spcAft>
+              <a:buSzPts val="1800"/>
+              <a:buChar char="●"/>
+            </a:pPr>
+            <a:r>
+              <a:rPr lang="en"/>
+              <a:t>Frees developers from having to manually release memory.</a:t>
+            </a:r>
+            <a:endParaRPr/>
+          </a:p>
+          <a:p>
+            <a:pPr indent="-342900" lvl="0" marL="457200" rtl="0" algn="l">
+              <a:spcBef>
+                <a:spcPts val="0"/>
+              </a:spcBef>
+              <a:spcAft>
+                <a:spcPts val="0"/>
+              </a:spcAft>
+              <a:buSzPts val="1800"/>
+              <a:buChar char="●"/>
+            </a:pPr>
+            <a:r>
+              <a:rPr lang="en"/>
+              <a:t>Allocates objects on the managed heap efficiently.</a:t>
+            </a:r>
+            <a:endParaRPr/>
+          </a:p>
+          <a:p>
+            <a:pPr indent="-342900" lvl="0" marL="457200" rtl="0" algn="l">
+              <a:spcBef>
+                <a:spcPts val="0"/>
+              </a:spcBef>
+              <a:spcAft>
+                <a:spcPts val="0"/>
+              </a:spcAft>
+              <a:buSzPts val="1800"/>
+              <a:buChar char="●"/>
+            </a:pPr>
+            <a:r>
+              <a:rPr lang="en"/>
+              <a:t>Reclaims objects that are no longer being used, clears their memory, and keeps the memory available for future allocations.</a:t>
+            </a:r>
+            <a:endParaRPr/>
+          </a:p>
+          <a:p>
+            <a:pPr indent="-342900" lvl="0" marL="457200" rtl="0" algn="l">
+              <a:spcBef>
+                <a:spcPts val="0"/>
+              </a:spcBef>
+              <a:spcAft>
+                <a:spcPts val="0"/>
+              </a:spcAft>
+              <a:buSzPts val="1800"/>
+              <a:buChar char="●"/>
+            </a:pPr>
+            <a:r>
+              <a:rPr lang="en"/>
+              <a:t>Managed objects automatically get clean content to start with, so their constructors don’t have to initialize every data field.</a:t>
+            </a:r>
+            <a:endParaRPr/>
+          </a:p>
+          <a:p>
+            <a:pPr indent="-342900" lvl="0" marL="457200" rtl="0" algn="l">
+              <a:spcBef>
+                <a:spcPts val="0"/>
+              </a:spcBef>
+              <a:spcAft>
+                <a:spcPts val="0"/>
+              </a:spcAft>
+              <a:buSzPts val="1800"/>
+              <a:buChar char="●"/>
+            </a:pPr>
+            <a:r>
+              <a:rPr lang="en"/>
+              <a:t>Provides memory safety by making sure that an object can’t use for itself the memory allocated for another object.</a:t>
             </a:r>
             <a:endParaRPr/>
           </a:p>
@@ -7322,6 +12706,285 @@
 </file>
 
 <file path=ppt/theme/theme1.xml><?xml version="1.0" encoding="utf-8"?>
+<a:theme xmlns:a="http://schemas.openxmlformats.org/drawingml/2006/main" xmlns:r="http://schemas.openxmlformats.org/officeDocument/2006/relationships">
+  <a:themeElements>
+    <a:clrScheme name="Default">
+      <a:dk1>
+        <a:srgbClr val="000000"/>
+      </a:dk1>
+      <a:lt1>
+        <a:srgbClr val="FFFFFF"/>
+      </a:lt1>
+      <a:dk2>
+        <a:srgbClr val="158158"/>
+      </a:dk2>
+      <a:lt2>
+        <a:srgbClr val="F3F3F3"/>
+      </a:lt2>
+      <a:accent1>
+        <a:srgbClr val="058DC7"/>
+      </a:accent1>
+      <a:accent2>
+        <a:srgbClr val="50B432"/>
+      </a:accent2>
+      <a:accent3>
+        <a:srgbClr val="ED561B"/>
+      </a:accent3>
+      <a:accent4>
+        <a:srgbClr val="EDEF00"/>
+      </a:accent4>
+      <a:accent5>
+        <a:srgbClr val="24CBE5"/>
+      </a:accent5>
+      <a:accent6>
+        <a:srgbClr val="64E572"/>
+      </a:accent6>
+      <a:hlink>
+        <a:srgbClr val="2200CC"/>
+      </a:hlink>
+      <a:folHlink>
+        <a:srgbClr val="551A8B"/>
+      </a:folHlink>
+    </a:clrScheme>
+    <a:fontScheme name="Office">
+      <a:majorFont>
+        <a:latin typeface="Arial"/>
+        <a:ea typeface=""/>
+        <a:cs typeface=""/>
+        <a:font script="Jpan" typeface="ＭＳ Ｐゴシック"/>
+        <a:font script="Hang" typeface="맑은 고딕"/>
+        <a:font script="Hans" typeface="宋体"/>
+        <a:font script="Hant" typeface="新細明體"/>
+        <a:font script="Arab" typeface="Times New Roman"/>
+        <a:font script="Hebr" typeface="Times New Roman"/>
+        <a:font script="Thai" typeface="Angsana New"/>
+        <a:font script="Ethi" typeface="Nyala"/>
+        <a:font script="Beng" typeface="Vrinda"/>
+        <a:font script="Gujr" typeface="Shruti"/>
+        <a:font script="Khmr" typeface="MoolBoran"/>
+        <a:font script="Knda" typeface="Tunga"/>
+        <a:font script="Guru" typeface="Raavi"/>
+        <a:font script="Cans" typeface="Euphemia"/>
+        <a:font script="Cher" typeface="Plantagenet Cherokee"/>
+        <a:font script="Yiii" typeface="Microsoft Yi Baiti"/>
+        <a:font script="Tibt" typeface="Microsoft Himalaya"/>
+        <a:font script="Thaa" typeface="MV Boli"/>
+        <a:font script="Deva" typeface="Mangal"/>
+        <a:font script="Telu" typeface="Gautami"/>
+        <a:font script="Taml" typeface="Latha"/>
+        <a:font script="Syrc" typeface="Estrangelo Edessa"/>
+        <a:font script="Orya" typeface="Kalinga"/>
+        <a:font script="Mlym" typeface="Kartika"/>
+        <a:font script="Laoo" typeface="DokChampa"/>
+        <a:font script="Sinh" typeface="Iskoola Pota"/>
+        <a:font script="Mong" typeface="Mongolian Baiti"/>
+        <a:font script="Viet" typeface="Times New Roman"/>
+        <a:font script="Uigh" typeface="Microsoft Uighur"/>
+        <a:font script="Geor" typeface="Sylfaen"/>
+      </a:majorFont>
+      <a:minorFont>
+        <a:latin typeface="Arial"/>
+        <a:ea typeface=""/>
+        <a:cs typeface=""/>
+        <a:font script="Jpan" typeface="ＭＳ Ｐゴシック"/>
+        <a:font script="Hang" typeface="맑은 고딕"/>
+        <a:font script="Hans" typeface="宋体"/>
+        <a:font script="Hant" typeface="新細明體"/>
+        <a:font script="Arab" typeface="Arial"/>
+        <a:font script="Hebr" typeface="Arial"/>
+        <a:font script="Thai" typeface="Cordia New"/>
+        <a:font script="Ethi" typeface="Nyala"/>
+        <a:font script="Beng" typeface="Vrinda"/>
+        <a:font script="Gujr" typeface="Shruti"/>
+        <a:font script="Khmr" typeface="DaunPenh"/>
+        <a:font script="Knda" typeface="Tunga"/>
+        <a:font script="Guru" typeface="Raavi"/>
+        <a:font script="Cans" typeface="Euphemia"/>
+        <a:font script="Cher" typeface="Plantagenet Cherokee"/>
+        <a:font script="Yiii" typeface="Microsoft Yi Baiti"/>
+        <a:font script="Tibt" typeface="Microsoft Himalaya"/>
+        <a:font script="Thaa" typeface="MV Boli"/>
+        <a:font script="Deva" typeface="Mangal"/>
+        <a:font script="Telu" typeface="Gautami"/>
+        <a:font script="Taml" typeface="Latha"/>
+        <a:font script="Syrc" typeface="Estrangelo Edessa"/>
+        <a:font script="Orya" typeface="Kalinga"/>
+        <a:font script="Mlym" typeface="Kartika"/>
+        <a:font script="Laoo" typeface="DokChampa"/>
+        <a:font script="Sinh" typeface="Iskoola Pota"/>
+        <a:font script="Mong" typeface="Mongolian Baiti"/>
+        <a:font script="Viet" typeface="Arial"/>
+        <a:font script="Uigh" typeface="Microsoft Uighur"/>
+        <a:font script="Geor" typeface="Sylfaen"/>
+      </a:minorFont>
+    </a:fontScheme>
+    <a:fmtScheme name="Office">
+      <a:fillStyleLst>
+        <a:solidFill>
+          <a:schemeClr val="phClr"/>
+        </a:solidFill>
+        <a:gradFill rotWithShape="1">
+          <a:gsLst>
+            <a:gs pos="0">
+              <a:schemeClr val="phClr">
+                <a:tint val="50000"/>
+                <a:satMod val="300000"/>
+              </a:schemeClr>
+            </a:gs>
+            <a:gs pos="35000">
+              <a:schemeClr val="phClr">
+                <a:tint val="37000"/>
+                <a:satMod val="300000"/>
+              </a:schemeClr>
+            </a:gs>
+            <a:gs pos="100000">
+              <a:schemeClr val="phClr">
+                <a:tint val="15000"/>
+                <a:satMod val="350000"/>
+              </a:schemeClr>
+            </a:gs>
+          </a:gsLst>
+          <a:lin ang="16200000" scaled="1"/>
+        </a:gradFill>
+        <a:gradFill rotWithShape="1">
+          <a:gsLst>
+            <a:gs pos="0">
+              <a:schemeClr val="phClr">
+                <a:tint val="100000"/>
+                <a:shade val="100000"/>
+                <a:satMod val="130000"/>
+              </a:schemeClr>
+            </a:gs>
+            <a:gs pos="100000">
+              <a:schemeClr val="phClr">
+                <a:tint val="50000"/>
+                <a:shade val="100000"/>
+                <a:satMod val="350000"/>
+              </a:schemeClr>
+            </a:gs>
+          </a:gsLst>
+          <a:lin ang="16200000" scaled="0"/>
+        </a:gradFill>
+      </a:fillStyleLst>
+      <a:lnStyleLst>
+        <a:ln w="9525" cap="flat" cmpd="sng" algn="ctr">
+          <a:solidFill>
+            <a:schemeClr val="phClr">
+              <a:shade val="95000"/>
+              <a:satMod val="105000"/>
+            </a:schemeClr>
+          </a:solidFill>
+          <a:prstDash val="solid"/>
+        </a:ln>
+        <a:ln w="25400" cap="flat" cmpd="sng" algn="ctr">
+          <a:solidFill>
+            <a:schemeClr val="phClr"/>
+          </a:solidFill>
+          <a:prstDash val="solid"/>
+        </a:ln>
+        <a:ln w="38100" cap="flat" cmpd="sng" algn="ctr">
+          <a:solidFill>
+            <a:schemeClr val="phClr"/>
+          </a:solidFill>
+          <a:prstDash val="solid"/>
+        </a:ln>
+      </a:lnStyleLst>
+      <a:effectStyleLst>
+        <a:effectStyle>
+          <a:effectLst>
+            <a:outerShdw blurRad="40000" dist="20000" dir="5400000" rotWithShape="0">
+              <a:srgbClr val="000000">
+                <a:alpha val="38000"/>
+              </a:srgbClr>
+            </a:outerShdw>
+          </a:effectLst>
+        </a:effectStyle>
+        <a:effectStyle>
+          <a:effectLst>
+            <a:outerShdw blurRad="40000" dist="23000" dir="5400000" rotWithShape="0">
+              <a:srgbClr val="000000">
+                <a:alpha val="35000"/>
+              </a:srgbClr>
+            </a:outerShdw>
+          </a:effectLst>
+        </a:effectStyle>
+        <a:effectStyle>
+          <a:effectLst>
+            <a:outerShdw blurRad="40000" dist="23000" dir="5400000" rotWithShape="0">
+              <a:srgbClr val="000000">
+                <a:alpha val="35000"/>
+              </a:srgbClr>
+            </a:outerShdw>
+          </a:effectLst>
+          <a:scene3d>
+            <a:camera prst="orthographicFront">
+              <a:rot lat="0" lon="0" rev="0"/>
+            </a:camera>
+            <a:lightRig rig="threePt" dir="t">
+              <a:rot lat="0" lon="0" rev="1200000"/>
+            </a:lightRig>
+          </a:scene3d>
+          <a:sp3d>
+            <a:bevelT w="63500" h="25400"/>
+          </a:sp3d>
+        </a:effectStyle>
+      </a:effectStyleLst>
+      <a:bgFillStyleLst>
+        <a:solidFill>
+          <a:schemeClr val="phClr"/>
+        </a:solidFill>
+        <a:gradFill rotWithShape="1">
+          <a:gsLst>
+            <a:gs pos="0">
+              <a:schemeClr val="phClr">
+                <a:tint val="40000"/>
+                <a:satMod val="350000"/>
+              </a:schemeClr>
+            </a:gs>
+            <a:gs pos="40000">
+              <a:schemeClr val="phClr">
+                <a:tint val="45000"/>
+                <a:shade val="99000"/>
+                <a:satMod val="350000"/>
+              </a:schemeClr>
+            </a:gs>
+            <a:gs pos="100000">
+              <a:schemeClr val="phClr">
+                <a:shade val="20000"/>
+                <a:satMod val="255000"/>
+              </a:schemeClr>
+            </a:gs>
+          </a:gsLst>
+          <a:path path="circle">
+            <a:fillToRect l="50000" t="-80000" r="50000" b="180000"/>
+          </a:path>
+        </a:gradFill>
+        <a:gradFill rotWithShape="1">
+          <a:gsLst>
+            <a:gs pos="0">
+              <a:schemeClr val="phClr">
+                <a:tint val="80000"/>
+                <a:satMod val="300000"/>
+              </a:schemeClr>
+            </a:gs>
+            <a:gs pos="100000">
+              <a:schemeClr val="phClr">
+                <a:shade val="30000"/>
+                <a:satMod val="200000"/>
+              </a:schemeClr>
+            </a:gs>
+          </a:gsLst>
+          <a:path path="circle">
+            <a:fillToRect l="50000" t="50000" r="50000" b="50000"/>
+          </a:path>
+        </a:gradFill>
+      </a:bgFillStyleLst>
+    </a:fmtScheme>
+  </a:themeElements>
+</a:theme>
+</file>
+
+<file path=ppt/theme/theme2.xml><?xml version="1.0" encoding="utf-8"?>
 <a:theme xmlns:a="http://schemas.openxmlformats.org/drawingml/2006/main" xmlns:r="http://schemas.openxmlformats.org/officeDocument/2006/relationships" name="Marina">
   <a:themeElements>
     <a:clrScheme name="Marina">
@@ -7598,283 +13261,4 @@
     </a:fmtScheme>
   </a:themeElements>
 </a:theme>
-</file>
-
-<file path=ppt/theme/theme2.xml><?xml version="1.0" encoding="utf-8"?>
-<a:theme xmlns:a="http://schemas.openxmlformats.org/drawingml/2006/main" xmlns:r="http://schemas.openxmlformats.org/officeDocument/2006/relationships">
-  <a:themeElements>
-    <a:clrScheme name="Default">
-      <a:dk1>
-        <a:srgbClr val="000000"/>
-      </a:dk1>
-      <a:lt1>
-        <a:srgbClr val="FFFFFF"/>
-      </a:lt1>
-      <a:dk2>
-        <a:srgbClr val="158158"/>
-      </a:dk2>
-      <a:lt2>
-        <a:srgbClr val="F3F3F3"/>
-      </a:lt2>
-      <a:accent1>
-        <a:srgbClr val="058DC7"/>
-      </a:accent1>
-      <a:accent2>
-        <a:srgbClr val="50B432"/>
-      </a:accent2>
-      <a:accent3>
-        <a:srgbClr val="ED561B"/>
-      </a:accent3>
-      <a:accent4>
-        <a:srgbClr val="EDEF00"/>
-      </a:accent4>
-      <a:accent5>
-        <a:srgbClr val="24CBE5"/>
-      </a:accent5>
-      <a:accent6>
-        <a:srgbClr val="64E572"/>
-      </a:accent6>
-      <a:hlink>
-        <a:srgbClr val="2200CC"/>
-      </a:hlink>
-      <a:folHlink>
-        <a:srgbClr val="551A8B"/>
-      </a:folHlink>
-    </a:clrScheme>
-    <a:fontScheme name="Office">
-      <a:majorFont>
-        <a:latin typeface="Arial"/>
-        <a:ea typeface=""/>
-        <a:cs typeface=""/>
-        <a:font script="Jpan" typeface="ＭＳ Ｐゴシック"/>
-        <a:font script="Hang" typeface="맑은 고딕"/>
-        <a:font script="Hans" typeface="宋体"/>
-        <a:font script="Hant" typeface="新細明體"/>
-        <a:font script="Arab" typeface="Times New Roman"/>
-        <a:font script="Hebr" typeface="Times New Roman"/>
-        <a:font script="Thai" typeface="Angsana New"/>
-        <a:font script="Ethi" typeface="Nyala"/>
-        <a:font script="Beng" typeface="Vrinda"/>
-        <a:font script="Gujr" typeface="Shruti"/>
-        <a:font script="Khmr" typeface="MoolBoran"/>
-        <a:font script="Knda" typeface="Tunga"/>
-        <a:font script="Guru" typeface="Raavi"/>
-        <a:font script="Cans" typeface="Euphemia"/>
-        <a:font script="Cher" typeface="Plantagenet Cherokee"/>
-        <a:font script="Yiii" typeface="Microsoft Yi Baiti"/>
-        <a:font script="Tibt" typeface="Microsoft Himalaya"/>
-        <a:font script="Thaa" typeface="MV Boli"/>
-        <a:font script="Deva" typeface="Mangal"/>
-        <a:font script="Telu" typeface="Gautami"/>
-        <a:font script="Taml" typeface="Latha"/>
-        <a:font script="Syrc" typeface="Estrangelo Edessa"/>
-        <a:font script="Orya" typeface="Kalinga"/>
-        <a:font script="Mlym" typeface="Kartika"/>
-        <a:font script="Laoo" typeface="DokChampa"/>
-        <a:font script="Sinh" typeface="Iskoola Pota"/>
-        <a:font script="Mong" typeface="Mongolian Baiti"/>
-        <a:font script="Viet" typeface="Times New Roman"/>
-        <a:font script="Uigh" typeface="Microsoft Uighur"/>
-        <a:font script="Geor" typeface="Sylfaen"/>
-      </a:majorFont>
-      <a:minorFont>
-        <a:latin typeface="Arial"/>
-        <a:ea typeface=""/>
-        <a:cs typeface=""/>
-        <a:font script="Jpan" typeface="ＭＳ Ｐゴシック"/>
-        <a:font script="Hang" typeface="맑은 고딕"/>
-        <a:font script="Hans" typeface="宋体"/>
-        <a:font script="Hant" typeface="新細明體"/>
-        <a:font script="Arab" typeface="Arial"/>
-        <a:font script="Hebr" typeface="Arial"/>
-        <a:font script="Thai" typeface="Cordia New"/>
-        <a:font script="Ethi" typeface="Nyala"/>
-        <a:font script="Beng" typeface="Vrinda"/>
-        <a:font script="Gujr" typeface="Shruti"/>
-        <a:font script="Khmr" typeface="DaunPenh"/>
-        <a:font script="Knda" typeface="Tunga"/>
-        <a:font script="Guru" typeface="Raavi"/>
-        <a:font script="Cans" typeface="Euphemia"/>
-        <a:font script="Cher" typeface="Plantagenet Cherokee"/>
-        <a:font script="Yiii" typeface="Microsoft Yi Baiti"/>
-        <a:font script="Tibt" typeface="Microsoft Himalaya"/>
-        <a:font script="Thaa" typeface="MV Boli"/>
-        <a:font script="Deva" typeface="Mangal"/>
-        <a:font script="Telu" typeface="Gautami"/>
-        <a:font script="Taml" typeface="Latha"/>
-        <a:font script="Syrc" typeface="Estrangelo Edessa"/>
-        <a:font script="Orya" typeface="Kalinga"/>
-        <a:font script="Mlym" typeface="Kartika"/>
-        <a:font script="Laoo" typeface="DokChampa"/>
-        <a:font script="Sinh" typeface="Iskoola Pota"/>
-        <a:font script="Mong" typeface="Mongolian Baiti"/>
-        <a:font script="Viet" typeface="Arial"/>
-        <a:font script="Uigh" typeface="Microsoft Uighur"/>
-        <a:font script="Geor" typeface="Sylfaen"/>
-      </a:minorFont>
-    </a:fontScheme>
-    <a:fmtScheme name="Office">
-      <a:fillStyleLst>
-        <a:solidFill>
-          <a:schemeClr val="phClr"/>
-        </a:solidFill>
-        <a:gradFill rotWithShape="1">
-          <a:gsLst>
-            <a:gs pos="0">
-              <a:schemeClr val="phClr">
-                <a:tint val="50000"/>
-                <a:satMod val="300000"/>
-              </a:schemeClr>
-            </a:gs>
-            <a:gs pos="35000">
-              <a:schemeClr val="phClr">
-                <a:tint val="37000"/>
-                <a:satMod val="300000"/>
-              </a:schemeClr>
-            </a:gs>
-            <a:gs pos="100000">
-              <a:schemeClr val="phClr">
-                <a:tint val="15000"/>
-                <a:satMod val="350000"/>
-              </a:schemeClr>
-            </a:gs>
-          </a:gsLst>
-          <a:lin ang="16200000" scaled="1"/>
-        </a:gradFill>
-        <a:gradFill rotWithShape="1">
-          <a:gsLst>
-            <a:gs pos="0">
-              <a:schemeClr val="phClr">
-                <a:tint val="100000"/>
-                <a:shade val="100000"/>
-                <a:satMod val="130000"/>
-              </a:schemeClr>
-            </a:gs>
-            <a:gs pos="100000">
-              <a:schemeClr val="phClr">
-                <a:tint val="50000"/>
-                <a:shade val="100000"/>
-                <a:satMod val="350000"/>
-              </a:schemeClr>
-            </a:gs>
-          </a:gsLst>
-          <a:lin ang="16200000" scaled="0"/>
-        </a:gradFill>
-      </a:fillStyleLst>
-      <a:lnStyleLst>
-        <a:ln w="9525" cap="flat" cmpd="sng" algn="ctr">
-          <a:solidFill>
-            <a:schemeClr val="phClr">
-              <a:shade val="95000"/>
-              <a:satMod val="105000"/>
-            </a:schemeClr>
-          </a:solidFill>
-          <a:prstDash val="solid"/>
-        </a:ln>
-        <a:ln w="25400" cap="flat" cmpd="sng" algn="ctr">
-          <a:solidFill>
-            <a:schemeClr val="phClr"/>
-          </a:solidFill>
-          <a:prstDash val="solid"/>
-        </a:ln>
-        <a:ln w="38100" cap="flat" cmpd="sng" algn="ctr">
-          <a:solidFill>
-            <a:schemeClr val="phClr"/>
-          </a:solidFill>
-          <a:prstDash val="solid"/>
-        </a:ln>
-      </a:lnStyleLst>
-      <a:effectStyleLst>
-        <a:effectStyle>
-          <a:effectLst>
-            <a:outerShdw blurRad="40000" dist="20000" dir="5400000" rotWithShape="0">
-              <a:srgbClr val="000000">
-                <a:alpha val="38000"/>
-              </a:srgbClr>
-            </a:outerShdw>
-          </a:effectLst>
-        </a:effectStyle>
-        <a:effectStyle>
-          <a:effectLst>
-            <a:outerShdw blurRad="40000" dist="23000" dir="5400000" rotWithShape="0">
-              <a:srgbClr val="000000">
-                <a:alpha val="35000"/>
-              </a:srgbClr>
-            </a:outerShdw>
-          </a:effectLst>
-        </a:effectStyle>
-        <a:effectStyle>
-          <a:effectLst>
-            <a:outerShdw blurRad="40000" dist="23000" dir="5400000" rotWithShape="0">
-              <a:srgbClr val="000000">
-                <a:alpha val="35000"/>
-              </a:srgbClr>
-            </a:outerShdw>
-          </a:effectLst>
-          <a:scene3d>
-            <a:camera prst="orthographicFront">
-              <a:rot lat="0" lon="0" rev="0"/>
-            </a:camera>
-            <a:lightRig rig="threePt" dir="t">
-              <a:rot lat="0" lon="0" rev="1200000"/>
-            </a:lightRig>
-          </a:scene3d>
-          <a:sp3d>
-            <a:bevelT w="63500" h="25400"/>
-          </a:sp3d>
-        </a:effectStyle>
-      </a:effectStyleLst>
-      <a:bgFillStyleLst>
-        <a:solidFill>
-          <a:schemeClr val="phClr"/>
-        </a:solidFill>
-        <a:gradFill rotWithShape="1">
-          <a:gsLst>
-            <a:gs pos="0">
-              <a:schemeClr val="phClr">
-                <a:tint val="40000"/>
-                <a:satMod val="350000"/>
-              </a:schemeClr>
-            </a:gs>
-            <a:gs pos="40000">
-              <a:schemeClr val="phClr">
-                <a:tint val="45000"/>
-                <a:shade val="99000"/>
-                <a:satMod val="350000"/>
-              </a:schemeClr>
-            </a:gs>
-            <a:gs pos="100000">
-              <a:schemeClr val="phClr">
-                <a:shade val="20000"/>
-                <a:satMod val="255000"/>
-              </a:schemeClr>
-            </a:gs>
-          </a:gsLst>
-          <a:path path="circle">
-            <a:fillToRect l="50000" t="-80000" r="50000" b="180000"/>
-          </a:path>
-        </a:gradFill>
-        <a:gradFill rotWithShape="1">
-          <a:gsLst>
-            <a:gs pos="0">
-              <a:schemeClr val="phClr">
-                <a:tint val="80000"/>
-                <a:satMod val="300000"/>
-              </a:schemeClr>
-            </a:gs>
-            <a:gs pos="100000">
-              <a:schemeClr val="phClr">
-                <a:shade val="30000"/>
-                <a:satMod val="200000"/>
-              </a:schemeClr>
-            </a:gs>
-          </a:gsLst>
-          <a:path path="circle">
-            <a:fillToRect l="50000" t="50000" r="50000" b="50000"/>
-          </a:path>
-        </a:gradFill>
-      </a:bgFillStyleLst>
-    </a:fmtScheme>
-  </a:themeElements>
-</a:theme>
 </file>
--- a/Disposal and Garbage Collection.pptx
+++ b/Disposal and Garbage Collection.pptx
@@ -28,21 +28,28 @@
     <p:sldId id="273" r:id="rId23"/>
     <p:sldId id="274" r:id="rId24"/>
     <p:sldId id="275" r:id="rId25"/>
+    <p:sldId id="276" r:id="rId26"/>
+    <p:sldId id="277" r:id="rId27"/>
+    <p:sldId id="278" r:id="rId28"/>
+    <p:sldId id="279" r:id="rId29"/>
+    <p:sldId id="280" r:id="rId30"/>
+    <p:sldId id="281" r:id="rId31"/>
+    <p:sldId id="282" r:id="rId32"/>
   </p:sldIdLst>
   <p:sldSz cy="5143500" cx="9144000"/>
   <p:notesSz cx="6858000" cy="9144000"/>
   <p:embeddedFontLst>
     <p:embeddedFont>
       <p:font typeface="Roboto Slab"/>
-      <p:regular r:id="rId26"/>
-      <p:bold r:id="rId27"/>
+      <p:regular r:id="rId33"/>
+      <p:bold r:id="rId34"/>
     </p:embeddedFont>
     <p:embeddedFont>
       <p:font typeface="Roboto"/>
-      <p:regular r:id="rId28"/>
-      <p:bold r:id="rId29"/>
-      <p:italic r:id="rId30"/>
-      <p:boldItalic r:id="rId31"/>
+      <p:regular r:id="rId35"/>
+      <p:bold r:id="rId36"/>
+      <p:italic r:id="rId37"/>
+      <p:boldItalic r:id="rId38"/>
     </p:embeddedFont>
   </p:embeddedFontLst>
   <p:defaultTextStyle>
@@ -823,7 +830,7 @@
   <p:cSld>
     <p:spTree>
       <p:nvGrpSpPr>
-        <p:cNvPr id="146" name="Shape 146"/>
+        <p:cNvPr id="130" name="Shape 130"/>
         <p:cNvGrpSpPr/>
         <p:nvPr/>
       </p:nvGrpSpPr>
@@ -837,7 +844,7 @@
       </p:grpSpPr>
       <p:sp>
         <p:nvSpPr>
-          <p:cNvPr id="147" name="Google Shape;147;g2cdc1da36dc_0_12:notes"/>
+          <p:cNvPr id="131" name="Google Shape;131;g2cdc1da36dc_0_24:notes"/>
           <p:cNvSpPr/>
           <p:nvPr>
             <p:ph idx="2" type="sldImg"/>
@@ -872,7 +879,7 @@
       </p:sp>
       <p:sp>
         <p:nvSpPr>
-          <p:cNvPr id="148" name="Google Shape;148;g2cdc1da36dc_0_12:notes"/>
+          <p:cNvPr id="132" name="Google Shape;132;g2cdc1da36dc_0_24:notes"/>
           <p:cNvSpPr txBox="1"/>
           <p:nvPr>
             <p:ph idx="1" type="body"/>
@@ -922,7 +929,7 @@
   <p:cSld>
     <p:spTree>
       <p:nvGrpSpPr>
-        <p:cNvPr id="152" name="Shape 152"/>
+        <p:cNvPr id="136" name="Shape 136"/>
         <p:cNvGrpSpPr/>
         <p:nvPr/>
       </p:nvGrpSpPr>
@@ -936,7 +943,7 @@
       </p:grpSpPr>
       <p:sp>
         <p:nvSpPr>
-          <p:cNvPr id="153" name="Google Shape;153;g2cdc1da36dc_0_24:notes"/>
+          <p:cNvPr id="137" name="Google Shape;137;g2cdc1da36dc_0_29:notes"/>
           <p:cNvSpPr/>
           <p:nvPr>
             <p:ph idx="2" type="sldImg"/>
@@ -971,7 +978,7 @@
       </p:sp>
       <p:sp>
         <p:nvSpPr>
-          <p:cNvPr id="154" name="Google Shape;154;g2cdc1da36dc_0_24:notes"/>
+          <p:cNvPr id="138" name="Google Shape;138;g2cdc1da36dc_0_29:notes"/>
           <p:cNvSpPr txBox="1"/>
           <p:nvPr>
             <p:ph idx="1" type="body"/>
@@ -1021,7 +1028,7 @@
   <p:cSld>
     <p:spTree>
       <p:nvGrpSpPr>
-        <p:cNvPr id="158" name="Shape 158"/>
+        <p:cNvPr id="142" name="Shape 142"/>
         <p:cNvGrpSpPr/>
         <p:nvPr/>
       </p:nvGrpSpPr>
@@ -1035,7 +1042,7 @@
       </p:grpSpPr>
       <p:sp>
         <p:nvSpPr>
-          <p:cNvPr id="159" name="Google Shape;159;g2cdc1da36dc_0_29:notes"/>
+          <p:cNvPr id="143" name="Google Shape;143;g2cdc1da36dc_0_34:notes"/>
           <p:cNvSpPr/>
           <p:nvPr>
             <p:ph idx="2" type="sldImg"/>
@@ -1070,7 +1077,7 @@
       </p:sp>
       <p:sp>
         <p:nvSpPr>
-          <p:cNvPr id="160" name="Google Shape;160;g2cdc1da36dc_0_29:notes"/>
+          <p:cNvPr id="144" name="Google Shape;144;g2cdc1da36dc_0_34:notes"/>
           <p:cNvSpPr txBox="1"/>
           <p:nvPr>
             <p:ph idx="1" type="body"/>
@@ -1120,7 +1127,7 @@
   <p:cSld>
     <p:spTree>
       <p:nvGrpSpPr>
-        <p:cNvPr id="164" name="Shape 164"/>
+        <p:cNvPr id="148" name="Shape 148"/>
         <p:cNvGrpSpPr/>
         <p:nvPr/>
       </p:nvGrpSpPr>
@@ -1134,7 +1141,7 @@
       </p:grpSpPr>
       <p:sp>
         <p:nvSpPr>
-          <p:cNvPr id="165" name="Google Shape;165;g2cdc1da36dc_0_34:notes"/>
+          <p:cNvPr id="149" name="Google Shape;149;g2cdc1da36dc_0_39:notes"/>
           <p:cNvSpPr/>
           <p:nvPr>
             <p:ph idx="2" type="sldImg"/>
@@ -1169,7 +1176,7 @@
       </p:sp>
       <p:sp>
         <p:nvSpPr>
-          <p:cNvPr id="166" name="Google Shape;166;g2cdc1da36dc_0_34:notes"/>
+          <p:cNvPr id="150" name="Google Shape;150;g2cdc1da36dc_0_39:notes"/>
           <p:cNvSpPr txBox="1"/>
           <p:nvPr>
             <p:ph idx="1" type="body"/>
@@ -1219,7 +1226,7 @@
   <p:cSld>
     <p:spTree>
       <p:nvGrpSpPr>
-        <p:cNvPr id="170" name="Shape 170"/>
+        <p:cNvPr id="154" name="Shape 154"/>
         <p:cNvGrpSpPr/>
         <p:nvPr/>
       </p:nvGrpSpPr>
@@ -1233,7 +1240,7 @@
       </p:grpSpPr>
       <p:sp>
         <p:nvSpPr>
-          <p:cNvPr id="171" name="Google Shape;171;g2cdc1da36dc_0_39:notes"/>
+          <p:cNvPr id="155" name="Google Shape;155;g2ce0906338a_0_5:notes"/>
           <p:cNvSpPr/>
           <p:nvPr>
             <p:ph idx="2" type="sldImg"/>
@@ -1268,7 +1275,7 @@
       </p:sp>
       <p:sp>
         <p:nvSpPr>
-          <p:cNvPr id="172" name="Google Shape;172;g2cdc1da36dc_0_39:notes"/>
+          <p:cNvPr id="156" name="Google Shape;156;g2ce0906338a_0_5:notes"/>
           <p:cNvSpPr txBox="1"/>
           <p:nvPr>
             <p:ph idx="1" type="body"/>
@@ -1318,7 +1325,7 @@
   <p:cSld>
     <p:spTree>
       <p:nvGrpSpPr>
-        <p:cNvPr id="176" name="Shape 176"/>
+        <p:cNvPr id="160" name="Shape 160"/>
         <p:cNvGrpSpPr/>
         <p:nvPr/>
       </p:nvGrpSpPr>
@@ -1332,7 +1339,7 @@
       </p:grpSpPr>
       <p:sp>
         <p:nvSpPr>
-          <p:cNvPr id="177" name="Google Shape;177;g2cdc1da36dc_0_48:notes"/>
+          <p:cNvPr id="161" name="Google Shape;161;g2ce0906338a_0_0:notes"/>
           <p:cNvSpPr/>
           <p:nvPr>
             <p:ph idx="2" type="sldImg"/>
@@ -1367,7 +1374,7 @@
       </p:sp>
       <p:sp>
         <p:nvSpPr>
-          <p:cNvPr id="178" name="Google Shape;178;g2cdc1da36dc_0_48:notes"/>
+          <p:cNvPr id="162" name="Google Shape;162;g2ce0906338a_0_0:notes"/>
           <p:cNvSpPr txBox="1"/>
           <p:nvPr>
             <p:ph idx="1" type="body"/>
@@ -1417,7 +1424,7 @@
   <p:cSld>
     <p:spTree>
       <p:nvGrpSpPr>
-        <p:cNvPr id="182" name="Shape 182"/>
+        <p:cNvPr id="166" name="Shape 166"/>
         <p:cNvGrpSpPr/>
         <p:nvPr/>
       </p:nvGrpSpPr>
@@ -1431,7 +1438,7 @@
       </p:grpSpPr>
       <p:sp>
         <p:nvSpPr>
-          <p:cNvPr id="183" name="Google Shape;183;g2bee3e2d384_0_0:notes"/>
+          <p:cNvPr id="167" name="Google Shape;167;g2ce0906338a_0_17:notes"/>
           <p:cNvSpPr/>
           <p:nvPr>
             <p:ph idx="2" type="sldImg"/>
@@ -1466,7 +1473,7 @@
       </p:sp>
       <p:sp>
         <p:nvSpPr>
-          <p:cNvPr id="184" name="Google Shape;184;g2bee3e2d384_0_0:notes"/>
+          <p:cNvPr id="168" name="Google Shape;168;g2ce0906338a_0_17:notes"/>
           <p:cNvSpPr txBox="1"/>
           <p:nvPr>
             <p:ph idx="1" type="body"/>
@@ -1516,7 +1523,7 @@
   <p:cSld>
     <p:spTree>
       <p:nvGrpSpPr>
-        <p:cNvPr id="188" name="Shape 188"/>
+        <p:cNvPr id="172" name="Shape 172"/>
         <p:cNvGrpSpPr/>
         <p:nvPr/>
       </p:nvGrpSpPr>
@@ -1530,7 +1537,7 @@
       </p:grpSpPr>
       <p:sp>
         <p:nvSpPr>
-          <p:cNvPr id="189" name="Google Shape;189;g2bee3e2d384_0_5:notes"/>
+          <p:cNvPr id="173" name="Google Shape;173;g2ce0906338a_0_10:notes"/>
           <p:cNvSpPr/>
           <p:nvPr>
             <p:ph idx="2" type="sldImg"/>
@@ -1565,7 +1572,7 @@
       </p:sp>
       <p:sp>
         <p:nvSpPr>
-          <p:cNvPr id="190" name="Google Shape;190;g2bee3e2d384_0_5:notes"/>
+          <p:cNvPr id="174" name="Google Shape;174;g2ce0906338a_0_10:notes"/>
           <p:cNvSpPr txBox="1"/>
           <p:nvPr>
             <p:ph idx="1" type="body"/>
@@ -1615,7 +1622,7 @@
   <p:cSld>
     <p:spTree>
       <p:nvGrpSpPr>
-        <p:cNvPr id="194" name="Shape 194"/>
+        <p:cNvPr id="179" name="Shape 179"/>
         <p:cNvGrpSpPr/>
         <p:nvPr/>
       </p:nvGrpSpPr>
@@ -1629,7 +1636,7 @@
       </p:grpSpPr>
       <p:sp>
         <p:nvSpPr>
-          <p:cNvPr id="195" name="Google Shape;195;g2bee3e2d384_0_10:notes"/>
+          <p:cNvPr id="180" name="Google Shape;180;g2cdc1da36dc_0_48:notes"/>
           <p:cNvSpPr/>
           <p:nvPr>
             <p:ph idx="2" type="sldImg"/>
@@ -1664,7 +1671,7 @@
       </p:sp>
       <p:sp>
         <p:nvSpPr>
-          <p:cNvPr id="196" name="Google Shape;196;g2bee3e2d384_0_10:notes"/>
+          <p:cNvPr id="181" name="Google Shape;181;g2cdc1da36dc_0_48:notes"/>
           <p:cNvSpPr txBox="1"/>
           <p:nvPr>
             <p:ph idx="1" type="body"/>
@@ -1714,7 +1721,7 @@
   <p:cSld>
     <p:spTree>
       <p:nvGrpSpPr>
-        <p:cNvPr id="199" name="Shape 199"/>
+        <p:cNvPr id="185" name="Shape 185"/>
         <p:cNvGrpSpPr/>
         <p:nvPr/>
       </p:nvGrpSpPr>
@@ -1728,7 +1735,7 @@
       </p:grpSpPr>
       <p:sp>
         <p:nvSpPr>
-          <p:cNvPr id="200" name="Google Shape;200;g2c4984726c7_0_0:notes"/>
+          <p:cNvPr id="186" name="Google Shape;186;g2ce0906338a_0_26:notes"/>
           <p:cNvSpPr/>
           <p:nvPr>
             <p:ph idx="2" type="sldImg"/>
@@ -1763,7 +1770,7 @@
       </p:sp>
       <p:sp>
         <p:nvSpPr>
-          <p:cNvPr id="201" name="Google Shape;201;g2c4984726c7_0_0:notes"/>
+          <p:cNvPr id="187" name="Google Shape;187;g2ce0906338a_0_26:notes"/>
           <p:cNvSpPr txBox="1"/>
           <p:nvPr>
             <p:ph idx="1" type="body"/>
@@ -1912,7 +1919,7 @@
   <p:cSld>
     <p:spTree>
       <p:nvGrpSpPr>
-        <p:cNvPr id="208" name="Shape 208"/>
+        <p:cNvPr id="191" name="Shape 191"/>
         <p:cNvGrpSpPr/>
         <p:nvPr/>
       </p:nvGrpSpPr>
@@ -1926,7 +1933,7 @@
       </p:grpSpPr>
       <p:sp>
         <p:nvSpPr>
-          <p:cNvPr id="209" name="Google Shape;209;g2cdc1da36dc_0_17:notes"/>
+          <p:cNvPr id="192" name="Google Shape;192;g2ce0906338a_0_31:notes"/>
           <p:cNvSpPr/>
           <p:nvPr>
             <p:ph idx="2" type="sldImg"/>
@@ -1961,7 +1968,700 @@
       </p:sp>
       <p:sp>
         <p:nvSpPr>
-          <p:cNvPr id="210" name="Google Shape;210;g2cdc1da36dc_0_17:notes"/>
+          <p:cNvPr id="193" name="Google Shape;193;g2ce0906338a_0_31:notes"/>
+          <p:cNvSpPr txBox="1"/>
+          <p:nvPr>
+            <p:ph idx="1" type="body"/>
+          </p:nvPr>
+        </p:nvSpPr>
+        <p:spPr>
+          <a:xfrm>
+            <a:off x="685800" y="4343400"/>
+            <a:ext cx="5486400" cy="4114800"/>
+          </a:xfrm>
+          <a:prstGeom prst="rect">
+            <a:avLst/>
+          </a:prstGeom>
+        </p:spPr>
+        <p:txBody>
+          <a:bodyPr anchorCtr="0" anchor="t" bIns="91425" lIns="91425" spcFirstLastPara="1" rIns="91425" wrap="square" tIns="91425">
+            <a:noAutofit/>
+          </a:bodyPr>
+          <a:lstStyle/>
+          <a:p>
+            <a:pPr indent="0" lvl="0" marL="0" rtl="0" algn="l">
+              <a:spcBef>
+                <a:spcPts val="0"/>
+              </a:spcBef>
+              <a:spcAft>
+                <a:spcPts val="0"/>
+              </a:spcAft>
+              <a:buNone/>
+            </a:pPr>
+            <a:r>
+              <a:t/>
+            </a:r>
+            <a:endParaRPr/>
+          </a:p>
+        </p:txBody>
+      </p:sp>
+    </p:spTree>
+  </p:cSld>
+  <p:clrMapOvr>
+    <a:masterClrMapping/>
+  </p:clrMapOvr>
+</p:notes>
+</file>
+
+<file path=ppt/notesSlides/notesSlide21.xml><?xml version="1.0" encoding="utf-8"?>
+<p:notes xmlns:a="http://schemas.openxmlformats.org/drawingml/2006/main" xmlns:r="http://schemas.openxmlformats.org/officeDocument/2006/relationships" xmlns:mc="http://schemas.openxmlformats.org/markup-compatibility/2006" xmlns:mv="urn:schemas-microsoft-com:mac:vml" xmlns:p="http://schemas.openxmlformats.org/presentationml/2006/main" xmlns:c="http://schemas.openxmlformats.org/drawingml/2006/chart" xmlns:dgm="http://schemas.openxmlformats.org/drawingml/2006/diagram" xmlns:o="urn:schemas-microsoft-com:office:office" xmlns:v="urn:schemas-microsoft-com:vml" xmlns:pvml="urn:schemas-microsoft-com:office:powerpoint" xmlns:com="http://schemas.openxmlformats.org/drawingml/2006/compatibility" xmlns:p14="http://schemas.microsoft.com/office/powerpoint/2010/main" xmlns:p15="http://schemas.microsoft.com/office/powerpoint/2012/main" xmlns:ahyp="http://schemas.microsoft.com/office/drawing/2018/hyperlinkcolor" showMasterPhAnim="0" showMasterSp="0">
+  <p:cSld>
+    <p:spTree>
+      <p:nvGrpSpPr>
+        <p:cNvPr id="198" name="Shape 198"/>
+        <p:cNvGrpSpPr/>
+        <p:nvPr/>
+      </p:nvGrpSpPr>
+      <p:grpSpPr>
+        <a:xfrm>
+          <a:off x="0" y="0"/>
+          <a:ext cx="0" cy="0"/>
+          <a:chOff x="0" y="0"/>
+          <a:chExt cx="0" cy="0"/>
+        </a:xfrm>
+      </p:grpSpPr>
+      <p:sp>
+        <p:nvSpPr>
+          <p:cNvPr id="199" name="Google Shape;199;g2bee3e2d384_0_5:notes"/>
+          <p:cNvSpPr/>
+          <p:nvPr>
+            <p:ph idx="2" type="sldImg"/>
+          </p:nvPr>
+        </p:nvSpPr>
+        <p:spPr>
+          <a:xfrm>
+            <a:off x="381300" y="685800"/>
+            <a:ext cx="6096000" cy="3429000"/>
+          </a:xfrm>
+          <a:custGeom>
+            <a:rect b="b" l="l" r="r" t="t"/>
+            <a:pathLst>
+              <a:path extrusionOk="0" h="120000" w="120000">
+                <a:moveTo>
+                  <a:pt x="0" y="0"/>
+                </a:moveTo>
+                <a:lnTo>
+                  <a:pt x="120000" y="0"/>
+                </a:lnTo>
+                <a:lnTo>
+                  <a:pt x="120000" y="120000"/>
+                </a:lnTo>
+                <a:lnTo>
+                  <a:pt x="0" y="120000"/>
+                </a:lnTo>
+                <a:close/>
+              </a:path>
+            </a:pathLst>
+          </a:custGeom>
+        </p:spPr>
+      </p:sp>
+      <p:sp>
+        <p:nvSpPr>
+          <p:cNvPr id="200" name="Google Shape;200;g2bee3e2d384_0_5:notes"/>
+          <p:cNvSpPr txBox="1"/>
+          <p:nvPr>
+            <p:ph idx="1" type="body"/>
+          </p:nvPr>
+        </p:nvSpPr>
+        <p:spPr>
+          <a:xfrm>
+            <a:off x="685800" y="4343400"/>
+            <a:ext cx="5486400" cy="4114800"/>
+          </a:xfrm>
+          <a:prstGeom prst="rect">
+            <a:avLst/>
+          </a:prstGeom>
+        </p:spPr>
+        <p:txBody>
+          <a:bodyPr anchorCtr="0" anchor="t" bIns="91425" lIns="91425" spcFirstLastPara="1" rIns="91425" wrap="square" tIns="91425">
+            <a:noAutofit/>
+          </a:bodyPr>
+          <a:lstStyle/>
+          <a:p>
+            <a:pPr indent="0" lvl="0" marL="0" rtl="0" algn="l">
+              <a:spcBef>
+                <a:spcPts val="0"/>
+              </a:spcBef>
+              <a:spcAft>
+                <a:spcPts val="0"/>
+              </a:spcAft>
+              <a:buNone/>
+            </a:pPr>
+            <a:r>
+              <a:t/>
+            </a:r>
+            <a:endParaRPr/>
+          </a:p>
+        </p:txBody>
+      </p:sp>
+    </p:spTree>
+  </p:cSld>
+  <p:clrMapOvr>
+    <a:masterClrMapping/>
+  </p:clrMapOvr>
+</p:notes>
+</file>
+
+<file path=ppt/notesSlides/notesSlide22.xml><?xml version="1.0" encoding="utf-8"?>
+<p:notes xmlns:a="http://schemas.openxmlformats.org/drawingml/2006/main" xmlns:r="http://schemas.openxmlformats.org/officeDocument/2006/relationships" xmlns:mc="http://schemas.openxmlformats.org/markup-compatibility/2006" xmlns:mv="urn:schemas-microsoft-com:mac:vml" xmlns:p="http://schemas.openxmlformats.org/presentationml/2006/main" xmlns:c="http://schemas.openxmlformats.org/drawingml/2006/chart" xmlns:dgm="http://schemas.openxmlformats.org/drawingml/2006/diagram" xmlns:o="urn:schemas-microsoft-com:office:office" xmlns:v="urn:schemas-microsoft-com:vml" xmlns:pvml="urn:schemas-microsoft-com:office:powerpoint" xmlns:com="http://schemas.openxmlformats.org/drawingml/2006/compatibility" xmlns:p14="http://schemas.microsoft.com/office/powerpoint/2010/main" xmlns:p15="http://schemas.microsoft.com/office/powerpoint/2012/main" xmlns:ahyp="http://schemas.microsoft.com/office/drawing/2018/hyperlinkcolor" showMasterPhAnim="0" showMasterSp="0">
+  <p:cSld>
+    <p:spTree>
+      <p:nvGrpSpPr>
+        <p:cNvPr id="203" name="Shape 203"/>
+        <p:cNvGrpSpPr/>
+        <p:nvPr/>
+      </p:nvGrpSpPr>
+      <p:grpSpPr>
+        <a:xfrm>
+          <a:off x="0" y="0"/>
+          <a:ext cx="0" cy="0"/>
+          <a:chOff x="0" y="0"/>
+          <a:chExt cx="0" cy="0"/>
+        </a:xfrm>
+      </p:grpSpPr>
+      <p:sp>
+        <p:nvSpPr>
+          <p:cNvPr id="204" name="Google Shape;204;g26f1197dc57_0_9:notes"/>
+          <p:cNvSpPr/>
+          <p:nvPr>
+            <p:ph idx="2" type="sldImg"/>
+          </p:nvPr>
+        </p:nvSpPr>
+        <p:spPr>
+          <a:xfrm>
+            <a:off x="381300" y="685800"/>
+            <a:ext cx="6096000" cy="3429000"/>
+          </a:xfrm>
+          <a:custGeom>
+            <a:rect b="b" l="l" r="r" t="t"/>
+            <a:pathLst>
+              <a:path extrusionOk="0" h="120000" w="120000">
+                <a:moveTo>
+                  <a:pt x="0" y="0"/>
+                </a:moveTo>
+                <a:lnTo>
+                  <a:pt x="120000" y="0"/>
+                </a:lnTo>
+                <a:lnTo>
+                  <a:pt x="120000" y="120000"/>
+                </a:lnTo>
+                <a:lnTo>
+                  <a:pt x="0" y="120000"/>
+                </a:lnTo>
+                <a:close/>
+              </a:path>
+            </a:pathLst>
+          </a:custGeom>
+        </p:spPr>
+      </p:sp>
+      <p:sp>
+        <p:nvSpPr>
+          <p:cNvPr id="205" name="Google Shape;205;g26f1197dc57_0_9:notes"/>
+          <p:cNvSpPr txBox="1"/>
+          <p:nvPr>
+            <p:ph idx="1" type="body"/>
+          </p:nvPr>
+        </p:nvSpPr>
+        <p:spPr>
+          <a:xfrm>
+            <a:off x="685800" y="4343400"/>
+            <a:ext cx="5486400" cy="4114800"/>
+          </a:xfrm>
+          <a:prstGeom prst="rect">
+            <a:avLst/>
+          </a:prstGeom>
+        </p:spPr>
+        <p:txBody>
+          <a:bodyPr anchorCtr="0" anchor="t" bIns="91425" lIns="91425" spcFirstLastPara="1" rIns="91425" wrap="square" tIns="91425">
+            <a:noAutofit/>
+          </a:bodyPr>
+          <a:lstStyle/>
+          <a:p>
+            <a:pPr indent="0" lvl="0" marL="0" rtl="0" algn="l">
+              <a:spcBef>
+                <a:spcPts val="0"/>
+              </a:spcBef>
+              <a:spcAft>
+                <a:spcPts val="0"/>
+              </a:spcAft>
+              <a:buNone/>
+            </a:pPr>
+            <a:r>
+              <a:t/>
+            </a:r>
+            <a:endParaRPr/>
+          </a:p>
+        </p:txBody>
+      </p:sp>
+    </p:spTree>
+  </p:cSld>
+  <p:clrMapOvr>
+    <a:masterClrMapping/>
+  </p:clrMapOvr>
+</p:notes>
+</file>
+
+<file path=ppt/notesSlides/notesSlide23.xml><?xml version="1.0" encoding="utf-8"?>
+<p:notes xmlns:a="http://schemas.openxmlformats.org/drawingml/2006/main" xmlns:r="http://schemas.openxmlformats.org/officeDocument/2006/relationships" xmlns:mc="http://schemas.openxmlformats.org/markup-compatibility/2006" xmlns:mv="urn:schemas-microsoft-com:mac:vml" xmlns:p="http://schemas.openxmlformats.org/presentationml/2006/main" xmlns:c="http://schemas.openxmlformats.org/drawingml/2006/chart" xmlns:dgm="http://schemas.openxmlformats.org/drawingml/2006/diagram" xmlns:o="urn:schemas-microsoft-com:office:office" xmlns:v="urn:schemas-microsoft-com:vml" xmlns:pvml="urn:schemas-microsoft-com:office:powerpoint" xmlns:com="http://schemas.openxmlformats.org/drawingml/2006/compatibility" xmlns:p14="http://schemas.microsoft.com/office/powerpoint/2010/main" xmlns:p15="http://schemas.microsoft.com/office/powerpoint/2012/main" xmlns:ahyp="http://schemas.microsoft.com/office/drawing/2018/hyperlinkcolor" showMasterPhAnim="0" showMasterSp="0">
+  <p:cSld>
+    <p:spTree>
+      <p:nvGrpSpPr>
+        <p:cNvPr id="210" name="Shape 210"/>
+        <p:cNvGrpSpPr/>
+        <p:nvPr/>
+      </p:nvGrpSpPr>
+      <p:grpSpPr>
+        <a:xfrm>
+          <a:off x="0" y="0"/>
+          <a:ext cx="0" cy="0"/>
+          <a:chOff x="0" y="0"/>
+          <a:chExt cx="0" cy="0"/>
+        </a:xfrm>
+      </p:grpSpPr>
+      <p:sp>
+        <p:nvSpPr>
+          <p:cNvPr id="211" name="Google Shape;211;g26f1197dc57_0_17:notes"/>
+          <p:cNvSpPr/>
+          <p:nvPr>
+            <p:ph idx="2" type="sldImg"/>
+          </p:nvPr>
+        </p:nvSpPr>
+        <p:spPr>
+          <a:xfrm>
+            <a:off x="381300" y="685800"/>
+            <a:ext cx="6096000" cy="3429000"/>
+          </a:xfrm>
+          <a:custGeom>
+            <a:rect b="b" l="l" r="r" t="t"/>
+            <a:pathLst>
+              <a:path extrusionOk="0" h="120000" w="120000">
+                <a:moveTo>
+                  <a:pt x="0" y="0"/>
+                </a:moveTo>
+                <a:lnTo>
+                  <a:pt x="120000" y="0"/>
+                </a:lnTo>
+                <a:lnTo>
+                  <a:pt x="120000" y="120000"/>
+                </a:lnTo>
+                <a:lnTo>
+                  <a:pt x="0" y="120000"/>
+                </a:lnTo>
+                <a:close/>
+              </a:path>
+            </a:pathLst>
+          </a:custGeom>
+        </p:spPr>
+      </p:sp>
+      <p:sp>
+        <p:nvSpPr>
+          <p:cNvPr id="212" name="Google Shape;212;g26f1197dc57_0_17:notes"/>
+          <p:cNvSpPr txBox="1"/>
+          <p:nvPr>
+            <p:ph idx="1" type="body"/>
+          </p:nvPr>
+        </p:nvSpPr>
+        <p:spPr>
+          <a:xfrm>
+            <a:off x="685800" y="4343400"/>
+            <a:ext cx="5486400" cy="4114800"/>
+          </a:xfrm>
+          <a:prstGeom prst="rect">
+            <a:avLst/>
+          </a:prstGeom>
+        </p:spPr>
+        <p:txBody>
+          <a:bodyPr anchorCtr="0" anchor="t" bIns="91425" lIns="91425" spcFirstLastPara="1" rIns="91425" wrap="square" tIns="91425">
+            <a:noAutofit/>
+          </a:bodyPr>
+          <a:lstStyle/>
+          <a:p>
+            <a:pPr indent="0" lvl="0" marL="0" rtl="0" algn="l">
+              <a:spcBef>
+                <a:spcPts val="0"/>
+              </a:spcBef>
+              <a:spcAft>
+                <a:spcPts val="0"/>
+              </a:spcAft>
+              <a:buNone/>
+            </a:pPr>
+            <a:r>
+              <a:t/>
+            </a:r>
+            <a:endParaRPr/>
+          </a:p>
+        </p:txBody>
+      </p:sp>
+    </p:spTree>
+  </p:cSld>
+  <p:clrMapOvr>
+    <a:masterClrMapping/>
+  </p:clrMapOvr>
+</p:notes>
+</file>
+
+<file path=ppt/notesSlides/notesSlide24.xml><?xml version="1.0" encoding="utf-8"?>
+<p:notes xmlns:a="http://schemas.openxmlformats.org/drawingml/2006/main" xmlns:r="http://schemas.openxmlformats.org/officeDocument/2006/relationships" xmlns:mc="http://schemas.openxmlformats.org/markup-compatibility/2006" xmlns:mv="urn:schemas-microsoft-com:mac:vml" xmlns:p="http://schemas.openxmlformats.org/presentationml/2006/main" xmlns:c="http://schemas.openxmlformats.org/drawingml/2006/chart" xmlns:dgm="http://schemas.openxmlformats.org/drawingml/2006/diagram" xmlns:o="urn:schemas-microsoft-com:office:office" xmlns:v="urn:schemas-microsoft-com:vml" xmlns:pvml="urn:schemas-microsoft-com:office:powerpoint" xmlns:com="http://schemas.openxmlformats.org/drawingml/2006/compatibility" xmlns:p14="http://schemas.microsoft.com/office/powerpoint/2010/main" xmlns:p15="http://schemas.microsoft.com/office/powerpoint/2012/main" xmlns:ahyp="http://schemas.microsoft.com/office/drawing/2018/hyperlinkcolor" showMasterPhAnim="0" showMasterSp="0">
+  <p:cSld>
+    <p:spTree>
+      <p:nvGrpSpPr>
+        <p:cNvPr id="216" name="Shape 216"/>
+        <p:cNvGrpSpPr/>
+        <p:nvPr/>
+      </p:nvGrpSpPr>
+      <p:grpSpPr>
+        <a:xfrm>
+          <a:off x="0" y="0"/>
+          <a:ext cx="0" cy="0"/>
+          <a:chOff x="0" y="0"/>
+          <a:chExt cx="0" cy="0"/>
+        </a:xfrm>
+      </p:grpSpPr>
+      <p:sp>
+        <p:nvSpPr>
+          <p:cNvPr id="217" name="Google Shape;217;g2bee3e2d384_0_10:notes"/>
+          <p:cNvSpPr/>
+          <p:nvPr>
+            <p:ph idx="2" type="sldImg"/>
+          </p:nvPr>
+        </p:nvSpPr>
+        <p:spPr>
+          <a:xfrm>
+            <a:off x="381300" y="685800"/>
+            <a:ext cx="6096000" cy="3429000"/>
+          </a:xfrm>
+          <a:custGeom>
+            <a:rect b="b" l="l" r="r" t="t"/>
+            <a:pathLst>
+              <a:path extrusionOk="0" h="120000" w="120000">
+                <a:moveTo>
+                  <a:pt x="0" y="0"/>
+                </a:moveTo>
+                <a:lnTo>
+                  <a:pt x="120000" y="0"/>
+                </a:lnTo>
+                <a:lnTo>
+                  <a:pt x="120000" y="120000"/>
+                </a:lnTo>
+                <a:lnTo>
+                  <a:pt x="0" y="120000"/>
+                </a:lnTo>
+                <a:close/>
+              </a:path>
+            </a:pathLst>
+          </a:custGeom>
+        </p:spPr>
+      </p:sp>
+      <p:sp>
+        <p:nvSpPr>
+          <p:cNvPr id="218" name="Google Shape;218;g2bee3e2d384_0_10:notes"/>
+          <p:cNvSpPr txBox="1"/>
+          <p:nvPr>
+            <p:ph idx="1" type="body"/>
+          </p:nvPr>
+        </p:nvSpPr>
+        <p:spPr>
+          <a:xfrm>
+            <a:off x="685800" y="4343400"/>
+            <a:ext cx="5486400" cy="4114800"/>
+          </a:xfrm>
+          <a:prstGeom prst="rect">
+            <a:avLst/>
+          </a:prstGeom>
+        </p:spPr>
+        <p:txBody>
+          <a:bodyPr anchorCtr="0" anchor="t" bIns="91425" lIns="91425" spcFirstLastPara="1" rIns="91425" wrap="square" tIns="91425">
+            <a:noAutofit/>
+          </a:bodyPr>
+          <a:lstStyle/>
+          <a:p>
+            <a:pPr indent="0" lvl="0" marL="0" rtl="0" algn="l">
+              <a:spcBef>
+                <a:spcPts val="0"/>
+              </a:spcBef>
+              <a:spcAft>
+                <a:spcPts val="0"/>
+              </a:spcAft>
+              <a:buNone/>
+            </a:pPr>
+            <a:r>
+              <a:t/>
+            </a:r>
+            <a:endParaRPr/>
+          </a:p>
+        </p:txBody>
+      </p:sp>
+    </p:spTree>
+  </p:cSld>
+  <p:clrMapOvr>
+    <a:masterClrMapping/>
+  </p:clrMapOvr>
+</p:notes>
+</file>
+
+<file path=ppt/notesSlides/notesSlide25.xml><?xml version="1.0" encoding="utf-8"?>
+<p:notes xmlns:a="http://schemas.openxmlformats.org/drawingml/2006/main" xmlns:r="http://schemas.openxmlformats.org/officeDocument/2006/relationships" xmlns:mc="http://schemas.openxmlformats.org/markup-compatibility/2006" xmlns:mv="urn:schemas-microsoft-com:mac:vml" xmlns:p="http://schemas.openxmlformats.org/presentationml/2006/main" xmlns:c="http://schemas.openxmlformats.org/drawingml/2006/chart" xmlns:dgm="http://schemas.openxmlformats.org/drawingml/2006/diagram" xmlns:o="urn:schemas-microsoft-com:office:office" xmlns:v="urn:schemas-microsoft-com:vml" xmlns:pvml="urn:schemas-microsoft-com:office:powerpoint" xmlns:com="http://schemas.openxmlformats.org/drawingml/2006/compatibility" xmlns:p14="http://schemas.microsoft.com/office/powerpoint/2010/main" xmlns:p15="http://schemas.microsoft.com/office/powerpoint/2012/main" xmlns:ahyp="http://schemas.microsoft.com/office/drawing/2018/hyperlinkcolor" showMasterPhAnim="0" showMasterSp="0">
+  <p:cSld>
+    <p:spTree>
+      <p:nvGrpSpPr>
+        <p:cNvPr id="221" name="Shape 221"/>
+        <p:cNvGrpSpPr/>
+        <p:nvPr/>
+      </p:nvGrpSpPr>
+      <p:grpSpPr>
+        <a:xfrm>
+          <a:off x="0" y="0"/>
+          <a:ext cx="0" cy="0"/>
+          <a:chOff x="0" y="0"/>
+          <a:chExt cx="0" cy="0"/>
+        </a:xfrm>
+      </p:grpSpPr>
+      <p:sp>
+        <p:nvSpPr>
+          <p:cNvPr id="222" name="Google Shape;222;g2c4984726c7_0_0:notes"/>
+          <p:cNvSpPr/>
+          <p:nvPr>
+            <p:ph idx="2" type="sldImg"/>
+          </p:nvPr>
+        </p:nvSpPr>
+        <p:spPr>
+          <a:xfrm>
+            <a:off x="381300" y="685800"/>
+            <a:ext cx="6096000" cy="3429000"/>
+          </a:xfrm>
+          <a:custGeom>
+            <a:rect b="b" l="l" r="r" t="t"/>
+            <a:pathLst>
+              <a:path extrusionOk="0" h="120000" w="120000">
+                <a:moveTo>
+                  <a:pt x="0" y="0"/>
+                </a:moveTo>
+                <a:lnTo>
+                  <a:pt x="120000" y="0"/>
+                </a:lnTo>
+                <a:lnTo>
+                  <a:pt x="120000" y="120000"/>
+                </a:lnTo>
+                <a:lnTo>
+                  <a:pt x="0" y="120000"/>
+                </a:lnTo>
+                <a:close/>
+              </a:path>
+            </a:pathLst>
+          </a:custGeom>
+        </p:spPr>
+      </p:sp>
+      <p:sp>
+        <p:nvSpPr>
+          <p:cNvPr id="223" name="Google Shape;223;g2c4984726c7_0_0:notes"/>
+          <p:cNvSpPr txBox="1"/>
+          <p:nvPr>
+            <p:ph idx="1" type="body"/>
+          </p:nvPr>
+        </p:nvSpPr>
+        <p:spPr>
+          <a:xfrm>
+            <a:off x="685800" y="4343400"/>
+            <a:ext cx="5486400" cy="4114800"/>
+          </a:xfrm>
+          <a:prstGeom prst="rect">
+            <a:avLst/>
+          </a:prstGeom>
+        </p:spPr>
+        <p:txBody>
+          <a:bodyPr anchorCtr="0" anchor="t" bIns="91425" lIns="91425" spcFirstLastPara="1" rIns="91425" wrap="square" tIns="91425">
+            <a:noAutofit/>
+          </a:bodyPr>
+          <a:lstStyle/>
+          <a:p>
+            <a:pPr indent="0" lvl="0" marL="0" rtl="0" algn="l">
+              <a:spcBef>
+                <a:spcPts val="0"/>
+              </a:spcBef>
+              <a:spcAft>
+                <a:spcPts val="0"/>
+              </a:spcAft>
+              <a:buNone/>
+            </a:pPr>
+            <a:r>
+              <a:t/>
+            </a:r>
+            <a:endParaRPr/>
+          </a:p>
+        </p:txBody>
+      </p:sp>
+    </p:spTree>
+  </p:cSld>
+  <p:clrMapOvr>
+    <a:masterClrMapping/>
+  </p:clrMapOvr>
+</p:notes>
+</file>
+
+<file path=ppt/notesSlides/notesSlide26.xml><?xml version="1.0" encoding="utf-8"?>
+<p:notes xmlns:a="http://schemas.openxmlformats.org/drawingml/2006/main" xmlns:r="http://schemas.openxmlformats.org/officeDocument/2006/relationships" xmlns:mc="http://schemas.openxmlformats.org/markup-compatibility/2006" xmlns:mv="urn:schemas-microsoft-com:mac:vml" xmlns:p="http://schemas.openxmlformats.org/presentationml/2006/main" xmlns:c="http://schemas.openxmlformats.org/drawingml/2006/chart" xmlns:dgm="http://schemas.openxmlformats.org/drawingml/2006/diagram" xmlns:o="urn:schemas-microsoft-com:office:office" xmlns:v="urn:schemas-microsoft-com:vml" xmlns:pvml="urn:schemas-microsoft-com:office:powerpoint" xmlns:com="http://schemas.openxmlformats.org/drawingml/2006/compatibility" xmlns:p14="http://schemas.microsoft.com/office/powerpoint/2010/main" xmlns:p15="http://schemas.microsoft.com/office/powerpoint/2012/main" xmlns:ahyp="http://schemas.microsoft.com/office/drawing/2018/hyperlinkcolor" showMasterPhAnim="0" showMasterSp="0">
+  <p:cSld>
+    <p:spTree>
+      <p:nvGrpSpPr>
+        <p:cNvPr id="228" name="Shape 228"/>
+        <p:cNvGrpSpPr/>
+        <p:nvPr/>
+      </p:nvGrpSpPr>
+      <p:grpSpPr>
+        <a:xfrm>
+          <a:off x="0" y="0"/>
+          <a:ext cx="0" cy="0"/>
+          <a:chOff x="0" y="0"/>
+          <a:chExt cx="0" cy="0"/>
+        </a:xfrm>
+      </p:grpSpPr>
+      <p:sp>
+        <p:nvSpPr>
+          <p:cNvPr id="229" name="Google Shape;229;g26f1197dc57_0_0:notes"/>
+          <p:cNvSpPr/>
+          <p:nvPr>
+            <p:ph idx="2" type="sldImg"/>
+          </p:nvPr>
+        </p:nvSpPr>
+        <p:spPr>
+          <a:xfrm>
+            <a:off x="381300" y="685800"/>
+            <a:ext cx="6096000" cy="3429000"/>
+          </a:xfrm>
+          <a:custGeom>
+            <a:rect b="b" l="l" r="r" t="t"/>
+            <a:pathLst>
+              <a:path extrusionOk="0" h="120000" w="120000">
+                <a:moveTo>
+                  <a:pt x="0" y="0"/>
+                </a:moveTo>
+                <a:lnTo>
+                  <a:pt x="120000" y="0"/>
+                </a:lnTo>
+                <a:lnTo>
+                  <a:pt x="120000" y="120000"/>
+                </a:lnTo>
+                <a:lnTo>
+                  <a:pt x="0" y="120000"/>
+                </a:lnTo>
+                <a:close/>
+              </a:path>
+            </a:pathLst>
+          </a:custGeom>
+        </p:spPr>
+      </p:sp>
+      <p:sp>
+        <p:nvSpPr>
+          <p:cNvPr id="230" name="Google Shape;230;g26f1197dc57_0_0:notes"/>
+          <p:cNvSpPr txBox="1"/>
+          <p:nvPr>
+            <p:ph idx="1" type="body"/>
+          </p:nvPr>
+        </p:nvSpPr>
+        <p:spPr>
+          <a:xfrm>
+            <a:off x="685800" y="4343400"/>
+            <a:ext cx="5486400" cy="4114800"/>
+          </a:xfrm>
+          <a:prstGeom prst="rect">
+            <a:avLst/>
+          </a:prstGeom>
+        </p:spPr>
+        <p:txBody>
+          <a:bodyPr anchorCtr="0" anchor="t" bIns="91425" lIns="91425" spcFirstLastPara="1" rIns="91425" wrap="square" tIns="91425">
+            <a:noAutofit/>
+          </a:bodyPr>
+          <a:lstStyle/>
+          <a:p>
+            <a:pPr indent="0" lvl="0" marL="0" rtl="0" algn="l">
+              <a:spcBef>
+                <a:spcPts val="0"/>
+              </a:spcBef>
+              <a:spcAft>
+                <a:spcPts val="0"/>
+              </a:spcAft>
+              <a:buNone/>
+            </a:pPr>
+            <a:r>
+              <a:t/>
+            </a:r>
+            <a:endParaRPr/>
+          </a:p>
+        </p:txBody>
+      </p:sp>
+    </p:spTree>
+  </p:cSld>
+  <p:clrMapOvr>
+    <a:masterClrMapping/>
+  </p:clrMapOvr>
+</p:notes>
+</file>
+
+<file path=ppt/notesSlides/notesSlide27.xml><?xml version="1.0" encoding="utf-8"?>
+<p:notes xmlns:a="http://schemas.openxmlformats.org/drawingml/2006/main" xmlns:r="http://schemas.openxmlformats.org/officeDocument/2006/relationships" xmlns:mc="http://schemas.openxmlformats.org/markup-compatibility/2006" xmlns:mv="urn:schemas-microsoft-com:mac:vml" xmlns:p="http://schemas.openxmlformats.org/presentationml/2006/main" xmlns:c="http://schemas.openxmlformats.org/drawingml/2006/chart" xmlns:dgm="http://schemas.openxmlformats.org/drawingml/2006/diagram" xmlns:o="urn:schemas-microsoft-com:office:office" xmlns:v="urn:schemas-microsoft-com:vml" xmlns:pvml="urn:schemas-microsoft-com:office:powerpoint" xmlns:com="http://schemas.openxmlformats.org/drawingml/2006/compatibility" xmlns:p14="http://schemas.microsoft.com/office/powerpoint/2010/main" xmlns:p15="http://schemas.microsoft.com/office/powerpoint/2012/main" xmlns:ahyp="http://schemas.microsoft.com/office/drawing/2018/hyperlinkcolor" showMasterPhAnim="0" showMasterSp="0">
+  <p:cSld>
+    <p:spTree>
+      <p:nvGrpSpPr>
+        <p:cNvPr id="234" name="Shape 234"/>
+        <p:cNvGrpSpPr/>
+        <p:nvPr/>
+      </p:nvGrpSpPr>
+      <p:grpSpPr>
+        <a:xfrm>
+          <a:off x="0" y="0"/>
+          <a:ext cx="0" cy="0"/>
+          <a:chOff x="0" y="0"/>
+          <a:chExt cx="0" cy="0"/>
+        </a:xfrm>
+      </p:grpSpPr>
+      <p:sp>
+        <p:nvSpPr>
+          <p:cNvPr id="235" name="Google Shape;235;g2cdc1da36dc_0_17:notes"/>
+          <p:cNvSpPr/>
+          <p:nvPr>
+            <p:ph idx="2" type="sldImg"/>
+          </p:nvPr>
+        </p:nvSpPr>
+        <p:spPr>
+          <a:xfrm>
+            <a:off x="381300" y="685800"/>
+            <a:ext cx="6096000" cy="3429000"/>
+          </a:xfrm>
+          <a:custGeom>
+            <a:rect b="b" l="l" r="r" t="t"/>
+            <a:pathLst>
+              <a:path extrusionOk="0" h="120000" w="120000">
+                <a:moveTo>
+                  <a:pt x="0" y="0"/>
+                </a:moveTo>
+                <a:lnTo>
+                  <a:pt x="120000" y="0"/>
+                </a:lnTo>
+                <a:lnTo>
+                  <a:pt x="120000" y="120000"/>
+                </a:lnTo>
+                <a:lnTo>
+                  <a:pt x="0" y="120000"/>
+                </a:lnTo>
+                <a:close/>
+              </a:path>
+            </a:pathLst>
+          </a:custGeom>
+        </p:spPr>
+      </p:sp>
+      <p:sp>
+        <p:nvSpPr>
+          <p:cNvPr id="236" name="Google Shape;236;g2cdc1da36dc_0_17:notes"/>
           <p:cNvSpPr txBox="1"/>
           <p:nvPr>
             <p:ph idx="1" type="body"/>
@@ -2223,7 +2923,7 @@
       </p:grpSpPr>
       <p:sp>
         <p:nvSpPr>
-          <p:cNvPr id="85" name="Google Shape;85;g2cd77e367e8_0_40:notes"/>
+          <p:cNvPr id="85" name="Google Shape;85;g2cd77e367e8_0_19:notes"/>
           <p:cNvSpPr/>
           <p:nvPr>
             <p:ph idx="2" type="sldImg"/>
@@ -2258,7 +2958,7 @@
       </p:sp>
       <p:sp>
         <p:nvSpPr>
-          <p:cNvPr id="86" name="Google Shape;86;g2cd77e367e8_0_40:notes"/>
+          <p:cNvPr id="86" name="Google Shape;86;g2cd77e367e8_0_19:notes"/>
           <p:cNvSpPr txBox="1"/>
           <p:nvPr>
             <p:ph idx="1" type="body"/>
@@ -2322,7 +3022,7 @@
       </p:grpSpPr>
       <p:sp>
         <p:nvSpPr>
-          <p:cNvPr id="107" name="Google Shape;107;g2cd77e367e8_0_19:notes"/>
+          <p:cNvPr id="107" name="Google Shape;107;g2cd3c015a1b_0_6:notes"/>
           <p:cNvSpPr/>
           <p:nvPr>
             <p:ph idx="2" type="sldImg"/>
@@ -2357,7 +3057,7 @@
       </p:sp>
       <p:sp>
         <p:nvSpPr>
-          <p:cNvPr id="108" name="Google Shape;108;g2cd77e367e8_0_19:notes"/>
+          <p:cNvPr id="108" name="Google Shape;108;g2cd3c015a1b_0_6:notes"/>
           <p:cNvSpPr txBox="1"/>
           <p:nvPr>
             <p:ph idx="1" type="body"/>
@@ -2407,7 +3107,7 @@
   <p:cSld>
     <p:spTree>
       <p:nvGrpSpPr>
-        <p:cNvPr id="128" name="Shape 128"/>
+        <p:cNvPr id="112" name="Shape 112"/>
         <p:cNvGrpSpPr/>
         <p:nvPr/>
       </p:nvGrpSpPr>
@@ -2421,7 +3121,7 @@
       </p:grpSpPr>
       <p:sp>
         <p:nvSpPr>
-          <p:cNvPr id="129" name="Google Shape;129;g2cd3c015a1b_0_6:notes"/>
+          <p:cNvPr id="113" name="Google Shape;113;g2bde6133cfa_0_62:notes"/>
           <p:cNvSpPr/>
           <p:nvPr>
             <p:ph idx="2" type="sldImg"/>
@@ -2456,7 +3156,7 @@
       </p:sp>
       <p:sp>
         <p:nvSpPr>
-          <p:cNvPr id="130" name="Google Shape;130;g2cd3c015a1b_0_6:notes"/>
+          <p:cNvPr id="114" name="Google Shape;114;g2bde6133cfa_0_62:notes"/>
           <p:cNvSpPr txBox="1"/>
           <p:nvPr>
             <p:ph idx="1" type="body"/>
@@ -2506,7 +3206,7 @@
   <p:cSld>
     <p:spTree>
       <p:nvGrpSpPr>
-        <p:cNvPr id="134" name="Shape 134"/>
+        <p:cNvPr id="118" name="Shape 118"/>
         <p:cNvGrpSpPr/>
         <p:nvPr/>
       </p:nvGrpSpPr>
@@ -2520,7 +3220,7 @@
       </p:grpSpPr>
       <p:sp>
         <p:nvSpPr>
-          <p:cNvPr id="135" name="Google Shape;135;g2bde6133cfa_0_62:notes"/>
+          <p:cNvPr id="119" name="Google Shape;119;g2cdc1da36dc_0_7:notes"/>
           <p:cNvSpPr/>
           <p:nvPr>
             <p:ph idx="2" type="sldImg"/>
@@ -2555,7 +3255,7 @@
       </p:sp>
       <p:sp>
         <p:nvSpPr>
-          <p:cNvPr id="136" name="Google Shape;136;g2bde6133cfa_0_62:notes"/>
+          <p:cNvPr id="120" name="Google Shape;120;g2cdc1da36dc_0_7:notes"/>
           <p:cNvSpPr txBox="1"/>
           <p:nvPr>
             <p:ph idx="1" type="body"/>
@@ -2605,7 +3305,7 @@
   <p:cSld>
     <p:spTree>
       <p:nvGrpSpPr>
-        <p:cNvPr id="140" name="Shape 140"/>
+        <p:cNvPr id="124" name="Shape 124"/>
         <p:cNvGrpSpPr/>
         <p:nvPr/>
       </p:nvGrpSpPr>
@@ -2619,7 +3319,7 @@
       </p:grpSpPr>
       <p:sp>
         <p:nvSpPr>
-          <p:cNvPr id="141" name="Google Shape;141;g2cdc1da36dc_0_7:notes"/>
+          <p:cNvPr id="125" name="Google Shape;125;g2cdc1da36dc_0_12:notes"/>
           <p:cNvSpPr/>
           <p:nvPr>
             <p:ph idx="2" type="sldImg"/>
@@ -2654,7 +3354,7 @@
       </p:sp>
       <p:sp>
         <p:nvSpPr>
-          <p:cNvPr id="142" name="Google Shape;142;g2cdc1da36dc_0_7:notes"/>
+          <p:cNvPr id="126" name="Google Shape;126;g2cdc1da36dc_0_12:notes"/>
           <p:cNvSpPr txBox="1"/>
           <p:nvPr>
             <p:ph idx="1" type="body"/>
@@ -8138,7 +8838,7 @@
             </a:pPr>
             <a:r>
               <a:rPr lang="en" sz="1200"/>
-              <a:t>And Andrew McGann</a:t>
+              <a:t>and Andrew McGann</a:t>
             </a:r>
             <a:endParaRPr sz="1200"/>
           </a:p>
@@ -8157,7 +8857,7 @@
   <p:cSld>
     <p:spTree>
       <p:nvGrpSpPr>
-        <p:cNvPr id="149" name="Shape 149"/>
+        <p:cNvPr id="133" name="Shape 133"/>
         <p:cNvGrpSpPr/>
         <p:nvPr/>
       </p:nvGrpSpPr>
@@ -8171,7 +8871,7 @@
       </p:grpSpPr>
       <p:sp>
         <p:nvSpPr>
-          <p:cNvPr id="150" name="Google Shape;150;p22"/>
+          <p:cNvPr id="134" name="Google Shape;134;p22"/>
           <p:cNvSpPr txBox="1"/>
           <p:nvPr>
             <p:ph type="title"/>
@@ -8203,7 +8903,7 @@
             </a:pPr>
             <a:r>
               <a:rPr lang="en"/>
-              <a:t>Conditions for a garbage collection</a:t>
+              <a:t>Algorithm</a:t>
             </a:r>
             <a:endParaRPr/>
           </a:p>
@@ -8211,7 +8911,7 @@
       </p:sp>
       <p:sp>
         <p:nvSpPr>
-          <p:cNvPr id="151" name="Google Shape;151;p22"/>
+          <p:cNvPr id="135" name="Google Shape;135;p22"/>
           <p:cNvSpPr txBox="1"/>
           <p:nvPr>
             <p:ph idx="1" type="body"/>
@@ -8243,7 +8943,7 @@
             </a:pPr>
             <a:r>
               <a:rPr lang="en"/>
-              <a:t>Garbage collection occurs when one of the following conditions is true:</a:t>
+              <a:t>The GC algorithm is based on several considerations:</a:t>
             </a:r>
             <a:endParaRPr/>
           </a:p>
@@ -8256,11 +8956,11 @@
                 <a:spcPts val="0"/>
               </a:spcAft>
               <a:buSzPts val="1800"/>
-              <a:buAutoNum type="arabicPeriod"/>
-            </a:pPr>
-            <a:r>
-              <a:rPr lang="en"/>
-              <a:t>The system has low physical memory. The memory size can be detected by either the operating system or the host.</a:t>
+              <a:buChar char="●"/>
+            </a:pPr>
+            <a:r>
+              <a:rPr lang="en"/>
+              <a:t>It’s faster to compact the memory for a portion of the managed heap than for the entire managed heap.</a:t>
             </a:r>
             <a:endParaRPr/>
           </a:p>
@@ -8273,11 +8973,11 @@
                 <a:spcPts val="0"/>
               </a:spcAft>
               <a:buSzPts val="1800"/>
-              <a:buAutoNum type="arabicPeriod"/>
-            </a:pPr>
-            <a:r>
-              <a:rPr lang="en"/>
-              <a:t>The memory that’s used by allocated objects on the managed heap surpasses an acceptable threshold. This threshold is continuously adjusted as the process runs.</a:t>
+              <a:buChar char="●"/>
+            </a:pPr>
+            <a:r>
+              <a:rPr lang="en"/>
+              <a:t>Newer objects have shorter lifetimes, and older objects have longer lifetimes.</a:t>
             </a:r>
             <a:endParaRPr/>
           </a:p>
@@ -8290,15 +8990,27 @@
                 <a:spcPts val="0"/>
               </a:spcAft>
               <a:buSzPts val="1800"/>
-              <a:buAutoNum type="arabicPeriod"/>
-            </a:pPr>
-            <a:r>
-              <a:rPr lang="en"/>
-              <a:t>The GC.Collect method is called. In almost all cases, calling this method is </a:t>
-            </a:r>
-            <a:r>
-              <a:rPr lang="en"/>
-              <a:t>unnecessary because the GC runs continuously.</a:t>
+              <a:buChar char="●"/>
+            </a:pPr>
+            <a:r>
+              <a:rPr lang="en"/>
+              <a:t>Newer objects tend to be related to each other and accessed by the application around the same time.</a:t>
+            </a:r>
+            <a:endParaRPr/>
+          </a:p>
+          <a:p>
+            <a:pPr indent="0" lvl="0" marL="0" rtl="0" algn="l">
+              <a:spcBef>
+                <a:spcPts val="1200"/>
+              </a:spcBef>
+              <a:spcAft>
+                <a:spcPts val="1200"/>
+              </a:spcAft>
+              <a:buNone/>
+            </a:pPr>
+            <a:r>
+              <a:rPr lang="en"/>
+              <a:t>With these guidelines, the GC decides how/where to manage memory.</a:t>
             </a:r>
             <a:endParaRPr/>
           </a:p>
@@ -8317,7 +9029,7 @@
   <p:cSld>
     <p:spTree>
       <p:nvGrpSpPr>
-        <p:cNvPr id="155" name="Shape 155"/>
+        <p:cNvPr id="139" name="Shape 139"/>
         <p:cNvGrpSpPr/>
         <p:nvPr/>
       </p:nvGrpSpPr>
@@ -8331,7 +9043,7 @@
       </p:grpSpPr>
       <p:sp>
         <p:nvSpPr>
-          <p:cNvPr id="156" name="Google Shape;156;p23"/>
+          <p:cNvPr id="140" name="Google Shape;140;p23"/>
           <p:cNvSpPr txBox="1"/>
           <p:nvPr>
             <p:ph type="title"/>
@@ -8363,7 +9075,7 @@
             </a:pPr>
             <a:r>
               <a:rPr lang="en"/>
-              <a:t>Algorithm</a:t>
+              <a:t>Generations</a:t>
             </a:r>
             <a:endParaRPr/>
           </a:p>
@@ -8371,7 +9083,7 @@
       </p:sp>
       <p:sp>
         <p:nvSpPr>
-          <p:cNvPr id="157" name="Google Shape;157;p23"/>
+          <p:cNvPr id="141" name="Google Shape;141;p23"/>
           <p:cNvSpPr txBox="1"/>
           <p:nvPr>
             <p:ph idx="1" type="body"/>
@@ -8379,8 +9091,8 @@
         </p:nvSpPr>
         <p:spPr>
           <a:xfrm>
-            <a:off x="387900" y="1489824"/>
-            <a:ext cx="8368200" cy="3078900"/>
+            <a:off x="387900" y="1489825"/>
+            <a:ext cx="8368200" cy="3356400"/>
           </a:xfrm>
           <a:prstGeom prst="rect">
             <a:avLst/>
@@ -8388,7 +9100,7 @@
         </p:spPr>
         <p:txBody>
           <a:bodyPr anchorCtr="0" anchor="t" bIns="91425" lIns="91425" spcFirstLastPara="1" rIns="91425" wrap="square" tIns="91425">
-            <a:normAutofit/>
+            <a:normAutofit lnSpcReduction="20000"/>
           </a:bodyPr>
           <a:lstStyle/>
           <a:p>
@@ -8403,7 +9115,7 @@
             </a:pPr>
             <a:r>
               <a:rPr lang="en"/>
-              <a:t>The GC algorithm is based on several considerations:</a:t>
+              <a:t>To help the GC, the managed heap is divided into three generations:</a:t>
             </a:r>
             <a:endParaRPr/>
           </a:p>
@@ -8420,7 +9132,24 @@
             </a:pPr>
             <a:r>
               <a:rPr lang="en"/>
-              <a:t>It’s faster to compact the memory for a portion of the managed heap than for the entire managed heap.</a:t>
+              <a:t>Generation 0 - The youngest, and contains short-lived objects.</a:t>
+            </a:r>
+            <a:endParaRPr/>
+          </a:p>
+          <a:p>
+            <a:pPr indent="-317500" lvl="1" marL="914400" rtl="0" algn="l">
+              <a:spcBef>
+                <a:spcPts val="0"/>
+              </a:spcBef>
+              <a:spcAft>
+                <a:spcPts val="0"/>
+              </a:spcAft>
+              <a:buSzPts val="1400"/>
+              <a:buChar char="○"/>
+            </a:pPr>
+            <a:r>
+              <a:rPr lang="en"/>
+              <a:t>Temporary variables, GC occurs most frequently here</a:t>
             </a:r>
             <a:endParaRPr/>
           </a:p>
@@ -8437,7 +9166,7 @@
             </a:pPr>
             <a:r>
               <a:rPr lang="en"/>
-              <a:t>Newer objects have shorter lifetimes, and older objects have longer lifetimes.</a:t>
+              <a:t>Generation 1 - Contains short-lived objects and serves as a buffer between short-lived and long-lived objects.</a:t>
             </a:r>
             <a:endParaRPr/>
           </a:p>
@@ -8454,7 +9183,32 @@
             </a:pPr>
             <a:r>
               <a:rPr lang="en"/>
-              <a:t>Newer objects tend to be related to each other and accessed by the application around the same time.</a:t>
+              <a:t>Generation 2 - Contains long-lived objects</a:t>
+            </a:r>
+            <a:endParaRPr/>
+          </a:p>
+          <a:p>
+            <a:pPr indent="-317500" lvl="1" marL="914400" rtl="0" algn="l">
+              <a:spcBef>
+                <a:spcPts val="0"/>
+              </a:spcBef>
+              <a:spcAft>
+                <a:spcPts val="0"/>
+              </a:spcAft>
+              <a:buSzPts val="1400"/>
+              <a:buChar char="○"/>
+            </a:pPr>
+            <a:r>
+              <a:rPr lang="en"/>
+              <a:t>An object that </a:t>
+            </a:r>
+            <a:r>
+              <a:rPr lang="en"/>
+              <a:t>contains</a:t>
+            </a:r>
+            <a:r>
+              <a:rPr lang="en"/>
+              <a:t> static data that’s live for the duration of the process</a:t>
             </a:r>
             <a:endParaRPr/>
           </a:p>
@@ -8464,13 +9218,46 @@
                 <a:spcPts val="1200"/>
               </a:spcBef>
               <a:spcAft>
+                <a:spcPts val="0"/>
+              </a:spcAft>
+              <a:buNone/>
+            </a:pPr>
+            <a:r>
+              <a:rPr lang="en"/>
+              <a:t>Collecting a generation means collecting objects in all younger generations too.</a:t>
+            </a:r>
+            <a:endParaRPr/>
+          </a:p>
+          <a:p>
+            <a:pPr indent="-342900" lvl="0" marL="457200" rtl="0" algn="l">
+              <a:spcBef>
                 <a:spcPts val="1200"/>
-              </a:spcAft>
-              <a:buNone/>
-            </a:pPr>
-            <a:r>
-              <a:rPr lang="en"/>
-              <a:t>With these guidelines, the GC decides how/where to manage memory.</a:t>
+              </a:spcBef>
+              <a:spcAft>
+                <a:spcPts val="0"/>
+              </a:spcAft>
+              <a:buSzPts val="1800"/>
+              <a:buChar char="-"/>
+            </a:pPr>
+            <a:r>
+              <a:rPr lang="en"/>
+              <a:t>Full garbage collection</a:t>
+            </a:r>
+            <a:endParaRPr/>
+          </a:p>
+          <a:p>
+            <a:pPr indent="0" lvl="0" marL="0" rtl="0" algn="l">
+              <a:spcBef>
+                <a:spcPts val="1200"/>
+              </a:spcBef>
+              <a:spcAft>
+                <a:spcPts val="1200"/>
+              </a:spcAft>
+              <a:buNone/>
+            </a:pPr>
+            <a:r>
+              <a:rPr lang="en"/>
+              <a:t>After a collection, the memory is compacted and surviving objects get promoted.</a:t>
             </a:r>
             <a:endParaRPr/>
           </a:p>
@@ -8489,7 +9276,7 @@
   <p:cSld>
     <p:spTree>
       <p:nvGrpSpPr>
-        <p:cNvPr id="161" name="Shape 161"/>
+        <p:cNvPr id="145" name="Shape 145"/>
         <p:cNvGrpSpPr/>
         <p:nvPr/>
       </p:nvGrpSpPr>
@@ -8503,7 +9290,7 @@
       </p:grpSpPr>
       <p:sp>
         <p:nvSpPr>
-          <p:cNvPr id="162" name="Google Shape;162;p24"/>
+          <p:cNvPr id="146" name="Google Shape;146;p24"/>
           <p:cNvSpPr txBox="1"/>
           <p:nvPr>
             <p:ph type="title"/>
@@ -8535,7 +9322,7 @@
             </a:pPr>
             <a:r>
               <a:rPr lang="en"/>
-              <a:t>Generations</a:t>
+              <a:t>The Process</a:t>
             </a:r>
             <a:endParaRPr/>
           </a:p>
@@ -8543,7 +9330,7 @@
       </p:sp>
       <p:sp>
         <p:nvSpPr>
-          <p:cNvPr id="163" name="Google Shape;163;p24"/>
+          <p:cNvPr id="147" name="Google Shape;147;p24"/>
           <p:cNvSpPr txBox="1"/>
           <p:nvPr>
             <p:ph idx="1" type="body"/>
@@ -8551,8 +9338,8 @@
         </p:nvSpPr>
         <p:spPr>
           <a:xfrm>
-            <a:off x="387900" y="1489825"/>
-            <a:ext cx="8368200" cy="3356400"/>
+            <a:off x="387900" y="1489824"/>
+            <a:ext cx="8368200" cy="3078900"/>
           </a:xfrm>
           <a:prstGeom prst="rect">
             <a:avLst/>
@@ -8560,7 +9347,7 @@
         </p:spPr>
         <p:txBody>
           <a:bodyPr anchorCtr="0" anchor="t" bIns="91425" lIns="91425" spcFirstLastPara="1" rIns="91425" wrap="square" tIns="91425">
-            <a:normAutofit lnSpcReduction="20000"/>
+            <a:normAutofit/>
           </a:bodyPr>
           <a:lstStyle/>
           <a:p>
@@ -8575,7 +9362,7 @@
             </a:pPr>
             <a:r>
               <a:rPr lang="en"/>
-              <a:t>To help the GC, the managed heap is divided into three generations:</a:t>
+              <a:t>A garbage collection has the following phases:</a:t>
             </a:r>
             <a:endParaRPr/>
           </a:p>
@@ -8592,7 +9379,7 @@
             </a:pPr>
             <a:r>
               <a:rPr lang="en"/>
-              <a:t>Generation 0 - The youngest, and contains short-lived objects.</a:t>
+              <a:t>A marking phase that finds and creates a list of all live objects</a:t>
             </a:r>
             <a:endParaRPr/>
           </a:p>
@@ -8609,7 +9396,41 @@
             </a:pPr>
             <a:r>
               <a:rPr lang="en"/>
-              <a:t>Temporary variables, GC occurs most frequently here</a:t>
+              <a:t>Stack roots - provided by the JIT compiler and stack walker</a:t>
+            </a:r>
+            <a:endParaRPr/>
+          </a:p>
+          <a:p>
+            <a:pPr indent="-317500" lvl="1" marL="914400" rtl="0" algn="l">
+              <a:spcBef>
+                <a:spcPts val="0"/>
+              </a:spcBef>
+              <a:spcAft>
+                <a:spcPts val="0"/>
+              </a:spcAft>
+              <a:buSzPts val="1400"/>
+              <a:buChar char="○"/>
+            </a:pPr>
+            <a:r>
+              <a:rPr lang="en"/>
+              <a:t>Garbage collection handles - point to managed objects</a:t>
+            </a:r>
+            <a:endParaRPr/>
+          </a:p>
+          <a:p>
+            <a:pPr indent="-317500" lvl="1" marL="914400" rtl="0" algn="l">
+              <a:spcBef>
+                <a:spcPts val="0"/>
+              </a:spcBef>
+              <a:spcAft>
+                <a:spcPts val="0"/>
+              </a:spcAft>
+              <a:buSzPts val="1400"/>
+              <a:buChar char="○"/>
+            </a:pPr>
+            <a:r>
+              <a:rPr lang="en"/>
+              <a:t>Static data - each application domain keeps track of its static objects</a:t>
             </a:r>
             <a:endParaRPr/>
           </a:p>
@@ -8626,7 +9447,7 @@
             </a:pPr>
             <a:r>
               <a:rPr lang="en"/>
-              <a:t>Generation 1 - Contains short-lived objects and serves as a buffer between short-lived and long-lived objects.</a:t>
+              <a:t>A relocating phase that updates the references to the objects that will be compacted (survivors).</a:t>
             </a:r>
             <a:endParaRPr/>
           </a:p>
@@ -8643,81 +9464,7 @@
             </a:pPr>
             <a:r>
               <a:rPr lang="en"/>
-              <a:t>Generation 2 - Contains long-lived objects</a:t>
-            </a:r>
-            <a:endParaRPr/>
-          </a:p>
-          <a:p>
-            <a:pPr indent="-317500" lvl="1" marL="914400" rtl="0" algn="l">
-              <a:spcBef>
-                <a:spcPts val="0"/>
-              </a:spcBef>
-              <a:spcAft>
-                <a:spcPts val="0"/>
-              </a:spcAft>
-              <a:buSzPts val="1400"/>
-              <a:buChar char="○"/>
-            </a:pPr>
-            <a:r>
-              <a:rPr lang="en"/>
-              <a:t>An object that </a:t>
-            </a:r>
-            <a:r>
-              <a:rPr lang="en"/>
-              <a:t>contains</a:t>
-            </a:r>
-            <a:r>
-              <a:rPr lang="en"/>
-              <a:t> static data that’s live for the duration of the process</a:t>
-            </a:r>
-            <a:endParaRPr/>
-          </a:p>
-          <a:p>
-            <a:pPr indent="0" lvl="0" marL="0" rtl="0" algn="l">
-              <a:spcBef>
-                <a:spcPts val="1200"/>
-              </a:spcBef>
-              <a:spcAft>
-                <a:spcPts val="0"/>
-              </a:spcAft>
-              <a:buNone/>
-            </a:pPr>
-            <a:r>
-              <a:rPr lang="en"/>
-              <a:t>Collecting a generation means collecting objects in all younger generations too.</a:t>
-            </a:r>
-            <a:endParaRPr/>
-          </a:p>
-          <a:p>
-            <a:pPr indent="-342900" lvl="0" marL="457200" rtl="0" algn="l">
-              <a:spcBef>
-                <a:spcPts val="1200"/>
-              </a:spcBef>
-              <a:spcAft>
-                <a:spcPts val="0"/>
-              </a:spcAft>
-              <a:buSzPts val="1800"/>
-              <a:buChar char="-"/>
-            </a:pPr>
-            <a:r>
-              <a:rPr lang="en"/>
-              <a:t>Full garbage collection</a:t>
-            </a:r>
-            <a:endParaRPr/>
-          </a:p>
-          <a:p>
-            <a:pPr indent="0" lvl="0" marL="0" rtl="0" algn="l">
-              <a:spcBef>
-                <a:spcPts val="1200"/>
-              </a:spcBef>
-              <a:spcAft>
-                <a:spcPts val="1200"/>
-              </a:spcAft>
-              <a:buNone/>
-            </a:pPr>
-            <a:r>
-              <a:rPr lang="en"/>
-              <a:t>After a collection, the memory is compacted and surviving objects get promoted.</a:t>
+              <a:t>A compacting phase that reclaims the space occupied by the dead objects and compacts the surviving objects.</a:t>
             </a:r>
             <a:endParaRPr/>
           </a:p>
@@ -8736,7 +9483,7 @@
   <p:cSld>
     <p:spTree>
       <p:nvGrpSpPr>
-        <p:cNvPr id="167" name="Shape 167"/>
+        <p:cNvPr id="151" name="Shape 151"/>
         <p:cNvGrpSpPr/>
         <p:nvPr/>
       </p:nvGrpSpPr>
@@ -8750,7 +9497,7 @@
       </p:grpSpPr>
       <p:sp>
         <p:nvSpPr>
-          <p:cNvPr id="168" name="Google Shape;168;p25"/>
+          <p:cNvPr id="152" name="Google Shape;152;p25"/>
           <p:cNvSpPr txBox="1"/>
           <p:nvPr>
             <p:ph type="title"/>
@@ -8782,7 +9529,7 @@
             </a:pPr>
             <a:r>
               <a:rPr lang="en"/>
-              <a:t>The Process</a:t>
+              <a:t>Unmanaged Resources</a:t>
             </a:r>
             <a:endParaRPr/>
           </a:p>
@@ -8790,7 +9537,7 @@
       </p:sp>
       <p:sp>
         <p:nvSpPr>
-          <p:cNvPr id="169" name="Google Shape;169;p25"/>
+          <p:cNvPr id="153" name="Google Shape;153;p25"/>
           <p:cNvSpPr txBox="1"/>
           <p:nvPr>
             <p:ph idx="1" type="body"/>
@@ -8798,8 +9545,8 @@
         </p:nvSpPr>
         <p:spPr>
           <a:xfrm>
-            <a:off x="387900" y="1489824"/>
-            <a:ext cx="8368200" cy="3078900"/>
+            <a:off x="387900" y="1489825"/>
+            <a:ext cx="8368200" cy="3485100"/>
           </a:xfrm>
           <a:prstGeom prst="rect">
             <a:avLst/>
@@ -8822,7 +9569,7 @@
             </a:pPr>
             <a:r>
               <a:rPr lang="en"/>
-              <a:t>A garbage collection has the following phases:</a:t>
+              <a:t>When creating objects that include unmanaged resources, you must explicitly release those resources when finished using them.</a:t>
             </a:r>
             <a:endParaRPr/>
           </a:p>
@@ -8839,7 +9586,7 @@
             </a:pPr>
             <a:r>
               <a:rPr lang="en"/>
-              <a:t>A marking phase that finds and creates a list of all live objects</a:t>
+              <a:t>Objects that wrap OS resources</a:t>
             </a:r>
             <a:endParaRPr/>
           </a:p>
@@ -8856,7 +9603,7 @@
             </a:pPr>
             <a:r>
               <a:rPr lang="en"/>
-              <a:t>Stack roots - provided by the JIT compiler and stack walker</a:t>
+              <a:t>Files</a:t>
             </a:r>
             <a:endParaRPr/>
           </a:p>
@@ -8873,7 +9620,7 @@
             </a:pPr>
             <a:r>
               <a:rPr lang="en"/>
-              <a:t>Garbage collection handles - point to managed objects</a:t>
+              <a:t>Windows</a:t>
             </a:r>
             <a:endParaRPr/>
           </a:p>
@@ -8890,14 +9637,47 @@
             </a:pPr>
             <a:r>
               <a:rPr lang="en"/>
-              <a:t>Static data - each application domain keeps track of its static objects</a:t>
+              <a:t>Network connections</a:t>
+            </a:r>
+            <a:endParaRPr/>
+          </a:p>
+          <a:p>
+            <a:pPr indent="-317500" lvl="1" marL="914400" rtl="0" algn="l">
+              <a:spcBef>
+                <a:spcPts val="0"/>
+              </a:spcBef>
+              <a:spcAft>
+                <a:spcPts val="0"/>
+              </a:spcAft>
+              <a:buSzPts val="1400"/>
+              <a:buChar char="○"/>
+            </a:pPr>
+            <a:r>
+              <a:rPr lang="en"/>
+              <a:t>Database connections</a:t>
+            </a:r>
+            <a:endParaRPr/>
+          </a:p>
+          <a:p>
+            <a:pPr indent="0" lvl="0" marL="0" rtl="0" algn="l">
+              <a:spcBef>
+                <a:spcPts val="1200"/>
+              </a:spcBef>
+              <a:spcAft>
+                <a:spcPts val="0"/>
+              </a:spcAft>
+              <a:buNone/>
+            </a:pPr>
+            <a:r>
+              <a:rPr lang="en"/>
+              <a:t>The GC doesn’t how to release and clean up unmanaged resources (UR)</a:t>
             </a:r>
             <a:endParaRPr/>
           </a:p>
           <a:p>
             <a:pPr indent="-342900" lvl="0" marL="457200" rtl="0" algn="l">
               <a:spcBef>
-                <a:spcPts val="0"/>
+                <a:spcPts val="1200"/>
               </a:spcBef>
               <a:spcAft>
                 <a:spcPts val="0"/>
@@ -8907,24 +9687,7 @@
             </a:pPr>
             <a:r>
               <a:rPr lang="en"/>
-              <a:t>A relocating phase that updates the references to the objects that will be compacted (survivors).</a:t>
-            </a:r>
-            <a:endParaRPr/>
-          </a:p>
-          <a:p>
-            <a:pPr indent="-342900" lvl="0" marL="457200" rtl="0" algn="l">
-              <a:spcBef>
-                <a:spcPts val="0"/>
-              </a:spcBef>
-              <a:spcAft>
-                <a:spcPts val="0"/>
-              </a:spcAft>
-              <a:buSzPts val="1800"/>
-              <a:buChar char="●"/>
-            </a:pPr>
-            <a:r>
-              <a:rPr lang="en"/>
-              <a:t>A compacting phase that reclaims the space occupied by the dead objects and compacts the surviving objects.</a:t>
+              <a:t>Implement the dispose pattern. A consumer of your type calls Dispose when the object is no longer needed, immediately releases UR</a:t>
             </a:r>
             <a:endParaRPr/>
           </a:p>
@@ -8943,7 +9706,7 @@
   <p:cSld>
     <p:spTree>
       <p:nvGrpSpPr>
-        <p:cNvPr id="173" name="Shape 173"/>
+        <p:cNvPr id="157" name="Shape 157"/>
         <p:cNvGrpSpPr/>
         <p:nvPr/>
       </p:nvGrpSpPr>
@@ -8957,7 +9720,7 @@
       </p:grpSpPr>
       <p:sp>
         <p:nvSpPr>
-          <p:cNvPr id="174" name="Google Shape;174;p26"/>
+          <p:cNvPr id="158" name="Google Shape;158;p26"/>
           <p:cNvSpPr txBox="1"/>
           <p:nvPr>
             <p:ph type="title"/>
@@ -8989,7 +9752,7 @@
             </a:pPr>
             <a:r>
               <a:rPr lang="en"/>
-              <a:t>Unmanaged Resources and Dispose</a:t>
+              <a:t>Safe Handles and Finalizers</a:t>
             </a:r>
             <a:endParaRPr/>
           </a:p>
@@ -8997,7 +9760,7 @@
       </p:sp>
       <p:sp>
         <p:nvSpPr>
-          <p:cNvPr id="175" name="Google Shape;175;p26"/>
+          <p:cNvPr id="159" name="Google Shape;159;p26"/>
           <p:cNvSpPr txBox="1"/>
           <p:nvPr>
             <p:ph idx="1" type="body"/>
@@ -9005,8 +9768,8 @@
         </p:nvSpPr>
         <p:spPr>
           <a:xfrm>
-            <a:off x="387900" y="1489824"/>
-            <a:ext cx="8368200" cy="3078900"/>
+            <a:off x="387900" y="1489825"/>
+            <a:ext cx="8368200" cy="3393000"/>
           </a:xfrm>
           <a:prstGeom prst="rect">
             <a:avLst/>
@@ -9028,17 +9791,127 @@
               <a:buNone/>
             </a:pPr>
             <a:r>
-              <a:rPr lang="en" u="sng">
-                <a:solidFill>
-                  <a:schemeClr val="hlink"/>
-                </a:solidFill>
-                <a:hlinkClick r:id="rId3"/>
-              </a:rPr>
-              <a:t>https://learn.microsoft.com/en-us/dotnet/standard/garbage-collection/unmanaged</a:t>
-            </a:r>
-            <a:r>
-              <a:rPr lang="en"/>
-              <a:t> </a:t>
+              <a:rPr lang="en"/>
+              <a:t>If a consumer forgets to call Dispose, provide a way for your UR to be released:</a:t>
+            </a:r>
+            <a:endParaRPr/>
+          </a:p>
+          <a:p>
+            <a:pPr indent="-342900" lvl="0" marL="457200" rtl="0" algn="l">
+              <a:spcBef>
+                <a:spcPts val="1200"/>
+              </a:spcBef>
+              <a:spcAft>
+                <a:spcPts val="0"/>
+              </a:spcAft>
+              <a:buSzPts val="1800"/>
+              <a:buChar char="●"/>
+            </a:pPr>
+            <a:r>
+              <a:rPr lang="en"/>
+              <a:t>Use a safe handle to wrap your UR (recommended)</a:t>
+            </a:r>
+            <a:endParaRPr/>
+          </a:p>
+          <a:p>
+            <a:pPr indent="-317500" lvl="1" marL="914400" rtl="0" algn="l">
+              <a:spcBef>
+                <a:spcPts val="0"/>
+              </a:spcBef>
+              <a:spcAft>
+                <a:spcPts val="0"/>
+              </a:spcAft>
+              <a:buSzPts val="1400"/>
+              <a:buChar char="○"/>
+            </a:pPr>
+            <a:r>
+              <a:rPr lang="en"/>
+              <a:t>Derived from the System.Runtime.InteropServices.SafeHandle abstract</a:t>
+            </a:r>
+            <a:endParaRPr/>
+          </a:p>
+          <a:p>
+            <a:pPr indent="-317500" lvl="1" marL="914400" rtl="0" algn="l">
+              <a:spcBef>
+                <a:spcPts val="0"/>
+              </a:spcBef>
+              <a:spcAft>
+                <a:spcPts val="0"/>
+              </a:spcAft>
+              <a:buSzPts val="1400"/>
+              <a:buChar char="○"/>
+            </a:pPr>
+            <a:r>
+              <a:rPr lang="en"/>
+              <a:t>Implement IDisposable → call safe handle’s Dispose method</a:t>
+            </a:r>
+            <a:endParaRPr/>
+          </a:p>
+          <a:p>
+            <a:pPr indent="-317500" lvl="1" marL="914400" rtl="0" algn="l">
+              <a:spcBef>
+                <a:spcPts val="0"/>
+              </a:spcBef>
+              <a:spcAft>
+                <a:spcPts val="0"/>
+              </a:spcAft>
+              <a:buSzPts val="1400"/>
+              <a:buChar char="○"/>
+            </a:pPr>
+            <a:r>
+              <a:rPr lang="en"/>
+              <a:t>Called automatically by the GC if its Dispose method is not called</a:t>
+            </a:r>
+            <a:endParaRPr/>
+          </a:p>
+          <a:p>
+            <a:pPr indent="-342900" lvl="0" marL="457200" rtl="0" algn="l">
+              <a:spcBef>
+                <a:spcPts val="0"/>
+              </a:spcBef>
+              <a:spcAft>
+                <a:spcPts val="0"/>
+              </a:spcAft>
+              <a:buSzPts val="1800"/>
+              <a:buChar char="●"/>
+            </a:pPr>
+            <a:r>
+              <a:rPr lang="en"/>
+              <a:t>Define (override) a finalizer</a:t>
+            </a:r>
+            <a:endParaRPr/>
+          </a:p>
+          <a:p>
+            <a:pPr indent="-317500" lvl="1" marL="914400" rtl="0" algn="l">
+              <a:spcBef>
+                <a:spcPts val="0"/>
+              </a:spcBef>
+              <a:spcAft>
+                <a:spcPts val="0"/>
+              </a:spcAft>
+              <a:buSzPts val="1400"/>
+              <a:buChar char="○"/>
+            </a:pPr>
+            <a:r>
+              <a:rPr lang="en"/>
+              <a:t>Non-deterministic release of UR</a:t>
+            </a:r>
+            <a:endParaRPr/>
+          </a:p>
+          <a:p>
+            <a:pPr indent="-317500" lvl="1" marL="914400" rtl="0" algn="l">
+              <a:spcBef>
+                <a:spcPts val="0"/>
+              </a:spcBef>
+              <a:spcAft>
+                <a:spcPts val="0"/>
+              </a:spcAft>
+              <a:buSzPts val="1400"/>
+              <a:buChar char="○"/>
+            </a:pPr>
+            <a:r>
+              <a:rPr lang="en"/>
+              <a:t>Robust version included in SafeHandle, can be complex and error-prone to define</a:t>
             </a:r>
             <a:endParaRPr/>
           </a:p>
@@ -9053,17 +9926,8 @@
               <a:buNone/>
             </a:pPr>
             <a:r>
-              <a:rPr lang="en" u="sng">
-                <a:solidFill>
-                  <a:schemeClr val="hlink"/>
-                </a:solidFill>
-                <a:hlinkClick r:id="rId4"/>
-              </a:rPr>
-              <a:t>https://learn.microsoft.com/en-us/dotnet/standard/garbage-collection/implementing-dispose</a:t>
-            </a:r>
-            <a:r>
-              <a:rPr lang="en"/>
-              <a:t> </a:t>
+              <a:rPr lang="en"/>
+              <a:t>Either the safe handle’s Finalize method or your own becomes a safeguard to clean up resources</a:t>
             </a:r>
             <a:endParaRPr/>
           </a:p>
@@ -9082,7 +9946,7 @@
   <p:cSld>
     <p:spTree>
       <p:nvGrpSpPr>
-        <p:cNvPr id="179" name="Shape 179"/>
+        <p:cNvPr id="163" name="Shape 163"/>
         <p:cNvGrpSpPr/>
         <p:nvPr/>
       </p:nvGrpSpPr>
@@ -9096,7 +9960,7 @@
       </p:grpSpPr>
       <p:sp>
         <p:nvSpPr>
-          <p:cNvPr id="180" name="Google Shape;180;p27"/>
+          <p:cNvPr id="164" name="Google Shape;164;p27"/>
           <p:cNvSpPr txBox="1"/>
           <p:nvPr>
             <p:ph type="title"/>
@@ -9128,7 +9992,7 @@
             </a:pPr>
             <a:r>
               <a:rPr lang="en"/>
-              <a:t>IDisposable</a:t>
+              <a:t>Dispose</a:t>
             </a:r>
             <a:endParaRPr/>
           </a:p>
@@ -9136,7 +10000,7 @@
       </p:sp>
       <p:sp>
         <p:nvSpPr>
-          <p:cNvPr id="181" name="Google Shape;181;p27"/>
+          <p:cNvPr id="165" name="Google Shape;165;p27"/>
           <p:cNvSpPr txBox="1"/>
           <p:nvPr>
             <p:ph idx="1" type="body"/>
@@ -9144,8 +10008,8 @@
         </p:nvSpPr>
         <p:spPr>
           <a:xfrm>
-            <a:off x="387900" y="1489824"/>
-            <a:ext cx="8368200" cy="3078900"/>
+            <a:off x="387900" y="1489825"/>
+            <a:ext cx="8368200" cy="3798000"/>
           </a:xfrm>
           <a:prstGeom prst="rect">
             <a:avLst/>
@@ -9162,22 +10026,200 @@
                 <a:spcPts val="0"/>
               </a:spcBef>
               <a:spcAft>
+                <a:spcPts val="0"/>
+              </a:spcAft>
+              <a:buNone/>
+            </a:pPr>
+            <a:r>
+              <a:rPr lang="en"/>
+              <a:t>The dispose pattern is used for objects that implement the IDisposable interface</a:t>
+            </a:r>
+            <a:endParaRPr/>
+          </a:p>
+          <a:p>
+            <a:pPr indent="-342900" lvl="0" marL="457200" rtl="0" algn="l">
+              <a:spcBef>
                 <a:spcPts val="1200"/>
-              </a:spcAft>
-              <a:buNone/>
-            </a:pPr>
-            <a:r>
-              <a:rPr lang="en" u="sng">
-                <a:solidFill>
-                  <a:schemeClr val="hlink"/>
-                </a:solidFill>
-                <a:hlinkClick r:id="rId3"/>
-              </a:rPr>
-              <a:t>https://learn.microsoft.com/en-us/dotnet/standard/garbage-collection/using-objects</a:t>
-            </a:r>
-            <a:r>
-              <a:rPr lang="en"/>
-              <a:t> </a:t>
+              </a:spcBef>
+              <a:spcAft>
+                <a:spcPts val="0"/>
+              </a:spcAft>
+              <a:buSzPts val="1800"/>
+              <a:buChar char="●"/>
+            </a:pPr>
+            <a:r>
+              <a:rPr lang="en"/>
+              <a:t>Dispose()</a:t>
+            </a:r>
+            <a:endParaRPr/>
+          </a:p>
+          <a:p>
+            <a:pPr indent="-317500" lvl="1" marL="914400" rtl="0" algn="l">
+              <a:spcBef>
+                <a:spcPts val="0"/>
+              </a:spcBef>
+              <a:spcAft>
+                <a:spcPts val="0"/>
+              </a:spcAft>
+              <a:buSzPts val="1400"/>
+              <a:buChar char="○"/>
+            </a:pPr>
+            <a:r>
+              <a:rPr lang="en"/>
+              <a:t>Free unmanaged resources, perform general cleanup, indicate that the finalizer shouldn’t run</a:t>
+            </a:r>
+            <a:endParaRPr/>
+          </a:p>
+          <a:p>
+            <a:pPr indent="-317500" lvl="1" marL="914400" rtl="0" algn="l">
+              <a:spcBef>
+                <a:spcPts val="0"/>
+              </a:spcBef>
+              <a:spcAft>
+                <a:spcPts val="0"/>
+              </a:spcAft>
+              <a:buSzPts val="1400"/>
+              <a:buChar char="○"/>
+            </a:pPr>
+            <a:r>
+              <a:rPr lang="en"/>
+              <a:t>Freeing the memory associated with a managed object is always the domain of the GC</a:t>
+            </a:r>
+            <a:endParaRPr/>
+          </a:p>
+          <a:p>
+            <a:pPr indent="-342900" lvl="0" marL="457200" rtl="0" algn="l">
+              <a:spcBef>
+                <a:spcPts val="0"/>
+              </a:spcBef>
+              <a:spcAft>
+                <a:spcPts val="0"/>
+              </a:spcAft>
+              <a:buSzPts val="1800"/>
+              <a:buChar char="●"/>
+            </a:pPr>
+            <a:r>
+              <a:rPr lang="en"/>
+              <a:t>Dispose(bool)</a:t>
+            </a:r>
+            <a:endParaRPr/>
+          </a:p>
+          <a:p>
+            <a:pPr indent="-317500" lvl="1" marL="914400" rtl="0" algn="l">
+              <a:spcBef>
+                <a:spcPts val="0"/>
+              </a:spcBef>
+              <a:spcAft>
+                <a:spcPts val="0"/>
+              </a:spcAft>
+              <a:buSzPts val="1400"/>
+              <a:buChar char="○"/>
+            </a:pPr>
+            <a:r>
+              <a:rPr lang="en"/>
+              <a:t>Where the actual cleanup happens</a:t>
+            </a:r>
+            <a:endParaRPr/>
+          </a:p>
+          <a:p>
+            <a:pPr indent="-317500" lvl="1" marL="914400" rtl="0" algn="l">
+              <a:spcBef>
+                <a:spcPts val="0"/>
+              </a:spcBef>
+              <a:spcAft>
+                <a:spcPts val="0"/>
+              </a:spcAft>
+              <a:buSzPts val="1400"/>
+              <a:buChar char="○"/>
+            </a:pPr>
+            <a:r>
+              <a:rPr lang="en"/>
+              <a:t>Parameter indicates whether the method call is from Dispose (true) or a finalizer (false)</a:t>
+            </a:r>
+            <a:endParaRPr/>
+          </a:p>
+          <a:p>
+            <a:pPr indent="-317500" lvl="1" marL="914400" rtl="0" algn="l">
+              <a:spcBef>
+                <a:spcPts val="0"/>
+              </a:spcBef>
+              <a:spcAft>
+                <a:spcPts val="0"/>
+              </a:spcAft>
+              <a:buSzPts val="1400"/>
+              <a:buChar char="○"/>
+            </a:pPr>
+            <a:r>
+              <a:rPr lang="en"/>
+              <a:t>Consists of three blocks of code:</a:t>
+            </a:r>
+            <a:endParaRPr/>
+          </a:p>
+          <a:p>
+            <a:pPr indent="-317500" lvl="2" marL="1371600" rtl="0" algn="l">
+              <a:spcBef>
+                <a:spcPts val="0"/>
+              </a:spcBef>
+              <a:spcAft>
+                <a:spcPts val="0"/>
+              </a:spcAft>
+              <a:buSzPts val="1400"/>
+              <a:buChar char="■"/>
+            </a:pPr>
+            <a:r>
+              <a:rPr lang="en"/>
+              <a:t>A block for conditional return if object is already disposed</a:t>
+            </a:r>
+            <a:endParaRPr/>
+          </a:p>
+          <a:p>
+            <a:pPr indent="-317500" lvl="2" marL="1371600" rtl="0" algn="l">
+              <a:spcBef>
+                <a:spcPts val="0"/>
+              </a:spcBef>
+              <a:spcAft>
+                <a:spcPts val="0"/>
+              </a:spcAft>
+              <a:buSzPts val="1400"/>
+              <a:buChar char="■"/>
+            </a:pPr>
+            <a:r>
+              <a:rPr lang="en"/>
+              <a:t>A block that frees unmanaged resources. Executes regardless of the parameter</a:t>
+            </a:r>
+            <a:endParaRPr/>
+          </a:p>
+          <a:p>
+            <a:pPr indent="-317500" lvl="2" marL="1371600" rtl="0" algn="l">
+              <a:spcBef>
+                <a:spcPts val="0"/>
+              </a:spcBef>
+              <a:spcAft>
+                <a:spcPts val="0"/>
+              </a:spcAft>
+              <a:buSzPts val="1400"/>
+              <a:buChar char="■"/>
+            </a:pPr>
+            <a:r>
+              <a:rPr lang="en"/>
+              <a:t>A conditional block that frees managed resources</a:t>
+            </a:r>
+            <a:endParaRPr/>
+          </a:p>
+          <a:p>
+            <a:pPr indent="-317500" lvl="3" marL="1828800" rtl="0" algn="l">
+              <a:spcBef>
+                <a:spcPts val="0"/>
+              </a:spcBef>
+              <a:spcAft>
+                <a:spcPts val="0"/>
+              </a:spcAft>
+              <a:buSzPts val="1400"/>
+              <a:buChar char="●"/>
+            </a:pPr>
+            <a:r>
+              <a:rPr lang="en"/>
+              <a:t>Can free managed objects that implement IDisposable or consume large amounts of memory / consume scarce resources</a:t>
             </a:r>
             <a:endParaRPr/>
           </a:p>
@@ -9196,7 +10238,7 @@
   <p:cSld>
     <p:spTree>
       <p:nvGrpSpPr>
-        <p:cNvPr id="185" name="Shape 185"/>
+        <p:cNvPr id="169" name="Shape 169"/>
         <p:cNvGrpSpPr/>
         <p:nvPr/>
       </p:nvGrpSpPr>
@@ -9210,7 +10252,7 @@
       </p:grpSpPr>
       <p:sp>
         <p:nvSpPr>
-          <p:cNvPr id="186" name="Google Shape;186;p28"/>
+          <p:cNvPr id="170" name="Google Shape;170;p28"/>
           <p:cNvSpPr txBox="1"/>
           <p:nvPr>
             <p:ph type="title"/>
@@ -9242,7 +10284,7 @@
             </a:pPr>
             <a:r>
               <a:rPr lang="en"/>
-              <a:t>Code Snippet</a:t>
+              <a:t>Dispose (cont.)</a:t>
             </a:r>
             <a:endParaRPr/>
           </a:p>
@@ -9250,7 +10292,7 @@
       </p:sp>
       <p:sp>
         <p:nvSpPr>
-          <p:cNvPr id="187" name="Google Shape;187;p28"/>
+          <p:cNvPr id="171" name="Google Shape;171;p28"/>
           <p:cNvSpPr txBox="1"/>
           <p:nvPr>
             <p:ph idx="1" type="body"/>
@@ -9276,12 +10318,114 @@
                 <a:spcPts val="0"/>
               </a:spcBef>
               <a:spcAft>
+                <a:spcPts val="0"/>
+              </a:spcAft>
+              <a:buNone/>
+            </a:pPr>
+            <a:r>
+              <a:rPr lang="en"/>
+              <a:t>Cascade dispose calls</a:t>
+            </a:r>
+            <a:endParaRPr/>
+          </a:p>
+          <a:p>
+            <a:pPr indent="-342900" lvl="0" marL="457200" rtl="0" algn="l">
+              <a:spcBef>
                 <a:spcPts val="1200"/>
-              </a:spcAft>
-              <a:buNone/>
-            </a:pPr>
-            <a:r>
-              <a:t/>
+              </a:spcBef>
+              <a:spcAft>
+                <a:spcPts val="0"/>
+              </a:spcAft>
+              <a:buSzPts val="1800"/>
+              <a:buChar char="●"/>
+            </a:pPr>
+            <a:r>
+              <a:rPr lang="en"/>
+              <a:t>If your class owns a field/property and its type implements IDisposable, the containing class itself should also implement IDisposable</a:t>
+            </a:r>
+            <a:endParaRPr/>
+          </a:p>
+          <a:p>
+            <a:pPr indent="0" lvl="0" marL="0" rtl="0" algn="l">
+              <a:spcBef>
+                <a:spcPts val="1200"/>
+              </a:spcBef>
+              <a:spcAft>
+                <a:spcPts val="0"/>
+              </a:spcAft>
+              <a:buNone/>
+            </a:pPr>
+            <a:r>
+              <a:rPr lang="en"/>
+              <a:t>Derived classes</a:t>
+            </a:r>
+            <a:endParaRPr/>
+          </a:p>
+          <a:p>
+            <a:pPr indent="-342900" lvl="0" marL="457200" rtl="0" algn="l">
+              <a:spcBef>
+                <a:spcPts val="1200"/>
+              </a:spcBef>
+              <a:spcAft>
+                <a:spcPts val="0"/>
+              </a:spcAft>
+              <a:buSzPts val="1800"/>
+              <a:buChar char="●"/>
+            </a:pPr>
+            <a:r>
+              <a:rPr lang="en"/>
+              <a:t>A class derived from a class that implements IDisposable should provide:</a:t>
+            </a:r>
+            <a:endParaRPr/>
+          </a:p>
+          <a:p>
+            <a:pPr indent="-317500" lvl="1" marL="914400" rtl="0" algn="l">
+              <a:spcBef>
+                <a:spcPts val="0"/>
+              </a:spcBef>
+              <a:spcAft>
+                <a:spcPts val="0"/>
+              </a:spcAft>
+              <a:buSzPts val="1400"/>
+              <a:buChar char="○"/>
+            </a:pPr>
+            <a:r>
+              <a:rPr lang="en"/>
+              <a:t>An override Dispose(bool) method to cleanup the derived class.</a:t>
+            </a:r>
+            <a:endParaRPr/>
+          </a:p>
+          <a:p>
+            <a:pPr indent="-317500" lvl="2" marL="1371600" rtl="0" algn="l">
+              <a:spcBef>
+                <a:spcPts val="0"/>
+              </a:spcBef>
+              <a:spcAft>
+                <a:spcPts val="0"/>
+              </a:spcAft>
+              <a:buSzPts val="1400"/>
+              <a:buChar char="■"/>
+            </a:pPr>
+            <a:r>
+              <a:rPr lang="en"/>
+              <a:t>Must also call the base.Dispose(bool) method</a:t>
+            </a:r>
+            <a:endParaRPr/>
+          </a:p>
+          <a:p>
+            <a:pPr indent="-317500" lvl="1" marL="914400" rtl="0" algn="l">
+              <a:spcBef>
+                <a:spcPts val="0"/>
+              </a:spcBef>
+              <a:spcAft>
+                <a:spcPts val="0"/>
+              </a:spcAft>
+              <a:buSzPts val="1400"/>
+              <a:buChar char="○"/>
+            </a:pPr>
+            <a:r>
+              <a:rPr lang="en"/>
+              <a:t>A class derived from SafeHandle to wrap UR, or an override to Object.Finalize</a:t>
             </a:r>
             <a:endParaRPr/>
           </a:p>
@@ -9300,7 +10444,7 @@
   <p:cSld>
     <p:spTree>
       <p:nvGrpSpPr>
-        <p:cNvPr id="191" name="Shape 191"/>
+        <p:cNvPr id="175" name="Shape 175"/>
         <p:cNvGrpSpPr/>
         <p:nvPr/>
       </p:nvGrpSpPr>
@@ -9314,7 +10458,7 @@
       </p:grpSpPr>
       <p:sp>
         <p:nvSpPr>
-          <p:cNvPr id="192" name="Google Shape;192;p29"/>
+          <p:cNvPr id="176" name="Google Shape;176;p29"/>
           <p:cNvSpPr txBox="1"/>
           <p:nvPr>
             <p:ph type="title"/>
@@ -9322,75 +10466,92 @@
         </p:nvSpPr>
         <p:spPr>
           <a:xfrm>
-            <a:off x="387900" y="1152450"/>
-            <a:ext cx="8368200" cy="1538400"/>
+            <a:off x="387900" y="458025"/>
+            <a:ext cx="8368200" cy="686100"/>
           </a:xfrm>
           <a:prstGeom prst="rect">
             <a:avLst/>
           </a:prstGeom>
         </p:spPr>
         <p:txBody>
-          <a:bodyPr anchorCtr="0" anchor="ctr" bIns="91425" lIns="91425" spcFirstLastPara="1" rIns="91425" wrap="square" tIns="91425">
-            <a:noAutofit/>
+          <a:bodyPr anchorCtr="0" anchor="b" bIns="91425" lIns="91425" spcFirstLastPara="1" rIns="91425" wrap="square" tIns="91425">
+            <a:normAutofit/>
           </a:bodyPr>
           <a:lstStyle/>
           <a:p>
-            <a:pPr indent="0" lvl="0" marL="0" rtl="0" algn="ctr">
-              <a:spcBef>
-                <a:spcPts val="0"/>
-              </a:spcBef>
-              <a:spcAft>
-                <a:spcPts val="0"/>
-              </a:spcAft>
-              <a:buNone/>
-            </a:pPr>
-            <a:r>
-              <a:rPr lang="en" sz="7200"/>
-              <a:t>What does it mean?</a:t>
-            </a:r>
-            <a:endParaRPr sz="7200"/>
+            <a:pPr indent="0" lvl="0" marL="0" rtl="0" algn="l">
+              <a:spcBef>
+                <a:spcPts val="0"/>
+              </a:spcBef>
+              <a:spcAft>
+                <a:spcPts val="0"/>
+              </a:spcAft>
+              <a:buNone/>
+            </a:pPr>
+            <a:r>
+              <a:rPr lang="en"/>
+              <a:t>Implementing Dispose Pattern</a:t>
+            </a:r>
+            <a:endParaRPr/>
           </a:p>
         </p:txBody>
       </p:sp>
-      <p:sp>
-        <p:nvSpPr>
-          <p:cNvPr id="193" name="Google Shape;193;p29"/>
-          <p:cNvSpPr txBox="1"/>
-          <p:nvPr>
-            <p:ph idx="1" type="body"/>
-          </p:nvPr>
-        </p:nvSpPr>
-        <p:spPr>
-          <a:xfrm>
-            <a:off x="387900" y="2919450"/>
-            <a:ext cx="8368200" cy="1071600"/>
+      <p:pic>
+        <p:nvPicPr>
+          <p:cNvPr id="177" name="Google Shape;177;p29"/>
+          <p:cNvPicPr preferRelativeResize="0"/>
+          <p:nvPr/>
+        </p:nvPicPr>
+        <p:blipFill>
+          <a:blip r:embed="rId3">
+            <a:alphaModFix/>
+          </a:blip>
+          <a:stretch>
+            <a:fillRect/>
+          </a:stretch>
+        </p:blipFill>
+        <p:spPr>
+          <a:xfrm>
+            <a:off x="387900" y="1296525"/>
+            <a:ext cx="3439313" cy="3694575"/>
           </a:xfrm>
           <a:prstGeom prst="rect">
             <a:avLst/>
           </a:prstGeom>
-        </p:spPr>
-        <p:txBody>
-          <a:bodyPr anchorCtr="0" anchor="t" bIns="91425" lIns="91425" spcFirstLastPara="1" rIns="91425" wrap="square" tIns="91425">
-            <a:normAutofit/>
-          </a:bodyPr>
-          <a:lstStyle/>
-          <a:p>
-            <a:pPr indent="0" lvl="0" marL="0" rtl="0" algn="ctr">
-              <a:spcBef>
-                <a:spcPts val="0"/>
-              </a:spcBef>
-              <a:spcAft>
-                <a:spcPts val="1200"/>
-              </a:spcAft>
-              <a:buNone/>
-            </a:pPr>
-            <a:r>
-              <a:t/>
-            </a:r>
-            <a:endParaRPr/>
-          </a:p>
-        </p:txBody>
-      </p:sp>
+          <a:noFill/>
+          <a:ln>
+            <a:noFill/>
+          </a:ln>
+        </p:spPr>
+      </p:pic>
+      <p:pic>
+        <p:nvPicPr>
+          <p:cNvPr id="178" name="Google Shape;178;p29"/>
+          <p:cNvPicPr preferRelativeResize="0"/>
+          <p:nvPr/>
+        </p:nvPicPr>
+        <p:blipFill>
+          <a:blip r:embed="rId4">
+            <a:alphaModFix/>
+          </a:blip>
+          <a:stretch>
+            <a:fillRect/>
+          </a:stretch>
+        </p:blipFill>
+        <p:spPr>
+          <a:xfrm>
+            <a:off x="3974988" y="1439150"/>
+            <a:ext cx="4845137" cy="3409336"/>
+          </a:xfrm>
+          <a:prstGeom prst="rect">
+            <a:avLst/>
+          </a:prstGeom>
+          <a:noFill/>
+          <a:ln>
+            <a:noFill/>
+          </a:ln>
+        </p:spPr>
+      </p:pic>
     </p:spTree>
   </p:cSld>
   <p:clrMapOvr>
@@ -9404,7 +10565,7 @@
   <p:cSld>
     <p:spTree>
       <p:nvGrpSpPr>
-        <p:cNvPr id="197" name="Shape 197"/>
+        <p:cNvPr id="182" name="Shape 182"/>
         <p:cNvGrpSpPr/>
         <p:nvPr/>
       </p:nvGrpSpPr>
@@ -9418,7 +10579,7 @@
       </p:grpSpPr>
       <p:sp>
         <p:nvSpPr>
-          <p:cNvPr id="198" name="Google Shape;198;p30"/>
+          <p:cNvPr id="183" name="Google Shape;183;p30"/>
           <p:cNvSpPr txBox="1"/>
           <p:nvPr>
             <p:ph type="title"/>
@@ -9426,15 +10587,15 @@
         </p:nvSpPr>
         <p:spPr>
           <a:xfrm>
-            <a:off x="490250" y="526350"/>
-            <a:ext cx="5618700" cy="4090800"/>
+            <a:off x="387900" y="458025"/>
+            <a:ext cx="8368200" cy="686100"/>
           </a:xfrm>
           <a:prstGeom prst="rect">
             <a:avLst/>
           </a:prstGeom>
         </p:spPr>
         <p:txBody>
-          <a:bodyPr anchorCtr="0" anchor="ctr" bIns="91425" lIns="91425" spcFirstLastPara="1" rIns="91425" wrap="square" tIns="91425">
+          <a:bodyPr anchorCtr="0" anchor="b" bIns="91425" lIns="91425" spcFirstLastPara="1" rIns="91425" wrap="square" tIns="91425">
             <a:normAutofit/>
           </a:bodyPr>
           <a:lstStyle/>
@@ -9450,7 +10611,114 @@
             </a:pPr>
             <a:r>
               <a:rPr lang="en"/>
-              <a:t>Why do we need this functionality?</a:t>
+              <a:t>Using objects that implement IDisposable</a:t>
+            </a:r>
+            <a:endParaRPr/>
+          </a:p>
+        </p:txBody>
+      </p:sp>
+      <p:sp>
+        <p:nvSpPr>
+          <p:cNvPr id="184" name="Google Shape;184;p30"/>
+          <p:cNvSpPr txBox="1"/>
+          <p:nvPr>
+            <p:ph idx="1" type="body"/>
+          </p:nvPr>
+        </p:nvSpPr>
+        <p:spPr>
+          <a:xfrm>
+            <a:off x="387900" y="1489824"/>
+            <a:ext cx="8368200" cy="3078900"/>
+          </a:xfrm>
+          <a:prstGeom prst="rect">
+            <a:avLst/>
+          </a:prstGeom>
+        </p:spPr>
+        <p:txBody>
+          <a:bodyPr anchorCtr="0" anchor="t" bIns="91425" lIns="91425" spcFirstLastPara="1" rIns="91425" wrap="square" tIns="91425">
+            <a:normAutofit/>
+          </a:bodyPr>
+          <a:lstStyle/>
+          <a:p>
+            <a:pPr indent="0" lvl="0" marL="0" rtl="0" algn="l">
+              <a:spcBef>
+                <a:spcPts val="0"/>
+              </a:spcBef>
+              <a:spcAft>
+                <a:spcPts val="0"/>
+              </a:spcAft>
+              <a:buNone/>
+            </a:pPr>
+            <a:r>
+              <a:rPr lang="en"/>
+              <a:t>When you finish using an object that implements IDisposable, you call Dispose (or DisposeAsync) to explicitly perform cleanup:</a:t>
+            </a:r>
+            <a:endParaRPr/>
+          </a:p>
+          <a:p>
+            <a:pPr indent="-342900" lvl="0" marL="457200" rtl="0" algn="l">
+              <a:spcBef>
+                <a:spcPts val="1200"/>
+              </a:spcBef>
+              <a:spcAft>
+                <a:spcPts val="0"/>
+              </a:spcAft>
+              <a:buSzPts val="1800"/>
+              <a:buChar char="●"/>
+            </a:pPr>
+            <a:r>
+              <a:rPr lang="en"/>
+              <a:t>With the C# ‘using’ statement or declaration</a:t>
+            </a:r>
+            <a:endParaRPr/>
+          </a:p>
+          <a:p>
+            <a:pPr indent="-342900" lvl="0" marL="457200" rtl="0" algn="l">
+              <a:spcBef>
+                <a:spcPts val="0"/>
+              </a:spcBef>
+              <a:spcAft>
+                <a:spcPts val="0"/>
+              </a:spcAft>
+              <a:buSzPts val="1800"/>
+              <a:buChar char="●"/>
+            </a:pPr>
+            <a:r>
+              <a:rPr lang="en"/>
+              <a:t>By implementing a try/finally block, and calling Dispose in the finally</a:t>
+            </a:r>
+            <a:endParaRPr/>
+          </a:p>
+          <a:p>
+            <a:pPr indent="0" lvl="0" marL="0" rtl="0" algn="l">
+              <a:spcBef>
+                <a:spcPts val="1200"/>
+              </a:spcBef>
+              <a:spcAft>
+                <a:spcPts val="0"/>
+              </a:spcAft>
+              <a:buNone/>
+            </a:pPr>
+            <a:r>
+              <a:rPr lang="en"/>
+              <a:t>Objects that implement IDisposable should always be properly disposed of</a:t>
+            </a:r>
+            <a:endParaRPr/>
+          </a:p>
+          <a:p>
+            <a:pPr indent="-342900" lvl="0" marL="457200" rtl="0" algn="l">
+              <a:spcBef>
+                <a:spcPts val="1200"/>
+              </a:spcBef>
+              <a:spcAft>
+                <a:spcPts val="0"/>
+              </a:spcAft>
+              <a:buSzPts val="1800"/>
+              <a:buChar char="●"/>
+            </a:pPr>
+            <a:r>
+              <a:rPr lang="en"/>
+              <a:t>Calling SuppressFinalize indicates to the GC that the finalizer has already been run and the object shouldn’t be promoted for finalization</a:t>
             </a:r>
             <a:endParaRPr/>
           </a:p>
@@ -9469,7 +10737,7 @@
   <p:cSld>
     <p:spTree>
       <p:nvGrpSpPr>
-        <p:cNvPr id="202" name="Shape 202"/>
+        <p:cNvPr id="188" name="Shape 188"/>
         <p:cNvGrpSpPr/>
         <p:nvPr/>
       </p:nvGrpSpPr>
@@ -9483,7 +10751,7 @@
       </p:grpSpPr>
       <p:sp>
         <p:nvSpPr>
-          <p:cNvPr id="203" name="Google Shape;203;p31"/>
+          <p:cNvPr id="189" name="Google Shape;189;p31"/>
           <p:cNvSpPr txBox="1"/>
           <p:nvPr>
             <p:ph type="title"/>
@@ -9491,15 +10759,15 @@
         </p:nvSpPr>
         <p:spPr>
           <a:xfrm>
-            <a:off x="490250" y="526350"/>
-            <a:ext cx="5618700" cy="4090800"/>
+            <a:off x="387900" y="458025"/>
+            <a:ext cx="8368200" cy="686100"/>
           </a:xfrm>
           <a:prstGeom prst="rect">
             <a:avLst/>
           </a:prstGeom>
         </p:spPr>
         <p:txBody>
-          <a:bodyPr anchorCtr="0" anchor="ctr" bIns="91425" lIns="91425" spcFirstLastPara="1" rIns="91425" wrap="square" tIns="91425">
+          <a:bodyPr anchorCtr="0" anchor="b" bIns="91425" lIns="91425" spcFirstLastPara="1" rIns="91425" wrap="square" tIns="91425">
             <a:normAutofit/>
           </a:bodyPr>
           <a:lstStyle/>
@@ -9514,124 +10782,137 @@
               <a:buNone/>
             </a:pPr>
             <a:r>
-              <a:t/>
+              <a:rPr lang="en"/>
+              <a:t>The ‘using’ statement and try/finally block</a:t>
             </a:r>
             <a:endParaRPr/>
           </a:p>
         </p:txBody>
       </p:sp>
-      <p:pic>
-        <p:nvPicPr>
-          <p:cNvPr id="204" name="Google Shape;204;p31"/>
-          <p:cNvPicPr preferRelativeResize="0"/>
-          <p:nvPr/>
-        </p:nvPicPr>
-        <p:blipFill>
-          <a:blip r:embed="rId3">
-            <a:alphaModFix/>
-          </a:blip>
-          <a:stretch>
-            <a:fillRect/>
-          </a:stretch>
-        </p:blipFill>
-        <p:spPr>
-          <a:xfrm>
-            <a:off x="0" y="175046"/>
-            <a:ext cx="9144001" cy="1281109"/>
+      <p:sp>
+        <p:nvSpPr>
+          <p:cNvPr id="190" name="Google Shape;190;p31"/>
+          <p:cNvSpPr txBox="1"/>
+          <p:nvPr>
+            <p:ph idx="1" type="body"/>
+          </p:nvPr>
+        </p:nvSpPr>
+        <p:spPr>
+          <a:xfrm>
+            <a:off x="387900" y="1489825"/>
+            <a:ext cx="8368200" cy="3429900"/>
           </a:xfrm>
           <a:prstGeom prst="rect">
             <a:avLst/>
           </a:prstGeom>
-          <a:noFill/>
-          <a:ln>
-            <a:noFill/>
-          </a:ln>
-        </p:spPr>
-      </p:pic>
-      <p:pic>
-        <p:nvPicPr>
-          <p:cNvPr id="205" name="Google Shape;205;p31"/>
-          <p:cNvPicPr preferRelativeResize="0"/>
-          <p:nvPr/>
-        </p:nvPicPr>
-        <p:blipFill>
-          <a:blip r:embed="rId4">
-            <a:alphaModFix/>
-          </a:blip>
-          <a:stretch>
-            <a:fillRect/>
-          </a:stretch>
-        </p:blipFill>
-        <p:spPr>
-          <a:xfrm>
-            <a:off x="0" y="1499759"/>
-            <a:ext cx="9144001" cy="846933"/>
-          </a:xfrm>
-          <a:prstGeom prst="rect">
-            <a:avLst/>
-          </a:prstGeom>
-          <a:noFill/>
-          <a:ln>
-            <a:noFill/>
-          </a:ln>
-        </p:spPr>
-      </p:pic>
-      <p:pic>
-        <p:nvPicPr>
-          <p:cNvPr id="206" name="Google Shape;206;p31"/>
-          <p:cNvPicPr preferRelativeResize="0"/>
-          <p:nvPr/>
-        </p:nvPicPr>
-        <p:blipFill>
-          <a:blip r:embed="rId5">
-            <a:alphaModFix/>
-          </a:blip>
-          <a:stretch>
-            <a:fillRect/>
-          </a:stretch>
-        </p:blipFill>
-        <p:spPr>
-          <a:xfrm>
-            <a:off x="-12" y="2390288"/>
-            <a:ext cx="6143625" cy="1514475"/>
-          </a:xfrm>
-          <a:prstGeom prst="rect">
-            <a:avLst/>
-          </a:prstGeom>
-          <a:noFill/>
-          <a:ln>
-            <a:noFill/>
-          </a:ln>
-        </p:spPr>
-      </p:pic>
-      <p:pic>
-        <p:nvPicPr>
-          <p:cNvPr id="207" name="Google Shape;207;p31"/>
-          <p:cNvPicPr preferRelativeResize="0"/>
-          <p:nvPr/>
-        </p:nvPicPr>
-        <p:blipFill>
-          <a:blip r:embed="rId6">
-            <a:alphaModFix/>
-          </a:blip>
-          <a:stretch>
-            <a:fillRect/>
-          </a:stretch>
-        </p:blipFill>
-        <p:spPr>
-          <a:xfrm>
-            <a:off x="3163200" y="3352800"/>
-            <a:ext cx="6038850" cy="1790700"/>
-          </a:xfrm>
-          <a:prstGeom prst="rect">
-            <a:avLst/>
-          </a:prstGeom>
-          <a:noFill/>
-          <a:ln>
-            <a:noFill/>
-          </a:ln>
-        </p:spPr>
-      </p:pic>
+        </p:spPr>
+        <p:txBody>
+          <a:bodyPr anchorCtr="0" anchor="t" bIns="91425" lIns="91425" spcFirstLastPara="1" rIns="91425" wrap="square" tIns="91425">
+            <a:normAutofit lnSpcReduction="10000"/>
+          </a:bodyPr>
+          <a:lstStyle/>
+          <a:p>
+            <a:pPr indent="0" lvl="0" marL="0" rtl="0" algn="l">
+              <a:spcBef>
+                <a:spcPts val="0"/>
+              </a:spcBef>
+              <a:spcAft>
+                <a:spcPts val="0"/>
+              </a:spcAft>
+              <a:buNone/>
+            </a:pPr>
+            <a:r>
+              <a:rPr lang="en"/>
+              <a:t>The using statement simplifies the code you must write to cleanup an object</a:t>
+            </a:r>
+            <a:endParaRPr/>
+          </a:p>
+          <a:p>
+            <a:pPr indent="-342900" lvl="0" marL="457200" rtl="0" algn="l">
+              <a:spcBef>
+                <a:spcPts val="1200"/>
+              </a:spcBef>
+              <a:spcAft>
+                <a:spcPts val="0"/>
+              </a:spcAft>
+              <a:buSzPts val="1800"/>
+              <a:buChar char="●"/>
+            </a:pPr>
+            <a:r>
+              <a:rPr lang="en"/>
+              <a:t>Obtains one or more resources, executes the statements specified, and automatically disposes of the object</a:t>
+            </a:r>
+            <a:endParaRPr/>
+          </a:p>
+          <a:p>
+            <a:pPr indent="-342900" lvl="0" marL="457200" rtl="0" algn="l">
+              <a:spcBef>
+                <a:spcPts val="0"/>
+              </a:spcBef>
+              <a:spcAft>
+                <a:spcPts val="0"/>
+              </a:spcAft>
+              <a:buSzPts val="1800"/>
+              <a:buChar char="●"/>
+            </a:pPr>
+            <a:r>
+              <a:rPr lang="en"/>
+              <a:t>Only useful for objects that are used within the scope of the method in which they are constructed</a:t>
+            </a:r>
+            <a:endParaRPr/>
+          </a:p>
+          <a:p>
+            <a:pPr indent="0" lvl="0" marL="0" rtl="0" algn="l">
+              <a:spcBef>
+                <a:spcPts val="1200"/>
+              </a:spcBef>
+              <a:spcAft>
+                <a:spcPts val="0"/>
+              </a:spcAft>
+              <a:buNone/>
+            </a:pPr>
+            <a:r>
+              <a:rPr lang="en"/>
+              <a:t>You may choose to implement the try/finally block directly to…</a:t>
+            </a:r>
+            <a:endParaRPr/>
+          </a:p>
+          <a:p>
+            <a:pPr indent="-342900" lvl="0" marL="457200" rtl="0" algn="l">
+              <a:spcBef>
+                <a:spcPts val="1200"/>
+              </a:spcBef>
+              <a:spcAft>
+                <a:spcPts val="0"/>
+              </a:spcAft>
+              <a:buSzPts val="1800"/>
+              <a:buChar char="●"/>
+            </a:pPr>
+            <a:r>
+              <a:rPr lang="en"/>
+              <a:t>Include a catch block to handle exceptions thrown in the try block</a:t>
+            </a:r>
+            <a:endParaRPr/>
+          </a:p>
+          <a:p>
+            <a:pPr indent="-342900" lvl="0" marL="457200" rtl="0" algn="l">
+              <a:spcBef>
+                <a:spcPts val="0"/>
+              </a:spcBef>
+              <a:spcAft>
+                <a:spcPts val="0"/>
+              </a:spcAft>
+              <a:buSzPts val="1800"/>
+              <a:buChar char="●"/>
+            </a:pPr>
+            <a:r>
+              <a:rPr lang="en"/>
+              <a:t>Instantiate an object that implements IDisposable whose scope is not local to the block within which it is declared</a:t>
+            </a:r>
+            <a:endParaRPr/>
+          </a:p>
+        </p:txBody>
+      </p:sp>
     </p:spTree>
   </p:cSld>
   <p:clrMapOvr>
@@ -9819,7 +11100,7 @@
   <p:cSld>
     <p:spTree>
       <p:nvGrpSpPr>
-        <p:cNvPr id="211" name="Shape 211"/>
+        <p:cNvPr id="194" name="Shape 194"/>
         <p:cNvGrpSpPr/>
         <p:nvPr/>
       </p:nvGrpSpPr>
@@ -9833,7 +11114,7 @@
       </p:grpSpPr>
       <p:sp>
         <p:nvSpPr>
-          <p:cNvPr id="212" name="Google Shape;212;p32"/>
+          <p:cNvPr id="195" name="Google Shape;195;p32"/>
           <p:cNvSpPr txBox="1"/>
           <p:nvPr>
             <p:ph type="title"/>
@@ -9865,6 +11146,672 @@
             </a:pPr>
             <a:r>
               <a:rPr lang="en"/>
+              <a:t>Implementing ‘using’ and try/finally</a:t>
+            </a:r>
+            <a:endParaRPr/>
+          </a:p>
+        </p:txBody>
+      </p:sp>
+      <p:pic>
+        <p:nvPicPr>
+          <p:cNvPr id="196" name="Google Shape;196;p32"/>
+          <p:cNvPicPr preferRelativeResize="0"/>
+          <p:nvPr/>
+        </p:nvPicPr>
+        <p:blipFill>
+          <a:blip r:embed="rId3">
+            <a:alphaModFix/>
+          </a:blip>
+          <a:stretch>
+            <a:fillRect/>
+          </a:stretch>
+        </p:blipFill>
+        <p:spPr>
+          <a:xfrm>
+            <a:off x="152400" y="1580588"/>
+            <a:ext cx="4574350" cy="3126450"/>
+          </a:xfrm>
+          <a:prstGeom prst="rect">
+            <a:avLst/>
+          </a:prstGeom>
+          <a:noFill/>
+          <a:ln>
+            <a:noFill/>
+          </a:ln>
+        </p:spPr>
+      </p:pic>
+      <p:pic>
+        <p:nvPicPr>
+          <p:cNvPr id="197" name="Google Shape;197;p32"/>
+          <p:cNvPicPr preferRelativeResize="0"/>
+          <p:nvPr/>
+        </p:nvPicPr>
+        <p:blipFill>
+          <a:blip r:embed="rId4">
+            <a:alphaModFix/>
+          </a:blip>
+          <a:stretch>
+            <a:fillRect/>
+          </a:stretch>
+        </p:blipFill>
+        <p:spPr>
+          <a:xfrm>
+            <a:off x="4879150" y="1296525"/>
+            <a:ext cx="3986854" cy="3694576"/>
+          </a:xfrm>
+          <a:prstGeom prst="rect">
+            <a:avLst/>
+          </a:prstGeom>
+          <a:noFill/>
+          <a:ln>
+            <a:noFill/>
+          </a:ln>
+        </p:spPr>
+      </p:pic>
+    </p:spTree>
+  </p:cSld>
+  <p:clrMapOvr>
+    <a:masterClrMapping/>
+  </p:clrMapOvr>
+</p:sld>
+</file>
+
+<file path=ppt/slides/slide21.xml><?xml version="1.0" encoding="utf-8"?>
+<p:sld xmlns:a="http://schemas.openxmlformats.org/drawingml/2006/main" xmlns:r="http://schemas.openxmlformats.org/officeDocument/2006/relationships" xmlns:mc="http://schemas.openxmlformats.org/markup-compatibility/2006" xmlns:mv="urn:schemas-microsoft-com:mac:vml" xmlns:p="http://schemas.openxmlformats.org/presentationml/2006/main" xmlns:c="http://schemas.openxmlformats.org/drawingml/2006/chart" xmlns:dgm="http://schemas.openxmlformats.org/drawingml/2006/diagram" xmlns:o="urn:schemas-microsoft-com:office:office" xmlns:v="urn:schemas-microsoft-com:vml" xmlns:pvml="urn:schemas-microsoft-com:office:powerpoint" xmlns:com="http://schemas.openxmlformats.org/drawingml/2006/compatibility" xmlns:p14="http://schemas.microsoft.com/office/powerpoint/2010/main" xmlns:p15="http://schemas.microsoft.com/office/powerpoint/2012/main" xmlns:ahyp="http://schemas.microsoft.com/office/drawing/2018/hyperlinkcolor">
+  <p:cSld>
+    <p:spTree>
+      <p:nvGrpSpPr>
+        <p:cNvPr id="201" name="Shape 201"/>
+        <p:cNvGrpSpPr/>
+        <p:nvPr/>
+      </p:nvGrpSpPr>
+      <p:grpSpPr>
+        <a:xfrm>
+          <a:off x="0" y="0"/>
+          <a:ext cx="0" cy="0"/>
+          <a:chOff x="0" y="0"/>
+          <a:chExt cx="0" cy="0"/>
+        </a:xfrm>
+      </p:grpSpPr>
+      <p:sp>
+        <p:nvSpPr>
+          <p:cNvPr id="202" name="Google Shape;202;p33"/>
+          <p:cNvSpPr txBox="1"/>
+          <p:nvPr>
+            <p:ph type="title"/>
+          </p:nvPr>
+        </p:nvSpPr>
+        <p:spPr>
+          <a:xfrm>
+            <a:off x="387900" y="1802550"/>
+            <a:ext cx="8368200" cy="1538400"/>
+          </a:xfrm>
+          <a:prstGeom prst="rect">
+            <a:avLst/>
+          </a:prstGeom>
+        </p:spPr>
+        <p:txBody>
+          <a:bodyPr anchorCtr="0" anchor="ctr" bIns="91425" lIns="91425" spcFirstLastPara="1" rIns="91425" wrap="square" tIns="91425">
+            <a:noAutofit/>
+          </a:bodyPr>
+          <a:lstStyle/>
+          <a:p>
+            <a:pPr indent="0" lvl="0" marL="0" rtl="0" algn="ctr">
+              <a:spcBef>
+                <a:spcPts val="0"/>
+              </a:spcBef>
+              <a:spcAft>
+                <a:spcPts val="0"/>
+              </a:spcAft>
+              <a:buNone/>
+            </a:pPr>
+            <a:r>
+              <a:rPr lang="en" sz="7200"/>
+              <a:t>Code Demo</a:t>
+            </a:r>
+            <a:endParaRPr sz="7200"/>
+          </a:p>
+        </p:txBody>
+      </p:sp>
+    </p:spTree>
+  </p:cSld>
+  <p:clrMapOvr>
+    <a:masterClrMapping/>
+  </p:clrMapOvr>
+</p:sld>
+</file>
+
+<file path=ppt/slides/slide22.xml><?xml version="1.0" encoding="utf-8"?>
+<p:sld xmlns:a="http://schemas.openxmlformats.org/drawingml/2006/main" xmlns:r="http://schemas.openxmlformats.org/officeDocument/2006/relationships" xmlns:mc="http://schemas.openxmlformats.org/markup-compatibility/2006" xmlns:mv="urn:schemas-microsoft-com:mac:vml" xmlns:p="http://schemas.openxmlformats.org/presentationml/2006/main" xmlns:c="http://schemas.openxmlformats.org/drawingml/2006/chart" xmlns:dgm="http://schemas.openxmlformats.org/drawingml/2006/diagram" xmlns:o="urn:schemas-microsoft-com:office:office" xmlns:v="urn:schemas-microsoft-com:vml" xmlns:pvml="urn:schemas-microsoft-com:office:powerpoint" xmlns:com="http://schemas.openxmlformats.org/drawingml/2006/compatibility" xmlns:p14="http://schemas.microsoft.com/office/powerpoint/2010/main" xmlns:p15="http://schemas.microsoft.com/office/powerpoint/2012/main" xmlns:ahyp="http://schemas.microsoft.com/office/drawing/2018/hyperlinkcolor">
+  <p:cSld>
+    <p:spTree>
+      <p:nvGrpSpPr>
+        <p:cNvPr id="206" name="Shape 206"/>
+        <p:cNvGrpSpPr/>
+        <p:nvPr/>
+      </p:nvGrpSpPr>
+      <p:grpSpPr>
+        <a:xfrm>
+          <a:off x="0" y="0"/>
+          <a:ext cx="0" cy="0"/>
+          <a:chOff x="0" y="0"/>
+          <a:chExt cx="0" cy="0"/>
+        </a:xfrm>
+      </p:grpSpPr>
+      <p:pic>
+        <p:nvPicPr>
+          <p:cNvPr id="207" name="Google Shape;207;p34"/>
+          <p:cNvPicPr preferRelativeResize="0"/>
+          <p:nvPr/>
+        </p:nvPicPr>
+        <p:blipFill>
+          <a:blip r:embed="rId3">
+            <a:alphaModFix/>
+          </a:blip>
+          <a:stretch>
+            <a:fillRect/>
+          </a:stretch>
+        </p:blipFill>
+        <p:spPr>
+          <a:xfrm>
+            <a:off x="4755700" y="1484275"/>
+            <a:ext cx="4100899" cy="3363950"/>
+          </a:xfrm>
+          <a:prstGeom prst="rect">
+            <a:avLst/>
+          </a:prstGeom>
+          <a:noFill/>
+          <a:ln>
+            <a:noFill/>
+          </a:ln>
+        </p:spPr>
+      </p:pic>
+      <p:pic>
+        <p:nvPicPr>
+          <p:cNvPr id="208" name="Google Shape;208;p34"/>
+          <p:cNvPicPr preferRelativeResize="0"/>
+          <p:nvPr/>
+        </p:nvPicPr>
+        <p:blipFill>
+          <a:blip r:embed="rId4">
+            <a:alphaModFix/>
+          </a:blip>
+          <a:stretch>
+            <a:fillRect/>
+          </a:stretch>
+        </p:blipFill>
+        <p:spPr>
+          <a:xfrm>
+            <a:off x="372825" y="1484275"/>
+            <a:ext cx="3521630" cy="3363950"/>
+          </a:xfrm>
+          <a:prstGeom prst="rect">
+            <a:avLst/>
+          </a:prstGeom>
+          <a:noFill/>
+          <a:ln>
+            <a:noFill/>
+          </a:ln>
+        </p:spPr>
+      </p:pic>
+      <p:sp>
+        <p:nvSpPr>
+          <p:cNvPr id="209" name="Google Shape;209;p34"/>
+          <p:cNvSpPr txBox="1"/>
+          <p:nvPr>
+            <p:ph type="title"/>
+          </p:nvPr>
+        </p:nvSpPr>
+        <p:spPr>
+          <a:xfrm>
+            <a:off x="372825" y="465375"/>
+            <a:ext cx="8368200" cy="686100"/>
+          </a:xfrm>
+          <a:prstGeom prst="rect">
+            <a:avLst/>
+          </a:prstGeom>
+        </p:spPr>
+        <p:txBody>
+          <a:bodyPr anchorCtr="0" anchor="b" bIns="91425" lIns="91425" spcFirstLastPara="1" rIns="91425" wrap="square" tIns="91425">
+            <a:normAutofit/>
+          </a:bodyPr>
+          <a:lstStyle/>
+          <a:p>
+            <a:pPr indent="0" lvl="0" marL="0" rtl="0" algn="l">
+              <a:spcBef>
+                <a:spcPts val="0"/>
+              </a:spcBef>
+              <a:spcAft>
+                <a:spcPts val="0"/>
+              </a:spcAft>
+              <a:buNone/>
+            </a:pPr>
+            <a:r>
+              <a:rPr lang="en"/>
+              <a:t>Code Demo Snippets</a:t>
+            </a:r>
+            <a:endParaRPr/>
+          </a:p>
+        </p:txBody>
+      </p:sp>
+    </p:spTree>
+  </p:cSld>
+  <p:clrMapOvr>
+    <a:masterClrMapping/>
+  </p:clrMapOvr>
+</p:sld>
+</file>
+
+<file path=ppt/slides/slide23.xml><?xml version="1.0" encoding="utf-8"?>
+<p:sld xmlns:a="http://schemas.openxmlformats.org/drawingml/2006/main" xmlns:r="http://schemas.openxmlformats.org/officeDocument/2006/relationships" xmlns:mc="http://schemas.openxmlformats.org/markup-compatibility/2006" xmlns:mv="urn:schemas-microsoft-com:mac:vml" xmlns:p="http://schemas.openxmlformats.org/presentationml/2006/main" xmlns:c="http://schemas.openxmlformats.org/drawingml/2006/chart" xmlns:dgm="http://schemas.openxmlformats.org/drawingml/2006/diagram" xmlns:o="urn:schemas-microsoft-com:office:office" xmlns:v="urn:schemas-microsoft-com:vml" xmlns:pvml="urn:schemas-microsoft-com:office:powerpoint" xmlns:com="http://schemas.openxmlformats.org/drawingml/2006/compatibility" xmlns:p14="http://schemas.microsoft.com/office/powerpoint/2010/main" xmlns:p15="http://schemas.microsoft.com/office/powerpoint/2012/main" xmlns:ahyp="http://schemas.microsoft.com/office/drawing/2018/hyperlinkcolor">
+  <p:cSld>
+    <p:spTree>
+      <p:nvGrpSpPr>
+        <p:cNvPr id="213" name="Shape 213"/>
+        <p:cNvGrpSpPr/>
+        <p:nvPr/>
+      </p:nvGrpSpPr>
+      <p:grpSpPr>
+        <a:xfrm>
+          <a:off x="0" y="0"/>
+          <a:ext cx="0" cy="0"/>
+          <a:chOff x="0" y="0"/>
+          <a:chExt cx="0" cy="0"/>
+        </a:xfrm>
+      </p:grpSpPr>
+      <p:sp>
+        <p:nvSpPr>
+          <p:cNvPr id="214" name="Google Shape;214;p35"/>
+          <p:cNvSpPr txBox="1"/>
+          <p:nvPr>
+            <p:ph type="title"/>
+          </p:nvPr>
+        </p:nvSpPr>
+        <p:spPr>
+          <a:xfrm>
+            <a:off x="387900" y="458025"/>
+            <a:ext cx="8368200" cy="686100"/>
+          </a:xfrm>
+          <a:prstGeom prst="rect">
+            <a:avLst/>
+          </a:prstGeom>
+        </p:spPr>
+        <p:txBody>
+          <a:bodyPr anchorCtr="0" anchor="b" bIns="91425" lIns="91425" spcFirstLastPara="1" rIns="91425" wrap="square" tIns="91425">
+            <a:normAutofit/>
+          </a:bodyPr>
+          <a:lstStyle/>
+          <a:p>
+            <a:pPr indent="0" lvl="0" marL="0" rtl="0" algn="l">
+              <a:spcBef>
+                <a:spcPts val="0"/>
+              </a:spcBef>
+              <a:spcAft>
+                <a:spcPts val="0"/>
+              </a:spcAft>
+              <a:buNone/>
+            </a:pPr>
+            <a:r>
+              <a:rPr lang="en"/>
+              <a:t>Your task</a:t>
+            </a:r>
+            <a:endParaRPr/>
+          </a:p>
+        </p:txBody>
+      </p:sp>
+      <p:sp>
+        <p:nvSpPr>
+          <p:cNvPr id="215" name="Google Shape;215;p35"/>
+          <p:cNvSpPr txBox="1"/>
+          <p:nvPr>
+            <p:ph idx="1" type="body"/>
+          </p:nvPr>
+        </p:nvSpPr>
+        <p:spPr>
+          <a:xfrm>
+            <a:off x="387900" y="1489824"/>
+            <a:ext cx="8368200" cy="3078900"/>
+          </a:xfrm>
+          <a:prstGeom prst="rect">
+            <a:avLst/>
+          </a:prstGeom>
+        </p:spPr>
+        <p:txBody>
+          <a:bodyPr anchorCtr="0" anchor="t" bIns="91425" lIns="91425" spcFirstLastPara="1" rIns="91425" wrap="square" tIns="91425">
+            <a:normAutofit/>
+          </a:bodyPr>
+          <a:lstStyle/>
+          <a:p>
+            <a:pPr indent="0" lvl="0" marL="0" rtl="0" algn="l">
+              <a:spcBef>
+                <a:spcPts val="0"/>
+              </a:spcBef>
+              <a:spcAft>
+                <a:spcPts val="1200"/>
+              </a:spcAft>
+              <a:buNone/>
+            </a:pPr>
+            <a:r>
+              <a:t/>
+            </a:r>
+            <a:endParaRPr/>
+          </a:p>
+        </p:txBody>
+      </p:sp>
+    </p:spTree>
+  </p:cSld>
+  <p:clrMapOvr>
+    <a:masterClrMapping/>
+  </p:clrMapOvr>
+</p:sld>
+</file>
+
+<file path=ppt/slides/slide24.xml><?xml version="1.0" encoding="utf-8"?>
+<p:sld xmlns:a="http://schemas.openxmlformats.org/drawingml/2006/main" xmlns:r="http://schemas.openxmlformats.org/officeDocument/2006/relationships" xmlns:mc="http://schemas.openxmlformats.org/markup-compatibility/2006" xmlns:mv="urn:schemas-microsoft-com:mac:vml" xmlns:p="http://schemas.openxmlformats.org/presentationml/2006/main" xmlns:c="http://schemas.openxmlformats.org/drawingml/2006/chart" xmlns:dgm="http://schemas.openxmlformats.org/drawingml/2006/diagram" xmlns:o="urn:schemas-microsoft-com:office:office" xmlns:v="urn:schemas-microsoft-com:vml" xmlns:pvml="urn:schemas-microsoft-com:office:powerpoint" xmlns:com="http://schemas.openxmlformats.org/drawingml/2006/compatibility" xmlns:p14="http://schemas.microsoft.com/office/powerpoint/2010/main" xmlns:p15="http://schemas.microsoft.com/office/powerpoint/2012/main" xmlns:ahyp="http://schemas.microsoft.com/office/drawing/2018/hyperlinkcolor">
+  <p:cSld>
+    <p:spTree>
+      <p:nvGrpSpPr>
+        <p:cNvPr id="219" name="Shape 219"/>
+        <p:cNvGrpSpPr/>
+        <p:nvPr/>
+      </p:nvGrpSpPr>
+      <p:grpSpPr>
+        <a:xfrm>
+          <a:off x="0" y="0"/>
+          <a:ext cx="0" cy="0"/>
+          <a:chOff x="0" y="0"/>
+          <a:chExt cx="0" cy="0"/>
+        </a:xfrm>
+      </p:grpSpPr>
+      <p:sp>
+        <p:nvSpPr>
+          <p:cNvPr id="220" name="Google Shape;220;p36"/>
+          <p:cNvSpPr txBox="1"/>
+          <p:nvPr>
+            <p:ph type="title"/>
+          </p:nvPr>
+        </p:nvSpPr>
+        <p:spPr>
+          <a:xfrm>
+            <a:off x="490250" y="526350"/>
+            <a:ext cx="5618700" cy="4090800"/>
+          </a:xfrm>
+          <a:prstGeom prst="rect">
+            <a:avLst/>
+          </a:prstGeom>
+        </p:spPr>
+        <p:txBody>
+          <a:bodyPr anchorCtr="0" anchor="ctr" bIns="91425" lIns="91425" spcFirstLastPara="1" rIns="91425" wrap="square" tIns="91425">
+            <a:normAutofit/>
+          </a:bodyPr>
+          <a:lstStyle/>
+          <a:p>
+            <a:pPr indent="0" lvl="0" marL="0" rtl="0" algn="l">
+              <a:spcBef>
+                <a:spcPts val="0"/>
+              </a:spcBef>
+              <a:spcAft>
+                <a:spcPts val="0"/>
+              </a:spcAft>
+              <a:buNone/>
+            </a:pPr>
+            <a:r>
+              <a:rPr lang="en"/>
+              <a:t>Why do we need this functionality?</a:t>
+            </a:r>
+            <a:endParaRPr/>
+          </a:p>
+        </p:txBody>
+      </p:sp>
+    </p:spTree>
+  </p:cSld>
+  <p:clrMapOvr>
+    <a:masterClrMapping/>
+  </p:clrMapOvr>
+</p:sld>
+</file>
+
+<file path=ppt/slides/slide25.xml><?xml version="1.0" encoding="utf-8"?>
+<p:sld xmlns:a="http://schemas.openxmlformats.org/drawingml/2006/main" xmlns:r="http://schemas.openxmlformats.org/officeDocument/2006/relationships" xmlns:mc="http://schemas.openxmlformats.org/markup-compatibility/2006" xmlns:mv="urn:schemas-microsoft-com:mac:vml" xmlns:p="http://schemas.openxmlformats.org/presentationml/2006/main" xmlns:c="http://schemas.openxmlformats.org/drawingml/2006/chart" xmlns:dgm="http://schemas.openxmlformats.org/drawingml/2006/diagram" xmlns:o="urn:schemas-microsoft-com:office:office" xmlns:v="urn:schemas-microsoft-com:vml" xmlns:pvml="urn:schemas-microsoft-com:office:powerpoint" xmlns:com="http://schemas.openxmlformats.org/drawingml/2006/compatibility" xmlns:p14="http://schemas.microsoft.com/office/powerpoint/2010/main" xmlns:p15="http://schemas.microsoft.com/office/powerpoint/2012/main" xmlns:ahyp="http://schemas.microsoft.com/office/drawing/2018/hyperlinkcolor">
+  <p:cSld>
+    <p:spTree>
+      <p:nvGrpSpPr>
+        <p:cNvPr id="224" name="Shape 224"/>
+        <p:cNvGrpSpPr/>
+        <p:nvPr/>
+      </p:nvGrpSpPr>
+      <p:grpSpPr>
+        <a:xfrm>
+          <a:off x="0" y="0"/>
+          <a:ext cx="0" cy="0"/>
+          <a:chOff x="0" y="0"/>
+          <a:chExt cx="0" cy="0"/>
+        </a:xfrm>
+      </p:grpSpPr>
+      <p:pic>
+        <p:nvPicPr>
+          <p:cNvPr id="225" name="Google Shape;225;p37"/>
+          <p:cNvPicPr preferRelativeResize="0"/>
+          <p:nvPr/>
+        </p:nvPicPr>
+        <p:blipFill>
+          <a:blip r:embed="rId3">
+            <a:alphaModFix/>
+          </a:blip>
+          <a:stretch>
+            <a:fillRect/>
+          </a:stretch>
+        </p:blipFill>
+        <p:spPr>
+          <a:xfrm>
+            <a:off x="1063875" y="582831"/>
+            <a:ext cx="7016250" cy="982994"/>
+          </a:xfrm>
+          <a:prstGeom prst="rect">
+            <a:avLst/>
+          </a:prstGeom>
+          <a:noFill/>
+          <a:ln>
+            <a:noFill/>
+          </a:ln>
+        </p:spPr>
+      </p:pic>
+      <p:pic>
+        <p:nvPicPr>
+          <p:cNvPr id="226" name="Google Shape;226;p37"/>
+          <p:cNvPicPr preferRelativeResize="0"/>
+          <p:nvPr/>
+        </p:nvPicPr>
+        <p:blipFill>
+          <a:blip r:embed="rId4">
+            <a:alphaModFix/>
+          </a:blip>
+          <a:stretch>
+            <a:fillRect/>
+          </a:stretch>
+        </p:blipFill>
+        <p:spPr>
+          <a:xfrm>
+            <a:off x="1063875" y="1816398"/>
+            <a:ext cx="7016249" cy="649875"/>
+          </a:xfrm>
+          <a:prstGeom prst="rect">
+            <a:avLst/>
+          </a:prstGeom>
+          <a:noFill/>
+          <a:ln>
+            <a:noFill/>
+          </a:ln>
+        </p:spPr>
+      </p:pic>
+      <p:pic>
+        <p:nvPicPr>
+          <p:cNvPr id="227" name="Google Shape;227;p37"/>
+          <p:cNvPicPr preferRelativeResize="0"/>
+          <p:nvPr/>
+        </p:nvPicPr>
+        <p:blipFill>
+          <a:blip r:embed="rId5">
+            <a:alphaModFix/>
+          </a:blip>
+          <a:stretch>
+            <a:fillRect/>
+          </a:stretch>
+        </p:blipFill>
+        <p:spPr>
+          <a:xfrm>
+            <a:off x="2105725" y="2665385"/>
+            <a:ext cx="4932548" cy="2266939"/>
+          </a:xfrm>
+          <a:prstGeom prst="rect">
+            <a:avLst/>
+          </a:prstGeom>
+          <a:noFill/>
+          <a:ln>
+            <a:noFill/>
+          </a:ln>
+        </p:spPr>
+      </p:pic>
+    </p:spTree>
+  </p:cSld>
+  <p:clrMapOvr>
+    <a:masterClrMapping/>
+  </p:clrMapOvr>
+</p:sld>
+</file>
+
+<file path=ppt/slides/slide26.xml><?xml version="1.0" encoding="utf-8"?>
+<p:sld xmlns:a="http://schemas.openxmlformats.org/drawingml/2006/main" xmlns:r="http://schemas.openxmlformats.org/officeDocument/2006/relationships" xmlns:mc="http://schemas.openxmlformats.org/markup-compatibility/2006" xmlns:mv="urn:schemas-microsoft-com:mac:vml" xmlns:p="http://schemas.openxmlformats.org/presentationml/2006/main" xmlns:c="http://schemas.openxmlformats.org/drawingml/2006/chart" xmlns:dgm="http://schemas.openxmlformats.org/drawingml/2006/diagram" xmlns:o="urn:schemas-microsoft-com:office:office" xmlns:v="urn:schemas-microsoft-com:vml" xmlns:pvml="urn:schemas-microsoft-com:office:powerpoint" xmlns:com="http://schemas.openxmlformats.org/drawingml/2006/compatibility" xmlns:p14="http://schemas.microsoft.com/office/powerpoint/2010/main" xmlns:p15="http://schemas.microsoft.com/office/powerpoint/2012/main" xmlns:ahyp="http://schemas.microsoft.com/office/drawing/2018/hyperlinkcolor">
+  <p:cSld>
+    <p:spTree>
+      <p:nvGrpSpPr>
+        <p:cNvPr id="231" name="Shape 231"/>
+        <p:cNvGrpSpPr/>
+        <p:nvPr/>
+      </p:nvGrpSpPr>
+      <p:grpSpPr>
+        <a:xfrm>
+          <a:off x="0" y="0"/>
+          <a:ext cx="0" cy="0"/>
+          <a:chOff x="0" y="0"/>
+          <a:chExt cx="0" cy="0"/>
+        </a:xfrm>
+      </p:grpSpPr>
+      <p:pic>
+        <p:nvPicPr>
+          <p:cNvPr id="232" name="Google Shape;232;p38"/>
+          <p:cNvPicPr preferRelativeResize="0"/>
+          <p:nvPr/>
+        </p:nvPicPr>
+        <p:blipFill>
+          <a:blip r:embed="rId3">
+            <a:alphaModFix/>
+          </a:blip>
+          <a:stretch>
+            <a:fillRect/>
+          </a:stretch>
+        </p:blipFill>
+        <p:spPr>
+          <a:xfrm>
+            <a:off x="1309588" y="1190350"/>
+            <a:ext cx="6524817" cy="1517253"/>
+          </a:xfrm>
+          <a:prstGeom prst="rect">
+            <a:avLst/>
+          </a:prstGeom>
+          <a:noFill/>
+          <a:ln>
+            <a:noFill/>
+          </a:ln>
+        </p:spPr>
+      </p:pic>
+      <p:pic>
+        <p:nvPicPr>
+          <p:cNvPr id="233" name="Google Shape;233;p38"/>
+          <p:cNvPicPr preferRelativeResize="0"/>
+          <p:nvPr/>
+        </p:nvPicPr>
+        <p:blipFill>
+          <a:blip r:embed="rId4">
+            <a:alphaModFix/>
+          </a:blip>
+          <a:stretch>
+            <a:fillRect/>
+          </a:stretch>
+        </p:blipFill>
+        <p:spPr>
+          <a:xfrm>
+            <a:off x="1309595" y="2799953"/>
+            <a:ext cx="6524817" cy="1825096"/>
+          </a:xfrm>
+          <a:prstGeom prst="rect">
+            <a:avLst/>
+          </a:prstGeom>
+          <a:noFill/>
+          <a:ln>
+            <a:noFill/>
+          </a:ln>
+        </p:spPr>
+      </p:pic>
+    </p:spTree>
+  </p:cSld>
+  <p:clrMapOvr>
+    <a:masterClrMapping/>
+  </p:clrMapOvr>
+</p:sld>
+</file>
+
+<file path=ppt/slides/slide27.xml><?xml version="1.0" encoding="utf-8"?>
+<p:sld xmlns:a="http://schemas.openxmlformats.org/drawingml/2006/main" xmlns:r="http://schemas.openxmlformats.org/officeDocument/2006/relationships" xmlns:mc="http://schemas.openxmlformats.org/markup-compatibility/2006" xmlns:mv="urn:schemas-microsoft-com:mac:vml" xmlns:p="http://schemas.openxmlformats.org/presentationml/2006/main" xmlns:c="http://schemas.openxmlformats.org/drawingml/2006/chart" xmlns:dgm="http://schemas.openxmlformats.org/drawingml/2006/diagram" xmlns:o="urn:schemas-microsoft-com:office:office" xmlns:v="urn:schemas-microsoft-com:vml" xmlns:pvml="urn:schemas-microsoft-com:office:powerpoint" xmlns:com="http://schemas.openxmlformats.org/drawingml/2006/compatibility" xmlns:p14="http://schemas.microsoft.com/office/powerpoint/2010/main" xmlns:p15="http://schemas.microsoft.com/office/powerpoint/2012/main" xmlns:ahyp="http://schemas.microsoft.com/office/drawing/2018/hyperlinkcolor">
+  <p:cSld>
+    <p:spTree>
+      <p:nvGrpSpPr>
+        <p:cNvPr id="237" name="Shape 237"/>
+        <p:cNvGrpSpPr/>
+        <p:nvPr/>
+      </p:nvGrpSpPr>
+      <p:grpSpPr>
+        <a:xfrm>
+          <a:off x="0" y="0"/>
+          <a:ext cx="0" cy="0"/>
+          <a:chOff x="0" y="0"/>
+          <a:chExt cx="0" cy="0"/>
+        </a:xfrm>
+      </p:grpSpPr>
+      <p:sp>
+        <p:nvSpPr>
+          <p:cNvPr id="238" name="Google Shape;238;p39"/>
+          <p:cNvSpPr txBox="1"/>
+          <p:nvPr>
+            <p:ph type="title"/>
+          </p:nvPr>
+        </p:nvSpPr>
+        <p:spPr>
+          <a:xfrm>
+            <a:off x="387900" y="458025"/>
+            <a:ext cx="8368200" cy="686100"/>
+          </a:xfrm>
+          <a:prstGeom prst="rect">
+            <a:avLst/>
+          </a:prstGeom>
+        </p:spPr>
+        <p:txBody>
+          <a:bodyPr anchorCtr="0" anchor="b" bIns="91425" lIns="91425" spcFirstLastPara="1" rIns="91425" wrap="square" tIns="91425">
+            <a:normAutofit/>
+          </a:bodyPr>
+          <a:lstStyle/>
+          <a:p>
+            <a:pPr indent="0" lvl="0" marL="0" rtl="0" algn="l">
+              <a:spcBef>
+                <a:spcPts val="0"/>
+              </a:spcBef>
+              <a:spcAft>
+                <a:spcPts val="0"/>
+              </a:spcAft>
+              <a:buNone/>
+            </a:pPr>
+            <a:r>
+              <a:rPr lang="en"/>
               <a:t>References</a:t>
             </a:r>
             <a:endParaRPr/>
@@ -9873,7 +11820,7 @@
       </p:sp>
       <p:sp>
         <p:nvSpPr>
-          <p:cNvPr id="213" name="Google Shape;213;p32"/>
+          <p:cNvPr id="239" name="Google Shape;239;p39"/>
           <p:cNvSpPr txBox="1"/>
           <p:nvPr>
             <p:ph idx="1" type="body"/>
@@ -9962,6 +11909,58 @@
                   <a:schemeClr val="hlink"/>
                 </a:solidFill>
                 <a:hlinkClick r:id="rId5"/>
+              </a:rPr>
+              <a:t>https://learn.microsoft.com/en-us/dotnet/standard/garbage-collection/implementing-dispose</a:t>
+            </a:r>
+            <a:r>
+              <a:rPr lang="en"/>
+              <a:t> </a:t>
+            </a:r>
+            <a:endParaRPr/>
+          </a:p>
+          <a:p>
+            <a:pPr indent="-342900" lvl="0" marL="457200" rtl="0" algn="l">
+              <a:spcBef>
+                <a:spcPts val="0"/>
+              </a:spcBef>
+              <a:spcAft>
+                <a:spcPts val="0"/>
+              </a:spcAft>
+              <a:buSzPts val="1800"/>
+              <a:buChar char="●"/>
+            </a:pPr>
+            <a:r>
+              <a:rPr lang="en" u="sng">
+                <a:solidFill>
+                  <a:schemeClr val="hlink"/>
+                </a:solidFill>
+                <a:hlinkClick r:id="rId6"/>
+              </a:rPr>
+              <a:t>https://learn.microsoft.com/en-us/dotnet/standard/garbage-collection/using-objects</a:t>
+            </a:r>
+            <a:r>
+              <a:rPr lang="en"/>
+              <a:t> </a:t>
+            </a:r>
+            <a:endParaRPr/>
+          </a:p>
+          <a:p>
+            <a:pPr indent="-342900" lvl="0" marL="457200" rtl="0" algn="l">
+              <a:spcBef>
+                <a:spcPts val="0"/>
+              </a:spcBef>
+              <a:spcAft>
+                <a:spcPts val="0"/>
+              </a:spcAft>
+              <a:buSzPts val="1800"/>
+              <a:buChar char="●"/>
+            </a:pPr>
+            <a:r>
+              <a:rPr lang="en" u="sng">
+                <a:solidFill>
+                  <a:schemeClr val="hlink"/>
+                </a:solidFill>
+                <a:hlinkClick r:id="rId7"/>
               </a:rPr>
               <a:t>https://www.slideshare.net/Kamal1997/gc-in-c</a:t>
             </a:r>
@@ -11230,928 +13229,6 @@
           <p:cNvCxnSpPr>
             <a:stCxn id="95" idx="3"/>
             <a:endCxn id="100" idx="1"/>
-          </p:cNvCxnSpPr>
-          <p:nvPr/>
-        </p:nvCxnSpPr>
-        <p:spPr>
-          <a:xfrm flipH="1" rot="10800000">
-            <a:off x="3023400" y="4254050"/>
-            <a:ext cx="3285300" cy="110400"/>
-          </a:xfrm>
-          <a:prstGeom prst="straightConnector1">
-            <a:avLst/>
-          </a:prstGeom>
-          <a:noFill/>
-          <a:ln cap="flat" cmpd="sng" w="28575">
-            <a:solidFill>
-              <a:schemeClr val="dk2"/>
-            </a:solidFill>
-            <a:prstDash val="solid"/>
-            <a:round/>
-            <a:headEnd len="med" w="med" type="none"/>
-            <a:tailEnd len="med" w="med" type="triangle"/>
-          </a:ln>
-        </p:spPr>
-      </p:cxnSp>
-    </p:spTree>
-  </p:cSld>
-  <p:clrMapOvr>
-    <a:masterClrMapping/>
-  </p:clrMapOvr>
-</p:sld>
-</file>
-
-<file path=ppt/slides/slide6.xml><?xml version="1.0" encoding="utf-8"?>
-<p:sld xmlns:a="http://schemas.openxmlformats.org/drawingml/2006/main" xmlns:r="http://schemas.openxmlformats.org/officeDocument/2006/relationships" xmlns:mc="http://schemas.openxmlformats.org/markup-compatibility/2006" xmlns:mv="urn:schemas-microsoft-com:mac:vml" xmlns:p="http://schemas.openxmlformats.org/presentationml/2006/main" xmlns:c="http://schemas.openxmlformats.org/drawingml/2006/chart" xmlns:dgm="http://schemas.openxmlformats.org/drawingml/2006/diagram" xmlns:o="urn:schemas-microsoft-com:office:office" xmlns:v="urn:schemas-microsoft-com:vml" xmlns:pvml="urn:schemas-microsoft-com:office:powerpoint" xmlns:com="http://schemas.openxmlformats.org/drawingml/2006/compatibility" xmlns:p14="http://schemas.microsoft.com/office/powerpoint/2010/main" xmlns:p15="http://schemas.microsoft.com/office/powerpoint/2012/main" xmlns:ahyp="http://schemas.microsoft.com/office/drawing/2018/hyperlinkcolor">
-  <p:cSld>
-    <p:spTree>
-      <p:nvGrpSpPr>
-        <p:cNvPr id="109" name="Shape 109"/>
-        <p:cNvGrpSpPr/>
-        <p:nvPr/>
-      </p:nvGrpSpPr>
-      <p:grpSpPr>
-        <a:xfrm>
-          <a:off x="0" y="0"/>
-          <a:ext cx="0" cy="0"/>
-          <a:chOff x="0" y="0"/>
-          <a:chExt cx="0" cy="0"/>
-        </a:xfrm>
-      </p:grpSpPr>
-      <p:sp>
-        <p:nvSpPr>
-          <p:cNvPr id="110" name="Google Shape;110;p18"/>
-          <p:cNvSpPr txBox="1"/>
-          <p:nvPr>
-            <p:ph type="title"/>
-          </p:nvPr>
-        </p:nvSpPr>
-        <p:spPr>
-          <a:xfrm>
-            <a:off x="387900" y="458025"/>
-            <a:ext cx="8368200" cy="686100"/>
-          </a:xfrm>
-          <a:prstGeom prst="rect">
-            <a:avLst/>
-          </a:prstGeom>
-        </p:spPr>
-        <p:txBody>
-          <a:bodyPr anchorCtr="0" anchor="b" bIns="91425" lIns="91425" spcFirstLastPara="1" rIns="91425" wrap="square" tIns="91425">
-            <a:normAutofit/>
-          </a:bodyPr>
-          <a:lstStyle/>
-          <a:p>
-            <a:pPr indent="0" lvl="0" marL="0" rtl="0" algn="l">
-              <a:spcBef>
-                <a:spcPts val="0"/>
-              </a:spcBef>
-              <a:spcAft>
-                <a:spcPts val="0"/>
-              </a:spcAft>
-              <a:buNone/>
-            </a:pPr>
-            <a:r>
-              <a:rPr lang="en"/>
-              <a:t>An understanding of Memory</a:t>
-            </a:r>
-            <a:endParaRPr/>
-          </a:p>
-        </p:txBody>
-      </p:sp>
-      <p:sp>
-        <p:nvSpPr>
-          <p:cNvPr id="111" name="Google Shape;111;p18"/>
-          <p:cNvSpPr txBox="1"/>
-          <p:nvPr>
-            <p:ph idx="1" type="body"/>
-          </p:nvPr>
-        </p:nvSpPr>
-        <p:spPr>
-          <a:xfrm>
-            <a:off x="387900" y="1489825"/>
-            <a:ext cx="3999900" cy="839400"/>
-          </a:xfrm>
-          <a:prstGeom prst="rect">
-            <a:avLst/>
-          </a:prstGeom>
-        </p:spPr>
-        <p:txBody>
-          <a:bodyPr anchorCtr="0" anchor="t" bIns="91425" lIns="91425" spcFirstLastPara="1" rIns="91425" wrap="square" tIns="91425">
-            <a:normAutofit/>
-          </a:bodyPr>
-          <a:lstStyle/>
-          <a:p>
-            <a:pPr indent="0" lvl="0" marL="0" rtl="0" algn="ctr">
-              <a:spcBef>
-                <a:spcPts val="0"/>
-              </a:spcBef>
-              <a:spcAft>
-                <a:spcPts val="0"/>
-              </a:spcAft>
-              <a:buNone/>
-            </a:pPr>
-            <a:r>
-              <a:rPr lang="en"/>
-              <a:t>Stack</a:t>
-            </a:r>
-            <a:endParaRPr/>
-          </a:p>
-          <a:p>
-            <a:pPr indent="0" lvl="0" marL="0" rtl="0" algn="ctr">
-              <a:spcBef>
-                <a:spcPts val="1200"/>
-              </a:spcBef>
-              <a:spcAft>
-                <a:spcPts val="1200"/>
-              </a:spcAft>
-              <a:buNone/>
-            </a:pPr>
-            <a:r>
-              <a:rPr lang="en"/>
-              <a:t>All references</a:t>
-            </a:r>
-            <a:endParaRPr/>
-          </a:p>
-        </p:txBody>
-      </p:sp>
-      <p:sp>
-        <p:nvSpPr>
-          <p:cNvPr id="112" name="Google Shape;112;p18"/>
-          <p:cNvSpPr txBox="1"/>
-          <p:nvPr>
-            <p:ph idx="2" type="body"/>
-          </p:nvPr>
-        </p:nvSpPr>
-        <p:spPr>
-          <a:xfrm>
-            <a:off x="4756200" y="1489825"/>
-            <a:ext cx="3999900" cy="839400"/>
-          </a:xfrm>
-          <a:prstGeom prst="rect">
-            <a:avLst/>
-          </a:prstGeom>
-        </p:spPr>
-        <p:txBody>
-          <a:bodyPr anchorCtr="0" anchor="t" bIns="91425" lIns="91425" spcFirstLastPara="1" rIns="91425" wrap="square" tIns="91425">
-            <a:normAutofit/>
-          </a:bodyPr>
-          <a:lstStyle/>
-          <a:p>
-            <a:pPr indent="0" lvl="0" marL="0" rtl="0" algn="ctr">
-              <a:spcBef>
-                <a:spcPts val="0"/>
-              </a:spcBef>
-              <a:spcAft>
-                <a:spcPts val="0"/>
-              </a:spcAft>
-              <a:buNone/>
-            </a:pPr>
-            <a:r>
-              <a:rPr lang="en"/>
-              <a:t>Heap</a:t>
-            </a:r>
-            <a:endParaRPr/>
-          </a:p>
-          <a:p>
-            <a:pPr indent="0" lvl="0" marL="0" rtl="0" algn="ctr">
-              <a:spcBef>
-                <a:spcPts val="1200"/>
-              </a:spcBef>
-              <a:spcAft>
-                <a:spcPts val="1200"/>
-              </a:spcAft>
-              <a:buNone/>
-            </a:pPr>
-            <a:r>
-              <a:rPr lang="en"/>
-              <a:t>All object that are created in memory</a:t>
-            </a:r>
-            <a:endParaRPr/>
-          </a:p>
-        </p:txBody>
-      </p:sp>
-      <p:sp>
-        <p:nvSpPr>
-          <p:cNvPr id="113" name="Google Shape;113;p18"/>
-          <p:cNvSpPr/>
-          <p:nvPr/>
-        </p:nvSpPr>
-        <p:spPr>
-          <a:xfrm>
-            <a:off x="1752300" y="2380700"/>
-            <a:ext cx="1271100" cy="279300"/>
-          </a:xfrm>
-          <a:prstGeom prst="rect">
-            <a:avLst/>
-          </a:prstGeom>
-          <a:solidFill>
-            <a:schemeClr val="lt2"/>
-          </a:solidFill>
-          <a:ln cap="flat" cmpd="sng" w="9525">
-            <a:solidFill>
-              <a:schemeClr val="dk2"/>
-            </a:solidFill>
-            <a:prstDash val="solid"/>
-            <a:round/>
-            <a:headEnd len="sm" w="sm" type="none"/>
-            <a:tailEnd len="sm" w="sm" type="none"/>
-          </a:ln>
-        </p:spPr>
-        <p:txBody>
-          <a:bodyPr anchorCtr="0" anchor="ctr" bIns="91425" lIns="91425" spcFirstLastPara="1" rIns="91425" wrap="square" tIns="91425">
-            <a:noAutofit/>
-          </a:bodyPr>
-          <a:lstStyle/>
-          <a:p>
-            <a:pPr indent="0" lvl="0" marL="0" rtl="0" algn="ctr">
-              <a:spcBef>
-                <a:spcPts val="0"/>
-              </a:spcBef>
-              <a:spcAft>
-                <a:spcPts val="0"/>
-              </a:spcAft>
-              <a:buNone/>
-            </a:pPr>
-            <a:r>
-              <a:rPr lang="en">
-                <a:latin typeface="Roboto"/>
-                <a:ea typeface="Roboto"/>
-                <a:cs typeface="Roboto"/>
-                <a:sym typeface="Roboto"/>
-              </a:rPr>
-              <a:t>Ref 1</a:t>
-            </a:r>
-            <a:endParaRPr>
-              <a:latin typeface="Roboto"/>
-              <a:ea typeface="Roboto"/>
-              <a:cs typeface="Roboto"/>
-              <a:sym typeface="Roboto"/>
-            </a:endParaRPr>
-          </a:p>
-        </p:txBody>
-      </p:sp>
-      <p:sp>
-        <p:nvSpPr>
-          <p:cNvPr id="114" name="Google Shape;114;p18"/>
-          <p:cNvSpPr/>
-          <p:nvPr/>
-        </p:nvSpPr>
-        <p:spPr>
-          <a:xfrm>
-            <a:off x="1752300" y="2841725"/>
-            <a:ext cx="1271100" cy="279300"/>
-          </a:xfrm>
-          <a:prstGeom prst="rect">
-            <a:avLst/>
-          </a:prstGeom>
-          <a:solidFill>
-            <a:schemeClr val="lt2"/>
-          </a:solidFill>
-          <a:ln cap="flat" cmpd="sng" w="9525">
-            <a:solidFill>
-              <a:schemeClr val="dk2"/>
-            </a:solidFill>
-            <a:prstDash val="solid"/>
-            <a:round/>
-            <a:headEnd len="sm" w="sm" type="none"/>
-            <a:tailEnd len="sm" w="sm" type="none"/>
-          </a:ln>
-        </p:spPr>
-        <p:txBody>
-          <a:bodyPr anchorCtr="0" anchor="ctr" bIns="91425" lIns="91425" spcFirstLastPara="1" rIns="91425" wrap="square" tIns="91425">
-            <a:noAutofit/>
-          </a:bodyPr>
-          <a:lstStyle/>
-          <a:p>
-            <a:pPr indent="0" lvl="0" marL="0" rtl="0" algn="ctr">
-              <a:spcBef>
-                <a:spcPts val="0"/>
-              </a:spcBef>
-              <a:spcAft>
-                <a:spcPts val="0"/>
-              </a:spcAft>
-              <a:buNone/>
-            </a:pPr>
-            <a:r>
-              <a:rPr lang="en">
-                <a:latin typeface="Roboto"/>
-                <a:ea typeface="Roboto"/>
-                <a:cs typeface="Roboto"/>
-                <a:sym typeface="Roboto"/>
-              </a:rPr>
-              <a:t>Ref 2</a:t>
-            </a:r>
-            <a:endParaRPr>
-              <a:latin typeface="Roboto"/>
-              <a:ea typeface="Roboto"/>
-              <a:cs typeface="Roboto"/>
-              <a:sym typeface="Roboto"/>
-            </a:endParaRPr>
-          </a:p>
-        </p:txBody>
-      </p:sp>
-      <p:sp>
-        <p:nvSpPr>
-          <p:cNvPr id="115" name="Google Shape;115;p18"/>
-          <p:cNvSpPr/>
-          <p:nvPr/>
-        </p:nvSpPr>
-        <p:spPr>
-          <a:xfrm>
-            <a:off x="1752300" y="3302750"/>
-            <a:ext cx="1271100" cy="279300"/>
-          </a:xfrm>
-          <a:prstGeom prst="rect">
-            <a:avLst/>
-          </a:prstGeom>
-          <a:solidFill>
-            <a:schemeClr val="lt2"/>
-          </a:solidFill>
-          <a:ln cap="flat" cmpd="sng" w="9525">
-            <a:solidFill>
-              <a:schemeClr val="dk2"/>
-            </a:solidFill>
-            <a:prstDash val="solid"/>
-            <a:round/>
-            <a:headEnd len="sm" w="sm" type="none"/>
-            <a:tailEnd len="sm" w="sm" type="none"/>
-          </a:ln>
-        </p:spPr>
-        <p:txBody>
-          <a:bodyPr anchorCtr="0" anchor="ctr" bIns="91425" lIns="91425" spcFirstLastPara="1" rIns="91425" wrap="square" tIns="91425">
-            <a:noAutofit/>
-          </a:bodyPr>
-          <a:lstStyle/>
-          <a:p>
-            <a:pPr indent="0" lvl="0" marL="0" rtl="0" algn="ctr">
-              <a:spcBef>
-                <a:spcPts val="0"/>
-              </a:spcBef>
-              <a:spcAft>
-                <a:spcPts val="0"/>
-              </a:spcAft>
-              <a:buNone/>
-            </a:pPr>
-            <a:r>
-              <a:rPr lang="en">
-                <a:latin typeface="Roboto"/>
-                <a:ea typeface="Roboto"/>
-                <a:cs typeface="Roboto"/>
-                <a:sym typeface="Roboto"/>
-              </a:rPr>
-              <a:t>Ref 3</a:t>
-            </a:r>
-            <a:endParaRPr>
-              <a:latin typeface="Roboto"/>
-              <a:ea typeface="Roboto"/>
-              <a:cs typeface="Roboto"/>
-              <a:sym typeface="Roboto"/>
-            </a:endParaRPr>
-          </a:p>
-        </p:txBody>
-      </p:sp>
-      <p:sp>
-        <p:nvSpPr>
-          <p:cNvPr id="116" name="Google Shape;116;p18"/>
-          <p:cNvSpPr/>
-          <p:nvPr/>
-        </p:nvSpPr>
-        <p:spPr>
-          <a:xfrm>
-            <a:off x="1752300" y="3763775"/>
-            <a:ext cx="1271100" cy="279300"/>
-          </a:xfrm>
-          <a:prstGeom prst="rect">
-            <a:avLst/>
-          </a:prstGeom>
-          <a:solidFill>
-            <a:schemeClr val="lt2"/>
-          </a:solidFill>
-          <a:ln cap="flat" cmpd="sng" w="9525">
-            <a:solidFill>
-              <a:schemeClr val="dk2"/>
-            </a:solidFill>
-            <a:prstDash val="solid"/>
-            <a:round/>
-            <a:headEnd len="sm" w="sm" type="none"/>
-            <a:tailEnd len="sm" w="sm" type="none"/>
-          </a:ln>
-        </p:spPr>
-        <p:txBody>
-          <a:bodyPr anchorCtr="0" anchor="ctr" bIns="91425" lIns="91425" spcFirstLastPara="1" rIns="91425" wrap="square" tIns="91425">
-            <a:noAutofit/>
-          </a:bodyPr>
-          <a:lstStyle/>
-          <a:p>
-            <a:pPr indent="0" lvl="0" marL="0" rtl="0" algn="ctr">
-              <a:spcBef>
-                <a:spcPts val="0"/>
-              </a:spcBef>
-              <a:spcAft>
-                <a:spcPts val="0"/>
-              </a:spcAft>
-              <a:buNone/>
-            </a:pPr>
-            <a:r>
-              <a:rPr lang="en">
-                <a:latin typeface="Roboto"/>
-                <a:ea typeface="Roboto"/>
-                <a:cs typeface="Roboto"/>
-                <a:sym typeface="Roboto"/>
-              </a:rPr>
-              <a:t>Ref 4</a:t>
-            </a:r>
-            <a:endParaRPr>
-              <a:latin typeface="Roboto"/>
-              <a:ea typeface="Roboto"/>
-              <a:cs typeface="Roboto"/>
-              <a:sym typeface="Roboto"/>
-            </a:endParaRPr>
-          </a:p>
-        </p:txBody>
-      </p:sp>
-      <p:sp>
-        <p:nvSpPr>
-          <p:cNvPr id="117" name="Google Shape;117;p18"/>
-          <p:cNvSpPr/>
-          <p:nvPr/>
-        </p:nvSpPr>
-        <p:spPr>
-          <a:xfrm>
-            <a:off x="1752300" y="4224800"/>
-            <a:ext cx="1271100" cy="279300"/>
-          </a:xfrm>
-          <a:prstGeom prst="rect">
-            <a:avLst/>
-          </a:prstGeom>
-          <a:solidFill>
-            <a:schemeClr val="lt2"/>
-          </a:solidFill>
-          <a:ln cap="flat" cmpd="sng" w="9525">
-            <a:solidFill>
-              <a:schemeClr val="dk2"/>
-            </a:solidFill>
-            <a:prstDash val="solid"/>
-            <a:round/>
-            <a:headEnd len="sm" w="sm" type="none"/>
-            <a:tailEnd len="sm" w="sm" type="none"/>
-          </a:ln>
-        </p:spPr>
-        <p:txBody>
-          <a:bodyPr anchorCtr="0" anchor="ctr" bIns="91425" lIns="91425" spcFirstLastPara="1" rIns="91425" wrap="square" tIns="91425">
-            <a:noAutofit/>
-          </a:bodyPr>
-          <a:lstStyle/>
-          <a:p>
-            <a:pPr indent="0" lvl="0" marL="0" rtl="0" algn="ctr">
-              <a:spcBef>
-                <a:spcPts val="0"/>
-              </a:spcBef>
-              <a:spcAft>
-                <a:spcPts val="0"/>
-              </a:spcAft>
-              <a:buNone/>
-            </a:pPr>
-            <a:r>
-              <a:rPr lang="en">
-                <a:latin typeface="Roboto"/>
-                <a:ea typeface="Roboto"/>
-                <a:cs typeface="Roboto"/>
-                <a:sym typeface="Roboto"/>
-              </a:rPr>
-              <a:t>Ref 5</a:t>
-            </a:r>
-            <a:endParaRPr>
-              <a:latin typeface="Roboto"/>
-              <a:ea typeface="Roboto"/>
-              <a:cs typeface="Roboto"/>
-              <a:sym typeface="Roboto"/>
-            </a:endParaRPr>
-          </a:p>
-        </p:txBody>
-      </p:sp>
-      <p:sp>
-        <p:nvSpPr>
-          <p:cNvPr id="118" name="Google Shape;118;p18"/>
-          <p:cNvSpPr/>
-          <p:nvPr/>
-        </p:nvSpPr>
-        <p:spPr>
-          <a:xfrm>
-            <a:off x="5926788" y="2329225"/>
-            <a:ext cx="522000" cy="461100"/>
-          </a:xfrm>
-          <a:prstGeom prst="rect">
-            <a:avLst/>
-          </a:prstGeom>
-          <a:solidFill>
-            <a:schemeClr val="lt2"/>
-          </a:solidFill>
-          <a:ln cap="flat" cmpd="sng" w="9525">
-            <a:solidFill>
-              <a:schemeClr val="dk2"/>
-            </a:solidFill>
-            <a:prstDash val="solid"/>
-            <a:round/>
-            <a:headEnd len="sm" w="sm" type="none"/>
-            <a:tailEnd len="sm" w="sm" type="none"/>
-          </a:ln>
-        </p:spPr>
-        <p:txBody>
-          <a:bodyPr anchorCtr="0" anchor="ctr" bIns="91425" lIns="91425" spcFirstLastPara="1" rIns="91425" wrap="square" tIns="91425">
-            <a:noAutofit/>
-          </a:bodyPr>
-          <a:lstStyle/>
-          <a:p>
-            <a:pPr indent="0" lvl="0" marL="0" rtl="0" algn="ctr">
-              <a:spcBef>
-                <a:spcPts val="0"/>
-              </a:spcBef>
-              <a:spcAft>
-                <a:spcPts val="0"/>
-              </a:spcAft>
-              <a:buNone/>
-            </a:pPr>
-            <a:r>
-              <a:rPr lang="en">
-                <a:latin typeface="Roboto"/>
-                <a:ea typeface="Roboto"/>
-                <a:cs typeface="Roboto"/>
-                <a:sym typeface="Roboto"/>
-              </a:rPr>
-              <a:t>Obj 1</a:t>
-            </a:r>
-            <a:endParaRPr>
-              <a:latin typeface="Roboto"/>
-              <a:ea typeface="Roboto"/>
-              <a:cs typeface="Roboto"/>
-              <a:sym typeface="Roboto"/>
-            </a:endParaRPr>
-          </a:p>
-        </p:txBody>
-      </p:sp>
-      <p:sp>
-        <p:nvSpPr>
-          <p:cNvPr id="119" name="Google Shape;119;p18"/>
-          <p:cNvSpPr/>
-          <p:nvPr/>
-        </p:nvSpPr>
-        <p:spPr>
-          <a:xfrm>
-            <a:off x="7065513" y="2731450"/>
-            <a:ext cx="522000" cy="461100"/>
-          </a:xfrm>
-          <a:prstGeom prst="rect">
-            <a:avLst/>
-          </a:prstGeom>
-          <a:solidFill>
-            <a:schemeClr val="lt2"/>
-          </a:solidFill>
-          <a:ln cap="flat" cmpd="sng" w="9525">
-            <a:solidFill>
-              <a:schemeClr val="dk2"/>
-            </a:solidFill>
-            <a:prstDash val="solid"/>
-            <a:round/>
-            <a:headEnd len="sm" w="sm" type="none"/>
-            <a:tailEnd len="sm" w="sm" type="none"/>
-          </a:ln>
-        </p:spPr>
-        <p:txBody>
-          <a:bodyPr anchorCtr="0" anchor="ctr" bIns="91425" lIns="91425" spcFirstLastPara="1" rIns="91425" wrap="square" tIns="91425">
-            <a:noAutofit/>
-          </a:bodyPr>
-          <a:lstStyle/>
-          <a:p>
-            <a:pPr indent="0" lvl="0" marL="0" rtl="0" algn="ctr">
-              <a:spcBef>
-                <a:spcPts val="0"/>
-              </a:spcBef>
-              <a:spcAft>
-                <a:spcPts val="0"/>
-              </a:spcAft>
-              <a:buNone/>
-            </a:pPr>
-            <a:r>
-              <a:rPr lang="en">
-                <a:latin typeface="Roboto"/>
-                <a:ea typeface="Roboto"/>
-                <a:cs typeface="Roboto"/>
-                <a:sym typeface="Roboto"/>
-              </a:rPr>
-              <a:t>Obj 2</a:t>
-            </a:r>
-            <a:endParaRPr>
-              <a:latin typeface="Roboto"/>
-              <a:ea typeface="Roboto"/>
-              <a:cs typeface="Roboto"/>
-              <a:sym typeface="Roboto"/>
-            </a:endParaRPr>
-          </a:p>
-        </p:txBody>
-      </p:sp>
-      <p:sp>
-        <p:nvSpPr>
-          <p:cNvPr id="120" name="Google Shape;120;p18"/>
-          <p:cNvSpPr/>
-          <p:nvPr/>
-        </p:nvSpPr>
-        <p:spPr>
-          <a:xfrm>
-            <a:off x="5864188" y="3192475"/>
-            <a:ext cx="522000" cy="461100"/>
-          </a:xfrm>
-          <a:prstGeom prst="rect">
-            <a:avLst/>
-          </a:prstGeom>
-          <a:solidFill>
-            <a:schemeClr val="lt2"/>
-          </a:solidFill>
-          <a:ln cap="flat" cmpd="sng" w="9525">
-            <a:solidFill>
-              <a:schemeClr val="dk2"/>
-            </a:solidFill>
-            <a:prstDash val="solid"/>
-            <a:round/>
-            <a:headEnd len="sm" w="sm" type="none"/>
-            <a:tailEnd len="sm" w="sm" type="none"/>
-          </a:ln>
-        </p:spPr>
-        <p:txBody>
-          <a:bodyPr anchorCtr="0" anchor="ctr" bIns="91425" lIns="91425" spcFirstLastPara="1" rIns="91425" wrap="square" tIns="91425">
-            <a:noAutofit/>
-          </a:bodyPr>
-          <a:lstStyle/>
-          <a:p>
-            <a:pPr indent="0" lvl="0" marL="0" rtl="0" algn="ctr">
-              <a:spcBef>
-                <a:spcPts val="0"/>
-              </a:spcBef>
-              <a:spcAft>
-                <a:spcPts val="0"/>
-              </a:spcAft>
-              <a:buNone/>
-            </a:pPr>
-            <a:r>
-              <a:rPr lang="en">
-                <a:latin typeface="Roboto"/>
-                <a:ea typeface="Roboto"/>
-                <a:cs typeface="Roboto"/>
-                <a:sym typeface="Roboto"/>
-              </a:rPr>
-              <a:t>Obj 3</a:t>
-            </a:r>
-            <a:endParaRPr>
-              <a:latin typeface="Roboto"/>
-              <a:ea typeface="Roboto"/>
-              <a:cs typeface="Roboto"/>
-              <a:sym typeface="Roboto"/>
-            </a:endParaRPr>
-          </a:p>
-        </p:txBody>
-      </p:sp>
-      <p:sp>
-        <p:nvSpPr>
-          <p:cNvPr id="121" name="Google Shape;121;p18"/>
-          <p:cNvSpPr/>
-          <p:nvPr/>
-        </p:nvSpPr>
-        <p:spPr>
-          <a:xfrm>
-            <a:off x="7126113" y="3602025"/>
-            <a:ext cx="522000" cy="461100"/>
-          </a:xfrm>
-          <a:prstGeom prst="rect">
-            <a:avLst/>
-          </a:prstGeom>
-          <a:solidFill>
-            <a:schemeClr val="lt2"/>
-          </a:solidFill>
-          <a:ln cap="flat" cmpd="sng" w="9525">
-            <a:solidFill>
-              <a:schemeClr val="dk2"/>
-            </a:solidFill>
-            <a:prstDash val="solid"/>
-            <a:round/>
-            <a:headEnd len="sm" w="sm" type="none"/>
-            <a:tailEnd len="sm" w="sm" type="none"/>
-          </a:ln>
-        </p:spPr>
-        <p:txBody>
-          <a:bodyPr anchorCtr="0" anchor="ctr" bIns="91425" lIns="91425" spcFirstLastPara="1" rIns="91425" wrap="square" tIns="91425">
-            <a:noAutofit/>
-          </a:bodyPr>
-          <a:lstStyle/>
-          <a:p>
-            <a:pPr indent="0" lvl="0" marL="0" rtl="0" algn="ctr">
-              <a:spcBef>
-                <a:spcPts val="0"/>
-              </a:spcBef>
-              <a:spcAft>
-                <a:spcPts val="0"/>
-              </a:spcAft>
-              <a:buNone/>
-            </a:pPr>
-            <a:r>
-              <a:rPr lang="en">
-                <a:latin typeface="Roboto"/>
-                <a:ea typeface="Roboto"/>
-                <a:cs typeface="Roboto"/>
-                <a:sym typeface="Roboto"/>
-              </a:rPr>
-              <a:t>Obj 4</a:t>
-            </a:r>
-            <a:endParaRPr>
-              <a:latin typeface="Roboto"/>
-              <a:ea typeface="Roboto"/>
-              <a:cs typeface="Roboto"/>
-              <a:sym typeface="Roboto"/>
-            </a:endParaRPr>
-          </a:p>
-        </p:txBody>
-      </p:sp>
-      <p:sp>
-        <p:nvSpPr>
-          <p:cNvPr id="122" name="Google Shape;122;p18"/>
-          <p:cNvSpPr/>
-          <p:nvPr/>
-        </p:nvSpPr>
-        <p:spPr>
-          <a:xfrm>
-            <a:off x="6308588" y="4023625"/>
-            <a:ext cx="522000" cy="461100"/>
-          </a:xfrm>
-          <a:prstGeom prst="rect">
-            <a:avLst/>
-          </a:prstGeom>
-          <a:solidFill>
-            <a:schemeClr val="lt2"/>
-          </a:solidFill>
-          <a:ln cap="flat" cmpd="sng" w="9525">
-            <a:solidFill>
-              <a:schemeClr val="dk2"/>
-            </a:solidFill>
-            <a:prstDash val="solid"/>
-            <a:round/>
-            <a:headEnd len="sm" w="sm" type="none"/>
-            <a:tailEnd len="sm" w="sm" type="none"/>
-          </a:ln>
-        </p:spPr>
-        <p:txBody>
-          <a:bodyPr anchorCtr="0" anchor="ctr" bIns="91425" lIns="91425" spcFirstLastPara="1" rIns="91425" wrap="square" tIns="91425">
-            <a:noAutofit/>
-          </a:bodyPr>
-          <a:lstStyle/>
-          <a:p>
-            <a:pPr indent="0" lvl="0" marL="0" rtl="0" algn="ctr">
-              <a:spcBef>
-                <a:spcPts val="0"/>
-              </a:spcBef>
-              <a:spcAft>
-                <a:spcPts val="0"/>
-              </a:spcAft>
-              <a:buNone/>
-            </a:pPr>
-            <a:r>
-              <a:rPr lang="en">
-                <a:latin typeface="Roboto"/>
-                <a:ea typeface="Roboto"/>
-                <a:cs typeface="Roboto"/>
-                <a:sym typeface="Roboto"/>
-              </a:rPr>
-              <a:t>Obj 5</a:t>
-            </a:r>
-            <a:endParaRPr>
-              <a:latin typeface="Roboto"/>
-              <a:ea typeface="Roboto"/>
-              <a:cs typeface="Roboto"/>
-              <a:sym typeface="Roboto"/>
-            </a:endParaRPr>
-          </a:p>
-        </p:txBody>
-      </p:sp>
-      <p:cxnSp>
-        <p:nvCxnSpPr>
-          <p:cNvPr id="123" name="Google Shape;123;p18"/>
-          <p:cNvCxnSpPr>
-            <a:stCxn id="113" idx="3"/>
-            <a:endCxn id="118" idx="1"/>
-          </p:cNvCxnSpPr>
-          <p:nvPr/>
-        </p:nvCxnSpPr>
-        <p:spPr>
-          <a:xfrm>
-            <a:off x="3023400" y="2520350"/>
-            <a:ext cx="2903400" cy="39300"/>
-          </a:xfrm>
-          <a:prstGeom prst="straightConnector1">
-            <a:avLst/>
-          </a:prstGeom>
-          <a:noFill/>
-          <a:ln cap="flat" cmpd="sng" w="28575">
-            <a:solidFill>
-              <a:schemeClr val="dk2"/>
-            </a:solidFill>
-            <a:prstDash val="solid"/>
-            <a:round/>
-            <a:headEnd len="med" w="med" type="none"/>
-            <a:tailEnd len="med" w="med" type="triangle"/>
-          </a:ln>
-        </p:spPr>
-      </p:cxnSp>
-      <p:cxnSp>
-        <p:nvCxnSpPr>
-          <p:cNvPr id="124" name="Google Shape;124;p18"/>
-          <p:cNvCxnSpPr>
-            <a:stCxn id="114" idx="3"/>
-            <a:endCxn id="119" idx="1"/>
-          </p:cNvCxnSpPr>
-          <p:nvPr/>
-        </p:nvCxnSpPr>
-        <p:spPr>
-          <a:xfrm flipH="1" rot="10800000">
-            <a:off x="3023400" y="2961875"/>
-            <a:ext cx="4042200" cy="19500"/>
-          </a:xfrm>
-          <a:prstGeom prst="straightConnector1">
-            <a:avLst/>
-          </a:prstGeom>
-          <a:noFill/>
-          <a:ln cap="flat" cmpd="sng" w="28575">
-            <a:solidFill>
-              <a:schemeClr val="dk2"/>
-            </a:solidFill>
-            <a:prstDash val="solid"/>
-            <a:round/>
-            <a:headEnd len="med" w="med" type="none"/>
-            <a:tailEnd len="med" w="med" type="triangle"/>
-          </a:ln>
-        </p:spPr>
-      </p:cxnSp>
-      <p:cxnSp>
-        <p:nvCxnSpPr>
-          <p:cNvPr id="125" name="Google Shape;125;p18"/>
-          <p:cNvCxnSpPr>
-            <a:stCxn id="115" idx="3"/>
-            <a:endCxn id="120" idx="1"/>
-          </p:cNvCxnSpPr>
-          <p:nvPr/>
-        </p:nvCxnSpPr>
-        <p:spPr>
-          <a:xfrm flipH="1" rot="10800000">
-            <a:off x="3023400" y="3422900"/>
-            <a:ext cx="2840700" cy="19500"/>
-          </a:xfrm>
-          <a:prstGeom prst="straightConnector1">
-            <a:avLst/>
-          </a:prstGeom>
-          <a:noFill/>
-          <a:ln cap="flat" cmpd="sng" w="28575">
-            <a:solidFill>
-              <a:schemeClr val="dk2"/>
-            </a:solidFill>
-            <a:prstDash val="solid"/>
-            <a:round/>
-            <a:headEnd len="med" w="med" type="none"/>
-            <a:tailEnd len="med" w="med" type="triangle"/>
-          </a:ln>
-        </p:spPr>
-      </p:cxnSp>
-      <p:cxnSp>
-        <p:nvCxnSpPr>
-          <p:cNvPr id="126" name="Google Shape;126;p18"/>
-          <p:cNvCxnSpPr>
-            <a:stCxn id="116" idx="3"/>
-            <a:endCxn id="121" idx="1"/>
-          </p:cNvCxnSpPr>
-          <p:nvPr/>
-        </p:nvCxnSpPr>
-        <p:spPr>
-          <a:xfrm flipH="1" rot="10800000">
-            <a:off x="3023400" y="3832625"/>
-            <a:ext cx="4102800" cy="70800"/>
-          </a:xfrm>
-          <a:prstGeom prst="straightConnector1">
-            <a:avLst/>
-          </a:prstGeom>
-          <a:noFill/>
-          <a:ln cap="flat" cmpd="sng" w="28575">
-            <a:solidFill>
-              <a:schemeClr val="dk2"/>
-            </a:solidFill>
-            <a:prstDash val="solid"/>
-            <a:round/>
-            <a:headEnd len="med" w="med" type="none"/>
-            <a:tailEnd len="med" w="med" type="triangle"/>
-          </a:ln>
-        </p:spPr>
-      </p:cxnSp>
-      <p:cxnSp>
-        <p:nvCxnSpPr>
-          <p:cNvPr id="127" name="Google Shape;127;p18"/>
-          <p:cNvCxnSpPr>
-            <a:stCxn id="117" idx="3"/>
-            <a:endCxn id="122" idx="1"/>
           </p:cNvCxnSpPr>
           <p:nvPr/>
         </p:nvCxnSpPr>
@@ -12210,7 +13287,7 @@
                                       <p:cBhvr>
                                         <p:cTn dur="1000"/>
                                         <p:tgtEl>
-                                          <p:spTgt spid="124"/>
+                                          <p:spTgt spid="102"/>
                                         </p:tgtEl>
                                       </p:cBhvr>
                                     </p:animEffect>
@@ -12222,7 +13299,7 @@
                                           </p:stCondLst>
                                         </p:cTn>
                                         <p:tgtEl>
-                                          <p:spTgt spid="124"/>
+                                          <p:spTgt spid="102"/>
                                         </p:tgtEl>
                                         <p:attrNameLst>
                                           <p:attrName>style.visibility</p:attrName>
@@ -12266,12 +13343,12 @@
 </p:sld>
 </file>
 
-<file path=ppt/slides/slide7.xml><?xml version="1.0" encoding="utf-8"?>
+<file path=ppt/slides/slide6.xml><?xml version="1.0" encoding="utf-8"?>
 <p:sld xmlns:a="http://schemas.openxmlformats.org/drawingml/2006/main" xmlns:r="http://schemas.openxmlformats.org/officeDocument/2006/relationships" xmlns:mc="http://schemas.openxmlformats.org/markup-compatibility/2006" xmlns:mv="urn:schemas-microsoft-com:mac:vml" xmlns:p="http://schemas.openxmlformats.org/presentationml/2006/main" xmlns:c="http://schemas.openxmlformats.org/drawingml/2006/chart" xmlns:dgm="http://schemas.openxmlformats.org/drawingml/2006/diagram" xmlns:o="urn:schemas-microsoft-com:office:office" xmlns:v="urn:schemas-microsoft-com:vml" xmlns:pvml="urn:schemas-microsoft-com:office:powerpoint" xmlns:com="http://schemas.openxmlformats.org/drawingml/2006/compatibility" xmlns:p14="http://schemas.microsoft.com/office/powerpoint/2010/main" xmlns:p15="http://schemas.microsoft.com/office/powerpoint/2012/main" xmlns:ahyp="http://schemas.microsoft.com/office/drawing/2018/hyperlinkcolor">
   <p:cSld>
     <p:spTree>
       <p:nvGrpSpPr>
-        <p:cNvPr id="131" name="Shape 131"/>
+        <p:cNvPr id="109" name="Shape 109"/>
         <p:cNvGrpSpPr/>
         <p:nvPr/>
       </p:nvGrpSpPr>
@@ -12285,7 +13362,7 @@
       </p:grpSpPr>
       <p:sp>
         <p:nvSpPr>
-          <p:cNvPr id="132" name="Google Shape;132;p19"/>
+          <p:cNvPr id="110" name="Google Shape;110;p18"/>
           <p:cNvSpPr txBox="1"/>
           <p:nvPr>
             <p:ph idx="2" type="body"/>
@@ -12344,7 +13421,7 @@
       </p:sp>
       <p:sp>
         <p:nvSpPr>
-          <p:cNvPr id="133" name="Google Shape;133;p19"/>
+          <p:cNvPr id="111" name="Google Shape;111;p18"/>
           <p:cNvSpPr txBox="1"/>
           <p:nvPr>
             <p:ph type="title"/>
@@ -12377,6 +13454,147 @@
             <a:r>
               <a:rPr lang="en"/>
               <a:t>What is Garbage Collection?</a:t>
+            </a:r>
+            <a:endParaRPr/>
+          </a:p>
+        </p:txBody>
+      </p:sp>
+    </p:spTree>
+  </p:cSld>
+  <p:clrMapOvr>
+    <a:masterClrMapping/>
+  </p:clrMapOvr>
+</p:sld>
+</file>
+
+<file path=ppt/slides/slide7.xml><?xml version="1.0" encoding="utf-8"?>
+<p:sld xmlns:a="http://schemas.openxmlformats.org/drawingml/2006/main" xmlns:r="http://schemas.openxmlformats.org/officeDocument/2006/relationships" xmlns:mc="http://schemas.openxmlformats.org/markup-compatibility/2006" xmlns:mv="urn:schemas-microsoft-com:mac:vml" xmlns:p="http://schemas.openxmlformats.org/presentationml/2006/main" xmlns:c="http://schemas.openxmlformats.org/drawingml/2006/chart" xmlns:dgm="http://schemas.openxmlformats.org/drawingml/2006/diagram" xmlns:o="urn:schemas-microsoft-com:office:office" xmlns:v="urn:schemas-microsoft-com:vml" xmlns:pvml="urn:schemas-microsoft-com:office:powerpoint" xmlns:com="http://schemas.openxmlformats.org/drawingml/2006/compatibility" xmlns:p14="http://schemas.microsoft.com/office/powerpoint/2010/main" xmlns:p15="http://schemas.microsoft.com/office/powerpoint/2012/main" xmlns:ahyp="http://schemas.microsoft.com/office/drawing/2018/hyperlinkcolor">
+  <p:cSld>
+    <p:spTree>
+      <p:nvGrpSpPr>
+        <p:cNvPr id="115" name="Shape 115"/>
+        <p:cNvGrpSpPr/>
+        <p:nvPr/>
+      </p:nvGrpSpPr>
+      <p:grpSpPr>
+        <a:xfrm>
+          <a:off x="0" y="0"/>
+          <a:ext cx="0" cy="0"/>
+          <a:chOff x="0" y="0"/>
+          <a:chExt cx="0" cy="0"/>
+        </a:xfrm>
+      </p:grpSpPr>
+      <p:sp>
+        <p:nvSpPr>
+          <p:cNvPr id="116" name="Google Shape;116;p19"/>
+          <p:cNvSpPr txBox="1"/>
+          <p:nvPr>
+            <p:ph type="title"/>
+          </p:nvPr>
+        </p:nvSpPr>
+        <p:spPr>
+          <a:xfrm>
+            <a:off x="387900" y="458025"/>
+            <a:ext cx="8368200" cy="686100"/>
+          </a:xfrm>
+          <a:prstGeom prst="rect">
+            <a:avLst/>
+          </a:prstGeom>
+        </p:spPr>
+        <p:txBody>
+          <a:bodyPr anchorCtr="0" anchor="b" bIns="91425" lIns="91425" spcFirstLastPara="1" rIns="91425" wrap="square" tIns="91425">
+            <a:normAutofit/>
+          </a:bodyPr>
+          <a:lstStyle/>
+          <a:p>
+            <a:pPr indent="0" lvl="0" marL="0" rtl="0" algn="l">
+              <a:spcBef>
+                <a:spcPts val="0"/>
+              </a:spcBef>
+              <a:spcAft>
+                <a:spcPts val="0"/>
+              </a:spcAft>
+              <a:buNone/>
+            </a:pPr>
+            <a:r>
+              <a:rPr lang="en"/>
+              <a:t>Garbage Collection</a:t>
+            </a:r>
+            <a:endParaRPr/>
+          </a:p>
+        </p:txBody>
+      </p:sp>
+      <p:sp>
+        <p:nvSpPr>
+          <p:cNvPr id="117" name="Google Shape;117;p19"/>
+          <p:cNvSpPr txBox="1"/>
+          <p:nvPr>
+            <p:ph idx="1" type="body"/>
+          </p:nvPr>
+        </p:nvSpPr>
+        <p:spPr>
+          <a:xfrm>
+            <a:off x="387900" y="1489824"/>
+            <a:ext cx="8368200" cy="3078900"/>
+          </a:xfrm>
+          <a:prstGeom prst="rect">
+            <a:avLst/>
+          </a:prstGeom>
+        </p:spPr>
+        <p:txBody>
+          <a:bodyPr anchorCtr="0" anchor="t" bIns="91425" lIns="91425" spcFirstLastPara="1" rIns="91425" wrap="square" tIns="91425">
+            <a:normAutofit/>
+          </a:bodyPr>
+          <a:lstStyle/>
+          <a:p>
+            <a:pPr indent="0" lvl="0" marL="0" rtl="0" algn="l">
+              <a:spcBef>
+                <a:spcPts val="0"/>
+              </a:spcBef>
+              <a:spcAft>
+                <a:spcPts val="0"/>
+              </a:spcAft>
+              <a:buNone/>
+            </a:pPr>
+            <a:r>
+              <a:rPr lang="en"/>
+              <a:t>In the common language runtime (CLR), the garbage collector (GC) serves as an automatic memory manager.</a:t>
+            </a:r>
+            <a:r>
+              <a:rPr lang="en"/>
+              <a:t> It ensures efficient memory management and helps prevent memory leaks.</a:t>
+            </a:r>
+            <a:endParaRPr/>
+          </a:p>
+          <a:p>
+            <a:pPr indent="0" lvl="0" marL="0" rtl="0" algn="l">
+              <a:spcBef>
+                <a:spcPts val="1200"/>
+              </a:spcBef>
+              <a:spcAft>
+                <a:spcPts val="0"/>
+              </a:spcAft>
+              <a:buNone/>
+            </a:pPr>
+            <a:r>
+              <a:rPr lang="en"/>
+              <a:t>In simple terms, if something taking up memory is no longer needed or used, the garbage collection system automatically frees up that space by disposing the unused item.</a:t>
+            </a:r>
+            <a:endParaRPr/>
+          </a:p>
+          <a:p>
+            <a:pPr indent="0" lvl="0" marL="0" rtl="0" algn="l">
+              <a:spcBef>
+                <a:spcPts val="1200"/>
+              </a:spcBef>
+              <a:spcAft>
+                <a:spcPts val="1200"/>
+              </a:spcAft>
+              <a:buNone/>
+            </a:pPr>
+            <a:r>
+              <a:rPr lang="en"/>
+              <a:t>In primitive programming languages such as C/C++, memory must be manually managed by the programmer (malloc(), free(), new, delete).</a:t>
             </a:r>
             <a:endParaRPr/>
           </a:p>
@@ -12395,7 +13613,7 @@
   <p:cSld>
     <p:spTree>
       <p:nvGrpSpPr>
-        <p:cNvPr id="137" name="Shape 137"/>
+        <p:cNvPr id="121" name="Shape 121"/>
         <p:cNvGrpSpPr/>
         <p:nvPr/>
       </p:nvGrpSpPr>
@@ -12409,7 +13627,7 @@
       </p:grpSpPr>
       <p:sp>
         <p:nvSpPr>
-          <p:cNvPr id="138" name="Google Shape;138;p20"/>
+          <p:cNvPr id="122" name="Google Shape;122;p20"/>
           <p:cNvSpPr txBox="1"/>
           <p:nvPr>
             <p:ph type="title"/>
@@ -12441,7 +13659,7 @@
             </a:pPr>
             <a:r>
               <a:rPr lang="en"/>
-              <a:t>Garbage Collection</a:t>
+              <a:t>Benefits</a:t>
             </a:r>
             <a:endParaRPr/>
           </a:p>
@@ -12449,7 +13667,7 @@
       </p:sp>
       <p:sp>
         <p:nvSpPr>
-          <p:cNvPr id="139" name="Google Shape;139;p20"/>
+          <p:cNvPr id="123" name="Google Shape;123;p20"/>
           <p:cNvSpPr txBox="1"/>
           <p:nvPr>
             <p:ph idx="1" type="body"/>
@@ -12470,54 +13688,87 @@
           </a:bodyPr>
           <a:lstStyle/>
           <a:p>
-            <a:pPr indent="0" lvl="0" marL="0" rtl="0" algn="l">
-              <a:spcBef>
-                <a:spcPts val="0"/>
-              </a:spcBef>
-              <a:spcAft>
-                <a:spcPts val="0"/>
-              </a:spcAft>
-              <a:buNone/>
-            </a:pPr>
-            <a:r>
-              <a:rPr lang="en"/>
-              <a:t>In the common language runtime (CLR), the garbage collector (GC) serves as an automatic memory manager.</a:t>
-            </a:r>
-            <a:r>
-              <a:rPr lang="en"/>
-              <a:t> It ensures efficient memory management and helps prevent memory leaks.</a:t>
-            </a:r>
-            <a:endParaRPr/>
-          </a:p>
-          <a:p>
-            <a:pPr indent="0" lvl="0" marL="0" rtl="0" algn="l">
-              <a:spcBef>
-                <a:spcPts val="1200"/>
-              </a:spcBef>
-              <a:spcAft>
-                <a:spcPts val="0"/>
-              </a:spcAft>
-              <a:buNone/>
-            </a:pPr>
-            <a:r>
-              <a:rPr lang="en"/>
-              <a:t>In simple terms, if something taking up memory is no longer needed or used, the garbage collection system automatically frees up that space by disposing the unused item.</a:t>
-            </a:r>
-            <a:endParaRPr/>
-          </a:p>
-          <a:p>
-            <a:pPr indent="0" lvl="0" marL="0" rtl="0" algn="l">
-              <a:spcBef>
-                <a:spcPts val="1200"/>
-              </a:spcBef>
-              <a:spcAft>
-                <a:spcPts val="1200"/>
-              </a:spcAft>
-              <a:buNone/>
-            </a:pPr>
-            <a:r>
-              <a:rPr lang="en"/>
-              <a:t>In primitive programming languages such as C/C++, memory must be manually managed by the programmer (malloc(), free(), new, delete).</a:t>
+            <a:pPr indent="-342900" lvl="0" marL="457200" rtl="0" algn="l">
+              <a:spcBef>
+                <a:spcPts val="0"/>
+              </a:spcBef>
+              <a:spcAft>
+                <a:spcPts val="0"/>
+              </a:spcAft>
+              <a:buSzPts val="1800"/>
+              <a:buChar char="●"/>
+            </a:pPr>
+            <a:r>
+              <a:rPr lang="en"/>
+              <a:t>Frees developers from having to manually release memory.</a:t>
+            </a:r>
+            <a:endParaRPr/>
+          </a:p>
+          <a:p>
+            <a:pPr indent="-342900" lvl="0" marL="457200" rtl="0" algn="l">
+              <a:spcBef>
+                <a:spcPts val="0"/>
+              </a:spcBef>
+              <a:spcAft>
+                <a:spcPts val="0"/>
+              </a:spcAft>
+              <a:buSzPts val="1800"/>
+              <a:buChar char="●"/>
+            </a:pPr>
+            <a:r>
+              <a:rPr lang="en"/>
+              <a:t>Allocates objects on the managed heap efficiently.</a:t>
+            </a:r>
+            <a:endParaRPr/>
+          </a:p>
+          <a:p>
+            <a:pPr indent="-342900" lvl="0" marL="457200" rtl="0" algn="l">
+              <a:spcBef>
+                <a:spcPts val="0"/>
+              </a:spcBef>
+              <a:spcAft>
+                <a:spcPts val="0"/>
+              </a:spcAft>
+              <a:buSzPts val="1800"/>
+              <a:buChar char="●"/>
+            </a:pPr>
+            <a:r>
+              <a:rPr lang="en"/>
+              <a:t>Reclaims objects that are no longer being used, clears their memory, and keeps the memory available for future allocations.</a:t>
+            </a:r>
+            <a:endParaRPr/>
+          </a:p>
+          <a:p>
+            <a:pPr indent="-342900" lvl="0" marL="457200" rtl="0" algn="l">
+              <a:spcBef>
+                <a:spcPts val="0"/>
+              </a:spcBef>
+              <a:spcAft>
+                <a:spcPts val="0"/>
+              </a:spcAft>
+              <a:buSzPts val="1800"/>
+              <a:buChar char="●"/>
+            </a:pPr>
+            <a:r>
+              <a:rPr lang="en"/>
+              <a:t>Managed objects automatically get clean content to start with, so their constructors don’t have to initialize every data field.</a:t>
+            </a:r>
+            <a:endParaRPr/>
+          </a:p>
+          <a:p>
+            <a:pPr indent="-342900" lvl="0" marL="457200" rtl="0" algn="l">
+              <a:spcBef>
+                <a:spcPts val="0"/>
+              </a:spcBef>
+              <a:spcAft>
+                <a:spcPts val="0"/>
+              </a:spcAft>
+              <a:buSzPts val="1800"/>
+              <a:buChar char="●"/>
+            </a:pPr>
+            <a:r>
+              <a:rPr lang="en"/>
+              <a:t>Provides memory safety by making sure that an object can’t use for itself the memory allocated for another object.</a:t>
             </a:r>
             <a:endParaRPr/>
           </a:p>
@@ -12536,7 +13787,7 @@
   <p:cSld>
     <p:spTree>
       <p:nvGrpSpPr>
-        <p:cNvPr id="143" name="Shape 143"/>
+        <p:cNvPr id="127" name="Shape 127"/>
         <p:cNvGrpSpPr/>
         <p:nvPr/>
       </p:nvGrpSpPr>
@@ -12550,7 +13801,7 @@
       </p:grpSpPr>
       <p:sp>
         <p:nvSpPr>
-          <p:cNvPr id="144" name="Google Shape;144;p21"/>
+          <p:cNvPr id="128" name="Google Shape;128;p21"/>
           <p:cNvSpPr txBox="1"/>
           <p:nvPr>
             <p:ph type="title"/>
@@ -12582,7 +13833,7 @@
             </a:pPr>
             <a:r>
               <a:rPr lang="en"/>
-              <a:t>Benefits</a:t>
+              <a:t>Conditions for a garbage collection</a:t>
             </a:r>
             <a:endParaRPr/>
           </a:p>
@@ -12590,7 +13841,7 @@
       </p:sp>
       <p:sp>
         <p:nvSpPr>
-          <p:cNvPr id="145" name="Google Shape;145;p21"/>
+          <p:cNvPr id="129" name="Google Shape;129;p21"/>
           <p:cNvSpPr txBox="1"/>
           <p:nvPr>
             <p:ph idx="1" type="body"/>
@@ -12611,19 +13862,35 @@
           </a:bodyPr>
           <a:lstStyle/>
           <a:p>
+            <a:pPr indent="0" lvl="0" marL="0" rtl="0" algn="l">
+              <a:spcBef>
+                <a:spcPts val="0"/>
+              </a:spcBef>
+              <a:spcAft>
+                <a:spcPts val="0"/>
+              </a:spcAft>
+              <a:buNone/>
+            </a:pPr>
+            <a:r>
+              <a:rPr lang="en"/>
+              <a:t>Garbage collection occurs when one of the following conditions is true:</a:t>
+            </a:r>
+            <a:endParaRPr/>
+          </a:p>
+          <a:p>
             <a:pPr indent="-342900" lvl="0" marL="457200" rtl="0" algn="l">
               <a:spcBef>
-                <a:spcPts val="0"/>
+                <a:spcPts val="1200"/>
               </a:spcBef>
               <a:spcAft>
                 <a:spcPts val="0"/>
               </a:spcAft>
               <a:buSzPts val="1800"/>
-              <a:buChar char="●"/>
-            </a:pPr>
-            <a:r>
-              <a:rPr lang="en"/>
-              <a:t>Frees developers from having to manually release memory.</a:t>
+              <a:buAutoNum type="arabicPeriod"/>
+            </a:pPr>
+            <a:r>
+              <a:rPr lang="en"/>
+              <a:t>The system has low physical memory. The memory size can be detected by either the operating system or the host.</a:t>
             </a:r>
             <a:endParaRPr/>
           </a:p>
@@ -12636,11 +13903,11 @@
                 <a:spcPts val="0"/>
               </a:spcAft>
               <a:buSzPts val="1800"/>
-              <a:buChar char="●"/>
-            </a:pPr>
-            <a:r>
-              <a:rPr lang="en"/>
-              <a:t>Allocates objects on the managed heap efficiently.</a:t>
+              <a:buAutoNum type="arabicPeriod"/>
+            </a:pPr>
+            <a:r>
+              <a:rPr lang="en"/>
+              <a:t>The memory that’s used by allocated objects on the managed heap surpasses an acceptable threshold. This threshold is continuously adjusted as the process runs.</a:t>
             </a:r>
             <a:endParaRPr/>
           </a:p>
@@ -12653,45 +13920,15 @@
                 <a:spcPts val="0"/>
               </a:spcAft>
               <a:buSzPts val="1800"/>
-              <a:buChar char="●"/>
-            </a:pPr>
-            <a:r>
-              <a:rPr lang="en"/>
-              <a:t>Reclaims objects that are no longer being used, clears their memory, and keeps the memory available for future allocations.</a:t>
-            </a:r>
-            <a:endParaRPr/>
-          </a:p>
-          <a:p>
-            <a:pPr indent="-342900" lvl="0" marL="457200" rtl="0" algn="l">
-              <a:spcBef>
-                <a:spcPts val="0"/>
-              </a:spcBef>
-              <a:spcAft>
-                <a:spcPts val="0"/>
-              </a:spcAft>
-              <a:buSzPts val="1800"/>
-              <a:buChar char="●"/>
-            </a:pPr>
-            <a:r>
-              <a:rPr lang="en"/>
-              <a:t>Managed objects automatically get clean content to start with, so their constructors don’t have to initialize every data field.</a:t>
-            </a:r>
-            <a:endParaRPr/>
-          </a:p>
-          <a:p>
-            <a:pPr indent="-342900" lvl="0" marL="457200" rtl="0" algn="l">
-              <a:spcBef>
-                <a:spcPts val="0"/>
-              </a:spcBef>
-              <a:spcAft>
-                <a:spcPts val="0"/>
-              </a:spcAft>
-              <a:buSzPts val="1800"/>
-              <a:buChar char="●"/>
-            </a:pPr>
-            <a:r>
-              <a:rPr lang="en"/>
-              <a:t>Provides memory safety by making sure that an object can’t use for itself the memory allocated for another object.</a:t>
+              <a:buAutoNum type="arabicPeriod"/>
+            </a:pPr>
+            <a:r>
+              <a:rPr lang="en"/>
+              <a:t>The GC.Collect method is called. In almost all cases, calling this method is </a:t>
+            </a:r>
+            <a:r>
+              <a:rPr lang="en"/>
+              <a:t>unnecessary because the GC runs continuously.</a:t>
             </a:r>
             <a:endParaRPr/>
           </a:p>
@@ -12706,6 +13943,285 @@
 </file>
 
 <file path=ppt/theme/theme1.xml><?xml version="1.0" encoding="utf-8"?>
+<a:theme xmlns:a="http://schemas.openxmlformats.org/drawingml/2006/main" xmlns:r="http://schemas.openxmlformats.org/officeDocument/2006/relationships" name="Marina">
+  <a:themeElements>
+    <a:clrScheme name="Marina">
+      <a:dk1>
+        <a:srgbClr val="FFFFFF"/>
+      </a:dk1>
+      <a:lt1>
+        <a:srgbClr val="00517C"/>
+      </a:lt1>
+      <a:dk2>
+        <a:srgbClr val="004065"/>
+      </a:dk2>
+      <a:lt2>
+        <a:srgbClr val="CFD8DC"/>
+      </a:lt2>
+      <a:accent1>
+        <a:srgbClr val="0277BD"/>
+      </a:accent1>
+      <a:accent2>
+        <a:srgbClr val="558B2F"/>
+      </a:accent2>
+      <a:accent3>
+        <a:srgbClr val="009688"/>
+      </a:accent3>
+      <a:accent4>
+        <a:srgbClr val="039BE5"/>
+      </a:accent4>
+      <a:accent5>
+        <a:srgbClr val="8BC34A"/>
+      </a:accent5>
+      <a:accent6>
+        <a:srgbClr val="FFEB38"/>
+      </a:accent6>
+      <a:hlink>
+        <a:srgbClr val="8BC34A"/>
+      </a:hlink>
+      <a:folHlink>
+        <a:srgbClr val="8BC34A"/>
+      </a:folHlink>
+    </a:clrScheme>
+    <a:fontScheme name="Office">
+      <a:majorFont>
+        <a:latin typeface="Arial"/>
+        <a:ea typeface=""/>
+        <a:cs typeface=""/>
+        <a:font script="Jpan" typeface="ＭＳ Ｐゴシック"/>
+        <a:font script="Hang" typeface="맑은 고딕"/>
+        <a:font script="Hans" typeface="宋体"/>
+        <a:font script="Hant" typeface="新細明體"/>
+        <a:font script="Arab" typeface="Times New Roman"/>
+        <a:font script="Hebr" typeface="Times New Roman"/>
+        <a:font script="Thai" typeface="Angsana New"/>
+        <a:font script="Ethi" typeface="Nyala"/>
+        <a:font script="Beng" typeface="Vrinda"/>
+        <a:font script="Gujr" typeface="Shruti"/>
+        <a:font script="Khmr" typeface="MoolBoran"/>
+        <a:font script="Knda" typeface="Tunga"/>
+        <a:font script="Guru" typeface="Raavi"/>
+        <a:font script="Cans" typeface="Euphemia"/>
+        <a:font script="Cher" typeface="Plantagenet Cherokee"/>
+        <a:font script="Yiii" typeface="Microsoft Yi Baiti"/>
+        <a:font script="Tibt" typeface="Microsoft Himalaya"/>
+        <a:font script="Thaa" typeface="MV Boli"/>
+        <a:font script="Deva" typeface="Mangal"/>
+        <a:font script="Telu" typeface="Gautami"/>
+        <a:font script="Taml" typeface="Latha"/>
+        <a:font script="Syrc" typeface="Estrangelo Edessa"/>
+        <a:font script="Orya" typeface="Kalinga"/>
+        <a:font script="Mlym" typeface="Kartika"/>
+        <a:font script="Laoo" typeface="DokChampa"/>
+        <a:font script="Sinh" typeface="Iskoola Pota"/>
+        <a:font script="Mong" typeface="Mongolian Baiti"/>
+        <a:font script="Viet" typeface="Times New Roman"/>
+        <a:font script="Uigh" typeface="Microsoft Uighur"/>
+        <a:font script="Geor" typeface="Sylfaen"/>
+      </a:majorFont>
+      <a:minorFont>
+        <a:latin typeface="Arial"/>
+        <a:ea typeface=""/>
+        <a:cs typeface=""/>
+        <a:font script="Jpan" typeface="ＭＳ Ｐゴシック"/>
+        <a:font script="Hang" typeface="맑은 고딕"/>
+        <a:font script="Hans" typeface="宋体"/>
+        <a:font script="Hant" typeface="新細明體"/>
+        <a:font script="Arab" typeface="Arial"/>
+        <a:font script="Hebr" typeface="Arial"/>
+        <a:font script="Thai" typeface="Cordia New"/>
+        <a:font script="Ethi" typeface="Nyala"/>
+        <a:font script="Beng" typeface="Vrinda"/>
+        <a:font script="Gujr" typeface="Shruti"/>
+        <a:font script="Khmr" typeface="DaunPenh"/>
+        <a:font script="Knda" typeface="Tunga"/>
+        <a:font script="Guru" typeface="Raavi"/>
+        <a:font script="Cans" typeface="Euphemia"/>
+        <a:font script="Cher" typeface="Plantagenet Cherokee"/>
+        <a:font script="Yiii" typeface="Microsoft Yi Baiti"/>
+        <a:font script="Tibt" typeface="Microsoft Himalaya"/>
+        <a:font script="Thaa" typeface="MV Boli"/>
+        <a:font script="Deva" typeface="Mangal"/>
+        <a:font script="Telu" typeface="Gautami"/>
+        <a:font script="Taml" typeface="Latha"/>
+        <a:font script="Syrc" typeface="Estrangelo Edessa"/>
+        <a:font script="Orya" typeface="Kalinga"/>
+        <a:font script="Mlym" typeface="Kartika"/>
+        <a:font script="Laoo" typeface="DokChampa"/>
+        <a:font script="Sinh" typeface="Iskoola Pota"/>
+        <a:font script="Mong" typeface="Mongolian Baiti"/>
+        <a:font script="Viet" typeface="Arial"/>
+        <a:font script="Uigh" typeface="Microsoft Uighur"/>
+        <a:font script="Geor" typeface="Sylfaen"/>
+      </a:minorFont>
+    </a:fontScheme>
+    <a:fmtScheme name="Office">
+      <a:fillStyleLst>
+        <a:solidFill>
+          <a:schemeClr val="phClr"/>
+        </a:solidFill>
+        <a:gradFill rotWithShape="1">
+          <a:gsLst>
+            <a:gs pos="0">
+              <a:schemeClr val="phClr">
+                <a:tint val="50000"/>
+                <a:satMod val="300000"/>
+              </a:schemeClr>
+            </a:gs>
+            <a:gs pos="35000">
+              <a:schemeClr val="phClr">
+                <a:tint val="37000"/>
+                <a:satMod val="300000"/>
+              </a:schemeClr>
+            </a:gs>
+            <a:gs pos="100000">
+              <a:schemeClr val="phClr">
+                <a:tint val="15000"/>
+                <a:satMod val="350000"/>
+              </a:schemeClr>
+            </a:gs>
+          </a:gsLst>
+          <a:lin ang="16200000" scaled="1"/>
+        </a:gradFill>
+        <a:gradFill rotWithShape="1">
+          <a:gsLst>
+            <a:gs pos="0">
+              <a:schemeClr val="phClr">
+                <a:tint val="100000"/>
+                <a:shade val="100000"/>
+                <a:satMod val="130000"/>
+              </a:schemeClr>
+            </a:gs>
+            <a:gs pos="100000">
+              <a:schemeClr val="phClr">
+                <a:tint val="50000"/>
+                <a:shade val="100000"/>
+                <a:satMod val="350000"/>
+              </a:schemeClr>
+            </a:gs>
+          </a:gsLst>
+          <a:lin ang="16200000" scaled="0"/>
+        </a:gradFill>
+      </a:fillStyleLst>
+      <a:lnStyleLst>
+        <a:ln w="9525" cap="flat" cmpd="sng" algn="ctr">
+          <a:solidFill>
+            <a:schemeClr val="phClr">
+              <a:shade val="95000"/>
+              <a:satMod val="105000"/>
+            </a:schemeClr>
+          </a:solidFill>
+          <a:prstDash val="solid"/>
+        </a:ln>
+        <a:ln w="25400" cap="flat" cmpd="sng" algn="ctr">
+          <a:solidFill>
+            <a:schemeClr val="phClr"/>
+          </a:solidFill>
+          <a:prstDash val="solid"/>
+        </a:ln>
+        <a:ln w="38100" cap="flat" cmpd="sng" algn="ctr">
+          <a:solidFill>
+            <a:schemeClr val="phClr"/>
+          </a:solidFill>
+          <a:prstDash val="solid"/>
+        </a:ln>
+      </a:lnStyleLst>
+      <a:effectStyleLst>
+        <a:effectStyle>
+          <a:effectLst>
+            <a:outerShdw blurRad="40000" dist="20000" dir="5400000" rotWithShape="0">
+              <a:srgbClr val="000000">
+                <a:alpha val="38000"/>
+              </a:srgbClr>
+            </a:outerShdw>
+          </a:effectLst>
+        </a:effectStyle>
+        <a:effectStyle>
+          <a:effectLst>
+            <a:outerShdw blurRad="40000" dist="23000" dir="5400000" rotWithShape="0">
+              <a:srgbClr val="000000">
+                <a:alpha val="35000"/>
+              </a:srgbClr>
+            </a:outerShdw>
+          </a:effectLst>
+        </a:effectStyle>
+        <a:effectStyle>
+          <a:effectLst>
+            <a:outerShdw blurRad="40000" dist="23000" dir="5400000" rotWithShape="0">
+              <a:srgbClr val="000000">
+                <a:alpha val="35000"/>
+              </a:srgbClr>
+            </a:outerShdw>
+          </a:effectLst>
+          <a:scene3d>
+            <a:camera prst="orthographicFront">
+              <a:rot lat="0" lon="0" rev="0"/>
+            </a:camera>
+            <a:lightRig rig="threePt" dir="t">
+              <a:rot lat="0" lon="0" rev="1200000"/>
+            </a:lightRig>
+          </a:scene3d>
+          <a:sp3d>
+            <a:bevelT w="63500" h="25400"/>
+          </a:sp3d>
+        </a:effectStyle>
+      </a:effectStyleLst>
+      <a:bgFillStyleLst>
+        <a:solidFill>
+          <a:schemeClr val="phClr"/>
+        </a:solidFill>
+        <a:gradFill rotWithShape="1">
+          <a:gsLst>
+            <a:gs pos="0">
+              <a:schemeClr val="phClr">
+                <a:tint val="40000"/>
+                <a:satMod val="350000"/>
+              </a:schemeClr>
+            </a:gs>
+            <a:gs pos="40000">
+              <a:schemeClr val="phClr">
+                <a:tint val="45000"/>
+                <a:shade val="99000"/>
+                <a:satMod val="350000"/>
+              </a:schemeClr>
+            </a:gs>
+            <a:gs pos="100000">
+              <a:schemeClr val="phClr">
+                <a:shade val="20000"/>
+                <a:satMod val="255000"/>
+              </a:schemeClr>
+            </a:gs>
+          </a:gsLst>
+          <a:path path="circle">
+            <a:fillToRect l="50000" t="-80000" r="50000" b="180000"/>
+          </a:path>
+        </a:gradFill>
+        <a:gradFill rotWithShape="1">
+          <a:gsLst>
+            <a:gs pos="0">
+              <a:schemeClr val="phClr">
+                <a:tint val="80000"/>
+                <a:satMod val="300000"/>
+              </a:schemeClr>
+            </a:gs>
+            <a:gs pos="100000">
+              <a:schemeClr val="phClr">
+                <a:shade val="30000"/>
+                <a:satMod val="200000"/>
+              </a:schemeClr>
+            </a:gs>
+          </a:gsLst>
+          <a:path path="circle">
+            <a:fillToRect l="50000" t="50000" r="50000" b="50000"/>
+          </a:path>
+        </a:gradFill>
+      </a:bgFillStyleLst>
+    </a:fmtScheme>
+  </a:themeElements>
+</a:theme>
+</file>
+
+<file path=ppt/theme/theme2.xml><?xml version="1.0" encoding="utf-8"?>
 <a:theme xmlns:a="http://schemas.openxmlformats.org/drawingml/2006/main" xmlns:r="http://schemas.openxmlformats.org/officeDocument/2006/relationships">
   <a:themeElements>
     <a:clrScheme name="Default">
@@ -12982,283 +14498,4 @@
     </a:fmtScheme>
   </a:themeElements>
 </a:theme>
-</file>
-
-<file path=ppt/theme/theme2.xml><?xml version="1.0" encoding="utf-8"?>
-<a:theme xmlns:a="http://schemas.openxmlformats.org/drawingml/2006/main" xmlns:r="http://schemas.openxmlformats.org/officeDocument/2006/relationships" name="Marina">
-  <a:themeElements>
-    <a:clrScheme name="Marina">
-      <a:dk1>
-        <a:srgbClr val="FFFFFF"/>
-      </a:dk1>
-      <a:lt1>
-        <a:srgbClr val="00517C"/>
-      </a:lt1>
-      <a:dk2>
-        <a:srgbClr val="004065"/>
-      </a:dk2>
-      <a:lt2>
-        <a:srgbClr val="CFD8DC"/>
-      </a:lt2>
-      <a:accent1>
-        <a:srgbClr val="0277BD"/>
-      </a:accent1>
-      <a:accent2>
-        <a:srgbClr val="558B2F"/>
-      </a:accent2>
-      <a:accent3>
-        <a:srgbClr val="009688"/>
-      </a:accent3>
-      <a:accent4>
-        <a:srgbClr val="039BE5"/>
-      </a:accent4>
-      <a:accent5>
-        <a:srgbClr val="8BC34A"/>
-      </a:accent5>
-      <a:accent6>
-        <a:srgbClr val="FFEB38"/>
-      </a:accent6>
-      <a:hlink>
-        <a:srgbClr val="8BC34A"/>
-      </a:hlink>
-      <a:folHlink>
-        <a:srgbClr val="8BC34A"/>
-      </a:folHlink>
-    </a:clrScheme>
-    <a:fontScheme name="Office">
-      <a:majorFont>
-        <a:latin typeface="Arial"/>
-        <a:ea typeface=""/>
-        <a:cs typeface=""/>
-        <a:font script="Jpan" typeface="ＭＳ Ｐゴシック"/>
-        <a:font script="Hang" typeface="맑은 고딕"/>
-        <a:font script="Hans" typeface="宋体"/>
-        <a:font script="Hant" typeface="新細明體"/>
-        <a:font script="Arab" typeface="Times New Roman"/>
-        <a:font script="Hebr" typeface="Times New Roman"/>
-        <a:font script="Thai" typeface="Angsana New"/>
-        <a:font script="Ethi" typeface="Nyala"/>
-        <a:font script="Beng" typeface="Vrinda"/>
-        <a:font script="Gujr" typeface="Shruti"/>
-        <a:font script="Khmr" typeface="MoolBoran"/>
-        <a:font script="Knda" typeface="Tunga"/>
-        <a:font script="Guru" typeface="Raavi"/>
-        <a:font script="Cans" typeface="Euphemia"/>
-        <a:font script="Cher" typeface="Plantagenet Cherokee"/>
-        <a:font script="Yiii" typeface="Microsoft Yi Baiti"/>
-        <a:font script="Tibt" typeface="Microsoft Himalaya"/>
-        <a:font script="Thaa" typeface="MV Boli"/>
-        <a:font script="Deva" typeface="Mangal"/>
-        <a:font script="Telu" typeface="Gautami"/>
-        <a:font script="Taml" typeface="Latha"/>
-        <a:font script="Syrc" typeface="Estrangelo Edessa"/>
-        <a:font script="Orya" typeface="Kalinga"/>
-        <a:font script="Mlym" typeface="Kartika"/>
-        <a:font script="Laoo" typeface="DokChampa"/>
-        <a:font script="Sinh" typeface="Iskoola Pota"/>
-        <a:font script="Mong" typeface="Mongolian Baiti"/>
-        <a:font script="Viet" typeface="Times New Roman"/>
-        <a:font script="Uigh" typeface="Microsoft Uighur"/>
-        <a:font script="Geor" typeface="Sylfaen"/>
-      </a:majorFont>
-      <a:minorFont>
-        <a:latin typeface="Arial"/>
-        <a:ea typeface=""/>
-        <a:cs typeface=""/>
-        <a:font script="Jpan" typeface="ＭＳ Ｐゴシック"/>
-        <a:font script="Hang" typeface="맑은 고딕"/>
-        <a:font script="Hans" typeface="宋体"/>
-        <a:font script="Hant" typeface="新細明體"/>
-        <a:font script="Arab" typeface="Arial"/>
-        <a:font script="Hebr" typeface="Arial"/>
-        <a:font script="Thai" typeface="Cordia New"/>
-        <a:font script="Ethi" typeface="Nyala"/>
-        <a:font script="Beng" typeface="Vrinda"/>
-        <a:font script="Gujr" typeface="Shruti"/>
-        <a:font script="Khmr" typeface="DaunPenh"/>
-        <a:font script="Knda" typeface="Tunga"/>
-        <a:font script="Guru" typeface="Raavi"/>
-        <a:font script="Cans" typeface="Euphemia"/>
-        <a:font script="Cher" typeface="Plantagenet Cherokee"/>
-        <a:font script="Yiii" typeface="Microsoft Yi Baiti"/>
-        <a:font script="Tibt" typeface="Microsoft Himalaya"/>
-        <a:font script="Thaa" typeface="MV Boli"/>
-        <a:font script="Deva" typeface="Mangal"/>
-        <a:font script="Telu" typeface="Gautami"/>
-        <a:font script="Taml" typeface="Latha"/>
-        <a:font script="Syrc" typeface="Estrangelo Edessa"/>
-        <a:font script="Orya" typeface="Kalinga"/>
-        <a:font script="Mlym" typeface="Kartika"/>
-        <a:font script="Laoo" typeface="DokChampa"/>
-        <a:font script="Sinh" typeface="Iskoola Pota"/>
-        <a:font script="Mong" typeface="Mongolian Baiti"/>
-        <a:font script="Viet" typeface="Arial"/>
-        <a:font script="Uigh" typeface="Microsoft Uighur"/>
-        <a:font script="Geor" typeface="Sylfaen"/>
-      </a:minorFont>
-    </a:fontScheme>
-    <a:fmtScheme name="Office">
-      <a:fillStyleLst>
-        <a:solidFill>
-          <a:schemeClr val="phClr"/>
-        </a:solidFill>
-        <a:gradFill rotWithShape="1">
-          <a:gsLst>
-            <a:gs pos="0">
-              <a:schemeClr val="phClr">
-                <a:tint val="50000"/>
-                <a:satMod val="300000"/>
-              </a:schemeClr>
-            </a:gs>
-            <a:gs pos="35000">
-              <a:schemeClr val="phClr">
-                <a:tint val="37000"/>
-                <a:satMod val="300000"/>
-              </a:schemeClr>
-            </a:gs>
-            <a:gs pos="100000">
-              <a:schemeClr val="phClr">
-                <a:tint val="15000"/>
-                <a:satMod val="350000"/>
-              </a:schemeClr>
-            </a:gs>
-          </a:gsLst>
-          <a:lin ang="16200000" scaled="1"/>
-        </a:gradFill>
-        <a:gradFill rotWithShape="1">
-          <a:gsLst>
-            <a:gs pos="0">
-              <a:schemeClr val="phClr">
-                <a:tint val="100000"/>
-                <a:shade val="100000"/>
-                <a:satMod val="130000"/>
-              </a:schemeClr>
-            </a:gs>
-            <a:gs pos="100000">
-              <a:schemeClr val="phClr">
-                <a:tint val="50000"/>
-                <a:shade val="100000"/>
-                <a:satMod val="350000"/>
-              </a:schemeClr>
-            </a:gs>
-          </a:gsLst>
-          <a:lin ang="16200000" scaled="0"/>
-        </a:gradFill>
-      </a:fillStyleLst>
-      <a:lnStyleLst>
-        <a:ln w="9525" cap="flat" cmpd="sng" algn="ctr">
-          <a:solidFill>
-            <a:schemeClr val="phClr">
-              <a:shade val="95000"/>
-              <a:satMod val="105000"/>
-            </a:schemeClr>
-          </a:solidFill>
-          <a:prstDash val="solid"/>
-        </a:ln>
-        <a:ln w="25400" cap="flat" cmpd="sng" algn="ctr">
-          <a:solidFill>
-            <a:schemeClr val="phClr"/>
-          </a:solidFill>
-          <a:prstDash val="solid"/>
-        </a:ln>
-        <a:ln w="38100" cap="flat" cmpd="sng" algn="ctr">
-          <a:solidFill>
-            <a:schemeClr val="phClr"/>
-          </a:solidFill>
-          <a:prstDash val="solid"/>
-        </a:ln>
-      </a:lnStyleLst>
-      <a:effectStyleLst>
-        <a:effectStyle>
-          <a:effectLst>
-            <a:outerShdw blurRad="40000" dist="20000" dir="5400000" rotWithShape="0">
-              <a:srgbClr val="000000">
-                <a:alpha val="38000"/>
-              </a:srgbClr>
-            </a:outerShdw>
-          </a:effectLst>
-        </a:effectStyle>
-        <a:effectStyle>
-          <a:effectLst>
-            <a:outerShdw blurRad="40000" dist="23000" dir="5400000" rotWithShape="0">
-              <a:srgbClr val="000000">
-                <a:alpha val="35000"/>
-              </a:srgbClr>
-            </a:outerShdw>
-          </a:effectLst>
-        </a:effectStyle>
-        <a:effectStyle>
-          <a:effectLst>
-            <a:outerShdw blurRad="40000" dist="23000" dir="5400000" rotWithShape="0">
-              <a:srgbClr val="000000">
-                <a:alpha val="35000"/>
-              </a:srgbClr>
-            </a:outerShdw>
-          </a:effectLst>
-          <a:scene3d>
-            <a:camera prst="orthographicFront">
-              <a:rot lat="0" lon="0" rev="0"/>
-            </a:camera>
-            <a:lightRig rig="threePt" dir="t">
-              <a:rot lat="0" lon="0" rev="1200000"/>
-            </a:lightRig>
-          </a:scene3d>
-          <a:sp3d>
-            <a:bevelT w="63500" h="25400"/>
-          </a:sp3d>
-        </a:effectStyle>
-      </a:effectStyleLst>
-      <a:bgFillStyleLst>
-        <a:solidFill>
-          <a:schemeClr val="phClr"/>
-        </a:solidFill>
-        <a:gradFill rotWithShape="1">
-          <a:gsLst>
-            <a:gs pos="0">
-              <a:schemeClr val="phClr">
-                <a:tint val="40000"/>
-                <a:satMod val="350000"/>
-              </a:schemeClr>
-            </a:gs>
-            <a:gs pos="40000">
-              <a:schemeClr val="phClr">
-                <a:tint val="45000"/>
-                <a:shade val="99000"/>
-                <a:satMod val="350000"/>
-              </a:schemeClr>
-            </a:gs>
-            <a:gs pos="100000">
-              <a:schemeClr val="phClr">
-                <a:shade val="20000"/>
-                <a:satMod val="255000"/>
-              </a:schemeClr>
-            </a:gs>
-          </a:gsLst>
-          <a:path path="circle">
-            <a:fillToRect l="50000" t="-80000" r="50000" b="180000"/>
-          </a:path>
-        </a:gradFill>
-        <a:gradFill rotWithShape="1">
-          <a:gsLst>
-            <a:gs pos="0">
-              <a:schemeClr val="phClr">
-                <a:tint val="80000"/>
-                <a:satMod val="300000"/>
-              </a:schemeClr>
-            </a:gs>
-            <a:gs pos="100000">
-              <a:schemeClr val="phClr">
-                <a:shade val="30000"/>
-                <a:satMod val="200000"/>
-              </a:schemeClr>
-            </a:gs>
-          </a:gsLst>
-          <a:path path="circle">
-            <a:fillToRect l="50000" t="50000" r="50000" b="50000"/>
-          </a:path>
-        </a:gradFill>
-      </a:bgFillStyleLst>
-    </a:fmtScheme>
-  </a:themeElements>
-</a:theme>
 </file>